--- a/Presentations/1 - Introduction.pptx
+++ b/Presentations/1 - Introduction.pptx
@@ -5,15 +5,26 @@
     <p:sldMasterId id="2147483672" r:id="rId1"/>
   </p:sldMasterIdLst>
   <p:notesMasterIdLst>
-    <p:notesMasterId r:id="rId5"/>
+    <p:notesMasterId r:id="rId16"/>
   </p:notesMasterIdLst>
   <p:handoutMasterIdLst>
-    <p:handoutMasterId r:id="rId6"/>
+    <p:handoutMasterId r:id="rId17"/>
   </p:handoutMasterIdLst>
   <p:sldIdLst>
     <p:sldId id="256" r:id="rId2"/>
     <p:sldId id="257" r:id="rId3"/>
     <p:sldId id="258" r:id="rId4"/>
+    <p:sldId id="259" r:id="rId5"/>
+    <p:sldId id="260" r:id="rId6"/>
+    <p:sldId id="261" r:id="rId7"/>
+    <p:sldId id="262" r:id="rId8"/>
+    <p:sldId id="263" r:id="rId9"/>
+    <p:sldId id="264" r:id="rId10"/>
+    <p:sldId id="265" r:id="rId11"/>
+    <p:sldId id="266" r:id="rId12"/>
+    <p:sldId id="267" r:id="rId13"/>
+    <p:sldId id="268" r:id="rId14"/>
+    <p:sldId id="269" r:id="rId15"/>
   </p:sldIdLst>
   <p:sldSz cx="9144000" cy="6858000" type="screen4x3"/>
   <p:notesSz cx="6858000" cy="9144000"/>
@@ -217,7 +228,7 @@
           <a:p>
             <a:fld id="{FC61A6FD-3ACD-4666-B601-2198EA538879}" type="datetimeFigureOut">
               <a:rPr lang="en-US" smtClean="0"/>
-              <a:t>6/7/2019</a:t>
+              <a:t>6/17/2019</a:t>
             </a:fld>
             <a:endParaRPr lang="en-US"/>
           </a:p>
@@ -395,7 +406,7 @@
           <a:p>
             <a:fld id="{37DF9D4D-9EA6-4037-AB5B-4AEE090FBDF0}" type="datetimeFigureOut">
               <a:rPr lang="en-US" smtClean="0"/>
-              <a:t>6/7/2019</a:t>
+              <a:t>6/17/2019</a:t>
             </a:fld>
             <a:endParaRPr lang="en-US"/>
           </a:p>
@@ -663,6 +674,146 @@
 </p:notesMaster>
 </file>
 
+<file path=ppt/notesSlides/notesSlide1.xml><?xml version="1.0" encoding="utf-8"?>
+<p:notes xmlns:a="http://schemas.openxmlformats.org/drawingml/2006/main" xmlns:r="http://schemas.openxmlformats.org/officeDocument/2006/relationships" xmlns:p="http://schemas.openxmlformats.org/presentationml/2006/main">
+  <p:cSld>
+    <p:spTree>
+      <p:nvGrpSpPr>
+        <p:cNvPr id="1" name=""/>
+        <p:cNvGrpSpPr/>
+        <p:nvPr/>
+      </p:nvGrpSpPr>
+      <p:grpSpPr>
+        <a:xfrm>
+          <a:off x="0" y="0"/>
+          <a:ext cx="0" cy="0"/>
+          <a:chOff x="0" y="0"/>
+          <a:chExt cx="0" cy="0"/>
+        </a:xfrm>
+      </p:grpSpPr>
+      <p:sp>
+        <p:nvSpPr>
+          <p:cNvPr id="2" name="Slide Image Placeholder 1"/>
+          <p:cNvSpPr>
+            <a:spLocks noGrp="1" noRot="1" noChangeAspect="1"/>
+          </p:cNvSpPr>
+          <p:nvPr>
+            <p:ph type="sldImg"/>
+          </p:nvPr>
+        </p:nvSpPr>
+        <p:spPr/>
+      </p:sp>
+      <p:sp>
+        <p:nvSpPr>
+          <p:cNvPr id="3" name="Notes Placeholder 2"/>
+          <p:cNvSpPr>
+            <a:spLocks noGrp="1"/>
+          </p:cNvSpPr>
+          <p:nvPr>
+            <p:ph type="body" idx="1"/>
+          </p:nvPr>
+        </p:nvSpPr>
+        <p:spPr/>
+        <p:txBody>
+          <a:bodyPr/>
+          <a:lstStyle/>
+          <a:p>
+            <a:r>
+              <a:rPr lang="en-US" dirty="0" smtClean="0"/>
+              <a:t>Most of the applications</a:t>
+            </a:r>
+            <a:r>
+              <a:rPr lang="en-US" baseline="0" dirty="0" smtClean="0"/>
+              <a:t> across domains are event-driven in nature consisting of processing communicating with each other by sending messages.</a:t>
+            </a:r>
+          </a:p>
+          <a:p>
+            <a:endParaRPr lang="en-US" baseline="0" dirty="0" smtClean="0"/>
+          </a:p>
+          <a:p>
+            <a:r>
+              <a:rPr lang="en-US" baseline="0" dirty="0" smtClean="0"/>
+              <a:t>Device drivers in OS, web-app are event-driven. </a:t>
+            </a:r>
+          </a:p>
+          <a:p>
+            <a:r>
+              <a:rPr lang="en-US" baseline="0" dirty="0" smtClean="0"/>
+              <a:t>Distributed systems by </a:t>
+            </a:r>
+            <a:r>
+              <a:rPr lang="en-US" baseline="0" dirty="0" err="1" smtClean="0"/>
+              <a:t>contruction</a:t>
+            </a:r>
+            <a:r>
+              <a:rPr lang="en-US" baseline="0" dirty="0" smtClean="0"/>
+              <a:t> are event-driven in nature as nodes communicate by sending messaging.</a:t>
+            </a:r>
+          </a:p>
+          <a:p>
+            <a:r>
+              <a:rPr lang="en-US" baseline="0" dirty="0" smtClean="0"/>
+              <a:t>More recently, robotic applications are becoming more and more complex and are implemented as </a:t>
+            </a:r>
+            <a:r>
+              <a:rPr lang="en-US" baseline="0" dirty="0" err="1" smtClean="0"/>
+              <a:t>concurren</a:t>
+            </a:r>
+            <a:r>
+              <a:rPr lang="en-US" baseline="0" dirty="0" smtClean="0"/>
+              <a:t> event-driven systems.</a:t>
+            </a:r>
+          </a:p>
+          <a:p>
+            <a:endParaRPr lang="en-US" baseline="0" dirty="0" smtClean="0"/>
+          </a:p>
+          <a:p>
+            <a:r>
+              <a:rPr lang="en-US" baseline="0" dirty="0" smtClean="0"/>
+              <a:t>To summarize, the paradigm of event-driven programming is becoming popular across domains as the applications are becoming more and more parallel and distributed in nature.</a:t>
+            </a:r>
+          </a:p>
+          <a:p>
+            <a:endParaRPr lang="en-US" dirty="0"/>
+          </a:p>
+        </p:txBody>
+      </p:sp>
+      <p:sp>
+        <p:nvSpPr>
+          <p:cNvPr id="4" name="Slide Number Placeholder 3"/>
+          <p:cNvSpPr>
+            <a:spLocks noGrp="1"/>
+          </p:cNvSpPr>
+          <p:nvPr>
+            <p:ph type="sldNum" sz="quarter" idx="10"/>
+          </p:nvPr>
+        </p:nvSpPr>
+        <p:spPr/>
+        <p:txBody>
+          <a:bodyPr/>
+          <a:lstStyle/>
+          <a:p>
+            <a:fld id="{5D386647-7AE0-4CBA-AC4E-932692EE63ED}" type="slidenum">
+              <a:rPr lang="en-US" smtClean="0"/>
+              <a:t>4</a:t>
+            </a:fld>
+            <a:endParaRPr lang="en-US"/>
+          </a:p>
+        </p:txBody>
+      </p:sp>
+    </p:spTree>
+    <p:extLst>
+      <p:ext uri="{BB962C8B-B14F-4D97-AF65-F5344CB8AC3E}">
+        <p14:creationId xmlns:p14="http://schemas.microsoft.com/office/powerpoint/2010/main" val="2520193343"/>
+      </p:ext>
+    </p:extLst>
+  </p:cSld>
+  <p:clrMapOvr>
+    <a:masterClrMapping/>
+  </p:clrMapOvr>
+</p:notes>
+</file>
+
 <file path=ppt/slideLayouts/slideLayout1.xml><?xml version="1.0" encoding="utf-8"?>
 <p:sldLayout xmlns:a="http://schemas.openxmlformats.org/drawingml/2006/main" xmlns:r="http://schemas.openxmlformats.org/officeDocument/2006/relationships" xmlns:p="http://schemas.openxmlformats.org/presentationml/2006/main" preserve="1" userDrawn="1">
   <p:cSld name="Title Slide">
@@ -890,7 +1041,7 @@
           </a:lstStyle>
           <a:p>
             <a:r>
-              <a:rPr lang="en-US" dirty="0" smtClean="0">
+              <a:rPr lang="en-US" smtClean="0">
                 <a:solidFill>
                   <a:schemeClr val="tx1"/>
                 </a:solidFill>
@@ -925,8 +1076,12 @@
           </a:lstStyle>
           <a:p>
             <a:r>
+              <a:rPr lang="en-US" dirty="0" err="1" smtClean="0"/>
+              <a:t>SafeAsync</a:t>
+            </a:r>
+            <a:r>
               <a:rPr lang="en-US" dirty="0" smtClean="0"/>
-              <a:t>Compositional Programming and Testing of Event-Driven Systems</a:t>
+              <a:t>: Introduction</a:t>
             </a:r>
             <a:endParaRPr lang="en-US" dirty="0"/>
           </a:p>
@@ -1211,7 +1366,7 @@
           </a:lstStyle>
           <a:p>
             <a:r>
-              <a:rPr lang="en-US" dirty="0" smtClean="0"/>
+              <a:rPr lang="en-US" smtClean="0"/>
               <a:t>PLDI 2019</a:t>
             </a:r>
             <a:endParaRPr lang="en-US" dirty="0"/>
@@ -1242,8 +1397,12 @@
           </a:lstStyle>
           <a:p>
             <a:r>
+              <a:rPr lang="en-US" dirty="0" err="1" smtClean="0"/>
+              <a:t>SafeAsync</a:t>
+            </a:r>
+            <a:r>
               <a:rPr lang="en-US" dirty="0" smtClean="0"/>
-              <a:t>Compositional Programming and Testing of Event-Driven Systems</a:t>
+              <a:t>: Introduction</a:t>
             </a:r>
             <a:endParaRPr lang="en-US" dirty="0"/>
           </a:p>
@@ -1494,31 +1653,35 @@
           <a:lstStyle/>
           <a:p>
             <a:r>
+              <a:rPr lang="en-US" smtClean="0"/>
+              <a:t>PLDI 2019</a:t>
+            </a:r>
+            <a:endParaRPr lang="en-US" dirty="0"/>
+          </a:p>
+        </p:txBody>
+      </p:sp>
+      <p:sp>
+        <p:nvSpPr>
+          <p:cNvPr id="6" name="Footer Placeholder 5"/>
+          <p:cNvSpPr>
+            <a:spLocks noGrp="1"/>
+          </p:cNvSpPr>
+          <p:nvPr>
+            <p:ph type="ftr" sz="quarter" idx="11"/>
+          </p:nvPr>
+        </p:nvSpPr>
+        <p:spPr/>
+        <p:txBody>
+          <a:bodyPr/>
+          <a:lstStyle/>
+          <a:p>
+            <a:r>
+              <a:rPr lang="en-US" dirty="0" err="1" smtClean="0"/>
+              <a:t>SafeAsync</a:t>
+            </a:r>
+            <a:r>
               <a:rPr lang="en-US" dirty="0" smtClean="0"/>
-              <a:t>PLDI 2019</a:t>
-            </a:r>
-            <a:endParaRPr lang="en-US" dirty="0"/>
-          </a:p>
-        </p:txBody>
-      </p:sp>
-      <p:sp>
-        <p:nvSpPr>
-          <p:cNvPr id="6" name="Footer Placeholder 5"/>
-          <p:cNvSpPr>
-            <a:spLocks noGrp="1"/>
-          </p:cNvSpPr>
-          <p:nvPr>
-            <p:ph type="ftr" sz="quarter" idx="11"/>
-          </p:nvPr>
-        </p:nvSpPr>
-        <p:spPr/>
-        <p:txBody>
-          <a:bodyPr/>
-          <a:lstStyle/>
-          <a:p>
-            <a:r>
-              <a:rPr lang="en-US" dirty="0" smtClean="0"/>
-              <a:t>Compositional Programming and Testing of Event-Driven Systems</a:t>
+              <a:t>: Introduction</a:t>
             </a:r>
             <a:endParaRPr lang="en-US" dirty="0"/>
           </a:p>
@@ -1845,7 +2008,7 @@
           <a:p>
             <a:r>
               <a:rPr lang="en-US" smtClean="0"/>
-              <a:t>OOPSLA 2018</a:t>
+              <a:t>PLDI 2019</a:t>
             </a:r>
             <a:endParaRPr lang="en-US"/>
           </a:p>
@@ -1881,7 +2044,7 @@
           <a:p>
             <a:r>
               <a:rPr lang="en-US" smtClean="0"/>
-              <a:t>Compositional Programming and Testing of Dynamic Distributed Systems</a:t>
+              <a:t>SafeAsync: Introduction</a:t>
             </a:r>
             <a:endParaRPr lang="en-US"/>
           </a:p>
@@ -2231,7 +2394,7 @@
           <a:p>
             <a:r>
               <a:rPr lang="en-US" smtClean="0"/>
-              <a:t>OOPSLA 2018</a:t>
+              <a:t>PLDI 2019</a:t>
             </a:r>
             <a:endParaRPr lang="en-US"/>
           </a:p>
@@ -2254,7 +2417,7 @@
           <a:p>
             <a:r>
               <a:rPr lang="en-US" smtClean="0"/>
-              <a:t>Compositional Programming and Testing of Dynamic Distributed Systems</a:t>
+              <a:t>SafeAsync: Introduction</a:t>
             </a:r>
             <a:endParaRPr lang="en-US"/>
           </a:p>
@@ -2405,7 +2568,7 @@
           <a:p>
             <a:r>
               <a:rPr lang="en-US" smtClean="0"/>
-              <a:t>OOPSLA 2018</a:t>
+              <a:t>PLDI 2019</a:t>
             </a:r>
             <a:endParaRPr lang="en-US"/>
           </a:p>
@@ -2427,10 +2590,14 @@
           <a:lstStyle/>
           <a:p>
             <a:r>
-              <a:rPr lang="en-US" smtClean="0"/>
-              <a:t>Compositional Programming and Testing of Dynamic Distributed Systems</a:t>
-            </a:r>
-            <a:endParaRPr lang="en-US"/>
+              <a:rPr lang="en-US" dirty="0" err="1" smtClean="0"/>
+              <a:t>SafeAsync</a:t>
+            </a:r>
+            <a:r>
+              <a:rPr lang="en-US" dirty="0" smtClean="0"/>
+              <a:t>: Introduction</a:t>
+            </a:r>
+            <a:endParaRPr lang="en-US" dirty="0"/>
           </a:p>
         </p:txBody>
       </p:sp>
@@ -2665,7 +2832,7 @@
           <a:p>
             <a:r>
               <a:rPr lang="en-US" smtClean="0"/>
-              <a:t>OOPSLA 2018</a:t>
+              <a:t>PLDI 2019</a:t>
             </a:r>
             <a:endParaRPr lang="en-US"/>
           </a:p>
@@ -2688,7 +2855,7 @@
           <a:p>
             <a:r>
               <a:rPr lang="en-US" smtClean="0"/>
-              <a:t>Compositional Programming and Testing of Dynamic Distributed Systems</a:t>
+              <a:t>SafeAsync: Introduction</a:t>
             </a:r>
             <a:endParaRPr lang="en-US"/>
           </a:p>
@@ -2942,7 +3109,7 @@
           </a:lstStyle>
           <a:p>
             <a:r>
-              <a:rPr lang="en-US" dirty="0" smtClean="0"/>
+              <a:rPr lang="en-US" smtClean="0"/>
               <a:t>PLDI 2019</a:t>
             </a:r>
             <a:endParaRPr lang="en-US" dirty="0"/>
@@ -2983,8 +3150,12 @@
           </a:lstStyle>
           <a:p>
             <a:r>
+              <a:rPr lang="en-US" dirty="0" err="1" smtClean="0"/>
+              <a:t>SafeAsync</a:t>
+            </a:r>
+            <a:r>
               <a:rPr lang="en-US" dirty="0" smtClean="0"/>
-              <a:t>Compositional Programming and Testing of Event-Driven Systems</a:t>
+              <a:t>: Introduction</a:t>
             </a:r>
             <a:endParaRPr lang="en-US" dirty="0"/>
           </a:p>
@@ -3555,6 +3726,722 @@
 </p:sld>
 </file>
 
+<file path=ppt/slides/slide10.xml><?xml version="1.0" encoding="utf-8"?>
+<p:sld xmlns:a="http://schemas.openxmlformats.org/drawingml/2006/main" xmlns:r="http://schemas.openxmlformats.org/officeDocument/2006/relationships" xmlns:p="http://schemas.openxmlformats.org/presentationml/2006/main">
+  <p:cSld>
+    <p:spTree>
+      <p:nvGrpSpPr>
+        <p:cNvPr id="1" name=""/>
+        <p:cNvGrpSpPr/>
+        <p:nvPr/>
+      </p:nvGrpSpPr>
+      <p:grpSpPr>
+        <a:xfrm>
+          <a:off x="0" y="0"/>
+          <a:ext cx="0" cy="0"/>
+          <a:chOff x="0" y="0"/>
+          <a:chExt cx="0" cy="0"/>
+        </a:xfrm>
+      </p:grpSpPr>
+      <p:sp>
+        <p:nvSpPr>
+          <p:cNvPr id="2" name="Title 1"/>
+          <p:cNvSpPr>
+            <a:spLocks noGrp="1"/>
+          </p:cNvSpPr>
+          <p:nvPr>
+            <p:ph type="title"/>
+          </p:nvPr>
+        </p:nvSpPr>
+        <p:spPr/>
+        <p:txBody>
+          <a:bodyPr/>
+          <a:lstStyle/>
+          <a:p>
+            <a:r>
+              <a:rPr lang="en-US" dirty="0" smtClean="0"/>
+              <a:t>Origin P (USB 3.0)</a:t>
+            </a:r>
+            <a:endParaRPr lang="en-US" dirty="0"/>
+          </a:p>
+        </p:txBody>
+      </p:sp>
+      <p:sp>
+        <p:nvSpPr>
+          <p:cNvPr id="3" name="Content Placeholder 2"/>
+          <p:cNvSpPr>
+            <a:spLocks noGrp="1"/>
+          </p:cNvSpPr>
+          <p:nvPr>
+            <p:ph idx="1"/>
+          </p:nvPr>
+        </p:nvSpPr>
+        <p:spPr/>
+        <p:txBody>
+          <a:bodyPr/>
+          <a:lstStyle/>
+          <a:p>
+            <a:endParaRPr lang="en-US"/>
+          </a:p>
+        </p:txBody>
+      </p:sp>
+      <p:sp>
+        <p:nvSpPr>
+          <p:cNvPr id="4" name="Date Placeholder 3"/>
+          <p:cNvSpPr>
+            <a:spLocks noGrp="1"/>
+          </p:cNvSpPr>
+          <p:nvPr>
+            <p:ph type="dt" sz="half" idx="10"/>
+          </p:nvPr>
+        </p:nvSpPr>
+        <p:spPr/>
+        <p:txBody>
+          <a:bodyPr/>
+          <a:lstStyle/>
+          <a:p>
+            <a:r>
+              <a:rPr lang="en-US" smtClean="0"/>
+              <a:t>PLDI 2019</a:t>
+            </a:r>
+            <a:endParaRPr lang="en-US" dirty="0"/>
+          </a:p>
+        </p:txBody>
+      </p:sp>
+      <p:sp>
+        <p:nvSpPr>
+          <p:cNvPr id="5" name="Footer Placeholder 4"/>
+          <p:cNvSpPr>
+            <a:spLocks noGrp="1"/>
+          </p:cNvSpPr>
+          <p:nvPr>
+            <p:ph type="ftr" sz="quarter" idx="11"/>
+          </p:nvPr>
+        </p:nvSpPr>
+        <p:spPr/>
+        <p:txBody>
+          <a:bodyPr/>
+          <a:lstStyle/>
+          <a:p>
+            <a:r>
+              <a:rPr lang="en-US" smtClean="0"/>
+              <a:t>SafeAsync: Introduction</a:t>
+            </a:r>
+            <a:endParaRPr lang="en-US" dirty="0"/>
+          </a:p>
+        </p:txBody>
+      </p:sp>
+      <p:sp>
+        <p:nvSpPr>
+          <p:cNvPr id="6" name="Slide Number Placeholder 5"/>
+          <p:cNvSpPr>
+            <a:spLocks noGrp="1"/>
+          </p:cNvSpPr>
+          <p:nvPr>
+            <p:ph type="sldNum" sz="quarter" idx="12"/>
+          </p:nvPr>
+        </p:nvSpPr>
+        <p:spPr/>
+        <p:txBody>
+          <a:bodyPr/>
+          <a:lstStyle/>
+          <a:p>
+            <a:fld id="{77CC721F-1D71-470D-9ADD-E53F1C9EB23A}" type="slidenum">
+              <a:rPr lang="en-US" smtClean="0"/>
+              <a:pPr/>
+              <a:t>10</a:t>
+            </a:fld>
+            <a:endParaRPr lang="en-US" dirty="0"/>
+          </a:p>
+        </p:txBody>
+      </p:sp>
+    </p:spTree>
+    <p:extLst>
+      <p:ext uri="{BB962C8B-B14F-4D97-AF65-F5344CB8AC3E}">
+        <p14:creationId xmlns:p14="http://schemas.microsoft.com/office/powerpoint/2010/main" val="3735308433"/>
+      </p:ext>
+    </p:extLst>
+  </p:cSld>
+  <p:clrMapOvr>
+    <a:masterClrMapping/>
+  </p:clrMapOvr>
+</p:sld>
+</file>
+
+<file path=ppt/slides/slide11.xml><?xml version="1.0" encoding="utf-8"?>
+<p:sld xmlns:a="http://schemas.openxmlformats.org/drawingml/2006/main" xmlns:r="http://schemas.openxmlformats.org/officeDocument/2006/relationships" xmlns:p="http://schemas.openxmlformats.org/presentationml/2006/main">
+  <p:cSld>
+    <p:spTree>
+      <p:nvGrpSpPr>
+        <p:cNvPr id="1" name=""/>
+        <p:cNvGrpSpPr/>
+        <p:nvPr/>
+      </p:nvGrpSpPr>
+      <p:grpSpPr>
+        <a:xfrm>
+          <a:off x="0" y="0"/>
+          <a:ext cx="0" cy="0"/>
+          <a:chOff x="0" y="0"/>
+          <a:chExt cx="0" cy="0"/>
+        </a:xfrm>
+      </p:grpSpPr>
+      <p:sp>
+        <p:nvSpPr>
+          <p:cNvPr id="2" name="Title 1"/>
+          <p:cNvSpPr>
+            <a:spLocks noGrp="1"/>
+          </p:cNvSpPr>
+          <p:nvPr>
+            <p:ph type="title"/>
+          </p:nvPr>
+        </p:nvSpPr>
+        <p:spPr/>
+        <p:txBody>
+          <a:bodyPr/>
+          <a:lstStyle/>
+          <a:p>
+            <a:r>
+              <a:rPr lang="en-US" dirty="0" smtClean="0"/>
+              <a:t>Teams that Used/Adapted P</a:t>
+            </a:r>
+            <a:endParaRPr lang="en-US" dirty="0"/>
+          </a:p>
+        </p:txBody>
+      </p:sp>
+      <p:sp>
+        <p:nvSpPr>
+          <p:cNvPr id="3" name="Content Placeholder 2"/>
+          <p:cNvSpPr>
+            <a:spLocks noGrp="1"/>
+          </p:cNvSpPr>
+          <p:nvPr>
+            <p:ph idx="1"/>
+          </p:nvPr>
+        </p:nvSpPr>
+        <p:spPr/>
+        <p:txBody>
+          <a:bodyPr/>
+          <a:lstStyle/>
+          <a:p>
+            <a:endParaRPr lang="en-US"/>
+          </a:p>
+        </p:txBody>
+      </p:sp>
+      <p:sp>
+        <p:nvSpPr>
+          <p:cNvPr id="4" name="Date Placeholder 3"/>
+          <p:cNvSpPr>
+            <a:spLocks noGrp="1"/>
+          </p:cNvSpPr>
+          <p:nvPr>
+            <p:ph type="dt" sz="half" idx="10"/>
+          </p:nvPr>
+        </p:nvSpPr>
+        <p:spPr/>
+        <p:txBody>
+          <a:bodyPr/>
+          <a:lstStyle/>
+          <a:p>
+            <a:r>
+              <a:rPr lang="en-US" smtClean="0"/>
+              <a:t>PLDI 2019</a:t>
+            </a:r>
+            <a:endParaRPr lang="en-US" dirty="0"/>
+          </a:p>
+        </p:txBody>
+      </p:sp>
+      <p:sp>
+        <p:nvSpPr>
+          <p:cNvPr id="5" name="Footer Placeholder 4"/>
+          <p:cNvSpPr>
+            <a:spLocks noGrp="1"/>
+          </p:cNvSpPr>
+          <p:nvPr>
+            <p:ph type="ftr" sz="quarter" idx="11"/>
+          </p:nvPr>
+        </p:nvSpPr>
+        <p:spPr/>
+        <p:txBody>
+          <a:bodyPr/>
+          <a:lstStyle/>
+          <a:p>
+            <a:r>
+              <a:rPr lang="en-US" smtClean="0"/>
+              <a:t>SafeAsync: Introduction</a:t>
+            </a:r>
+            <a:endParaRPr lang="en-US" dirty="0"/>
+          </a:p>
+        </p:txBody>
+      </p:sp>
+      <p:sp>
+        <p:nvSpPr>
+          <p:cNvPr id="6" name="Slide Number Placeholder 5"/>
+          <p:cNvSpPr>
+            <a:spLocks noGrp="1"/>
+          </p:cNvSpPr>
+          <p:nvPr>
+            <p:ph type="sldNum" sz="quarter" idx="12"/>
+          </p:nvPr>
+        </p:nvSpPr>
+        <p:spPr/>
+        <p:txBody>
+          <a:bodyPr/>
+          <a:lstStyle/>
+          <a:p>
+            <a:fld id="{77CC721F-1D71-470D-9ADD-E53F1C9EB23A}" type="slidenum">
+              <a:rPr lang="en-US" smtClean="0"/>
+              <a:pPr/>
+              <a:t>11</a:t>
+            </a:fld>
+            <a:endParaRPr lang="en-US" dirty="0"/>
+          </a:p>
+        </p:txBody>
+      </p:sp>
+    </p:spTree>
+    <p:extLst>
+      <p:ext uri="{BB962C8B-B14F-4D97-AF65-F5344CB8AC3E}">
+        <p14:creationId xmlns:p14="http://schemas.microsoft.com/office/powerpoint/2010/main" val="3539792612"/>
+      </p:ext>
+    </p:extLst>
+  </p:cSld>
+  <p:clrMapOvr>
+    <a:masterClrMapping/>
+  </p:clrMapOvr>
+</p:sld>
+</file>
+
+<file path=ppt/slides/slide12.xml><?xml version="1.0" encoding="utf-8"?>
+<p:sld xmlns:a="http://schemas.openxmlformats.org/drawingml/2006/main" xmlns:r="http://schemas.openxmlformats.org/officeDocument/2006/relationships" xmlns:p="http://schemas.openxmlformats.org/presentationml/2006/main">
+  <p:cSld>
+    <p:spTree>
+      <p:nvGrpSpPr>
+        <p:cNvPr id="1" name=""/>
+        <p:cNvGrpSpPr/>
+        <p:nvPr/>
+      </p:nvGrpSpPr>
+      <p:grpSpPr>
+        <a:xfrm>
+          <a:off x="0" y="0"/>
+          <a:ext cx="0" cy="0"/>
+          <a:chOff x="0" y="0"/>
+          <a:chExt cx="0" cy="0"/>
+        </a:xfrm>
+      </p:grpSpPr>
+      <p:sp>
+        <p:nvSpPr>
+          <p:cNvPr id="2" name="Title 1"/>
+          <p:cNvSpPr>
+            <a:spLocks noGrp="1"/>
+          </p:cNvSpPr>
+          <p:nvPr>
+            <p:ph type="title"/>
+          </p:nvPr>
+        </p:nvSpPr>
+        <p:spPr/>
+        <p:txBody>
+          <a:bodyPr/>
+          <a:lstStyle/>
+          <a:p>
+            <a:r>
+              <a:rPr lang="en-US" dirty="0" smtClean="0"/>
+              <a:t>Impact of P#</a:t>
+            </a:r>
+            <a:endParaRPr lang="en-US" dirty="0"/>
+          </a:p>
+        </p:txBody>
+      </p:sp>
+      <p:sp>
+        <p:nvSpPr>
+          <p:cNvPr id="3" name="Content Placeholder 2"/>
+          <p:cNvSpPr>
+            <a:spLocks noGrp="1"/>
+          </p:cNvSpPr>
+          <p:nvPr>
+            <p:ph idx="1"/>
+          </p:nvPr>
+        </p:nvSpPr>
+        <p:spPr/>
+        <p:txBody>
+          <a:bodyPr/>
+          <a:lstStyle/>
+          <a:p>
+            <a:endParaRPr lang="en-US"/>
+          </a:p>
+        </p:txBody>
+      </p:sp>
+      <p:sp>
+        <p:nvSpPr>
+          <p:cNvPr id="4" name="Date Placeholder 3"/>
+          <p:cNvSpPr>
+            <a:spLocks noGrp="1"/>
+          </p:cNvSpPr>
+          <p:nvPr>
+            <p:ph type="dt" sz="half" idx="10"/>
+          </p:nvPr>
+        </p:nvSpPr>
+        <p:spPr/>
+        <p:txBody>
+          <a:bodyPr/>
+          <a:lstStyle/>
+          <a:p>
+            <a:r>
+              <a:rPr lang="en-US" smtClean="0"/>
+              <a:t>PLDI 2019</a:t>
+            </a:r>
+            <a:endParaRPr lang="en-US" dirty="0"/>
+          </a:p>
+        </p:txBody>
+      </p:sp>
+      <p:sp>
+        <p:nvSpPr>
+          <p:cNvPr id="5" name="Footer Placeholder 4"/>
+          <p:cNvSpPr>
+            <a:spLocks noGrp="1"/>
+          </p:cNvSpPr>
+          <p:nvPr>
+            <p:ph type="ftr" sz="quarter" idx="11"/>
+          </p:nvPr>
+        </p:nvSpPr>
+        <p:spPr/>
+        <p:txBody>
+          <a:bodyPr/>
+          <a:lstStyle/>
+          <a:p>
+            <a:r>
+              <a:rPr lang="en-US" smtClean="0"/>
+              <a:t>SafeAsync: Introduction</a:t>
+            </a:r>
+            <a:endParaRPr lang="en-US" dirty="0"/>
+          </a:p>
+        </p:txBody>
+      </p:sp>
+      <p:sp>
+        <p:nvSpPr>
+          <p:cNvPr id="6" name="Slide Number Placeholder 5"/>
+          <p:cNvSpPr>
+            <a:spLocks noGrp="1"/>
+          </p:cNvSpPr>
+          <p:nvPr>
+            <p:ph type="sldNum" sz="quarter" idx="12"/>
+          </p:nvPr>
+        </p:nvSpPr>
+        <p:spPr/>
+        <p:txBody>
+          <a:bodyPr/>
+          <a:lstStyle/>
+          <a:p>
+            <a:fld id="{77CC721F-1D71-470D-9ADD-E53F1C9EB23A}" type="slidenum">
+              <a:rPr lang="en-US" smtClean="0"/>
+              <a:pPr/>
+              <a:t>12</a:t>
+            </a:fld>
+            <a:endParaRPr lang="en-US" dirty="0"/>
+          </a:p>
+        </p:txBody>
+      </p:sp>
+    </p:spTree>
+    <p:extLst>
+      <p:ext uri="{BB962C8B-B14F-4D97-AF65-F5344CB8AC3E}">
+        <p14:creationId xmlns:p14="http://schemas.microsoft.com/office/powerpoint/2010/main" val="1023344973"/>
+      </p:ext>
+    </p:extLst>
+  </p:cSld>
+  <p:clrMapOvr>
+    <a:masterClrMapping/>
+  </p:clrMapOvr>
+</p:sld>
+</file>
+
+<file path=ppt/slides/slide13.xml><?xml version="1.0" encoding="utf-8"?>
+<p:sld xmlns:a="http://schemas.openxmlformats.org/drawingml/2006/main" xmlns:r="http://schemas.openxmlformats.org/officeDocument/2006/relationships" xmlns:p="http://schemas.openxmlformats.org/presentationml/2006/main">
+  <p:cSld>
+    <p:spTree>
+      <p:nvGrpSpPr>
+        <p:cNvPr id="1" name=""/>
+        <p:cNvGrpSpPr/>
+        <p:nvPr/>
+      </p:nvGrpSpPr>
+      <p:grpSpPr>
+        <a:xfrm>
+          <a:off x="0" y="0"/>
+          <a:ext cx="0" cy="0"/>
+          <a:chOff x="0" y="0"/>
+          <a:chExt cx="0" cy="0"/>
+        </a:xfrm>
+      </p:grpSpPr>
+      <p:sp>
+        <p:nvSpPr>
+          <p:cNvPr id="2" name="Title 1"/>
+          <p:cNvSpPr>
+            <a:spLocks noGrp="1"/>
+          </p:cNvSpPr>
+          <p:nvPr>
+            <p:ph type="title"/>
+          </p:nvPr>
+        </p:nvSpPr>
+        <p:spPr/>
+        <p:txBody>
+          <a:bodyPr/>
+          <a:lstStyle/>
+          <a:p>
+            <a:r>
+              <a:rPr lang="en-US" dirty="0" smtClean="0"/>
+              <a:t>Learnings from P to P#</a:t>
+            </a:r>
+            <a:endParaRPr lang="en-US" dirty="0"/>
+          </a:p>
+        </p:txBody>
+      </p:sp>
+      <p:sp>
+        <p:nvSpPr>
+          <p:cNvPr id="3" name="Content Placeholder 2"/>
+          <p:cNvSpPr>
+            <a:spLocks noGrp="1"/>
+          </p:cNvSpPr>
+          <p:nvPr>
+            <p:ph idx="1"/>
+          </p:nvPr>
+        </p:nvSpPr>
+        <p:spPr/>
+        <p:txBody>
+          <a:bodyPr/>
+          <a:lstStyle/>
+          <a:p>
+            <a:endParaRPr lang="en-US"/>
+          </a:p>
+        </p:txBody>
+      </p:sp>
+      <p:sp>
+        <p:nvSpPr>
+          <p:cNvPr id="4" name="Date Placeholder 3"/>
+          <p:cNvSpPr>
+            <a:spLocks noGrp="1"/>
+          </p:cNvSpPr>
+          <p:nvPr>
+            <p:ph type="dt" sz="half" idx="10"/>
+          </p:nvPr>
+        </p:nvSpPr>
+        <p:spPr/>
+        <p:txBody>
+          <a:bodyPr/>
+          <a:lstStyle/>
+          <a:p>
+            <a:r>
+              <a:rPr lang="en-US" smtClean="0"/>
+              <a:t>PLDI 2019</a:t>
+            </a:r>
+            <a:endParaRPr lang="en-US" dirty="0"/>
+          </a:p>
+        </p:txBody>
+      </p:sp>
+      <p:sp>
+        <p:nvSpPr>
+          <p:cNvPr id="5" name="Footer Placeholder 4"/>
+          <p:cNvSpPr>
+            <a:spLocks noGrp="1"/>
+          </p:cNvSpPr>
+          <p:nvPr>
+            <p:ph type="ftr" sz="quarter" idx="11"/>
+          </p:nvPr>
+        </p:nvSpPr>
+        <p:spPr/>
+        <p:txBody>
+          <a:bodyPr/>
+          <a:lstStyle/>
+          <a:p>
+            <a:r>
+              <a:rPr lang="en-US" smtClean="0"/>
+              <a:t>SafeAsync: Introduction</a:t>
+            </a:r>
+            <a:endParaRPr lang="en-US" dirty="0"/>
+          </a:p>
+        </p:txBody>
+      </p:sp>
+      <p:sp>
+        <p:nvSpPr>
+          <p:cNvPr id="6" name="Slide Number Placeholder 5"/>
+          <p:cNvSpPr>
+            <a:spLocks noGrp="1"/>
+          </p:cNvSpPr>
+          <p:nvPr>
+            <p:ph type="sldNum" sz="quarter" idx="12"/>
+          </p:nvPr>
+        </p:nvSpPr>
+        <p:spPr/>
+        <p:txBody>
+          <a:bodyPr/>
+          <a:lstStyle/>
+          <a:p>
+            <a:fld id="{77CC721F-1D71-470D-9ADD-E53F1C9EB23A}" type="slidenum">
+              <a:rPr lang="en-US" smtClean="0"/>
+              <a:pPr/>
+              <a:t>13</a:t>
+            </a:fld>
+            <a:endParaRPr lang="en-US" dirty="0"/>
+          </a:p>
+        </p:txBody>
+      </p:sp>
+    </p:spTree>
+    <p:extLst>
+      <p:ext uri="{BB962C8B-B14F-4D97-AF65-F5344CB8AC3E}">
+        <p14:creationId xmlns:p14="http://schemas.microsoft.com/office/powerpoint/2010/main" val="2967098540"/>
+      </p:ext>
+    </p:extLst>
+  </p:cSld>
+  <p:clrMapOvr>
+    <a:masterClrMapping/>
+  </p:clrMapOvr>
+</p:sld>
+</file>
+
+<file path=ppt/slides/slide14.xml><?xml version="1.0" encoding="utf-8"?>
+<p:sld xmlns:a="http://schemas.openxmlformats.org/drawingml/2006/main" xmlns:r="http://schemas.openxmlformats.org/officeDocument/2006/relationships" xmlns:p="http://schemas.openxmlformats.org/presentationml/2006/main">
+  <p:cSld>
+    <p:spTree>
+      <p:nvGrpSpPr>
+        <p:cNvPr id="1" name=""/>
+        <p:cNvGrpSpPr/>
+        <p:nvPr/>
+      </p:nvGrpSpPr>
+      <p:grpSpPr>
+        <a:xfrm>
+          <a:off x="0" y="0"/>
+          <a:ext cx="0" cy="0"/>
+          <a:chOff x="0" y="0"/>
+          <a:chExt cx="0" cy="0"/>
+        </a:xfrm>
+      </p:grpSpPr>
+      <p:sp>
+        <p:nvSpPr>
+          <p:cNvPr id="2" name="Title 1"/>
+          <p:cNvSpPr>
+            <a:spLocks noGrp="1"/>
+          </p:cNvSpPr>
+          <p:nvPr>
+            <p:ph type="title"/>
+          </p:nvPr>
+        </p:nvSpPr>
+        <p:spPr/>
+        <p:txBody>
+          <a:bodyPr/>
+          <a:lstStyle/>
+          <a:p>
+            <a:r>
+              <a:rPr lang="en-US" dirty="0" smtClean="0"/>
+              <a:t>Positioning P and P#</a:t>
+            </a:r>
+            <a:endParaRPr lang="en-US" dirty="0"/>
+          </a:p>
+        </p:txBody>
+      </p:sp>
+      <p:sp>
+        <p:nvSpPr>
+          <p:cNvPr id="3" name="Content Placeholder 2"/>
+          <p:cNvSpPr>
+            <a:spLocks noGrp="1"/>
+          </p:cNvSpPr>
+          <p:nvPr>
+            <p:ph idx="1"/>
+          </p:nvPr>
+        </p:nvSpPr>
+        <p:spPr/>
+        <p:txBody>
+          <a:bodyPr/>
+          <a:lstStyle/>
+          <a:p>
+            <a:r>
+              <a:rPr lang="en-US" dirty="0" smtClean="0"/>
+              <a:t>Where does P position with respect to TLA and Mace.</a:t>
+            </a:r>
+          </a:p>
+          <a:p>
+            <a:endParaRPr lang="en-US" dirty="0"/>
+          </a:p>
+        </p:txBody>
+      </p:sp>
+      <p:sp>
+        <p:nvSpPr>
+          <p:cNvPr id="4" name="Date Placeholder 3"/>
+          <p:cNvSpPr>
+            <a:spLocks noGrp="1"/>
+          </p:cNvSpPr>
+          <p:nvPr>
+            <p:ph type="dt" sz="half" idx="10"/>
+          </p:nvPr>
+        </p:nvSpPr>
+        <p:spPr/>
+        <p:txBody>
+          <a:bodyPr/>
+          <a:lstStyle/>
+          <a:p>
+            <a:r>
+              <a:rPr lang="en-US" smtClean="0"/>
+              <a:t>PLDI 2019</a:t>
+            </a:r>
+            <a:endParaRPr lang="en-US" dirty="0"/>
+          </a:p>
+        </p:txBody>
+      </p:sp>
+      <p:sp>
+        <p:nvSpPr>
+          <p:cNvPr id="5" name="Footer Placeholder 4"/>
+          <p:cNvSpPr>
+            <a:spLocks noGrp="1"/>
+          </p:cNvSpPr>
+          <p:nvPr>
+            <p:ph type="ftr" sz="quarter" idx="11"/>
+          </p:nvPr>
+        </p:nvSpPr>
+        <p:spPr/>
+        <p:txBody>
+          <a:bodyPr/>
+          <a:lstStyle/>
+          <a:p>
+            <a:r>
+              <a:rPr lang="en-US" smtClean="0"/>
+              <a:t>SafeAsync: Introduction</a:t>
+            </a:r>
+            <a:endParaRPr lang="en-US" dirty="0"/>
+          </a:p>
+        </p:txBody>
+      </p:sp>
+      <p:sp>
+        <p:nvSpPr>
+          <p:cNvPr id="6" name="Slide Number Placeholder 5"/>
+          <p:cNvSpPr>
+            <a:spLocks noGrp="1"/>
+          </p:cNvSpPr>
+          <p:nvPr>
+            <p:ph type="sldNum" sz="quarter" idx="12"/>
+          </p:nvPr>
+        </p:nvSpPr>
+        <p:spPr/>
+        <p:txBody>
+          <a:bodyPr/>
+          <a:lstStyle/>
+          <a:p>
+            <a:fld id="{77CC721F-1D71-470D-9ADD-E53F1C9EB23A}" type="slidenum">
+              <a:rPr lang="en-US" smtClean="0"/>
+              <a:pPr/>
+              <a:t>14</a:t>
+            </a:fld>
+            <a:endParaRPr lang="en-US" dirty="0"/>
+          </a:p>
+        </p:txBody>
+      </p:sp>
+    </p:spTree>
+    <p:extLst>
+      <p:ext uri="{BB962C8B-B14F-4D97-AF65-F5344CB8AC3E}">
+        <p14:creationId xmlns:p14="http://schemas.microsoft.com/office/powerpoint/2010/main" val="3789347539"/>
+      </p:ext>
+    </p:extLst>
+  </p:cSld>
+  <p:clrMapOvr>
+    <a:masterClrMapping/>
+  </p:clrMapOvr>
+</p:sld>
+</file>
+
 <file path=ppt/slides/slide2.xml><?xml version="1.0" encoding="utf-8"?>
 <p:sld xmlns:a="http://schemas.openxmlformats.org/drawingml/2006/main" xmlns:r="http://schemas.openxmlformats.org/officeDocument/2006/relationships" xmlns:p="http://schemas.openxmlformats.org/presentationml/2006/main">
   <p:cSld>
@@ -3654,7 +4541,7 @@
           <a:p>
             <a:r>
               <a:rPr lang="en-US" smtClean="0"/>
-              <a:t>Compositional Programming and Testing of Event-Driven Systems</a:t>
+              <a:t>SafeAsync: Introduction</a:t>
             </a:r>
             <a:endParaRPr lang="en-US" dirty="0"/>
           </a:p>
@@ -3796,7 +4683,7 @@
           <a:p>
             <a:r>
               <a:rPr lang="en-US" smtClean="0"/>
-              <a:t>Compositional Programming and Testing of Event-Driven Systems</a:t>
+              <a:t>SafeAsync: Introduction</a:t>
             </a:r>
             <a:endParaRPr lang="en-US" dirty="0"/>
           </a:p>
@@ -3830,6 +4717,5513 @@
     <p:extLst>
       <p:ext uri="{BB962C8B-B14F-4D97-AF65-F5344CB8AC3E}">
         <p14:creationId xmlns:p14="http://schemas.microsoft.com/office/powerpoint/2010/main" val="820136444"/>
+      </p:ext>
+    </p:extLst>
+  </p:cSld>
+  <p:clrMapOvr>
+    <a:masterClrMapping/>
+  </p:clrMapOvr>
+</p:sld>
+</file>
+
+<file path=ppt/slides/slide4.xml><?xml version="1.0" encoding="utf-8"?>
+<p:sld xmlns:a="http://schemas.openxmlformats.org/drawingml/2006/main" xmlns:r="http://schemas.openxmlformats.org/officeDocument/2006/relationships" xmlns:p="http://schemas.openxmlformats.org/presentationml/2006/main">
+  <p:cSld>
+    <p:spTree>
+      <p:nvGrpSpPr>
+        <p:cNvPr id="1" name=""/>
+        <p:cNvGrpSpPr/>
+        <p:nvPr/>
+      </p:nvGrpSpPr>
+      <p:grpSpPr>
+        <a:xfrm>
+          <a:off x="0" y="0"/>
+          <a:ext cx="0" cy="0"/>
+          <a:chOff x="0" y="0"/>
+          <a:chExt cx="0" cy="0"/>
+        </a:xfrm>
+      </p:grpSpPr>
+      <p:sp>
+        <p:nvSpPr>
+          <p:cNvPr id="2" name="Title 1"/>
+          <p:cNvSpPr>
+            <a:spLocks noGrp="1"/>
+          </p:cNvSpPr>
+          <p:nvPr>
+            <p:ph type="title"/>
+          </p:nvPr>
+        </p:nvSpPr>
+        <p:spPr/>
+        <p:txBody>
+          <a:bodyPr>
+            <a:noAutofit/>
+          </a:bodyPr>
+          <a:lstStyle/>
+          <a:p>
+            <a:r>
+              <a:rPr lang="en-US" sz="3600" dirty="0" smtClean="0"/>
+              <a:t>Event Driven Asynchronous Systems</a:t>
+            </a:r>
+            <a:endParaRPr lang="en-US" sz="3600" dirty="0"/>
+          </a:p>
+        </p:txBody>
+      </p:sp>
+      <p:sp>
+        <p:nvSpPr>
+          <p:cNvPr id="4" name="Date Placeholder 3"/>
+          <p:cNvSpPr>
+            <a:spLocks noGrp="1"/>
+          </p:cNvSpPr>
+          <p:nvPr>
+            <p:ph type="dt" sz="half" idx="10"/>
+          </p:nvPr>
+        </p:nvSpPr>
+        <p:spPr/>
+        <p:txBody>
+          <a:bodyPr/>
+          <a:lstStyle/>
+          <a:p>
+            <a:r>
+              <a:rPr lang="en-US" smtClean="0"/>
+              <a:t>PLDI 2019</a:t>
+            </a:r>
+            <a:endParaRPr lang="en-US" dirty="0"/>
+          </a:p>
+        </p:txBody>
+      </p:sp>
+      <p:sp>
+        <p:nvSpPr>
+          <p:cNvPr id="5" name="Footer Placeholder 4"/>
+          <p:cNvSpPr>
+            <a:spLocks noGrp="1"/>
+          </p:cNvSpPr>
+          <p:nvPr>
+            <p:ph type="ftr" sz="quarter" idx="11"/>
+          </p:nvPr>
+        </p:nvSpPr>
+        <p:spPr/>
+        <p:txBody>
+          <a:bodyPr/>
+          <a:lstStyle/>
+          <a:p>
+            <a:r>
+              <a:rPr lang="en-US" smtClean="0"/>
+              <a:t>SafeAsync: Introduction</a:t>
+            </a:r>
+            <a:endParaRPr lang="en-US" dirty="0"/>
+          </a:p>
+        </p:txBody>
+      </p:sp>
+      <p:sp>
+        <p:nvSpPr>
+          <p:cNvPr id="6" name="Slide Number Placeholder 5"/>
+          <p:cNvSpPr>
+            <a:spLocks noGrp="1"/>
+          </p:cNvSpPr>
+          <p:nvPr>
+            <p:ph type="sldNum" sz="quarter" idx="12"/>
+          </p:nvPr>
+        </p:nvSpPr>
+        <p:spPr/>
+        <p:txBody>
+          <a:bodyPr/>
+          <a:lstStyle/>
+          <a:p>
+            <a:fld id="{77CC721F-1D71-470D-9ADD-E53F1C9EB23A}" type="slidenum">
+              <a:rPr lang="en-US" smtClean="0"/>
+              <a:pPr/>
+              <a:t>4</a:t>
+            </a:fld>
+            <a:endParaRPr lang="en-US" dirty="0"/>
+          </a:p>
+        </p:txBody>
+      </p:sp>
+      <p:grpSp>
+        <p:nvGrpSpPr>
+          <p:cNvPr id="20" name="Group 19"/>
+          <p:cNvGrpSpPr/>
+          <p:nvPr/>
+        </p:nvGrpSpPr>
+        <p:grpSpPr>
+          <a:xfrm>
+            <a:off x="1249087" y="1516499"/>
+            <a:ext cx="2239837" cy="1723851"/>
+            <a:chOff x="822959" y="3425198"/>
+            <a:chExt cx="2461779" cy="1821853"/>
+          </a:xfrm>
+        </p:grpSpPr>
+        <p:pic>
+          <p:nvPicPr>
+            <p:cNvPr id="21" name="Picture 6" descr="Image result for windows"/>
+            <p:cNvPicPr>
+              <a:picLocks noChangeAspect="1" noChangeArrowheads="1"/>
+            </p:cNvPicPr>
+            <p:nvPr/>
+          </p:nvPicPr>
+          <p:blipFill>
+            <a:blip r:embed="rId3" cstate="print">
+              <a:extLst>
+                <a:ext uri="{28A0092B-C50C-407E-A947-70E740481C1C}">
+                  <a14:useLocalDpi xmlns:a14="http://schemas.microsoft.com/office/drawing/2010/main" val="0"/>
+                </a:ext>
+              </a:extLst>
+            </a:blip>
+            <a:srcRect/>
+            <a:stretch>
+              <a:fillRect/>
+            </a:stretch>
+          </p:blipFill>
+          <p:spPr bwMode="auto">
+            <a:xfrm>
+              <a:off x="822959" y="4165367"/>
+              <a:ext cx="1025331" cy="962501"/>
+            </a:xfrm>
+            <a:prstGeom prst="rect">
+              <a:avLst/>
+            </a:prstGeom>
+            <a:noFill/>
+            <a:extLst>
+              <a:ext uri="{909E8E84-426E-40DD-AFC4-6F175D3DCCD1}">
+                <a14:hiddenFill xmlns:a14="http://schemas.microsoft.com/office/drawing/2010/main">
+                  <a:solidFill>
+                    <a:srgbClr val="FFFFFF"/>
+                  </a:solidFill>
+                </a14:hiddenFill>
+              </a:ext>
+            </a:extLst>
+          </p:spPr>
+        </p:pic>
+        <p:pic>
+          <p:nvPicPr>
+            <p:cNvPr id="22" name="Picture 2" descr="Image result for device drivers"/>
+            <p:cNvPicPr>
+              <a:picLocks noChangeAspect="1" noChangeArrowheads="1"/>
+            </p:cNvPicPr>
+            <p:nvPr/>
+          </p:nvPicPr>
+          <p:blipFill>
+            <a:blip r:embed="rId4" cstate="print">
+              <a:extLst>
+                <a:ext uri="{28A0092B-C50C-407E-A947-70E740481C1C}">
+                  <a14:useLocalDpi xmlns:a14="http://schemas.microsoft.com/office/drawing/2010/main" val="0"/>
+                </a:ext>
+              </a:extLst>
+            </a:blip>
+            <a:srcRect/>
+            <a:stretch>
+              <a:fillRect/>
+            </a:stretch>
+          </p:blipFill>
+          <p:spPr bwMode="auto">
+            <a:xfrm>
+              <a:off x="1285958" y="3425198"/>
+              <a:ext cx="885409" cy="838925"/>
+            </a:xfrm>
+            <a:prstGeom prst="rect">
+              <a:avLst/>
+            </a:prstGeom>
+            <a:noFill/>
+            <a:extLst>
+              <a:ext uri="{909E8E84-426E-40DD-AFC4-6F175D3DCCD1}">
+                <a14:hiddenFill xmlns:a14="http://schemas.microsoft.com/office/drawing/2010/main">
+                  <a:solidFill>
+                    <a:srgbClr val="FFFFFF"/>
+                  </a:solidFill>
+                </a14:hiddenFill>
+              </a:ext>
+            </a:extLst>
+          </p:spPr>
+        </p:pic>
+        <p:pic>
+          <p:nvPicPr>
+            <p:cNvPr id="23" name="Picture 4" descr="Image result for web-applications"/>
+            <p:cNvPicPr>
+              <a:picLocks noChangeAspect="1" noChangeArrowheads="1"/>
+            </p:cNvPicPr>
+            <p:nvPr/>
+          </p:nvPicPr>
+          <p:blipFill>
+            <a:blip r:embed="rId5" cstate="print">
+              <a:extLst>
+                <a:ext uri="{28A0092B-C50C-407E-A947-70E740481C1C}">
+                  <a14:useLocalDpi xmlns:a14="http://schemas.microsoft.com/office/drawing/2010/main" val="0"/>
+                </a:ext>
+              </a:extLst>
+            </a:blip>
+            <a:srcRect/>
+            <a:stretch>
+              <a:fillRect/>
+            </a:stretch>
+          </p:blipFill>
+          <p:spPr bwMode="auto">
+            <a:xfrm>
+              <a:off x="1750062" y="4238223"/>
+              <a:ext cx="1534676" cy="1008828"/>
+            </a:xfrm>
+            <a:prstGeom prst="rect">
+              <a:avLst/>
+            </a:prstGeom>
+            <a:noFill/>
+            <a:extLst>
+              <a:ext uri="{909E8E84-426E-40DD-AFC4-6F175D3DCCD1}">
+                <a14:hiddenFill xmlns:a14="http://schemas.microsoft.com/office/drawing/2010/main">
+                  <a:solidFill>
+                    <a:srgbClr val="FFFFFF"/>
+                  </a:solidFill>
+                </a14:hiddenFill>
+              </a:ext>
+            </a:extLst>
+          </p:spPr>
+        </p:pic>
+      </p:grpSp>
+      <p:grpSp>
+        <p:nvGrpSpPr>
+          <p:cNvPr id="24" name="Group 23"/>
+          <p:cNvGrpSpPr/>
+          <p:nvPr/>
+        </p:nvGrpSpPr>
+        <p:grpSpPr>
+          <a:xfrm>
+            <a:off x="5033782" y="1504979"/>
+            <a:ext cx="2504666" cy="1561620"/>
+            <a:chOff x="4820717" y="1459788"/>
+            <a:chExt cx="2504666" cy="1561620"/>
+          </a:xfrm>
+        </p:grpSpPr>
+        <p:pic>
+          <p:nvPicPr>
+            <p:cNvPr id="25" name="Picture 2" descr="http://www.reveautomation.com/images/project/industrialAutomation.jpg"/>
+            <p:cNvPicPr>
+              <a:picLocks noChangeAspect="1" noChangeArrowheads="1"/>
+            </p:cNvPicPr>
+            <p:nvPr/>
+          </p:nvPicPr>
+          <p:blipFill>
+            <a:blip r:embed="rId6" cstate="print">
+              <a:extLst>
+                <a:ext uri="{28A0092B-C50C-407E-A947-70E740481C1C}">
+                  <a14:useLocalDpi xmlns:a14="http://schemas.microsoft.com/office/drawing/2010/main" val="0"/>
+                </a:ext>
+              </a:extLst>
+            </a:blip>
+            <a:srcRect/>
+            <a:stretch>
+              <a:fillRect/>
+            </a:stretch>
+          </p:blipFill>
+          <p:spPr bwMode="auto">
+            <a:xfrm>
+              <a:off x="5644567" y="1459788"/>
+              <a:ext cx="1680816" cy="696063"/>
+            </a:xfrm>
+            <a:prstGeom prst="rect">
+              <a:avLst/>
+            </a:prstGeom>
+            <a:noFill/>
+            <a:extLst>
+              <a:ext uri="{909E8E84-426E-40DD-AFC4-6F175D3DCCD1}">
+                <a14:hiddenFill xmlns:a14="http://schemas.microsoft.com/office/drawing/2010/main">
+                  <a:solidFill>
+                    <a:srgbClr val="FFFFFF"/>
+                  </a:solidFill>
+                </a14:hiddenFill>
+              </a:ext>
+            </a:extLst>
+          </p:spPr>
+        </p:pic>
+        <p:pic>
+          <p:nvPicPr>
+            <p:cNvPr id="26" name="Picture 10" descr="Image result for drones robotics"/>
+            <p:cNvPicPr>
+              <a:picLocks noChangeAspect="1" noChangeArrowheads="1"/>
+            </p:cNvPicPr>
+            <p:nvPr/>
+          </p:nvPicPr>
+          <p:blipFill>
+            <a:blip r:embed="rId7" cstate="print">
+              <a:extLst>
+                <a:ext uri="{28A0092B-C50C-407E-A947-70E740481C1C}">
+                  <a14:useLocalDpi xmlns:a14="http://schemas.microsoft.com/office/drawing/2010/main" val="0"/>
+                </a:ext>
+              </a:extLst>
+            </a:blip>
+            <a:srcRect/>
+            <a:stretch>
+              <a:fillRect/>
+            </a:stretch>
+          </p:blipFill>
+          <p:spPr bwMode="auto">
+            <a:xfrm>
+              <a:off x="4820717" y="2154077"/>
+              <a:ext cx="1647700" cy="867331"/>
+            </a:xfrm>
+            <a:prstGeom prst="rect">
+              <a:avLst/>
+            </a:prstGeom>
+            <a:noFill/>
+            <a:extLst>
+              <a:ext uri="{909E8E84-426E-40DD-AFC4-6F175D3DCCD1}">
+                <a14:hiddenFill xmlns:a14="http://schemas.microsoft.com/office/drawing/2010/main">
+                  <a:solidFill>
+                    <a:srgbClr val="FFFFFF"/>
+                  </a:solidFill>
+                </a14:hiddenFill>
+              </a:ext>
+            </a:extLst>
+          </p:spPr>
+        </p:pic>
+      </p:grpSp>
+      <p:sp>
+        <p:nvSpPr>
+          <p:cNvPr id="27" name="TextBox 26"/>
+          <p:cNvSpPr txBox="1"/>
+          <p:nvPr/>
+        </p:nvSpPr>
+        <p:spPr>
+          <a:xfrm>
+            <a:off x="932156" y="3222643"/>
+            <a:ext cx="2734322" cy="430887"/>
+          </a:xfrm>
+          <a:prstGeom prst="rect">
+            <a:avLst/>
+          </a:prstGeom>
+          <a:noFill/>
+        </p:spPr>
+        <p:txBody>
+          <a:bodyPr wrap="square" rtlCol="0">
+            <a:spAutoFit/>
+          </a:bodyPr>
+          <a:lstStyle/>
+          <a:p>
+            <a:pPr algn="ctr"/>
+            <a:r>
+              <a:rPr lang="en-US" sz="1100" dirty="0">
+                <a:solidFill>
+                  <a:srgbClr val="FF0000"/>
+                </a:solidFill>
+                <a:latin typeface="Arial Rounded MT Bold" panose="020F0704030504030204" pitchFamily="34" charset="0"/>
+              </a:rPr>
+              <a:t>Operating System, Device-Drivers, Web-Applications.</a:t>
+            </a:r>
+          </a:p>
+        </p:txBody>
+      </p:sp>
+      <p:sp>
+        <p:nvSpPr>
+          <p:cNvPr id="28" name="TextBox 27"/>
+          <p:cNvSpPr txBox="1"/>
+          <p:nvPr/>
+        </p:nvSpPr>
+        <p:spPr>
+          <a:xfrm>
+            <a:off x="5314321" y="3213205"/>
+            <a:ext cx="2734322" cy="430887"/>
+          </a:xfrm>
+          <a:prstGeom prst="rect">
+            <a:avLst/>
+          </a:prstGeom>
+          <a:noFill/>
+        </p:spPr>
+        <p:txBody>
+          <a:bodyPr wrap="square" rtlCol="0">
+            <a:spAutoFit/>
+          </a:bodyPr>
+          <a:lstStyle/>
+          <a:p>
+            <a:pPr algn="ctr"/>
+            <a:r>
+              <a:rPr lang="en-US" sz="1100" dirty="0">
+                <a:solidFill>
+                  <a:srgbClr val="FF0000"/>
+                </a:solidFill>
+                <a:latin typeface="Arial Rounded MT Bold" panose="020F0704030504030204" pitchFamily="34" charset="0"/>
+              </a:rPr>
+              <a:t>Industrial Automation, Robotic System, Cyber Physical Systems.</a:t>
+            </a:r>
+          </a:p>
+        </p:txBody>
+      </p:sp>
+      <p:pic>
+        <p:nvPicPr>
+          <p:cNvPr id="29" name="Picture 2" descr="Image result for distributed systems"/>
+          <p:cNvPicPr>
+            <a:picLocks noChangeAspect="1" noChangeArrowheads="1"/>
+          </p:cNvPicPr>
+          <p:nvPr/>
+        </p:nvPicPr>
+        <p:blipFill>
+          <a:blip r:embed="rId8">
+            <a:extLst>
+              <a:ext uri="{28A0092B-C50C-407E-A947-70E740481C1C}">
+                <a14:useLocalDpi xmlns:a14="http://schemas.microsoft.com/office/drawing/2010/main" val="0"/>
+              </a:ext>
+            </a:extLst>
+          </a:blip>
+          <a:srcRect/>
+          <a:stretch>
+            <a:fillRect/>
+          </a:stretch>
+        </p:blipFill>
+        <p:spPr bwMode="auto">
+          <a:xfrm>
+            <a:off x="1136162" y="4044461"/>
+            <a:ext cx="2328613" cy="1377490"/>
+          </a:xfrm>
+          <a:prstGeom prst="rect">
+            <a:avLst/>
+          </a:prstGeom>
+          <a:noFill/>
+          <a:extLst>
+            <a:ext uri="{909E8E84-426E-40DD-AFC4-6F175D3DCCD1}">
+              <a14:hiddenFill xmlns:a14="http://schemas.microsoft.com/office/drawing/2010/main">
+                <a:solidFill>
+                  <a:srgbClr val="FFFFFF"/>
+                </a:solidFill>
+              </a14:hiddenFill>
+            </a:ext>
+          </a:extLst>
+        </p:spPr>
+      </p:pic>
+      <p:sp>
+        <p:nvSpPr>
+          <p:cNvPr id="30" name="TextBox 29"/>
+          <p:cNvSpPr txBox="1"/>
+          <p:nvPr/>
+        </p:nvSpPr>
+        <p:spPr>
+          <a:xfrm>
+            <a:off x="922337" y="5502947"/>
+            <a:ext cx="2734322" cy="430887"/>
+          </a:xfrm>
+          <a:prstGeom prst="rect">
+            <a:avLst/>
+          </a:prstGeom>
+          <a:noFill/>
+        </p:spPr>
+        <p:txBody>
+          <a:bodyPr wrap="square" rtlCol="0">
+            <a:spAutoFit/>
+          </a:bodyPr>
+          <a:lstStyle/>
+          <a:p>
+            <a:pPr algn="ctr"/>
+            <a:r>
+              <a:rPr lang="en-US" sz="1100" dirty="0">
+                <a:solidFill>
+                  <a:srgbClr val="FF0000"/>
+                </a:solidFill>
+                <a:latin typeface="Arial Rounded MT Bold" panose="020F0704030504030204" pitchFamily="34" charset="0"/>
+              </a:rPr>
+              <a:t>Distributed Systems, Distributed Storage.</a:t>
+            </a:r>
+          </a:p>
+        </p:txBody>
+      </p:sp>
+      <p:pic>
+        <p:nvPicPr>
+          <p:cNvPr id="31" name="Picture 10" descr="Image result for ros operating system"/>
+          <p:cNvPicPr>
+            <a:picLocks noChangeAspect="1" noChangeArrowheads="1"/>
+          </p:cNvPicPr>
+          <p:nvPr/>
+        </p:nvPicPr>
+        <p:blipFill>
+          <a:blip r:embed="rId9">
+            <a:extLst>
+              <a:ext uri="{28A0092B-C50C-407E-A947-70E740481C1C}">
+                <a14:useLocalDpi xmlns:a14="http://schemas.microsoft.com/office/drawing/2010/main" val="0"/>
+              </a:ext>
+            </a:extLst>
+          </a:blip>
+          <a:srcRect/>
+          <a:stretch>
+            <a:fillRect/>
+          </a:stretch>
+        </p:blipFill>
+        <p:spPr bwMode="auto">
+          <a:xfrm>
+            <a:off x="6593182" y="2269878"/>
+            <a:ext cx="1455461" cy="747136"/>
+          </a:xfrm>
+          <a:prstGeom prst="rect">
+            <a:avLst/>
+          </a:prstGeom>
+          <a:noFill/>
+          <a:extLst>
+            <a:ext uri="{909E8E84-426E-40DD-AFC4-6F175D3DCCD1}">
+              <a14:hiddenFill xmlns:a14="http://schemas.microsoft.com/office/drawing/2010/main">
+                <a:solidFill>
+                  <a:srgbClr val="FFFFFF"/>
+                </a:solidFill>
+              </a14:hiddenFill>
+            </a:ext>
+          </a:extLst>
+        </p:spPr>
+      </p:pic>
+      <p:pic>
+        <p:nvPicPr>
+          <p:cNvPr id="32" name="Picture 12" descr="Image result for IOT"/>
+          <p:cNvPicPr>
+            <a:picLocks noChangeAspect="1" noChangeArrowheads="1"/>
+          </p:cNvPicPr>
+          <p:nvPr/>
+        </p:nvPicPr>
+        <p:blipFill>
+          <a:blip r:embed="rId10">
+            <a:extLst>
+              <a:ext uri="{28A0092B-C50C-407E-A947-70E740481C1C}">
+                <a14:useLocalDpi xmlns:a14="http://schemas.microsoft.com/office/drawing/2010/main" val="0"/>
+              </a:ext>
+            </a:extLst>
+          </a:blip>
+          <a:srcRect/>
+          <a:stretch>
+            <a:fillRect/>
+          </a:stretch>
+        </p:blipFill>
+        <p:spPr bwMode="auto">
+          <a:xfrm>
+            <a:off x="5589621" y="3895317"/>
+            <a:ext cx="2183722" cy="1581668"/>
+          </a:xfrm>
+          <a:prstGeom prst="rect">
+            <a:avLst/>
+          </a:prstGeom>
+          <a:noFill/>
+          <a:extLst>
+            <a:ext uri="{909E8E84-426E-40DD-AFC4-6F175D3DCCD1}">
+              <a14:hiddenFill xmlns:a14="http://schemas.microsoft.com/office/drawing/2010/main">
+                <a:solidFill>
+                  <a:srgbClr val="FFFFFF"/>
+                </a:solidFill>
+              </a14:hiddenFill>
+            </a:ext>
+          </a:extLst>
+        </p:spPr>
+      </p:pic>
+      <p:sp>
+        <p:nvSpPr>
+          <p:cNvPr id="33" name="TextBox 32"/>
+          <p:cNvSpPr txBox="1"/>
+          <p:nvPr/>
+        </p:nvSpPr>
+        <p:spPr>
+          <a:xfrm>
+            <a:off x="5491874" y="5598468"/>
+            <a:ext cx="2734322" cy="261610"/>
+          </a:xfrm>
+          <a:prstGeom prst="rect">
+            <a:avLst/>
+          </a:prstGeom>
+          <a:noFill/>
+        </p:spPr>
+        <p:txBody>
+          <a:bodyPr wrap="square" rtlCol="0">
+            <a:spAutoFit/>
+          </a:bodyPr>
+          <a:lstStyle/>
+          <a:p>
+            <a:pPr algn="ctr"/>
+            <a:r>
+              <a:rPr lang="en-US" sz="1100" dirty="0">
+                <a:solidFill>
+                  <a:srgbClr val="FF0000"/>
+                </a:solidFill>
+                <a:latin typeface="Arial Rounded MT Bold" panose="020F0704030504030204" pitchFamily="34" charset="0"/>
+              </a:rPr>
+              <a:t>Internet of Things.</a:t>
+            </a:r>
+          </a:p>
+        </p:txBody>
+      </p:sp>
+    </p:spTree>
+    <p:extLst>
+      <p:ext uri="{BB962C8B-B14F-4D97-AF65-F5344CB8AC3E}">
+        <p14:creationId xmlns:p14="http://schemas.microsoft.com/office/powerpoint/2010/main" val="33702764"/>
+      </p:ext>
+    </p:extLst>
+  </p:cSld>
+  <p:clrMapOvr>
+    <a:masterClrMapping/>
+  </p:clrMapOvr>
+</p:sld>
+</file>
+
+<file path=ppt/slides/slide5.xml><?xml version="1.0" encoding="utf-8"?>
+<p:sld xmlns:a="http://schemas.openxmlformats.org/drawingml/2006/main" xmlns:r="http://schemas.openxmlformats.org/officeDocument/2006/relationships" xmlns:p="http://schemas.openxmlformats.org/presentationml/2006/main">
+  <p:cSld>
+    <p:spTree>
+      <p:nvGrpSpPr>
+        <p:cNvPr id="1" name=""/>
+        <p:cNvGrpSpPr/>
+        <p:nvPr/>
+      </p:nvGrpSpPr>
+      <p:grpSpPr>
+        <a:xfrm>
+          <a:off x="0" y="0"/>
+          <a:ext cx="0" cy="0"/>
+          <a:chOff x="0" y="0"/>
+          <a:chExt cx="0" cy="0"/>
+        </a:xfrm>
+      </p:grpSpPr>
+      <p:sp>
+        <p:nvSpPr>
+          <p:cNvPr id="2" name="Title 1"/>
+          <p:cNvSpPr>
+            <a:spLocks noGrp="1"/>
+          </p:cNvSpPr>
+          <p:nvPr>
+            <p:ph type="title"/>
+          </p:nvPr>
+        </p:nvSpPr>
+        <p:spPr/>
+        <p:txBody>
+          <a:bodyPr>
+            <a:noAutofit/>
+          </a:bodyPr>
+          <a:lstStyle/>
+          <a:p>
+            <a:r>
+              <a:rPr lang="en-US" sz="3200" dirty="0"/>
+              <a:t>Characteristics of Event Driven Systems</a:t>
+            </a:r>
+          </a:p>
+        </p:txBody>
+      </p:sp>
+      <p:sp>
+        <p:nvSpPr>
+          <p:cNvPr id="3" name="Content Placeholder 2"/>
+          <p:cNvSpPr>
+            <a:spLocks noGrp="1"/>
+          </p:cNvSpPr>
+          <p:nvPr>
+            <p:ph idx="1"/>
+          </p:nvPr>
+        </p:nvSpPr>
+        <p:spPr/>
+        <p:txBody>
+          <a:bodyPr>
+            <a:normAutofit/>
+          </a:bodyPr>
+          <a:lstStyle/>
+          <a:p>
+            <a:pPr marL="342900" indent="-342900">
+              <a:buFont typeface="Arial" panose="020B0604020202020204" pitchFamily="34" charset="0"/>
+              <a:buChar char="•"/>
+            </a:pPr>
+            <a:r>
+              <a:rPr lang="en-US" sz="2400" dirty="0"/>
+              <a:t>Event-Driven Asynchronous System (actor model):</a:t>
+            </a:r>
+          </a:p>
+          <a:p>
+            <a:pPr marL="829818" lvl="1" indent="-342900"/>
+            <a:r>
+              <a:rPr lang="en-US" sz="2000" dirty="0"/>
+              <a:t>Collection of concurrently executing processes.</a:t>
+            </a:r>
+          </a:p>
+          <a:p>
+            <a:pPr marL="829818" lvl="1" indent="-342900"/>
+            <a:r>
+              <a:rPr lang="en-US" sz="2000" dirty="0"/>
+              <a:t>Processes can be created dynamically.</a:t>
+            </a:r>
+          </a:p>
+          <a:p>
+            <a:pPr marL="829818" lvl="1" indent="-342900"/>
+            <a:r>
+              <a:rPr lang="en-US" sz="2000" dirty="0"/>
+              <a:t>Processes communicate by asynchronously sending messages or events to each other.</a:t>
+            </a:r>
+          </a:p>
+          <a:p>
+            <a:pPr marL="829818" lvl="1" indent="-342900"/>
+            <a:endParaRPr lang="en-US" sz="2000" dirty="0"/>
+          </a:p>
+          <a:p>
+            <a:pPr marL="829818" lvl="1" indent="-342900"/>
+            <a:endParaRPr lang="en-US" sz="2000" dirty="0"/>
+          </a:p>
+          <a:p>
+            <a:pPr marL="342900" indent="-342900">
+              <a:buFont typeface="Arial" panose="020B0604020202020204" pitchFamily="34" charset="0"/>
+              <a:buChar char="•"/>
+            </a:pPr>
+            <a:r>
+              <a:rPr lang="en-US" sz="2400" dirty="0"/>
+              <a:t>Reactive Systems:</a:t>
+            </a:r>
+          </a:p>
+          <a:p>
+            <a:pPr marL="829818" lvl="1" indent="-342900"/>
+            <a:r>
+              <a:rPr lang="en-US" sz="2000" dirty="0"/>
+              <a:t>Processes in the system interact continuously with the environment</a:t>
+            </a:r>
+            <a:r>
+              <a:rPr lang="en-US" sz="2000" dirty="0" smtClean="0"/>
+              <a:t>.</a:t>
+            </a:r>
+            <a:endParaRPr lang="en-US" sz="2000" dirty="0"/>
+          </a:p>
+        </p:txBody>
+      </p:sp>
+      <p:sp>
+        <p:nvSpPr>
+          <p:cNvPr id="4" name="Date Placeholder 3"/>
+          <p:cNvSpPr>
+            <a:spLocks noGrp="1"/>
+          </p:cNvSpPr>
+          <p:nvPr>
+            <p:ph type="dt" sz="half" idx="10"/>
+          </p:nvPr>
+        </p:nvSpPr>
+        <p:spPr/>
+        <p:txBody>
+          <a:bodyPr/>
+          <a:lstStyle/>
+          <a:p>
+            <a:r>
+              <a:rPr lang="en-US" smtClean="0"/>
+              <a:t>PLDI 2019</a:t>
+            </a:r>
+            <a:endParaRPr lang="en-US" dirty="0"/>
+          </a:p>
+        </p:txBody>
+      </p:sp>
+      <p:sp>
+        <p:nvSpPr>
+          <p:cNvPr id="5" name="Footer Placeholder 4"/>
+          <p:cNvSpPr>
+            <a:spLocks noGrp="1"/>
+          </p:cNvSpPr>
+          <p:nvPr>
+            <p:ph type="ftr" sz="quarter" idx="11"/>
+          </p:nvPr>
+        </p:nvSpPr>
+        <p:spPr/>
+        <p:txBody>
+          <a:bodyPr/>
+          <a:lstStyle/>
+          <a:p>
+            <a:r>
+              <a:rPr lang="en-US" smtClean="0"/>
+              <a:t>SafeAsync: Introduction</a:t>
+            </a:r>
+            <a:endParaRPr lang="en-US" dirty="0"/>
+          </a:p>
+        </p:txBody>
+      </p:sp>
+      <p:sp>
+        <p:nvSpPr>
+          <p:cNvPr id="6" name="Slide Number Placeholder 5"/>
+          <p:cNvSpPr>
+            <a:spLocks noGrp="1"/>
+          </p:cNvSpPr>
+          <p:nvPr>
+            <p:ph type="sldNum" sz="quarter" idx="12"/>
+          </p:nvPr>
+        </p:nvSpPr>
+        <p:spPr/>
+        <p:txBody>
+          <a:bodyPr/>
+          <a:lstStyle/>
+          <a:p>
+            <a:fld id="{77CC721F-1D71-470D-9ADD-E53F1C9EB23A}" type="slidenum">
+              <a:rPr lang="en-US" smtClean="0"/>
+              <a:pPr/>
+              <a:t>5</a:t>
+            </a:fld>
+            <a:endParaRPr lang="en-US" dirty="0"/>
+          </a:p>
+        </p:txBody>
+      </p:sp>
+    </p:spTree>
+    <p:extLst>
+      <p:ext uri="{BB962C8B-B14F-4D97-AF65-F5344CB8AC3E}">
+        <p14:creationId xmlns:p14="http://schemas.microsoft.com/office/powerpoint/2010/main" val="3510368465"/>
+      </p:ext>
+    </p:extLst>
+  </p:cSld>
+  <p:clrMapOvr>
+    <a:masterClrMapping/>
+  </p:clrMapOvr>
+</p:sld>
+</file>
+
+<file path=ppt/slides/slide6.xml><?xml version="1.0" encoding="utf-8"?>
+<p:sld xmlns:a="http://schemas.openxmlformats.org/drawingml/2006/main" xmlns:r="http://schemas.openxmlformats.org/officeDocument/2006/relationships" xmlns:p="http://schemas.openxmlformats.org/presentationml/2006/main">
+  <p:cSld>
+    <p:spTree>
+      <p:nvGrpSpPr>
+        <p:cNvPr id="1" name=""/>
+        <p:cNvGrpSpPr/>
+        <p:nvPr/>
+      </p:nvGrpSpPr>
+      <p:grpSpPr>
+        <a:xfrm>
+          <a:off x="0" y="0"/>
+          <a:ext cx="0" cy="0"/>
+          <a:chOff x="0" y="0"/>
+          <a:chExt cx="0" cy="0"/>
+        </a:xfrm>
+      </p:grpSpPr>
+      <p:sp>
+        <p:nvSpPr>
+          <p:cNvPr id="4" name="Date Placeholder 3"/>
+          <p:cNvSpPr>
+            <a:spLocks noGrp="1"/>
+          </p:cNvSpPr>
+          <p:nvPr>
+            <p:ph type="dt" sz="half" idx="10"/>
+          </p:nvPr>
+        </p:nvSpPr>
+        <p:spPr/>
+        <p:txBody>
+          <a:bodyPr/>
+          <a:lstStyle/>
+          <a:p>
+            <a:r>
+              <a:rPr lang="en-US" smtClean="0"/>
+              <a:t>PLDI 2019</a:t>
+            </a:r>
+            <a:endParaRPr lang="en-US" dirty="0"/>
+          </a:p>
+        </p:txBody>
+      </p:sp>
+      <p:sp>
+        <p:nvSpPr>
+          <p:cNvPr id="5" name="Footer Placeholder 4"/>
+          <p:cNvSpPr>
+            <a:spLocks noGrp="1"/>
+          </p:cNvSpPr>
+          <p:nvPr>
+            <p:ph type="ftr" sz="quarter" idx="11"/>
+          </p:nvPr>
+        </p:nvSpPr>
+        <p:spPr/>
+        <p:txBody>
+          <a:bodyPr/>
+          <a:lstStyle/>
+          <a:p>
+            <a:r>
+              <a:rPr lang="en-US" smtClean="0"/>
+              <a:t>SafeAsync: Introduction</a:t>
+            </a:r>
+            <a:endParaRPr lang="en-US" dirty="0"/>
+          </a:p>
+        </p:txBody>
+      </p:sp>
+      <p:sp>
+        <p:nvSpPr>
+          <p:cNvPr id="6" name="Slide Number Placeholder 5"/>
+          <p:cNvSpPr>
+            <a:spLocks noGrp="1"/>
+          </p:cNvSpPr>
+          <p:nvPr>
+            <p:ph type="sldNum" sz="quarter" idx="12"/>
+          </p:nvPr>
+        </p:nvSpPr>
+        <p:spPr/>
+        <p:txBody>
+          <a:bodyPr/>
+          <a:lstStyle/>
+          <a:p>
+            <a:fld id="{77CC721F-1D71-470D-9ADD-E53F1C9EB23A}" type="slidenum">
+              <a:rPr lang="en-US" smtClean="0"/>
+              <a:pPr/>
+              <a:t>6</a:t>
+            </a:fld>
+            <a:endParaRPr lang="en-US" dirty="0"/>
+          </a:p>
+        </p:txBody>
+      </p:sp>
+      <p:pic>
+        <p:nvPicPr>
+          <p:cNvPr id="8" name="Picture 7"/>
+          <p:cNvPicPr>
+            <a:picLocks noChangeAspect="1"/>
+          </p:cNvPicPr>
+          <p:nvPr/>
+        </p:nvPicPr>
+        <p:blipFill>
+          <a:blip r:embed="rId2" cstate="print">
+            <a:extLst>
+              <a:ext uri="{28A0092B-C50C-407E-A947-70E740481C1C}">
+                <a14:useLocalDpi xmlns:a14="http://schemas.microsoft.com/office/drawing/2010/main" val="0"/>
+              </a:ext>
+            </a:extLst>
+          </a:blip>
+          <a:stretch>
+            <a:fillRect/>
+          </a:stretch>
+        </p:blipFill>
+        <p:spPr>
+          <a:xfrm>
+            <a:off x="2252827" y="1893379"/>
+            <a:ext cx="4529885" cy="3273529"/>
+          </a:xfrm>
+          <a:prstGeom prst="rect">
+            <a:avLst/>
+          </a:prstGeom>
+        </p:spPr>
+      </p:pic>
+      <p:sp>
+        <p:nvSpPr>
+          <p:cNvPr id="9" name="Title 1"/>
+          <p:cNvSpPr>
+            <a:spLocks noGrp="1"/>
+          </p:cNvSpPr>
+          <p:nvPr>
+            <p:ph type="title"/>
+          </p:nvPr>
+        </p:nvSpPr>
+        <p:spPr>
+          <a:xfrm>
+            <a:off x="294401" y="308214"/>
+            <a:ext cx="8497562" cy="692584"/>
+          </a:xfrm>
+        </p:spPr>
+        <p:txBody>
+          <a:bodyPr>
+            <a:noAutofit/>
+          </a:bodyPr>
+          <a:lstStyle/>
+          <a:p>
+            <a:pPr algn="ctr"/>
+            <a:r>
+              <a:rPr lang="en-US" sz="3200" dirty="0"/>
+              <a:t>Programming Event Driven </a:t>
+            </a:r>
+            <a:r>
+              <a:rPr lang="en-US" sz="3200" dirty="0" smtClean="0"/>
+              <a:t>Systems is Challenging</a:t>
+            </a:r>
+            <a:endParaRPr lang="en-US" sz="3200" dirty="0"/>
+          </a:p>
+        </p:txBody>
+      </p:sp>
+      <p:pic>
+        <p:nvPicPr>
+          <p:cNvPr id="10" name="Picture 9"/>
+          <p:cNvPicPr>
+            <a:picLocks noChangeAspect="1"/>
+          </p:cNvPicPr>
+          <p:nvPr/>
+        </p:nvPicPr>
+        <p:blipFill>
+          <a:blip r:embed="rId2" cstate="print">
+            <a:extLst>
+              <a:ext uri="{28A0092B-C50C-407E-A947-70E740481C1C}">
+                <a14:useLocalDpi xmlns:a14="http://schemas.microsoft.com/office/drawing/2010/main" val="0"/>
+              </a:ext>
+            </a:extLst>
+          </a:blip>
+          <a:stretch>
+            <a:fillRect/>
+          </a:stretch>
+        </p:blipFill>
+        <p:spPr>
+          <a:xfrm>
+            <a:off x="2269337" y="1893379"/>
+            <a:ext cx="4529885" cy="3273529"/>
+          </a:xfrm>
+          <a:prstGeom prst="rect">
+            <a:avLst/>
+          </a:prstGeom>
+        </p:spPr>
+      </p:pic>
+      <p:grpSp>
+        <p:nvGrpSpPr>
+          <p:cNvPr id="11" name="Group 10"/>
+          <p:cNvGrpSpPr/>
+          <p:nvPr/>
+        </p:nvGrpSpPr>
+        <p:grpSpPr>
+          <a:xfrm>
+            <a:off x="5743892" y="3248385"/>
+            <a:ext cx="2993143" cy="1279920"/>
+            <a:chOff x="5039834" y="3388855"/>
+            <a:chExt cx="2993143" cy="1279920"/>
+          </a:xfrm>
+        </p:grpSpPr>
+        <p:sp>
+          <p:nvSpPr>
+            <p:cNvPr id="12" name="TextBox 11">
+              <a:extLst>
+                <a:ext uri="{FF2B5EF4-FFF2-40B4-BE49-F238E27FC236}">
+                  <a16:creationId xmlns:a16="http://schemas.microsoft.com/office/drawing/2014/main" id="{72EC8D57-9AAB-448E-89E9-DAE0F3379228}"/>
+                </a:ext>
+              </a:extLst>
+            </p:cNvPr>
+            <p:cNvSpPr txBox="1"/>
+            <p:nvPr/>
+          </p:nvSpPr>
+          <p:spPr>
+            <a:xfrm>
+              <a:off x="6199044" y="3388855"/>
+              <a:ext cx="947695" cy="415498"/>
+            </a:xfrm>
+            <a:prstGeom prst="rect">
+              <a:avLst/>
+            </a:prstGeom>
+            <a:solidFill>
+              <a:schemeClr val="bg1"/>
+            </a:solidFill>
+          </p:spPr>
+          <p:txBody>
+            <a:bodyPr wrap="none" rtlCol="0">
+              <a:spAutoFit/>
+            </a:bodyPr>
+            <a:lstStyle/>
+            <a:p>
+              <a:r>
+                <a:rPr lang="en-US" sz="2100" dirty="0" smtClean="0">
+                  <a:latin typeface="Segoe WP SemiLight" pitchFamily="34" charset="0"/>
+                </a:rPr>
+                <a:t>Safety</a:t>
+              </a:r>
+              <a:endParaRPr lang="en-US" sz="2100" dirty="0">
+                <a:latin typeface="Segoe WP SemiLight" pitchFamily="34" charset="0"/>
+              </a:endParaRPr>
+            </a:p>
+          </p:txBody>
+        </p:sp>
+        <p:sp>
+          <p:nvSpPr>
+            <p:cNvPr id="13" name="TextBox 12">
+              <a:extLst>
+                <a:ext uri="{FF2B5EF4-FFF2-40B4-BE49-F238E27FC236}">
+                  <a16:creationId xmlns:a16="http://schemas.microsoft.com/office/drawing/2014/main" id="{76D10E74-A385-4FE0-8609-14A8B08DB60E}"/>
+                </a:ext>
+              </a:extLst>
+            </p:cNvPr>
+            <p:cNvSpPr txBox="1"/>
+            <p:nvPr/>
+          </p:nvSpPr>
+          <p:spPr>
+            <a:xfrm>
+              <a:off x="5039834" y="3762232"/>
+              <a:ext cx="2553904" cy="553998"/>
+            </a:xfrm>
+            <a:prstGeom prst="rect">
+              <a:avLst/>
+            </a:prstGeom>
+            <a:solidFill>
+              <a:schemeClr val="bg1"/>
+            </a:solidFill>
+          </p:spPr>
+          <p:txBody>
+            <a:bodyPr wrap="none" rtlCol="0">
+              <a:spAutoFit/>
+            </a:bodyPr>
+            <a:lstStyle/>
+            <a:p>
+              <a:r>
+                <a:rPr lang="en-US" sz="3000" dirty="0" smtClean="0">
+                  <a:solidFill>
+                    <a:srgbClr val="00B0F0"/>
+                  </a:solidFill>
+                  <a:latin typeface="Segoe WP SemiLight" pitchFamily="34" charset="0"/>
+                </a:rPr>
+                <a:t>Specifications</a:t>
+              </a:r>
+              <a:endParaRPr lang="en-US" sz="3000" dirty="0">
+                <a:solidFill>
+                  <a:srgbClr val="00B0F0"/>
+                </a:solidFill>
+                <a:latin typeface="Segoe WP SemiLight" pitchFamily="34" charset="0"/>
+              </a:endParaRPr>
+            </a:p>
+          </p:txBody>
+        </p:sp>
+        <p:sp>
+          <p:nvSpPr>
+            <p:cNvPr id="14" name="TextBox 13">
+              <a:extLst>
+                <a:ext uri="{FF2B5EF4-FFF2-40B4-BE49-F238E27FC236}">
+                  <a16:creationId xmlns:a16="http://schemas.microsoft.com/office/drawing/2014/main" id="{96BE6085-A7E1-48E4-BD88-B2A021588491}"/>
+                </a:ext>
+              </a:extLst>
+            </p:cNvPr>
+            <p:cNvSpPr txBox="1"/>
+            <p:nvPr/>
+          </p:nvSpPr>
+          <p:spPr>
+            <a:xfrm>
+              <a:off x="6713385" y="4253277"/>
+              <a:ext cx="1319592" cy="415498"/>
+            </a:xfrm>
+            <a:prstGeom prst="rect">
+              <a:avLst/>
+            </a:prstGeom>
+            <a:solidFill>
+              <a:schemeClr val="bg1"/>
+            </a:solidFill>
+          </p:spPr>
+          <p:txBody>
+            <a:bodyPr wrap="none" rtlCol="0">
+              <a:spAutoFit/>
+            </a:bodyPr>
+            <a:lstStyle/>
+            <a:p>
+              <a:r>
+                <a:rPr lang="en-US" sz="2100" dirty="0" smtClean="0">
+                  <a:latin typeface="Segoe WP SemiLight" pitchFamily="34" charset="0"/>
+                </a:rPr>
+                <a:t>Liveness!</a:t>
+              </a:r>
+              <a:endParaRPr lang="en-US" sz="2100" dirty="0">
+                <a:latin typeface="Segoe WP SemiLight" pitchFamily="34" charset="0"/>
+              </a:endParaRPr>
+            </a:p>
+          </p:txBody>
+        </p:sp>
+      </p:grpSp>
+      <p:grpSp>
+        <p:nvGrpSpPr>
+          <p:cNvPr id="15" name="Group 14"/>
+          <p:cNvGrpSpPr/>
+          <p:nvPr/>
+        </p:nvGrpSpPr>
+        <p:grpSpPr>
+          <a:xfrm>
+            <a:off x="4961822" y="4942299"/>
+            <a:ext cx="3521306" cy="1307532"/>
+            <a:chOff x="4961822" y="4942299"/>
+            <a:chExt cx="3521306" cy="1307532"/>
+          </a:xfrm>
+        </p:grpSpPr>
+        <p:sp>
+          <p:nvSpPr>
+            <p:cNvPr id="16" name="TextBox 15"/>
+            <p:cNvSpPr txBox="1"/>
+            <p:nvPr/>
+          </p:nvSpPr>
+          <p:spPr>
+            <a:xfrm>
+              <a:off x="5802586" y="5834333"/>
+              <a:ext cx="2680542" cy="415498"/>
+            </a:xfrm>
+            <a:prstGeom prst="rect">
+              <a:avLst/>
+            </a:prstGeom>
+            <a:solidFill>
+              <a:schemeClr val="bg1"/>
+            </a:solidFill>
+          </p:spPr>
+          <p:txBody>
+            <a:bodyPr wrap="none" rtlCol="0">
+              <a:spAutoFit/>
+            </a:bodyPr>
+            <a:lstStyle/>
+            <a:p>
+              <a:r>
+                <a:rPr lang="en-US" sz="2100" dirty="0">
+                  <a:latin typeface="Segoe WP SemiLight" pitchFamily="34" charset="0"/>
+                </a:rPr>
+                <a:t>Multiple Components</a:t>
+              </a:r>
+            </a:p>
+          </p:txBody>
+        </p:sp>
+        <p:sp>
+          <p:nvSpPr>
+            <p:cNvPr id="17" name="TextBox 16"/>
+            <p:cNvSpPr txBox="1"/>
+            <p:nvPr/>
+          </p:nvSpPr>
+          <p:spPr>
+            <a:xfrm>
+              <a:off x="4961822" y="5277513"/>
+              <a:ext cx="2295821" cy="553998"/>
+            </a:xfrm>
+            <a:prstGeom prst="rect">
+              <a:avLst/>
+            </a:prstGeom>
+            <a:solidFill>
+              <a:schemeClr val="bg1"/>
+            </a:solidFill>
+          </p:spPr>
+          <p:txBody>
+            <a:bodyPr wrap="none" rtlCol="0">
+              <a:spAutoFit/>
+            </a:bodyPr>
+            <a:lstStyle/>
+            <a:p>
+              <a:r>
+                <a:rPr lang="en-US" sz="3000" dirty="0">
+                  <a:solidFill>
+                    <a:srgbClr val="00B0F0"/>
+                  </a:solidFill>
+                  <a:latin typeface="Segoe WP SemiLight" pitchFamily="34" charset="0"/>
+                </a:rPr>
+                <a:t>Composition</a:t>
+              </a:r>
+            </a:p>
+          </p:txBody>
+        </p:sp>
+        <p:sp>
+          <p:nvSpPr>
+            <p:cNvPr id="18" name="TextBox 17"/>
+            <p:cNvSpPr txBox="1"/>
+            <p:nvPr/>
+          </p:nvSpPr>
+          <p:spPr>
+            <a:xfrm>
+              <a:off x="5387297" y="4942299"/>
+              <a:ext cx="2574744" cy="415498"/>
+            </a:xfrm>
+            <a:prstGeom prst="rect">
+              <a:avLst/>
+            </a:prstGeom>
+            <a:solidFill>
+              <a:schemeClr val="bg1"/>
+            </a:solidFill>
+          </p:spPr>
+          <p:txBody>
+            <a:bodyPr wrap="none" rtlCol="0">
+              <a:spAutoFit/>
+            </a:bodyPr>
+            <a:lstStyle/>
+            <a:p>
+              <a:r>
+                <a:rPr lang="en-US" sz="2100" dirty="0" smtClean="0">
+                  <a:latin typeface="Segoe WP SemiLight" pitchFamily="34" charset="0"/>
+                </a:rPr>
+                <a:t>Complex Interaction</a:t>
+              </a:r>
+              <a:endParaRPr lang="en-US" sz="2100" dirty="0">
+                <a:latin typeface="Segoe WP SemiLight" pitchFamily="34" charset="0"/>
+              </a:endParaRPr>
+            </a:p>
+          </p:txBody>
+        </p:sp>
+      </p:grpSp>
+      <p:grpSp>
+        <p:nvGrpSpPr>
+          <p:cNvPr id="19" name="Group 18"/>
+          <p:cNvGrpSpPr/>
+          <p:nvPr/>
+        </p:nvGrpSpPr>
+        <p:grpSpPr>
+          <a:xfrm>
+            <a:off x="5079836" y="1217072"/>
+            <a:ext cx="3712127" cy="1540562"/>
+            <a:chOff x="5079836" y="1217072"/>
+            <a:chExt cx="3712127" cy="1540562"/>
+          </a:xfrm>
+        </p:grpSpPr>
+        <p:sp>
+          <p:nvSpPr>
+            <p:cNvPr id="20" name="TextBox 19"/>
+            <p:cNvSpPr txBox="1"/>
+            <p:nvPr/>
+          </p:nvSpPr>
+          <p:spPr>
+            <a:xfrm>
+              <a:off x="5096346" y="1788138"/>
+              <a:ext cx="2641044" cy="553998"/>
+            </a:xfrm>
+            <a:prstGeom prst="rect">
+              <a:avLst/>
+            </a:prstGeom>
+            <a:solidFill>
+              <a:schemeClr val="bg1"/>
+            </a:solidFill>
+          </p:spPr>
+          <p:txBody>
+            <a:bodyPr wrap="none" rtlCol="0">
+              <a:spAutoFit/>
+            </a:bodyPr>
+            <a:lstStyle/>
+            <a:p>
+              <a:r>
+                <a:rPr lang="en-US" sz="3000" dirty="0">
+                  <a:solidFill>
+                    <a:srgbClr val="00B0F0"/>
+                  </a:solidFill>
+                  <a:latin typeface="Segoe WP SemiLight" pitchFamily="34" charset="0"/>
+                </a:rPr>
+                <a:t>Fault Tolerance</a:t>
+              </a:r>
+            </a:p>
+          </p:txBody>
+        </p:sp>
+        <p:sp>
+          <p:nvSpPr>
+            <p:cNvPr id="21" name="TextBox 20"/>
+            <p:cNvSpPr txBox="1"/>
+            <p:nvPr/>
+          </p:nvSpPr>
+          <p:spPr>
+            <a:xfrm>
+              <a:off x="5911668" y="2342136"/>
+              <a:ext cx="1770036" cy="415498"/>
+            </a:xfrm>
+            <a:prstGeom prst="rect">
+              <a:avLst/>
+            </a:prstGeom>
+            <a:solidFill>
+              <a:schemeClr val="bg1"/>
+            </a:solidFill>
+          </p:spPr>
+          <p:txBody>
+            <a:bodyPr wrap="none" rtlCol="0">
+              <a:spAutoFit/>
+            </a:bodyPr>
+            <a:lstStyle/>
+            <a:p>
+              <a:r>
+                <a:rPr lang="en-US" sz="2100" dirty="0">
+                  <a:latin typeface="Segoe WP SemiLight" pitchFamily="34" charset="0"/>
+                </a:rPr>
+                <a:t>Message Loss</a:t>
+              </a:r>
+            </a:p>
+          </p:txBody>
+        </p:sp>
+        <p:grpSp>
+          <p:nvGrpSpPr>
+            <p:cNvPr id="22" name="Group 21"/>
+            <p:cNvGrpSpPr/>
+            <p:nvPr/>
+          </p:nvGrpSpPr>
+          <p:grpSpPr>
+            <a:xfrm>
+              <a:off x="5079836" y="1217072"/>
+              <a:ext cx="3712127" cy="1540562"/>
+              <a:chOff x="5079836" y="1217072"/>
+              <a:chExt cx="3712127" cy="1540562"/>
+            </a:xfrm>
+          </p:grpSpPr>
+          <p:sp>
+            <p:nvSpPr>
+              <p:cNvPr id="23" name="TextBox 22"/>
+              <p:cNvSpPr txBox="1"/>
+              <p:nvPr/>
+            </p:nvSpPr>
+            <p:spPr>
+              <a:xfrm>
+                <a:off x="7142857" y="1371527"/>
+                <a:ext cx="1649106" cy="415498"/>
+              </a:xfrm>
+              <a:prstGeom prst="rect">
+                <a:avLst/>
+              </a:prstGeom>
+              <a:solidFill>
+                <a:schemeClr val="bg1"/>
+              </a:solidFill>
+            </p:spPr>
+            <p:txBody>
+              <a:bodyPr wrap="none" rtlCol="0">
+                <a:spAutoFit/>
+              </a:bodyPr>
+              <a:lstStyle/>
+              <a:p>
+                <a:r>
+                  <a:rPr lang="en-US" sz="2100" dirty="0">
+                    <a:latin typeface="Segoe WP SemiLight" pitchFamily="34" charset="0"/>
+                  </a:rPr>
+                  <a:t>Node Failure</a:t>
+                </a:r>
+              </a:p>
+            </p:txBody>
+          </p:sp>
+          <p:sp>
+            <p:nvSpPr>
+              <p:cNvPr id="24" name="TextBox 23"/>
+              <p:cNvSpPr txBox="1"/>
+              <p:nvPr/>
+            </p:nvSpPr>
+            <p:spPr>
+              <a:xfrm>
+                <a:off x="5179333" y="1217072"/>
+                <a:ext cx="1785361" cy="415498"/>
+              </a:xfrm>
+              <a:prstGeom prst="rect">
+                <a:avLst/>
+              </a:prstGeom>
+              <a:solidFill>
+                <a:schemeClr val="bg1"/>
+              </a:solidFill>
+            </p:spPr>
+            <p:txBody>
+              <a:bodyPr wrap="none" rtlCol="0">
+                <a:spAutoFit/>
+              </a:bodyPr>
+              <a:lstStyle/>
+              <a:p>
+                <a:r>
+                  <a:rPr lang="en-US" sz="2100" dirty="0">
+                    <a:latin typeface="Segoe WP SemiLight" pitchFamily="34" charset="0"/>
+                  </a:rPr>
+                  <a:t>Sensor Failure</a:t>
+                </a:r>
+              </a:p>
+            </p:txBody>
+          </p:sp>
+          <p:sp>
+            <p:nvSpPr>
+              <p:cNvPr id="25" name="TextBox 24"/>
+              <p:cNvSpPr txBox="1"/>
+              <p:nvPr/>
+            </p:nvSpPr>
+            <p:spPr>
+              <a:xfrm>
+                <a:off x="5079836" y="1788138"/>
+                <a:ext cx="2641044" cy="553998"/>
+              </a:xfrm>
+              <a:prstGeom prst="rect">
+                <a:avLst/>
+              </a:prstGeom>
+              <a:solidFill>
+                <a:schemeClr val="bg1"/>
+              </a:solidFill>
+            </p:spPr>
+            <p:txBody>
+              <a:bodyPr wrap="none" rtlCol="0">
+                <a:spAutoFit/>
+              </a:bodyPr>
+              <a:lstStyle/>
+              <a:p>
+                <a:r>
+                  <a:rPr lang="en-US" sz="3000" dirty="0">
+                    <a:solidFill>
+                      <a:srgbClr val="00B0F0"/>
+                    </a:solidFill>
+                    <a:latin typeface="Segoe WP SemiLight" pitchFamily="34" charset="0"/>
+                  </a:rPr>
+                  <a:t>Fault Tolerance</a:t>
+                </a:r>
+              </a:p>
+            </p:txBody>
+          </p:sp>
+          <p:sp>
+            <p:nvSpPr>
+              <p:cNvPr id="26" name="TextBox 25"/>
+              <p:cNvSpPr txBox="1"/>
+              <p:nvPr/>
+            </p:nvSpPr>
+            <p:spPr>
+              <a:xfrm>
+                <a:off x="5895158" y="2342136"/>
+                <a:ext cx="1770036" cy="415498"/>
+              </a:xfrm>
+              <a:prstGeom prst="rect">
+                <a:avLst/>
+              </a:prstGeom>
+              <a:solidFill>
+                <a:schemeClr val="bg1"/>
+              </a:solidFill>
+            </p:spPr>
+            <p:txBody>
+              <a:bodyPr wrap="none" rtlCol="0">
+                <a:spAutoFit/>
+              </a:bodyPr>
+              <a:lstStyle/>
+              <a:p>
+                <a:r>
+                  <a:rPr lang="en-US" sz="2100" dirty="0">
+                    <a:latin typeface="Segoe WP SemiLight" pitchFamily="34" charset="0"/>
+                  </a:rPr>
+                  <a:t>Message Loss</a:t>
+                </a:r>
+              </a:p>
+            </p:txBody>
+          </p:sp>
+        </p:grpSp>
+      </p:grpSp>
+      <p:grpSp>
+        <p:nvGrpSpPr>
+          <p:cNvPr id="27" name="Group 26"/>
+          <p:cNvGrpSpPr/>
+          <p:nvPr/>
+        </p:nvGrpSpPr>
+        <p:grpSpPr>
+          <a:xfrm>
+            <a:off x="294401" y="3948430"/>
+            <a:ext cx="2607227" cy="1778464"/>
+            <a:chOff x="294401" y="3948430"/>
+            <a:chExt cx="2607227" cy="1778464"/>
+          </a:xfrm>
+        </p:grpSpPr>
+        <p:sp>
+          <p:nvSpPr>
+            <p:cNvPr id="28" name="TextBox 27"/>
+            <p:cNvSpPr txBox="1"/>
+            <p:nvPr/>
+          </p:nvSpPr>
+          <p:spPr>
+            <a:xfrm>
+              <a:off x="702949" y="4369937"/>
+              <a:ext cx="2198679" cy="415498"/>
+            </a:xfrm>
+            <a:prstGeom prst="rect">
+              <a:avLst/>
+            </a:prstGeom>
+            <a:solidFill>
+              <a:schemeClr val="bg1"/>
+            </a:solidFill>
+          </p:spPr>
+          <p:txBody>
+            <a:bodyPr wrap="none" rtlCol="0">
+              <a:spAutoFit/>
+            </a:bodyPr>
+            <a:lstStyle/>
+            <a:p>
+              <a:r>
+                <a:rPr lang="en-US" sz="2100" dirty="0">
+                  <a:latin typeface="Segoe WP SemiLight" pitchFamily="34" charset="0"/>
+                </a:rPr>
+                <a:t>Partial-Synchrony</a:t>
+              </a:r>
+            </a:p>
+          </p:txBody>
+        </p:sp>
+        <p:sp>
+          <p:nvSpPr>
+            <p:cNvPr id="29" name="TextBox 28"/>
+            <p:cNvSpPr txBox="1"/>
+            <p:nvPr/>
+          </p:nvSpPr>
+          <p:spPr>
+            <a:xfrm>
+              <a:off x="310911" y="4773204"/>
+              <a:ext cx="2260299" cy="553998"/>
+            </a:xfrm>
+            <a:prstGeom prst="rect">
+              <a:avLst/>
+            </a:prstGeom>
+            <a:solidFill>
+              <a:schemeClr val="bg1"/>
+            </a:solidFill>
+          </p:spPr>
+          <p:txBody>
+            <a:bodyPr wrap="none" rtlCol="0">
+              <a:spAutoFit/>
+            </a:bodyPr>
+            <a:lstStyle/>
+            <a:p>
+              <a:r>
+                <a:rPr lang="en-US" sz="3000" dirty="0">
+                  <a:solidFill>
+                    <a:srgbClr val="00B0F0"/>
+                  </a:solidFill>
+                  <a:latin typeface="Segoe WP SemiLight" pitchFamily="34" charset="0"/>
+                </a:rPr>
+                <a:t>Concurrency</a:t>
+              </a:r>
+            </a:p>
+          </p:txBody>
+        </p:sp>
+        <p:grpSp>
+          <p:nvGrpSpPr>
+            <p:cNvPr id="30" name="Group 29"/>
+            <p:cNvGrpSpPr/>
+            <p:nvPr/>
+          </p:nvGrpSpPr>
+          <p:grpSpPr>
+            <a:xfrm>
+              <a:off x="294401" y="3948430"/>
+              <a:ext cx="2590717" cy="1778464"/>
+              <a:chOff x="294401" y="3948430"/>
+              <a:chExt cx="2590717" cy="1778464"/>
+            </a:xfrm>
+          </p:grpSpPr>
+          <p:sp>
+            <p:nvSpPr>
+              <p:cNvPr id="31" name="TextBox 30"/>
+              <p:cNvSpPr txBox="1"/>
+              <p:nvPr/>
+            </p:nvSpPr>
+            <p:spPr>
+              <a:xfrm>
+                <a:off x="795623" y="5311396"/>
+                <a:ext cx="1519583" cy="415498"/>
+              </a:xfrm>
+              <a:prstGeom prst="rect">
+                <a:avLst/>
+              </a:prstGeom>
+              <a:solidFill>
+                <a:schemeClr val="bg1"/>
+              </a:solidFill>
+            </p:spPr>
+            <p:txBody>
+              <a:bodyPr wrap="none" rtlCol="0">
+                <a:spAutoFit/>
+              </a:bodyPr>
+              <a:lstStyle/>
+              <a:p>
+                <a:r>
+                  <a:rPr lang="en-US" sz="2100" dirty="0" err="1">
+                    <a:latin typeface="Segoe WP SemiLight" pitchFamily="34" charset="0"/>
+                  </a:rPr>
+                  <a:t>Aynschrony</a:t>
+                </a:r>
+                <a:endParaRPr lang="en-US" sz="2100" dirty="0">
+                  <a:latin typeface="Segoe WP SemiLight" pitchFamily="34" charset="0"/>
+                </a:endParaRPr>
+              </a:p>
+            </p:txBody>
+          </p:sp>
+          <p:sp>
+            <p:nvSpPr>
+              <p:cNvPr id="32" name="TextBox 31"/>
+              <p:cNvSpPr txBox="1"/>
+              <p:nvPr/>
+            </p:nvSpPr>
+            <p:spPr>
+              <a:xfrm>
+                <a:off x="867597" y="3948430"/>
+                <a:ext cx="1375633" cy="415498"/>
+              </a:xfrm>
+              <a:prstGeom prst="rect">
+                <a:avLst/>
+              </a:prstGeom>
+              <a:solidFill>
+                <a:schemeClr val="bg1"/>
+              </a:solidFill>
+            </p:spPr>
+            <p:txBody>
+              <a:bodyPr wrap="none" rtlCol="0">
+                <a:spAutoFit/>
+              </a:bodyPr>
+              <a:lstStyle/>
+              <a:p>
+                <a:r>
+                  <a:rPr lang="en-US" sz="2100" dirty="0">
+                    <a:latin typeface="Segoe WP SemiLight" pitchFamily="34" charset="0"/>
+                  </a:rPr>
+                  <a:t>Synchrony</a:t>
+                </a:r>
+              </a:p>
+            </p:txBody>
+          </p:sp>
+          <p:sp>
+            <p:nvSpPr>
+              <p:cNvPr id="33" name="TextBox 32"/>
+              <p:cNvSpPr txBox="1"/>
+              <p:nvPr/>
+            </p:nvSpPr>
+            <p:spPr>
+              <a:xfrm>
+                <a:off x="686439" y="4369937"/>
+                <a:ext cx="2198679" cy="415498"/>
+              </a:xfrm>
+              <a:prstGeom prst="rect">
+                <a:avLst/>
+              </a:prstGeom>
+              <a:solidFill>
+                <a:schemeClr val="bg1"/>
+              </a:solidFill>
+            </p:spPr>
+            <p:txBody>
+              <a:bodyPr wrap="none" rtlCol="0">
+                <a:spAutoFit/>
+              </a:bodyPr>
+              <a:lstStyle/>
+              <a:p>
+                <a:r>
+                  <a:rPr lang="en-US" sz="2100" dirty="0">
+                    <a:latin typeface="Segoe WP SemiLight" pitchFamily="34" charset="0"/>
+                  </a:rPr>
+                  <a:t>Partial-Synchrony</a:t>
+                </a:r>
+              </a:p>
+            </p:txBody>
+          </p:sp>
+          <p:sp>
+            <p:nvSpPr>
+              <p:cNvPr id="34" name="TextBox 33"/>
+              <p:cNvSpPr txBox="1"/>
+              <p:nvPr/>
+            </p:nvSpPr>
+            <p:spPr>
+              <a:xfrm>
+                <a:off x="294401" y="4773204"/>
+                <a:ext cx="2260299" cy="553998"/>
+              </a:xfrm>
+              <a:prstGeom prst="rect">
+                <a:avLst/>
+              </a:prstGeom>
+              <a:solidFill>
+                <a:schemeClr val="bg1"/>
+              </a:solidFill>
+            </p:spPr>
+            <p:txBody>
+              <a:bodyPr wrap="none" rtlCol="0">
+                <a:spAutoFit/>
+              </a:bodyPr>
+              <a:lstStyle/>
+              <a:p>
+                <a:r>
+                  <a:rPr lang="en-US" sz="3000" dirty="0">
+                    <a:solidFill>
+                      <a:srgbClr val="00B0F0"/>
+                    </a:solidFill>
+                    <a:latin typeface="Segoe WP SemiLight" pitchFamily="34" charset="0"/>
+                  </a:rPr>
+                  <a:t>Concurrency</a:t>
+                </a:r>
+              </a:p>
+            </p:txBody>
+          </p:sp>
+        </p:grpSp>
+      </p:grpSp>
+      <p:grpSp>
+        <p:nvGrpSpPr>
+          <p:cNvPr id="35" name="Group 34"/>
+          <p:cNvGrpSpPr/>
+          <p:nvPr/>
+        </p:nvGrpSpPr>
+        <p:grpSpPr>
+          <a:xfrm>
+            <a:off x="426286" y="1217072"/>
+            <a:ext cx="2831535" cy="1983744"/>
+            <a:chOff x="426286" y="1217072"/>
+            <a:chExt cx="2831535" cy="1983744"/>
+          </a:xfrm>
+        </p:grpSpPr>
+        <p:sp>
+          <p:nvSpPr>
+            <p:cNvPr id="36" name="TextBox 35"/>
+            <p:cNvSpPr txBox="1"/>
+            <p:nvPr/>
+          </p:nvSpPr>
+          <p:spPr>
+            <a:xfrm>
+              <a:off x="702949" y="1909788"/>
+              <a:ext cx="2374111" cy="1015663"/>
+            </a:xfrm>
+            <a:prstGeom prst="rect">
+              <a:avLst/>
+            </a:prstGeom>
+            <a:solidFill>
+              <a:schemeClr val="bg1"/>
+            </a:solidFill>
+          </p:spPr>
+          <p:txBody>
+            <a:bodyPr wrap="none" rtlCol="0">
+              <a:spAutoFit/>
+            </a:bodyPr>
+            <a:lstStyle/>
+            <a:p>
+              <a:r>
+                <a:rPr lang="en-US" sz="3000" dirty="0">
+                  <a:solidFill>
+                    <a:srgbClr val="00B0F0"/>
+                  </a:solidFill>
+                  <a:latin typeface="Segoe WP SemiLight" pitchFamily="34" charset="0"/>
+                </a:rPr>
+                <a:t>Environment </a:t>
+              </a:r>
+            </a:p>
+            <a:p>
+              <a:r>
+                <a:rPr lang="en-US" sz="3000" dirty="0">
+                  <a:solidFill>
+                    <a:srgbClr val="00B0F0"/>
+                  </a:solidFill>
+                  <a:latin typeface="Segoe WP SemiLight" pitchFamily="34" charset="0"/>
+                </a:rPr>
+                <a:t>Modeling</a:t>
+              </a:r>
+            </a:p>
+          </p:txBody>
+        </p:sp>
+        <p:grpSp>
+          <p:nvGrpSpPr>
+            <p:cNvPr id="37" name="Group 36"/>
+            <p:cNvGrpSpPr/>
+            <p:nvPr/>
+          </p:nvGrpSpPr>
+          <p:grpSpPr>
+            <a:xfrm>
+              <a:off x="426286" y="1217072"/>
+              <a:ext cx="2831535" cy="1983744"/>
+              <a:chOff x="426286" y="1217072"/>
+              <a:chExt cx="2831535" cy="1983744"/>
+            </a:xfrm>
+          </p:grpSpPr>
+          <p:sp>
+            <p:nvSpPr>
+              <p:cNvPr id="38" name="TextBox 37"/>
+              <p:cNvSpPr txBox="1"/>
+              <p:nvPr/>
+            </p:nvSpPr>
+            <p:spPr>
+              <a:xfrm>
+                <a:off x="1566589" y="1577567"/>
+                <a:ext cx="1691232" cy="415498"/>
+              </a:xfrm>
+              <a:prstGeom prst="rect">
+                <a:avLst/>
+              </a:prstGeom>
+              <a:solidFill>
+                <a:schemeClr val="bg1"/>
+              </a:solidFill>
+            </p:spPr>
+            <p:txBody>
+              <a:bodyPr wrap="none" rtlCol="0">
+                <a:spAutoFit/>
+              </a:bodyPr>
+              <a:lstStyle/>
+              <a:p>
+                <a:r>
+                  <a:rPr lang="en-US" sz="2100" dirty="0">
+                    <a:latin typeface="Segoe WP SemiLight" pitchFamily="34" charset="0"/>
+                  </a:rPr>
+                  <a:t>Uncertainties</a:t>
+                </a:r>
+              </a:p>
+            </p:txBody>
+          </p:sp>
+          <p:sp>
+            <p:nvSpPr>
+              <p:cNvPr id="39" name="TextBox 38"/>
+              <p:cNvSpPr txBox="1"/>
+              <p:nvPr/>
+            </p:nvSpPr>
+            <p:spPr>
+              <a:xfrm>
+                <a:off x="442796" y="2785318"/>
+                <a:ext cx="1270412" cy="415498"/>
+              </a:xfrm>
+              <a:prstGeom prst="rect">
+                <a:avLst/>
+              </a:prstGeom>
+              <a:solidFill>
+                <a:schemeClr val="bg1"/>
+              </a:solidFill>
+            </p:spPr>
+            <p:txBody>
+              <a:bodyPr wrap="none" rtlCol="0">
+                <a:spAutoFit/>
+              </a:bodyPr>
+              <a:lstStyle/>
+              <a:p>
+                <a:r>
+                  <a:rPr lang="en-US" sz="2100" dirty="0">
+                    <a:latin typeface="Segoe WP SemiLight" pitchFamily="34" charset="0"/>
+                  </a:rPr>
+                  <a:t>Reactivity</a:t>
+                </a:r>
+              </a:p>
+            </p:txBody>
+          </p:sp>
+          <p:sp>
+            <p:nvSpPr>
+              <p:cNvPr id="40" name="TextBox 39"/>
+              <p:cNvSpPr txBox="1"/>
+              <p:nvPr/>
+            </p:nvSpPr>
+            <p:spPr>
+              <a:xfrm>
+                <a:off x="621703" y="1217072"/>
+                <a:ext cx="2222660" cy="415498"/>
+              </a:xfrm>
+              <a:prstGeom prst="rect">
+                <a:avLst/>
+              </a:prstGeom>
+              <a:solidFill>
+                <a:schemeClr val="bg1"/>
+              </a:solidFill>
+            </p:spPr>
+            <p:txBody>
+              <a:bodyPr wrap="none" rtlCol="0">
+                <a:spAutoFit/>
+              </a:bodyPr>
+              <a:lstStyle/>
+              <a:p>
+                <a:r>
+                  <a:rPr lang="en-US" sz="2100" dirty="0">
+                    <a:latin typeface="Segoe WP SemiLight" pitchFamily="34" charset="0"/>
+                  </a:rPr>
+                  <a:t>Non-determinism</a:t>
+                </a:r>
+              </a:p>
+            </p:txBody>
+          </p:sp>
+          <p:sp>
+            <p:nvSpPr>
+              <p:cNvPr id="41" name="TextBox 40"/>
+              <p:cNvSpPr txBox="1"/>
+              <p:nvPr/>
+            </p:nvSpPr>
+            <p:spPr>
+              <a:xfrm>
+                <a:off x="686439" y="1909788"/>
+                <a:ext cx="2374111" cy="1015663"/>
+              </a:xfrm>
+              <a:prstGeom prst="rect">
+                <a:avLst/>
+              </a:prstGeom>
+              <a:solidFill>
+                <a:schemeClr val="bg1"/>
+              </a:solidFill>
+            </p:spPr>
+            <p:txBody>
+              <a:bodyPr wrap="none" rtlCol="0">
+                <a:spAutoFit/>
+              </a:bodyPr>
+              <a:lstStyle/>
+              <a:p>
+                <a:r>
+                  <a:rPr lang="en-US" sz="3000" dirty="0">
+                    <a:solidFill>
+                      <a:srgbClr val="00B0F0"/>
+                    </a:solidFill>
+                    <a:latin typeface="Segoe WP SemiLight" pitchFamily="34" charset="0"/>
+                  </a:rPr>
+                  <a:t>Environment </a:t>
+                </a:r>
+              </a:p>
+              <a:p>
+                <a:r>
+                  <a:rPr lang="en-US" sz="3000" dirty="0">
+                    <a:solidFill>
+                      <a:srgbClr val="00B0F0"/>
+                    </a:solidFill>
+                    <a:latin typeface="Segoe WP SemiLight" pitchFamily="34" charset="0"/>
+                  </a:rPr>
+                  <a:t>Modeling</a:t>
+                </a:r>
+              </a:p>
+            </p:txBody>
+          </p:sp>
+          <p:sp>
+            <p:nvSpPr>
+              <p:cNvPr id="42" name="TextBox 41"/>
+              <p:cNvSpPr txBox="1"/>
+              <p:nvPr/>
+            </p:nvSpPr>
+            <p:spPr>
+              <a:xfrm>
+                <a:off x="1550079" y="1577567"/>
+                <a:ext cx="1691232" cy="415498"/>
+              </a:xfrm>
+              <a:prstGeom prst="rect">
+                <a:avLst/>
+              </a:prstGeom>
+              <a:solidFill>
+                <a:schemeClr val="bg1"/>
+              </a:solidFill>
+            </p:spPr>
+            <p:txBody>
+              <a:bodyPr wrap="none" rtlCol="0">
+                <a:spAutoFit/>
+              </a:bodyPr>
+              <a:lstStyle/>
+              <a:p>
+                <a:r>
+                  <a:rPr lang="en-US" sz="2100" dirty="0">
+                    <a:latin typeface="Segoe WP SemiLight" pitchFamily="34" charset="0"/>
+                  </a:rPr>
+                  <a:t>Uncertainties</a:t>
+                </a:r>
+              </a:p>
+            </p:txBody>
+          </p:sp>
+          <p:sp>
+            <p:nvSpPr>
+              <p:cNvPr id="43" name="TextBox 42"/>
+              <p:cNvSpPr txBox="1"/>
+              <p:nvPr/>
+            </p:nvSpPr>
+            <p:spPr>
+              <a:xfrm>
+                <a:off x="426286" y="2785318"/>
+                <a:ext cx="1270412" cy="415498"/>
+              </a:xfrm>
+              <a:prstGeom prst="rect">
+                <a:avLst/>
+              </a:prstGeom>
+              <a:solidFill>
+                <a:schemeClr val="bg1"/>
+              </a:solidFill>
+            </p:spPr>
+            <p:txBody>
+              <a:bodyPr wrap="none" rtlCol="0">
+                <a:spAutoFit/>
+              </a:bodyPr>
+              <a:lstStyle/>
+              <a:p>
+                <a:r>
+                  <a:rPr lang="en-US" sz="2100" dirty="0">
+                    <a:latin typeface="Segoe WP SemiLight" pitchFamily="34" charset="0"/>
+                  </a:rPr>
+                  <a:t>Reactivity</a:t>
+                </a:r>
+              </a:p>
+            </p:txBody>
+          </p:sp>
+          <p:sp>
+            <p:nvSpPr>
+              <p:cNvPr id="44" name="TextBox 43"/>
+              <p:cNvSpPr txBox="1"/>
+              <p:nvPr/>
+            </p:nvSpPr>
+            <p:spPr>
+              <a:xfrm>
+                <a:off x="605193" y="1217072"/>
+                <a:ext cx="2222660" cy="415498"/>
+              </a:xfrm>
+              <a:prstGeom prst="rect">
+                <a:avLst/>
+              </a:prstGeom>
+              <a:solidFill>
+                <a:schemeClr val="bg1"/>
+              </a:solidFill>
+            </p:spPr>
+            <p:txBody>
+              <a:bodyPr wrap="none" rtlCol="0">
+                <a:spAutoFit/>
+              </a:bodyPr>
+              <a:lstStyle/>
+              <a:p>
+                <a:r>
+                  <a:rPr lang="en-US" sz="2100" dirty="0">
+                    <a:latin typeface="Segoe WP SemiLight" pitchFamily="34" charset="0"/>
+                  </a:rPr>
+                  <a:t>Non-determinism</a:t>
+                </a:r>
+              </a:p>
+            </p:txBody>
+          </p:sp>
+        </p:grpSp>
+      </p:grpSp>
+    </p:spTree>
+    <p:extLst>
+      <p:ext uri="{BB962C8B-B14F-4D97-AF65-F5344CB8AC3E}">
+        <p14:creationId xmlns:p14="http://schemas.microsoft.com/office/powerpoint/2010/main" val="3430146004"/>
+      </p:ext>
+    </p:extLst>
+  </p:cSld>
+  <p:clrMapOvr>
+    <a:masterClrMapping/>
+  </p:clrMapOvr>
+  <p:timing>
+    <p:tnLst>
+      <p:par>
+        <p:cTn id="1" dur="indefinite" restart="never" nodeType="tmRoot">
+          <p:childTnLst>
+            <p:seq concurrent="1" nextAc="seek">
+              <p:cTn id="2" dur="indefinite" nodeType="mainSeq">
+                <p:childTnLst>
+                  <p:par>
+                    <p:cTn id="3" fill="hold">
+                      <p:stCondLst>
+                        <p:cond delay="indefinite"/>
+                      </p:stCondLst>
+                      <p:childTnLst>
+                        <p:par>
+                          <p:cTn id="4" fill="hold">
+                            <p:stCondLst>
+                              <p:cond delay="0"/>
+                            </p:stCondLst>
+                            <p:childTnLst>
+                              <p:par>
+                                <p:cTn id="5" presetID="1" presetClass="entr" presetSubtype="0" fill="hold" nodeType="clickEffect">
+                                  <p:stCondLst>
+                                    <p:cond delay="0"/>
+                                  </p:stCondLst>
+                                  <p:childTnLst>
+                                    <p:set>
+                                      <p:cBhvr>
+                                        <p:cTn id="6" dur="1" fill="hold">
+                                          <p:stCondLst>
+                                            <p:cond delay="0"/>
+                                          </p:stCondLst>
+                                        </p:cTn>
+                                        <p:tgtEl>
+                                          <p:spTgt spid="27"/>
+                                        </p:tgtEl>
+                                        <p:attrNameLst>
+                                          <p:attrName>style.visibility</p:attrName>
+                                        </p:attrNameLst>
+                                      </p:cBhvr>
+                                      <p:to>
+                                        <p:strVal val="visible"/>
+                                      </p:to>
+                                    </p:set>
+                                  </p:childTnLst>
+                                </p:cTn>
+                              </p:par>
+                              <p:par>
+                                <p:cTn id="7" presetID="1" presetClass="entr" presetSubtype="0" fill="hold" nodeType="withEffect">
+                                  <p:stCondLst>
+                                    <p:cond delay="0"/>
+                                  </p:stCondLst>
+                                  <p:childTnLst>
+                                    <p:set>
+                                      <p:cBhvr>
+                                        <p:cTn id="8" dur="1" fill="hold">
+                                          <p:stCondLst>
+                                            <p:cond delay="0"/>
+                                          </p:stCondLst>
+                                        </p:cTn>
+                                        <p:tgtEl>
+                                          <p:spTgt spid="19"/>
+                                        </p:tgtEl>
+                                        <p:attrNameLst>
+                                          <p:attrName>style.visibility</p:attrName>
+                                        </p:attrNameLst>
+                                      </p:cBhvr>
+                                      <p:to>
+                                        <p:strVal val="visible"/>
+                                      </p:to>
+                                    </p:set>
+                                  </p:childTnLst>
+                                </p:cTn>
+                              </p:par>
+                            </p:childTnLst>
+                          </p:cTn>
+                        </p:par>
+                      </p:childTnLst>
+                    </p:cTn>
+                  </p:par>
+                  <p:par>
+                    <p:cTn id="9" fill="hold">
+                      <p:stCondLst>
+                        <p:cond delay="indefinite"/>
+                      </p:stCondLst>
+                      <p:childTnLst>
+                        <p:par>
+                          <p:cTn id="10" fill="hold">
+                            <p:stCondLst>
+                              <p:cond delay="0"/>
+                            </p:stCondLst>
+                            <p:childTnLst>
+                              <p:par>
+                                <p:cTn id="11" presetID="1" presetClass="entr" presetSubtype="0" fill="hold" nodeType="clickEffect">
+                                  <p:stCondLst>
+                                    <p:cond delay="0"/>
+                                  </p:stCondLst>
+                                  <p:childTnLst>
+                                    <p:set>
+                                      <p:cBhvr>
+                                        <p:cTn id="12" dur="1" fill="hold">
+                                          <p:stCondLst>
+                                            <p:cond delay="0"/>
+                                          </p:stCondLst>
+                                        </p:cTn>
+                                        <p:tgtEl>
+                                          <p:spTgt spid="35"/>
+                                        </p:tgtEl>
+                                        <p:attrNameLst>
+                                          <p:attrName>style.visibility</p:attrName>
+                                        </p:attrNameLst>
+                                      </p:cBhvr>
+                                      <p:to>
+                                        <p:strVal val="visible"/>
+                                      </p:to>
+                                    </p:set>
+                                  </p:childTnLst>
+                                </p:cTn>
+                              </p:par>
+                            </p:childTnLst>
+                          </p:cTn>
+                        </p:par>
+                      </p:childTnLst>
+                    </p:cTn>
+                  </p:par>
+                  <p:par>
+                    <p:cTn id="13" fill="hold">
+                      <p:stCondLst>
+                        <p:cond delay="indefinite"/>
+                      </p:stCondLst>
+                      <p:childTnLst>
+                        <p:par>
+                          <p:cTn id="14" fill="hold">
+                            <p:stCondLst>
+                              <p:cond delay="0"/>
+                            </p:stCondLst>
+                            <p:childTnLst>
+                              <p:par>
+                                <p:cTn id="15" presetID="1" presetClass="entr" presetSubtype="0" fill="hold" nodeType="clickEffect">
+                                  <p:stCondLst>
+                                    <p:cond delay="0"/>
+                                  </p:stCondLst>
+                                  <p:childTnLst>
+                                    <p:set>
+                                      <p:cBhvr>
+                                        <p:cTn id="16" dur="1" fill="hold">
+                                          <p:stCondLst>
+                                            <p:cond delay="0"/>
+                                          </p:stCondLst>
+                                        </p:cTn>
+                                        <p:tgtEl>
+                                          <p:spTgt spid="15"/>
+                                        </p:tgtEl>
+                                        <p:attrNameLst>
+                                          <p:attrName>style.visibility</p:attrName>
+                                        </p:attrNameLst>
+                                      </p:cBhvr>
+                                      <p:to>
+                                        <p:strVal val="visible"/>
+                                      </p:to>
+                                    </p:set>
+                                  </p:childTnLst>
+                                </p:cTn>
+                              </p:par>
+                            </p:childTnLst>
+                          </p:cTn>
+                        </p:par>
+                      </p:childTnLst>
+                    </p:cTn>
+                  </p:par>
+                  <p:par>
+                    <p:cTn id="17" fill="hold">
+                      <p:stCondLst>
+                        <p:cond delay="indefinite"/>
+                      </p:stCondLst>
+                      <p:childTnLst>
+                        <p:par>
+                          <p:cTn id="18" fill="hold">
+                            <p:stCondLst>
+                              <p:cond delay="0"/>
+                            </p:stCondLst>
+                            <p:childTnLst>
+                              <p:par>
+                                <p:cTn id="19" presetID="1" presetClass="entr" presetSubtype="0" fill="hold" nodeType="clickEffect">
+                                  <p:stCondLst>
+                                    <p:cond delay="0"/>
+                                  </p:stCondLst>
+                                  <p:childTnLst>
+                                    <p:set>
+                                      <p:cBhvr>
+                                        <p:cTn id="20" dur="1" fill="hold">
+                                          <p:stCondLst>
+                                            <p:cond delay="0"/>
+                                          </p:stCondLst>
+                                        </p:cTn>
+                                        <p:tgtEl>
+                                          <p:spTgt spid="11"/>
+                                        </p:tgtEl>
+                                        <p:attrNameLst>
+                                          <p:attrName>style.visibility</p:attrName>
+                                        </p:attrNameLst>
+                                      </p:cBhvr>
+                                      <p:to>
+                                        <p:strVal val="visible"/>
+                                      </p:to>
+                                    </p:set>
+                                  </p:childTnLst>
+                                </p:cTn>
+                              </p:par>
+                            </p:childTnLst>
+                          </p:cTn>
+                        </p:par>
+                      </p:childTnLst>
+                    </p:cTn>
+                  </p:par>
+                </p:childTnLst>
+              </p:cTn>
+              <p:prevCondLst>
+                <p:cond evt="onPrev" delay="0">
+                  <p:tgtEl>
+                    <p:sldTgt/>
+                  </p:tgtEl>
+                </p:cond>
+              </p:prevCondLst>
+              <p:nextCondLst>
+                <p:cond evt="onNext" delay="0">
+                  <p:tgtEl>
+                    <p:sldTgt/>
+                  </p:tgtEl>
+                </p:cond>
+              </p:nextCondLst>
+            </p:seq>
+          </p:childTnLst>
+        </p:cTn>
+      </p:par>
+    </p:tnLst>
+  </p:timing>
+</p:sld>
+</file>
+
+<file path=ppt/slides/slide7.xml><?xml version="1.0" encoding="utf-8"?>
+<p:sld xmlns:a="http://schemas.openxmlformats.org/drawingml/2006/main" xmlns:r="http://schemas.openxmlformats.org/officeDocument/2006/relationships" xmlns:p="http://schemas.openxmlformats.org/presentationml/2006/main">
+  <p:cSld>
+    <p:spTree>
+      <p:nvGrpSpPr>
+        <p:cNvPr id="1" name=""/>
+        <p:cNvGrpSpPr/>
+        <p:nvPr/>
+      </p:nvGrpSpPr>
+      <p:grpSpPr>
+        <a:xfrm>
+          <a:off x="0" y="0"/>
+          <a:ext cx="0" cy="0"/>
+          <a:chOff x="0" y="0"/>
+          <a:chExt cx="0" cy="0"/>
+        </a:xfrm>
+      </p:grpSpPr>
+      <p:sp>
+        <p:nvSpPr>
+          <p:cNvPr id="4" name="Date Placeholder 3"/>
+          <p:cNvSpPr>
+            <a:spLocks noGrp="1"/>
+          </p:cNvSpPr>
+          <p:nvPr>
+            <p:ph type="dt" sz="half" idx="10"/>
+          </p:nvPr>
+        </p:nvSpPr>
+        <p:spPr/>
+        <p:txBody>
+          <a:bodyPr/>
+          <a:lstStyle/>
+          <a:p>
+            <a:r>
+              <a:rPr lang="en-US" smtClean="0"/>
+              <a:t>PLDI 2019</a:t>
+            </a:r>
+            <a:endParaRPr lang="en-US" dirty="0"/>
+          </a:p>
+        </p:txBody>
+      </p:sp>
+      <p:sp>
+        <p:nvSpPr>
+          <p:cNvPr id="5" name="Footer Placeholder 4"/>
+          <p:cNvSpPr>
+            <a:spLocks noGrp="1"/>
+          </p:cNvSpPr>
+          <p:nvPr>
+            <p:ph type="ftr" sz="quarter" idx="11"/>
+          </p:nvPr>
+        </p:nvSpPr>
+        <p:spPr/>
+        <p:txBody>
+          <a:bodyPr/>
+          <a:lstStyle/>
+          <a:p>
+            <a:r>
+              <a:rPr lang="en-US" smtClean="0"/>
+              <a:t>SafeAsync: Introduction</a:t>
+            </a:r>
+            <a:endParaRPr lang="en-US" dirty="0"/>
+          </a:p>
+        </p:txBody>
+      </p:sp>
+      <p:sp>
+        <p:nvSpPr>
+          <p:cNvPr id="6" name="Slide Number Placeholder 5"/>
+          <p:cNvSpPr>
+            <a:spLocks noGrp="1"/>
+          </p:cNvSpPr>
+          <p:nvPr>
+            <p:ph type="sldNum" sz="quarter" idx="12"/>
+          </p:nvPr>
+        </p:nvSpPr>
+        <p:spPr/>
+        <p:txBody>
+          <a:bodyPr/>
+          <a:lstStyle/>
+          <a:p>
+            <a:fld id="{77CC721F-1D71-470D-9ADD-E53F1C9EB23A}" type="slidenum">
+              <a:rPr lang="en-US" smtClean="0"/>
+              <a:pPr/>
+              <a:t>7</a:t>
+            </a:fld>
+            <a:endParaRPr lang="en-US" dirty="0"/>
+          </a:p>
+        </p:txBody>
+      </p:sp>
+      <p:sp>
+        <p:nvSpPr>
+          <p:cNvPr id="7" name="Title 1"/>
+          <p:cNvSpPr>
+            <a:spLocks noGrp="1"/>
+          </p:cNvSpPr>
+          <p:nvPr>
+            <p:ph type="title"/>
+          </p:nvPr>
+        </p:nvSpPr>
+        <p:spPr>
+          <a:xfrm>
+            <a:off x="822960" y="286604"/>
+            <a:ext cx="7543800" cy="802457"/>
+          </a:xfrm>
+        </p:spPr>
+        <p:txBody>
+          <a:bodyPr>
+            <a:normAutofit/>
+          </a:bodyPr>
+          <a:lstStyle/>
+          <a:p>
+            <a:r>
+              <a:rPr lang="en-US" dirty="0" smtClean="0"/>
+              <a:t>Overview: P Framework</a:t>
+            </a:r>
+            <a:endParaRPr lang="en-US" dirty="0"/>
+          </a:p>
+        </p:txBody>
+      </p:sp>
+      <p:sp>
+        <p:nvSpPr>
+          <p:cNvPr id="8" name="TextBox 7"/>
+          <p:cNvSpPr txBox="1"/>
+          <p:nvPr/>
+        </p:nvSpPr>
+        <p:spPr>
+          <a:xfrm>
+            <a:off x="3715096" y="4258822"/>
+            <a:ext cx="1531830" cy="369332"/>
+          </a:xfrm>
+          <a:prstGeom prst="rect">
+            <a:avLst/>
+          </a:prstGeom>
+          <a:noFill/>
+        </p:spPr>
+        <p:txBody>
+          <a:bodyPr wrap="none" rtlCol="0">
+            <a:spAutoFit/>
+          </a:bodyPr>
+          <a:lstStyle/>
+          <a:p>
+            <a:r>
+              <a:rPr lang="en-US" dirty="0">
+                <a:solidFill>
+                  <a:srgbClr val="FF0000"/>
+                </a:solidFill>
+              </a:rPr>
+              <a:t>P</a:t>
+            </a:r>
+            <a:r>
+              <a:rPr lang="en-US" dirty="0"/>
+              <a:t> Framework</a:t>
+            </a:r>
+          </a:p>
+        </p:txBody>
+      </p:sp>
+      <p:sp>
+        <p:nvSpPr>
+          <p:cNvPr id="9" name="Rectangle: Rounded Corners 7"/>
+          <p:cNvSpPr/>
+          <p:nvPr/>
+        </p:nvSpPr>
+        <p:spPr>
+          <a:xfrm>
+            <a:off x="822960" y="1743020"/>
+            <a:ext cx="1760912" cy="1948086"/>
+          </a:xfrm>
+          <a:prstGeom prst="roundRect">
+            <a:avLst/>
+          </a:prstGeom>
+          <a:solidFill>
+            <a:schemeClr val="accent1">
+              <a:lumMod val="20000"/>
+              <a:lumOff val="80000"/>
+            </a:schemeClr>
+          </a:solidFill>
+          <a:ln>
+            <a:prstDash val="lgDash"/>
+          </a:ln>
+        </p:spPr>
+        <p:style>
+          <a:lnRef idx="2">
+            <a:schemeClr val="accent1">
+              <a:shade val="50000"/>
+            </a:schemeClr>
+          </a:lnRef>
+          <a:fillRef idx="1">
+            <a:schemeClr val="accent1"/>
+          </a:fillRef>
+          <a:effectRef idx="0">
+            <a:schemeClr val="accent1"/>
+          </a:effectRef>
+          <a:fontRef idx="minor">
+            <a:schemeClr val="lt1"/>
+          </a:fontRef>
+        </p:style>
+        <p:txBody>
+          <a:bodyPr rtlCol="0" anchor="ctr"/>
+          <a:lstStyle/>
+          <a:p>
+            <a:pPr algn="ctr"/>
+            <a:endParaRPr lang="en-US" dirty="0"/>
+          </a:p>
+        </p:txBody>
+      </p:sp>
+      <p:sp>
+        <p:nvSpPr>
+          <p:cNvPr id="10" name="TextBox 9"/>
+          <p:cNvSpPr txBox="1"/>
+          <p:nvPr/>
+        </p:nvSpPr>
+        <p:spPr>
+          <a:xfrm>
+            <a:off x="1081394" y="1256084"/>
+            <a:ext cx="1227644" cy="369332"/>
+          </a:xfrm>
+          <a:prstGeom prst="rect">
+            <a:avLst/>
+          </a:prstGeom>
+          <a:noFill/>
+        </p:spPr>
+        <p:txBody>
+          <a:bodyPr wrap="none" rtlCol="0">
+            <a:spAutoFit/>
+          </a:bodyPr>
+          <a:lstStyle/>
+          <a:p>
+            <a:r>
+              <a:rPr lang="en-US" dirty="0">
+                <a:solidFill>
+                  <a:srgbClr val="FF0000"/>
+                </a:solidFill>
+              </a:rPr>
+              <a:t>P</a:t>
+            </a:r>
+            <a:r>
+              <a:rPr lang="en-US" dirty="0"/>
+              <a:t> Program</a:t>
+            </a:r>
+          </a:p>
+        </p:txBody>
+      </p:sp>
+      <p:sp>
+        <p:nvSpPr>
+          <p:cNvPr id="11" name="Rectangle: Rounded Corners 10"/>
+          <p:cNvSpPr/>
+          <p:nvPr/>
+        </p:nvSpPr>
+        <p:spPr>
+          <a:xfrm>
+            <a:off x="961895" y="1889127"/>
+            <a:ext cx="1466643" cy="359936"/>
+          </a:xfrm>
+          <a:prstGeom prst="roundRect">
+            <a:avLst/>
+          </a:prstGeom>
+          <a:ln>
+            <a:solidFill>
+              <a:schemeClr val="accent1">
+                <a:lumMod val="75000"/>
+              </a:schemeClr>
+            </a:solidFill>
+          </a:ln>
+        </p:spPr>
+        <p:style>
+          <a:lnRef idx="2">
+            <a:schemeClr val="accent6"/>
+          </a:lnRef>
+          <a:fillRef idx="1">
+            <a:schemeClr val="lt1"/>
+          </a:fillRef>
+          <a:effectRef idx="0">
+            <a:schemeClr val="accent6"/>
+          </a:effectRef>
+          <a:fontRef idx="minor">
+            <a:schemeClr val="dk1"/>
+          </a:fontRef>
+        </p:style>
+        <p:txBody>
+          <a:bodyPr rtlCol="0" anchor="ctr"/>
+          <a:lstStyle/>
+          <a:p>
+            <a:pPr algn="ctr"/>
+            <a:r>
+              <a:rPr lang="en-US" sz="1200" dirty="0"/>
+              <a:t>Implementation</a:t>
+            </a:r>
+          </a:p>
+        </p:txBody>
+      </p:sp>
+      <p:sp>
+        <p:nvSpPr>
+          <p:cNvPr id="12" name="Rectangle: Rounded Corners 11"/>
+          <p:cNvSpPr/>
+          <p:nvPr/>
+        </p:nvSpPr>
+        <p:spPr>
+          <a:xfrm>
+            <a:off x="970094" y="2305355"/>
+            <a:ext cx="1466643" cy="352840"/>
+          </a:xfrm>
+          <a:prstGeom prst="roundRect">
+            <a:avLst/>
+          </a:prstGeom>
+          <a:ln>
+            <a:solidFill>
+              <a:schemeClr val="accent1">
+                <a:lumMod val="75000"/>
+              </a:schemeClr>
+            </a:solidFill>
+          </a:ln>
+        </p:spPr>
+        <p:style>
+          <a:lnRef idx="2">
+            <a:schemeClr val="accent6"/>
+          </a:lnRef>
+          <a:fillRef idx="1">
+            <a:schemeClr val="lt1"/>
+          </a:fillRef>
+          <a:effectRef idx="0">
+            <a:schemeClr val="accent6"/>
+          </a:effectRef>
+          <a:fontRef idx="minor">
+            <a:schemeClr val="dk1"/>
+          </a:fontRef>
+        </p:style>
+        <p:txBody>
+          <a:bodyPr rtlCol="0" anchor="ctr"/>
+          <a:lstStyle/>
+          <a:p>
+            <a:pPr algn="ctr"/>
+            <a:r>
+              <a:rPr lang="en-US" sz="1200" dirty="0"/>
+              <a:t>Specification</a:t>
+            </a:r>
+          </a:p>
+        </p:txBody>
+      </p:sp>
+      <p:sp>
+        <p:nvSpPr>
+          <p:cNvPr id="13" name="Rectangle: Rounded Corners 12"/>
+          <p:cNvSpPr/>
+          <p:nvPr/>
+        </p:nvSpPr>
+        <p:spPr>
+          <a:xfrm>
+            <a:off x="977889" y="2727689"/>
+            <a:ext cx="1466643" cy="354851"/>
+          </a:xfrm>
+          <a:prstGeom prst="roundRect">
+            <a:avLst/>
+          </a:prstGeom>
+          <a:ln>
+            <a:solidFill>
+              <a:schemeClr val="accent1">
+                <a:lumMod val="75000"/>
+              </a:schemeClr>
+            </a:solidFill>
+          </a:ln>
+        </p:spPr>
+        <p:style>
+          <a:lnRef idx="2">
+            <a:schemeClr val="accent6"/>
+          </a:lnRef>
+          <a:fillRef idx="1">
+            <a:schemeClr val="lt1"/>
+          </a:fillRef>
+          <a:effectRef idx="0">
+            <a:schemeClr val="accent6"/>
+          </a:effectRef>
+          <a:fontRef idx="minor">
+            <a:schemeClr val="dk1"/>
+          </a:fontRef>
+        </p:style>
+        <p:txBody>
+          <a:bodyPr rtlCol="0" anchor="ctr"/>
+          <a:lstStyle/>
+          <a:p>
+            <a:pPr algn="ctr"/>
+            <a:r>
+              <a:rPr lang="en-US" sz="1200" dirty="0"/>
+              <a:t>Abstractions</a:t>
+            </a:r>
+          </a:p>
+        </p:txBody>
+      </p:sp>
+      <p:sp>
+        <p:nvSpPr>
+          <p:cNvPr id="14" name="Rectangle: Rounded Corners 13"/>
+          <p:cNvSpPr/>
+          <p:nvPr/>
+        </p:nvSpPr>
+        <p:spPr>
+          <a:xfrm>
+            <a:off x="986503" y="3148428"/>
+            <a:ext cx="1466643" cy="320445"/>
+          </a:xfrm>
+          <a:prstGeom prst="roundRect">
+            <a:avLst/>
+          </a:prstGeom>
+          <a:ln>
+            <a:solidFill>
+              <a:schemeClr val="accent1">
+                <a:lumMod val="75000"/>
+              </a:schemeClr>
+            </a:solidFill>
+          </a:ln>
+        </p:spPr>
+        <p:style>
+          <a:lnRef idx="2">
+            <a:schemeClr val="accent6"/>
+          </a:lnRef>
+          <a:fillRef idx="1">
+            <a:schemeClr val="lt1"/>
+          </a:fillRef>
+          <a:effectRef idx="0">
+            <a:schemeClr val="accent6"/>
+          </a:effectRef>
+          <a:fontRef idx="minor">
+            <a:schemeClr val="dk1"/>
+          </a:fontRef>
+        </p:style>
+        <p:txBody>
+          <a:bodyPr rtlCol="0" anchor="ctr"/>
+          <a:lstStyle/>
+          <a:p>
+            <a:pPr algn="ctr"/>
+            <a:r>
+              <a:rPr lang="en-US" sz="1100" dirty="0"/>
+              <a:t>Test</a:t>
+            </a:r>
+          </a:p>
+        </p:txBody>
+      </p:sp>
+      <p:sp>
+        <p:nvSpPr>
+          <p:cNvPr id="15" name="TextBox 14"/>
+          <p:cNvSpPr txBox="1"/>
+          <p:nvPr/>
+        </p:nvSpPr>
+        <p:spPr>
+          <a:xfrm>
+            <a:off x="822960" y="4909351"/>
+            <a:ext cx="7586403" cy="923330"/>
+          </a:xfrm>
+          <a:prstGeom prst="rect">
+            <a:avLst/>
+          </a:prstGeom>
+          <a:noFill/>
+          <a:ln>
+            <a:noFill/>
+          </a:ln>
+          <a:effectLst/>
+          <a:scene3d>
+            <a:camera prst="orthographicFront">
+              <a:rot lat="0" lon="0" rev="0"/>
+            </a:camera>
+            <a:lightRig rig="chilly" dir="t">
+              <a:rot lat="0" lon="0" rev="18480000"/>
+            </a:lightRig>
+          </a:scene3d>
+          <a:sp3d prstMaterial="clear">
+            <a:bevelT h="63500"/>
+          </a:sp3d>
+        </p:spPr>
+        <p:txBody>
+          <a:bodyPr wrap="square" rtlCol="0">
+            <a:spAutoFit/>
+          </a:bodyPr>
+          <a:lstStyle/>
+          <a:p>
+            <a:pPr marL="285750" indent="-285750">
+              <a:buFont typeface="Arial" panose="020B0604020202020204" pitchFamily="34" charset="0"/>
+              <a:buChar char="•"/>
+            </a:pPr>
+            <a:r>
+              <a:rPr lang="en-US" dirty="0"/>
+              <a:t>P: State machine based programming language </a:t>
+            </a:r>
+            <a:r>
+              <a:rPr lang="en-US" dirty="0">
+                <a:solidFill>
+                  <a:srgbClr val="00B050"/>
+                </a:solidFill>
+              </a:rPr>
+              <a:t>[PLDI 2013].</a:t>
+            </a:r>
+            <a:endParaRPr lang="en-US" dirty="0"/>
+          </a:p>
+          <a:p>
+            <a:pPr marL="285750" indent="-285750">
+              <a:buFont typeface="Arial" panose="020B0604020202020204" pitchFamily="34" charset="0"/>
+              <a:buChar char="•"/>
+            </a:pPr>
+            <a:r>
+              <a:rPr lang="en-US" dirty="0" smtClean="0"/>
+              <a:t>Modular P</a:t>
+            </a:r>
+            <a:r>
+              <a:rPr lang="en-US" dirty="0"/>
+              <a:t>: Implements a module system for hierarchical </a:t>
+            </a:r>
+            <a:r>
+              <a:rPr lang="en-US" dirty="0" smtClean="0"/>
+              <a:t>and </a:t>
+            </a:r>
+            <a:r>
+              <a:rPr lang="en-US" dirty="0"/>
+              <a:t>compositional </a:t>
+            </a:r>
+            <a:r>
+              <a:rPr lang="en-US" dirty="0" smtClean="0"/>
+              <a:t>reasoning </a:t>
+            </a:r>
+            <a:r>
+              <a:rPr lang="en-US" dirty="0">
+                <a:solidFill>
+                  <a:srgbClr val="00B050"/>
+                </a:solidFill>
+              </a:rPr>
+              <a:t>[OOPSLA 2018]</a:t>
+            </a:r>
+            <a:r>
+              <a:rPr lang="en-US" dirty="0"/>
+              <a:t>.</a:t>
+            </a:r>
+          </a:p>
+        </p:txBody>
+      </p:sp>
+    </p:spTree>
+    <p:extLst>
+      <p:ext uri="{BB962C8B-B14F-4D97-AF65-F5344CB8AC3E}">
+        <p14:creationId xmlns:p14="http://schemas.microsoft.com/office/powerpoint/2010/main" val="4149210261"/>
+      </p:ext>
+    </p:extLst>
+  </p:cSld>
+  <p:clrMapOvr>
+    <a:masterClrMapping/>
+  </p:clrMapOvr>
+</p:sld>
+</file>
+
+<file path=ppt/slides/slide8.xml><?xml version="1.0" encoding="utf-8"?>
+<p:sld xmlns:a="http://schemas.openxmlformats.org/drawingml/2006/main" xmlns:r="http://schemas.openxmlformats.org/officeDocument/2006/relationships" xmlns:p="http://schemas.openxmlformats.org/presentationml/2006/main">
+  <p:cSld>
+    <p:spTree>
+      <p:nvGrpSpPr>
+        <p:cNvPr id="1" name=""/>
+        <p:cNvGrpSpPr/>
+        <p:nvPr/>
+      </p:nvGrpSpPr>
+      <p:grpSpPr>
+        <a:xfrm>
+          <a:off x="0" y="0"/>
+          <a:ext cx="0" cy="0"/>
+          <a:chOff x="0" y="0"/>
+          <a:chExt cx="0" cy="0"/>
+        </a:xfrm>
+      </p:grpSpPr>
+      <p:sp>
+        <p:nvSpPr>
+          <p:cNvPr id="4" name="Date Placeholder 3"/>
+          <p:cNvSpPr>
+            <a:spLocks noGrp="1"/>
+          </p:cNvSpPr>
+          <p:nvPr>
+            <p:ph type="dt" sz="half" idx="10"/>
+          </p:nvPr>
+        </p:nvSpPr>
+        <p:spPr/>
+        <p:txBody>
+          <a:bodyPr/>
+          <a:lstStyle/>
+          <a:p>
+            <a:r>
+              <a:rPr lang="en-US" smtClean="0"/>
+              <a:t>PLDI 2019</a:t>
+            </a:r>
+            <a:endParaRPr lang="en-US" dirty="0"/>
+          </a:p>
+        </p:txBody>
+      </p:sp>
+      <p:sp>
+        <p:nvSpPr>
+          <p:cNvPr id="5" name="Footer Placeholder 4"/>
+          <p:cNvSpPr>
+            <a:spLocks noGrp="1"/>
+          </p:cNvSpPr>
+          <p:nvPr>
+            <p:ph type="ftr" sz="quarter" idx="11"/>
+          </p:nvPr>
+        </p:nvSpPr>
+        <p:spPr/>
+        <p:txBody>
+          <a:bodyPr/>
+          <a:lstStyle/>
+          <a:p>
+            <a:r>
+              <a:rPr lang="en-US" smtClean="0"/>
+              <a:t>SafeAsync: Introduction</a:t>
+            </a:r>
+            <a:endParaRPr lang="en-US" dirty="0"/>
+          </a:p>
+        </p:txBody>
+      </p:sp>
+      <p:sp>
+        <p:nvSpPr>
+          <p:cNvPr id="6" name="Slide Number Placeholder 5"/>
+          <p:cNvSpPr>
+            <a:spLocks noGrp="1"/>
+          </p:cNvSpPr>
+          <p:nvPr>
+            <p:ph type="sldNum" sz="quarter" idx="12"/>
+          </p:nvPr>
+        </p:nvSpPr>
+        <p:spPr/>
+        <p:txBody>
+          <a:bodyPr/>
+          <a:lstStyle/>
+          <a:p>
+            <a:fld id="{77CC721F-1D71-470D-9ADD-E53F1C9EB23A}" type="slidenum">
+              <a:rPr lang="en-US" smtClean="0"/>
+              <a:pPr/>
+              <a:t>8</a:t>
+            </a:fld>
+            <a:endParaRPr lang="en-US" dirty="0"/>
+          </a:p>
+        </p:txBody>
+      </p:sp>
+      <p:sp>
+        <p:nvSpPr>
+          <p:cNvPr id="7" name="Title 1"/>
+          <p:cNvSpPr>
+            <a:spLocks noGrp="1"/>
+          </p:cNvSpPr>
+          <p:nvPr>
+            <p:ph type="title"/>
+          </p:nvPr>
+        </p:nvSpPr>
+        <p:spPr>
+          <a:xfrm>
+            <a:off x="822960" y="286604"/>
+            <a:ext cx="7543800" cy="802457"/>
+          </a:xfrm>
+        </p:spPr>
+        <p:txBody>
+          <a:bodyPr>
+            <a:normAutofit/>
+          </a:bodyPr>
+          <a:lstStyle/>
+          <a:p>
+            <a:r>
+              <a:rPr lang="en-US" dirty="0" smtClean="0"/>
+              <a:t>Overview: P Framework</a:t>
+            </a:r>
+            <a:endParaRPr lang="en-US" dirty="0"/>
+          </a:p>
+        </p:txBody>
+      </p:sp>
+      <p:sp>
+        <p:nvSpPr>
+          <p:cNvPr id="8" name="TextBox 7"/>
+          <p:cNvSpPr txBox="1"/>
+          <p:nvPr/>
+        </p:nvSpPr>
+        <p:spPr>
+          <a:xfrm>
+            <a:off x="3599686" y="4279038"/>
+            <a:ext cx="1531830" cy="369332"/>
+          </a:xfrm>
+          <a:prstGeom prst="rect">
+            <a:avLst/>
+          </a:prstGeom>
+          <a:noFill/>
+        </p:spPr>
+        <p:txBody>
+          <a:bodyPr wrap="none" rtlCol="0">
+            <a:spAutoFit/>
+          </a:bodyPr>
+          <a:lstStyle/>
+          <a:p>
+            <a:r>
+              <a:rPr lang="en-US" dirty="0">
+                <a:solidFill>
+                  <a:srgbClr val="FF0000"/>
+                </a:solidFill>
+              </a:rPr>
+              <a:t>P</a:t>
+            </a:r>
+            <a:r>
+              <a:rPr lang="en-US" dirty="0"/>
+              <a:t> Framework</a:t>
+            </a:r>
+          </a:p>
+        </p:txBody>
+      </p:sp>
+      <p:sp>
+        <p:nvSpPr>
+          <p:cNvPr id="9" name="Rectangle: Rounded Corners 7"/>
+          <p:cNvSpPr/>
+          <p:nvPr/>
+        </p:nvSpPr>
+        <p:spPr>
+          <a:xfrm>
+            <a:off x="822960" y="1743020"/>
+            <a:ext cx="1760912" cy="1948086"/>
+          </a:xfrm>
+          <a:prstGeom prst="roundRect">
+            <a:avLst/>
+          </a:prstGeom>
+          <a:solidFill>
+            <a:schemeClr val="accent1">
+              <a:lumMod val="20000"/>
+              <a:lumOff val="80000"/>
+            </a:schemeClr>
+          </a:solidFill>
+          <a:ln>
+            <a:prstDash val="lgDash"/>
+          </a:ln>
+        </p:spPr>
+        <p:style>
+          <a:lnRef idx="2">
+            <a:schemeClr val="accent1">
+              <a:shade val="50000"/>
+            </a:schemeClr>
+          </a:lnRef>
+          <a:fillRef idx="1">
+            <a:schemeClr val="accent1"/>
+          </a:fillRef>
+          <a:effectRef idx="0">
+            <a:schemeClr val="accent1"/>
+          </a:effectRef>
+          <a:fontRef idx="minor">
+            <a:schemeClr val="lt1"/>
+          </a:fontRef>
+        </p:style>
+        <p:txBody>
+          <a:bodyPr rtlCol="0" anchor="ctr"/>
+          <a:lstStyle/>
+          <a:p>
+            <a:pPr algn="ctr"/>
+            <a:endParaRPr lang="en-US" dirty="0"/>
+          </a:p>
+        </p:txBody>
+      </p:sp>
+      <p:sp>
+        <p:nvSpPr>
+          <p:cNvPr id="10" name="TextBox 9"/>
+          <p:cNvSpPr txBox="1"/>
+          <p:nvPr/>
+        </p:nvSpPr>
+        <p:spPr>
+          <a:xfrm>
+            <a:off x="1081394" y="1305081"/>
+            <a:ext cx="1227644" cy="369332"/>
+          </a:xfrm>
+          <a:prstGeom prst="rect">
+            <a:avLst/>
+          </a:prstGeom>
+          <a:noFill/>
+        </p:spPr>
+        <p:txBody>
+          <a:bodyPr wrap="none" rtlCol="0">
+            <a:spAutoFit/>
+          </a:bodyPr>
+          <a:lstStyle/>
+          <a:p>
+            <a:r>
+              <a:rPr lang="en-US" dirty="0">
+                <a:solidFill>
+                  <a:srgbClr val="FF0000"/>
+                </a:solidFill>
+              </a:rPr>
+              <a:t>P</a:t>
+            </a:r>
+            <a:r>
+              <a:rPr lang="en-US" dirty="0"/>
+              <a:t> Program</a:t>
+            </a:r>
+          </a:p>
+        </p:txBody>
+      </p:sp>
+      <p:sp>
+        <p:nvSpPr>
+          <p:cNvPr id="11" name="Rectangle: Rounded Corners 10"/>
+          <p:cNvSpPr/>
+          <p:nvPr/>
+        </p:nvSpPr>
+        <p:spPr>
+          <a:xfrm>
+            <a:off x="961895" y="1889127"/>
+            <a:ext cx="1466643" cy="359936"/>
+          </a:xfrm>
+          <a:prstGeom prst="roundRect">
+            <a:avLst/>
+          </a:prstGeom>
+          <a:ln>
+            <a:solidFill>
+              <a:schemeClr val="accent1">
+                <a:lumMod val="75000"/>
+              </a:schemeClr>
+            </a:solidFill>
+          </a:ln>
+        </p:spPr>
+        <p:style>
+          <a:lnRef idx="2">
+            <a:schemeClr val="accent6"/>
+          </a:lnRef>
+          <a:fillRef idx="1">
+            <a:schemeClr val="lt1"/>
+          </a:fillRef>
+          <a:effectRef idx="0">
+            <a:schemeClr val="accent6"/>
+          </a:effectRef>
+          <a:fontRef idx="minor">
+            <a:schemeClr val="dk1"/>
+          </a:fontRef>
+        </p:style>
+        <p:txBody>
+          <a:bodyPr rtlCol="0" anchor="ctr"/>
+          <a:lstStyle/>
+          <a:p>
+            <a:pPr algn="ctr"/>
+            <a:r>
+              <a:rPr lang="en-US" sz="1200" dirty="0"/>
+              <a:t>Implementation</a:t>
+            </a:r>
+          </a:p>
+        </p:txBody>
+      </p:sp>
+      <p:sp>
+        <p:nvSpPr>
+          <p:cNvPr id="12" name="Rectangle: Rounded Corners 11"/>
+          <p:cNvSpPr/>
+          <p:nvPr/>
+        </p:nvSpPr>
+        <p:spPr>
+          <a:xfrm>
+            <a:off x="970094" y="2305355"/>
+            <a:ext cx="1466643" cy="352840"/>
+          </a:xfrm>
+          <a:prstGeom prst="roundRect">
+            <a:avLst/>
+          </a:prstGeom>
+          <a:ln>
+            <a:solidFill>
+              <a:schemeClr val="accent1">
+                <a:lumMod val="75000"/>
+              </a:schemeClr>
+            </a:solidFill>
+          </a:ln>
+        </p:spPr>
+        <p:style>
+          <a:lnRef idx="2">
+            <a:schemeClr val="accent6"/>
+          </a:lnRef>
+          <a:fillRef idx="1">
+            <a:schemeClr val="lt1"/>
+          </a:fillRef>
+          <a:effectRef idx="0">
+            <a:schemeClr val="accent6"/>
+          </a:effectRef>
+          <a:fontRef idx="minor">
+            <a:schemeClr val="dk1"/>
+          </a:fontRef>
+        </p:style>
+        <p:txBody>
+          <a:bodyPr rtlCol="0" anchor="ctr"/>
+          <a:lstStyle/>
+          <a:p>
+            <a:pPr algn="ctr"/>
+            <a:r>
+              <a:rPr lang="en-US" sz="1200" dirty="0"/>
+              <a:t>Specification</a:t>
+            </a:r>
+          </a:p>
+        </p:txBody>
+      </p:sp>
+      <p:sp>
+        <p:nvSpPr>
+          <p:cNvPr id="13" name="Rectangle: Rounded Corners 12"/>
+          <p:cNvSpPr/>
+          <p:nvPr/>
+        </p:nvSpPr>
+        <p:spPr>
+          <a:xfrm>
+            <a:off x="977889" y="2727689"/>
+            <a:ext cx="1466643" cy="354851"/>
+          </a:xfrm>
+          <a:prstGeom prst="roundRect">
+            <a:avLst/>
+          </a:prstGeom>
+          <a:ln>
+            <a:solidFill>
+              <a:schemeClr val="accent1">
+                <a:lumMod val="75000"/>
+              </a:schemeClr>
+            </a:solidFill>
+          </a:ln>
+        </p:spPr>
+        <p:style>
+          <a:lnRef idx="2">
+            <a:schemeClr val="accent6"/>
+          </a:lnRef>
+          <a:fillRef idx="1">
+            <a:schemeClr val="lt1"/>
+          </a:fillRef>
+          <a:effectRef idx="0">
+            <a:schemeClr val="accent6"/>
+          </a:effectRef>
+          <a:fontRef idx="minor">
+            <a:schemeClr val="dk1"/>
+          </a:fontRef>
+        </p:style>
+        <p:txBody>
+          <a:bodyPr rtlCol="0" anchor="ctr"/>
+          <a:lstStyle/>
+          <a:p>
+            <a:pPr algn="ctr"/>
+            <a:r>
+              <a:rPr lang="en-US" sz="1200" dirty="0"/>
+              <a:t>Abstractions</a:t>
+            </a:r>
+          </a:p>
+        </p:txBody>
+      </p:sp>
+      <p:sp>
+        <p:nvSpPr>
+          <p:cNvPr id="14" name="Rectangle: Rounded Corners 13"/>
+          <p:cNvSpPr/>
+          <p:nvPr/>
+        </p:nvSpPr>
+        <p:spPr>
+          <a:xfrm>
+            <a:off x="986503" y="3148428"/>
+            <a:ext cx="1466643" cy="320445"/>
+          </a:xfrm>
+          <a:prstGeom prst="roundRect">
+            <a:avLst/>
+          </a:prstGeom>
+          <a:ln>
+            <a:solidFill>
+              <a:schemeClr val="accent1">
+                <a:lumMod val="75000"/>
+              </a:schemeClr>
+            </a:solidFill>
+          </a:ln>
+        </p:spPr>
+        <p:style>
+          <a:lnRef idx="2">
+            <a:schemeClr val="accent6"/>
+          </a:lnRef>
+          <a:fillRef idx="1">
+            <a:schemeClr val="lt1"/>
+          </a:fillRef>
+          <a:effectRef idx="0">
+            <a:schemeClr val="accent6"/>
+          </a:effectRef>
+          <a:fontRef idx="minor">
+            <a:schemeClr val="dk1"/>
+          </a:fontRef>
+        </p:style>
+        <p:txBody>
+          <a:bodyPr rtlCol="0" anchor="ctr"/>
+          <a:lstStyle/>
+          <a:p>
+            <a:pPr algn="ctr"/>
+            <a:r>
+              <a:rPr lang="en-US" sz="1100" dirty="0"/>
+              <a:t>Test</a:t>
+            </a:r>
+          </a:p>
+        </p:txBody>
+      </p:sp>
+      <p:sp>
+        <p:nvSpPr>
+          <p:cNvPr id="15" name="Oval 14"/>
+          <p:cNvSpPr/>
+          <p:nvPr/>
+        </p:nvSpPr>
+        <p:spPr>
+          <a:xfrm>
+            <a:off x="3141950" y="2294904"/>
+            <a:ext cx="874999" cy="838968"/>
+          </a:xfrm>
+          <a:prstGeom prst="ellipse">
+            <a:avLst/>
+          </a:prstGeom>
+          <a:solidFill>
+            <a:schemeClr val="bg1"/>
+          </a:solidFill>
+          <a:ln/>
+        </p:spPr>
+        <p:style>
+          <a:lnRef idx="0">
+            <a:schemeClr val="accent6"/>
+          </a:lnRef>
+          <a:fillRef idx="3">
+            <a:schemeClr val="accent6"/>
+          </a:fillRef>
+          <a:effectRef idx="3">
+            <a:schemeClr val="accent6"/>
+          </a:effectRef>
+          <a:fontRef idx="minor">
+            <a:schemeClr val="lt1"/>
+          </a:fontRef>
+        </p:style>
+        <p:txBody>
+          <a:bodyPr rtlCol="0" anchor="ctr"/>
+          <a:lstStyle/>
+          <a:p>
+            <a:pPr algn="ctr"/>
+            <a:endParaRPr lang="en-US" sz="1000" dirty="0">
+              <a:solidFill>
+                <a:schemeClr val="tx1"/>
+              </a:solidFill>
+            </a:endParaRPr>
+          </a:p>
+        </p:txBody>
+      </p:sp>
+      <p:sp>
+        <p:nvSpPr>
+          <p:cNvPr id="16" name="Oval 15"/>
+          <p:cNvSpPr/>
+          <p:nvPr/>
+        </p:nvSpPr>
+        <p:spPr>
+          <a:xfrm>
+            <a:off x="5028647" y="2969552"/>
+            <a:ext cx="902529" cy="940011"/>
+          </a:xfrm>
+          <a:prstGeom prst="ellipse">
+            <a:avLst/>
+          </a:prstGeom>
+          <a:ln/>
+        </p:spPr>
+        <p:style>
+          <a:lnRef idx="1">
+            <a:schemeClr val="accent6"/>
+          </a:lnRef>
+          <a:fillRef idx="1003">
+            <a:schemeClr val="lt1"/>
+          </a:fillRef>
+          <a:effectRef idx="2">
+            <a:schemeClr val="accent6"/>
+          </a:effectRef>
+          <a:fontRef idx="minor">
+            <a:schemeClr val="lt1"/>
+          </a:fontRef>
+        </p:style>
+        <p:txBody>
+          <a:bodyPr rtlCol="0" anchor="ctr"/>
+          <a:lstStyle/>
+          <a:p>
+            <a:pPr algn="ctr"/>
+            <a:endParaRPr lang="en-US" sz="1000" dirty="0">
+              <a:solidFill>
+                <a:srgbClr val="FF0000"/>
+              </a:solidFill>
+            </a:endParaRPr>
+          </a:p>
+        </p:txBody>
+      </p:sp>
+      <p:sp>
+        <p:nvSpPr>
+          <p:cNvPr id="17" name="TextBox 16"/>
+          <p:cNvSpPr txBox="1"/>
+          <p:nvPr/>
+        </p:nvSpPr>
+        <p:spPr>
+          <a:xfrm>
+            <a:off x="3183742" y="2472091"/>
+            <a:ext cx="833946" cy="461665"/>
+          </a:xfrm>
+          <a:prstGeom prst="rect">
+            <a:avLst/>
+          </a:prstGeom>
+          <a:noFill/>
+        </p:spPr>
+        <p:txBody>
+          <a:bodyPr wrap="none" rtlCol="0">
+            <a:spAutoFit/>
+          </a:bodyPr>
+          <a:lstStyle/>
+          <a:p>
+            <a:r>
+              <a:rPr lang="en-US" sz="1200" dirty="0"/>
+              <a:t>Compiler</a:t>
+            </a:r>
+          </a:p>
+          <a:p>
+            <a:r>
+              <a:rPr lang="en-US" sz="1200" dirty="0"/>
+              <a:t>Toolchain</a:t>
+            </a:r>
+          </a:p>
+        </p:txBody>
+      </p:sp>
+      <p:sp>
+        <p:nvSpPr>
+          <p:cNvPr id="18" name="TextBox 17"/>
+          <p:cNvSpPr txBox="1"/>
+          <p:nvPr/>
+        </p:nvSpPr>
+        <p:spPr>
+          <a:xfrm>
+            <a:off x="5014879" y="3150074"/>
+            <a:ext cx="930063" cy="646331"/>
+          </a:xfrm>
+          <a:prstGeom prst="rect">
+            <a:avLst/>
+          </a:prstGeom>
+          <a:noFill/>
+        </p:spPr>
+        <p:txBody>
+          <a:bodyPr wrap="none" rtlCol="0">
+            <a:spAutoFit/>
+          </a:bodyPr>
+          <a:lstStyle/>
+          <a:p>
+            <a:pPr algn="ctr"/>
+            <a:r>
+              <a:rPr lang="en-US" sz="1200" dirty="0"/>
+              <a:t>Systematic</a:t>
+            </a:r>
+          </a:p>
+          <a:p>
+            <a:pPr algn="ctr"/>
+            <a:r>
+              <a:rPr lang="en-US" sz="1200" dirty="0"/>
+              <a:t>Testing</a:t>
+            </a:r>
+          </a:p>
+          <a:p>
+            <a:pPr algn="ctr"/>
+            <a:r>
+              <a:rPr lang="en-US" sz="1200" dirty="0"/>
+              <a:t>Tool</a:t>
+            </a:r>
+          </a:p>
+        </p:txBody>
+      </p:sp>
+      <p:sp>
+        <p:nvSpPr>
+          <p:cNvPr id="19" name="Rectangle: Rounded Corners 25"/>
+          <p:cNvSpPr/>
+          <p:nvPr/>
+        </p:nvSpPr>
+        <p:spPr>
+          <a:xfrm>
+            <a:off x="2921697" y="3257853"/>
+            <a:ext cx="1322335" cy="433032"/>
+          </a:xfrm>
+          <a:prstGeom prst="roundRect">
+            <a:avLst/>
+          </a:prstGeom>
+          <a:ln/>
+        </p:spPr>
+        <p:style>
+          <a:lnRef idx="1">
+            <a:schemeClr val="accent6"/>
+          </a:lnRef>
+          <a:fillRef idx="1003">
+            <a:schemeClr val="lt1"/>
+          </a:fillRef>
+          <a:effectRef idx="2">
+            <a:schemeClr val="accent6"/>
+          </a:effectRef>
+          <a:fontRef idx="minor">
+            <a:schemeClr val="lt1"/>
+          </a:fontRef>
+        </p:style>
+        <p:txBody>
+          <a:bodyPr rtlCol="0" anchor="ctr"/>
+          <a:lstStyle/>
+          <a:p>
+            <a:pPr algn="ctr"/>
+            <a:r>
+              <a:rPr lang="en-US" sz="1400" dirty="0" smtClean="0">
+                <a:solidFill>
+                  <a:schemeClr val="tx1"/>
+                </a:solidFill>
+              </a:rPr>
+              <a:t>Intermediate Code</a:t>
+            </a:r>
+            <a:endParaRPr lang="en-US" sz="1400" dirty="0">
+              <a:solidFill>
+                <a:schemeClr val="tx1"/>
+              </a:solidFill>
+            </a:endParaRPr>
+          </a:p>
+        </p:txBody>
+      </p:sp>
+      <p:cxnSp>
+        <p:nvCxnSpPr>
+          <p:cNvPr id="20" name="Connector: Elbow 27"/>
+          <p:cNvCxnSpPr>
+            <a:stCxn id="19" idx="3"/>
+            <a:endCxn id="18" idx="1"/>
+          </p:cNvCxnSpPr>
+          <p:nvPr/>
+        </p:nvCxnSpPr>
+        <p:spPr>
+          <a:xfrm flipV="1">
+            <a:off x="4244032" y="3473240"/>
+            <a:ext cx="770847" cy="1129"/>
+          </a:xfrm>
+          <a:prstGeom prst="bentConnector3">
+            <a:avLst/>
+          </a:prstGeom>
+          <a:ln w="28575">
+            <a:solidFill>
+              <a:schemeClr val="bg2">
+                <a:lumMod val="50000"/>
+              </a:schemeClr>
+            </a:solidFill>
+            <a:tailEnd type="triangle"/>
+          </a:ln>
+        </p:spPr>
+        <p:style>
+          <a:lnRef idx="1">
+            <a:schemeClr val="accent1"/>
+          </a:lnRef>
+          <a:fillRef idx="0">
+            <a:schemeClr val="accent1"/>
+          </a:fillRef>
+          <a:effectRef idx="0">
+            <a:schemeClr val="accent1"/>
+          </a:effectRef>
+          <a:fontRef idx="minor">
+            <a:schemeClr val="tx1"/>
+          </a:fontRef>
+        </p:style>
+      </p:cxnSp>
+      <p:cxnSp>
+        <p:nvCxnSpPr>
+          <p:cNvPr id="21" name="Connector: Elbow 29"/>
+          <p:cNvCxnSpPr>
+            <a:stCxn id="15" idx="4"/>
+            <a:endCxn id="19" idx="0"/>
+          </p:cNvCxnSpPr>
+          <p:nvPr/>
+        </p:nvCxnSpPr>
+        <p:spPr>
+          <a:xfrm rot="16200000" flipH="1">
+            <a:off x="3519167" y="3194154"/>
+            <a:ext cx="123981" cy="3415"/>
+          </a:xfrm>
+          <a:prstGeom prst="bentConnector3">
+            <a:avLst/>
+          </a:prstGeom>
+          <a:ln w="19050">
+            <a:solidFill>
+              <a:schemeClr val="bg2">
+                <a:lumMod val="50000"/>
+              </a:schemeClr>
+            </a:solidFill>
+            <a:tailEnd type="triangle"/>
+          </a:ln>
+        </p:spPr>
+        <p:style>
+          <a:lnRef idx="1">
+            <a:schemeClr val="accent1"/>
+          </a:lnRef>
+          <a:fillRef idx="0">
+            <a:schemeClr val="accent1"/>
+          </a:fillRef>
+          <a:effectRef idx="0">
+            <a:schemeClr val="accent1"/>
+          </a:effectRef>
+          <a:fontRef idx="minor">
+            <a:schemeClr val="tx1"/>
+          </a:fontRef>
+        </p:style>
+      </p:cxnSp>
+      <p:cxnSp>
+        <p:nvCxnSpPr>
+          <p:cNvPr id="22" name="Connector: Elbow 33"/>
+          <p:cNvCxnSpPr>
+            <a:stCxn id="9" idx="3"/>
+            <a:endCxn id="15" idx="2"/>
+          </p:cNvCxnSpPr>
+          <p:nvPr/>
+        </p:nvCxnSpPr>
+        <p:spPr>
+          <a:xfrm flipV="1">
+            <a:off x="2583872" y="2714388"/>
+            <a:ext cx="558078" cy="2675"/>
+          </a:xfrm>
+          <a:prstGeom prst="bentConnector3">
+            <a:avLst/>
+          </a:prstGeom>
+          <a:ln w="28575">
+            <a:solidFill>
+              <a:schemeClr val="bg2">
+                <a:lumMod val="50000"/>
+              </a:schemeClr>
+            </a:solidFill>
+            <a:tailEnd type="triangle"/>
+          </a:ln>
+        </p:spPr>
+        <p:style>
+          <a:lnRef idx="1">
+            <a:schemeClr val="accent1"/>
+          </a:lnRef>
+          <a:fillRef idx="0">
+            <a:schemeClr val="accent1"/>
+          </a:fillRef>
+          <a:effectRef idx="0">
+            <a:schemeClr val="accent1"/>
+          </a:effectRef>
+          <a:fontRef idx="minor">
+            <a:schemeClr val="tx1"/>
+          </a:fontRef>
+        </p:style>
+      </p:cxnSp>
+      <p:cxnSp>
+        <p:nvCxnSpPr>
+          <p:cNvPr id="23" name="Connector: Elbow 37"/>
+          <p:cNvCxnSpPr>
+            <a:stCxn id="16" idx="4"/>
+            <a:endCxn id="9" idx="2"/>
+          </p:cNvCxnSpPr>
+          <p:nvPr/>
+        </p:nvCxnSpPr>
+        <p:spPr>
+          <a:xfrm rot="5400000" flipH="1">
+            <a:off x="3482435" y="1912087"/>
+            <a:ext cx="218457" cy="3776496"/>
+          </a:xfrm>
+          <a:prstGeom prst="bentConnector3">
+            <a:avLst>
+              <a:gd name="adj1" fmla="val -104643"/>
+            </a:avLst>
+          </a:prstGeom>
+          <a:ln w="28575">
+            <a:solidFill>
+              <a:schemeClr val="bg2">
+                <a:lumMod val="50000"/>
+              </a:schemeClr>
+            </a:solidFill>
+            <a:tailEnd type="triangle"/>
+          </a:ln>
+        </p:spPr>
+        <p:style>
+          <a:lnRef idx="1">
+            <a:schemeClr val="accent1"/>
+          </a:lnRef>
+          <a:fillRef idx="0">
+            <a:schemeClr val="accent1"/>
+          </a:fillRef>
+          <a:effectRef idx="0">
+            <a:schemeClr val="accent1"/>
+          </a:effectRef>
+          <a:fontRef idx="minor">
+            <a:schemeClr val="tx1"/>
+          </a:fontRef>
+        </p:style>
+      </p:cxnSp>
+      <p:sp>
+        <p:nvSpPr>
+          <p:cNvPr id="24" name="TextBox 23"/>
+          <p:cNvSpPr txBox="1"/>
+          <p:nvPr/>
+        </p:nvSpPr>
+        <p:spPr>
+          <a:xfrm>
+            <a:off x="2569293" y="4008724"/>
+            <a:ext cx="1999009" cy="276999"/>
+          </a:xfrm>
+          <a:prstGeom prst="rect">
+            <a:avLst/>
+          </a:prstGeom>
+          <a:solidFill>
+            <a:schemeClr val="bg1"/>
+          </a:solidFill>
+        </p:spPr>
+        <p:txBody>
+          <a:bodyPr wrap="none" rtlCol="0">
+            <a:spAutoFit/>
+          </a:bodyPr>
+          <a:lstStyle/>
+          <a:p>
+            <a:r>
+              <a:rPr lang="en-US" sz="1200" dirty="0"/>
+              <a:t>(Reproducible) Error Trace</a:t>
+            </a:r>
+          </a:p>
+        </p:txBody>
+      </p:sp>
+      <p:sp>
+        <p:nvSpPr>
+          <p:cNvPr id="25" name="TextBox 24"/>
+          <p:cNvSpPr txBox="1"/>
+          <p:nvPr/>
+        </p:nvSpPr>
+        <p:spPr>
+          <a:xfrm>
+            <a:off x="822960" y="4648370"/>
+            <a:ext cx="7586403" cy="830997"/>
+          </a:xfrm>
+          <a:prstGeom prst="rect">
+            <a:avLst/>
+          </a:prstGeom>
+          <a:noFill/>
+          <a:ln>
+            <a:noFill/>
+          </a:ln>
+          <a:effectLst>
+            <a:glow rad="63500">
+              <a:schemeClr val="accent6">
+                <a:satMod val="175000"/>
+                <a:alpha val="40000"/>
+              </a:schemeClr>
+            </a:glow>
+          </a:effectLst>
+          <a:scene3d>
+            <a:camera prst="orthographicFront">
+              <a:rot lat="0" lon="0" rev="0"/>
+            </a:camera>
+            <a:lightRig rig="chilly" dir="t">
+              <a:rot lat="0" lon="0" rev="18480000"/>
+            </a:lightRig>
+          </a:scene3d>
+          <a:sp3d prstMaterial="clear">
+            <a:bevelT h="63500"/>
+          </a:sp3d>
+        </p:spPr>
+        <p:txBody>
+          <a:bodyPr wrap="square" rtlCol="0">
+            <a:spAutoFit/>
+          </a:bodyPr>
+          <a:lstStyle/>
+          <a:p>
+            <a:r>
+              <a:rPr lang="en-US" sz="1600" dirty="0"/>
+              <a:t>Scalable Analysis of Event-Driven Programs:</a:t>
+            </a:r>
+          </a:p>
+          <a:p>
+            <a:pPr marL="285750" indent="-285750">
+              <a:buFont typeface="Arial" panose="020B0604020202020204" pitchFamily="34" charset="0"/>
+              <a:buChar char="•"/>
+            </a:pPr>
+            <a:r>
+              <a:rPr lang="en-US" sz="1600" dirty="0" smtClean="0"/>
+              <a:t>Reduction</a:t>
+            </a:r>
+            <a:r>
+              <a:rPr lang="en-US" sz="1600" dirty="0">
+                <a:solidFill>
+                  <a:srgbClr val="00B050"/>
+                </a:solidFill>
+              </a:rPr>
+              <a:t> [OOPSLA 2014] [CAV 2015]</a:t>
+            </a:r>
+            <a:r>
+              <a:rPr lang="en-US" sz="1600" dirty="0" smtClean="0"/>
+              <a:t>, Search </a:t>
+            </a:r>
+            <a:r>
+              <a:rPr lang="en-US" sz="1600" dirty="0"/>
+              <a:t>Prioritization </a:t>
+            </a:r>
+            <a:r>
+              <a:rPr lang="en-US" sz="1600" dirty="0" smtClean="0">
+                <a:solidFill>
+                  <a:srgbClr val="00B050"/>
+                </a:solidFill>
+              </a:rPr>
+              <a:t>[</a:t>
+            </a:r>
+            <a:r>
+              <a:rPr lang="en-US" sz="1600" dirty="0">
+                <a:solidFill>
+                  <a:srgbClr val="00B050"/>
+                </a:solidFill>
+              </a:rPr>
+              <a:t>FSE 2015</a:t>
+            </a:r>
+            <a:r>
+              <a:rPr lang="en-US" sz="1600" dirty="0" smtClean="0">
+                <a:solidFill>
+                  <a:srgbClr val="00B050"/>
+                </a:solidFill>
+              </a:rPr>
+              <a:t>]</a:t>
+            </a:r>
+            <a:r>
+              <a:rPr lang="en-US" sz="1600" dirty="0"/>
+              <a:t>, Symbolic </a:t>
+            </a:r>
+            <a:r>
+              <a:rPr lang="en-US" sz="1600" dirty="0" smtClean="0"/>
+              <a:t>Execution </a:t>
+            </a:r>
+            <a:r>
+              <a:rPr lang="en-US" sz="1600" dirty="0" smtClean="0">
+                <a:solidFill>
+                  <a:srgbClr val="00B050"/>
+                </a:solidFill>
+              </a:rPr>
+              <a:t>[</a:t>
+            </a:r>
+            <a:r>
+              <a:rPr lang="en-US" sz="1600" dirty="0">
+                <a:solidFill>
+                  <a:srgbClr val="00B050"/>
+                </a:solidFill>
+              </a:rPr>
+              <a:t>in submission].</a:t>
+            </a:r>
+          </a:p>
+        </p:txBody>
+      </p:sp>
+    </p:spTree>
+    <p:extLst>
+      <p:ext uri="{BB962C8B-B14F-4D97-AF65-F5344CB8AC3E}">
+        <p14:creationId xmlns:p14="http://schemas.microsoft.com/office/powerpoint/2010/main" val="3803024096"/>
+      </p:ext>
+    </p:extLst>
+  </p:cSld>
+  <p:clrMapOvr>
+    <a:masterClrMapping/>
+  </p:clrMapOvr>
+</p:sld>
+</file>
+
+<file path=ppt/slides/slide9.xml><?xml version="1.0" encoding="utf-8"?>
+<p:sld xmlns:a="http://schemas.openxmlformats.org/drawingml/2006/main" xmlns:r="http://schemas.openxmlformats.org/officeDocument/2006/relationships" xmlns:p="http://schemas.openxmlformats.org/presentationml/2006/main">
+  <p:cSld>
+    <p:spTree>
+      <p:nvGrpSpPr>
+        <p:cNvPr id="1" name=""/>
+        <p:cNvGrpSpPr/>
+        <p:nvPr/>
+      </p:nvGrpSpPr>
+      <p:grpSpPr>
+        <a:xfrm>
+          <a:off x="0" y="0"/>
+          <a:ext cx="0" cy="0"/>
+          <a:chOff x="0" y="0"/>
+          <a:chExt cx="0" cy="0"/>
+        </a:xfrm>
+      </p:grpSpPr>
+      <p:sp>
+        <p:nvSpPr>
+          <p:cNvPr id="4" name="Date Placeholder 3"/>
+          <p:cNvSpPr>
+            <a:spLocks noGrp="1"/>
+          </p:cNvSpPr>
+          <p:nvPr>
+            <p:ph type="dt" sz="half" idx="10"/>
+          </p:nvPr>
+        </p:nvSpPr>
+        <p:spPr/>
+        <p:txBody>
+          <a:bodyPr/>
+          <a:lstStyle/>
+          <a:p>
+            <a:r>
+              <a:rPr lang="en-US" smtClean="0"/>
+              <a:t>PLDI 2019</a:t>
+            </a:r>
+            <a:endParaRPr lang="en-US" dirty="0"/>
+          </a:p>
+        </p:txBody>
+      </p:sp>
+      <p:sp>
+        <p:nvSpPr>
+          <p:cNvPr id="5" name="Footer Placeholder 4"/>
+          <p:cNvSpPr>
+            <a:spLocks noGrp="1"/>
+          </p:cNvSpPr>
+          <p:nvPr>
+            <p:ph type="ftr" sz="quarter" idx="11"/>
+          </p:nvPr>
+        </p:nvSpPr>
+        <p:spPr/>
+        <p:txBody>
+          <a:bodyPr/>
+          <a:lstStyle/>
+          <a:p>
+            <a:r>
+              <a:rPr lang="en-US" smtClean="0"/>
+              <a:t>SafeAsync: Introduction</a:t>
+            </a:r>
+            <a:endParaRPr lang="en-US" dirty="0"/>
+          </a:p>
+        </p:txBody>
+      </p:sp>
+      <p:sp>
+        <p:nvSpPr>
+          <p:cNvPr id="6" name="Slide Number Placeholder 5"/>
+          <p:cNvSpPr>
+            <a:spLocks noGrp="1"/>
+          </p:cNvSpPr>
+          <p:nvPr>
+            <p:ph type="sldNum" sz="quarter" idx="12"/>
+          </p:nvPr>
+        </p:nvSpPr>
+        <p:spPr/>
+        <p:txBody>
+          <a:bodyPr/>
+          <a:lstStyle/>
+          <a:p>
+            <a:fld id="{77CC721F-1D71-470D-9ADD-E53F1C9EB23A}" type="slidenum">
+              <a:rPr lang="en-US" smtClean="0"/>
+              <a:pPr/>
+              <a:t>9</a:t>
+            </a:fld>
+            <a:endParaRPr lang="en-US" dirty="0"/>
+          </a:p>
+        </p:txBody>
+      </p:sp>
+      <p:sp>
+        <p:nvSpPr>
+          <p:cNvPr id="7" name="Title 1"/>
+          <p:cNvSpPr>
+            <a:spLocks noGrp="1"/>
+          </p:cNvSpPr>
+          <p:nvPr>
+            <p:ph type="title"/>
+          </p:nvPr>
+        </p:nvSpPr>
+        <p:spPr>
+          <a:xfrm>
+            <a:off x="822960" y="286604"/>
+            <a:ext cx="7543800" cy="802457"/>
+          </a:xfrm>
+        </p:spPr>
+        <p:txBody>
+          <a:bodyPr>
+            <a:normAutofit/>
+          </a:bodyPr>
+          <a:lstStyle/>
+          <a:p>
+            <a:r>
+              <a:rPr lang="en-US" dirty="0" smtClean="0"/>
+              <a:t>Overview: P Framework</a:t>
+            </a:r>
+            <a:endParaRPr lang="en-US" dirty="0"/>
+          </a:p>
+        </p:txBody>
+      </p:sp>
+      <p:sp>
+        <p:nvSpPr>
+          <p:cNvPr id="8" name="TextBox 7"/>
+          <p:cNvSpPr txBox="1"/>
+          <p:nvPr/>
+        </p:nvSpPr>
+        <p:spPr>
+          <a:xfrm>
+            <a:off x="3860230" y="4306089"/>
+            <a:ext cx="1531830" cy="369332"/>
+          </a:xfrm>
+          <a:prstGeom prst="rect">
+            <a:avLst/>
+          </a:prstGeom>
+          <a:noFill/>
+        </p:spPr>
+        <p:txBody>
+          <a:bodyPr wrap="none" rtlCol="0">
+            <a:spAutoFit/>
+          </a:bodyPr>
+          <a:lstStyle/>
+          <a:p>
+            <a:r>
+              <a:rPr lang="en-US" dirty="0">
+                <a:solidFill>
+                  <a:srgbClr val="FF0000"/>
+                </a:solidFill>
+              </a:rPr>
+              <a:t>P</a:t>
+            </a:r>
+            <a:r>
+              <a:rPr lang="en-US" dirty="0"/>
+              <a:t> Framework</a:t>
+            </a:r>
+          </a:p>
+        </p:txBody>
+      </p:sp>
+      <p:sp>
+        <p:nvSpPr>
+          <p:cNvPr id="9" name="Rectangle: Rounded Corners 7"/>
+          <p:cNvSpPr/>
+          <p:nvPr/>
+        </p:nvSpPr>
+        <p:spPr>
+          <a:xfrm>
+            <a:off x="822960" y="1743020"/>
+            <a:ext cx="1760912" cy="1948086"/>
+          </a:xfrm>
+          <a:prstGeom prst="roundRect">
+            <a:avLst/>
+          </a:prstGeom>
+          <a:solidFill>
+            <a:schemeClr val="accent1">
+              <a:lumMod val="20000"/>
+              <a:lumOff val="80000"/>
+            </a:schemeClr>
+          </a:solidFill>
+          <a:ln>
+            <a:prstDash val="lgDash"/>
+          </a:ln>
+        </p:spPr>
+        <p:style>
+          <a:lnRef idx="2">
+            <a:schemeClr val="accent1">
+              <a:shade val="50000"/>
+            </a:schemeClr>
+          </a:lnRef>
+          <a:fillRef idx="1">
+            <a:schemeClr val="accent1"/>
+          </a:fillRef>
+          <a:effectRef idx="0">
+            <a:schemeClr val="accent1"/>
+          </a:effectRef>
+          <a:fontRef idx="minor">
+            <a:schemeClr val="lt1"/>
+          </a:fontRef>
+        </p:style>
+        <p:txBody>
+          <a:bodyPr rtlCol="0" anchor="ctr"/>
+          <a:lstStyle/>
+          <a:p>
+            <a:pPr algn="ctr"/>
+            <a:endParaRPr lang="en-US" dirty="0"/>
+          </a:p>
+        </p:txBody>
+      </p:sp>
+      <p:sp>
+        <p:nvSpPr>
+          <p:cNvPr id="10" name="TextBox 9"/>
+          <p:cNvSpPr txBox="1"/>
+          <p:nvPr/>
+        </p:nvSpPr>
+        <p:spPr>
+          <a:xfrm>
+            <a:off x="1103349" y="1346822"/>
+            <a:ext cx="1227644" cy="369332"/>
+          </a:xfrm>
+          <a:prstGeom prst="rect">
+            <a:avLst/>
+          </a:prstGeom>
+          <a:noFill/>
+        </p:spPr>
+        <p:txBody>
+          <a:bodyPr wrap="none" rtlCol="0">
+            <a:spAutoFit/>
+          </a:bodyPr>
+          <a:lstStyle/>
+          <a:p>
+            <a:r>
+              <a:rPr lang="en-US" dirty="0">
+                <a:solidFill>
+                  <a:srgbClr val="FF0000"/>
+                </a:solidFill>
+              </a:rPr>
+              <a:t>P</a:t>
+            </a:r>
+            <a:r>
+              <a:rPr lang="en-US" dirty="0"/>
+              <a:t> Program</a:t>
+            </a:r>
+          </a:p>
+        </p:txBody>
+      </p:sp>
+      <p:sp>
+        <p:nvSpPr>
+          <p:cNvPr id="11" name="Rectangle: Rounded Corners 10"/>
+          <p:cNvSpPr/>
+          <p:nvPr/>
+        </p:nvSpPr>
+        <p:spPr>
+          <a:xfrm>
+            <a:off x="961895" y="1889127"/>
+            <a:ext cx="1466643" cy="359936"/>
+          </a:xfrm>
+          <a:prstGeom prst="roundRect">
+            <a:avLst/>
+          </a:prstGeom>
+          <a:ln>
+            <a:solidFill>
+              <a:schemeClr val="accent1">
+                <a:lumMod val="75000"/>
+              </a:schemeClr>
+            </a:solidFill>
+          </a:ln>
+        </p:spPr>
+        <p:style>
+          <a:lnRef idx="2">
+            <a:schemeClr val="accent6"/>
+          </a:lnRef>
+          <a:fillRef idx="1">
+            <a:schemeClr val="lt1"/>
+          </a:fillRef>
+          <a:effectRef idx="0">
+            <a:schemeClr val="accent6"/>
+          </a:effectRef>
+          <a:fontRef idx="minor">
+            <a:schemeClr val="dk1"/>
+          </a:fontRef>
+        </p:style>
+        <p:txBody>
+          <a:bodyPr rtlCol="0" anchor="ctr"/>
+          <a:lstStyle/>
+          <a:p>
+            <a:pPr algn="ctr"/>
+            <a:r>
+              <a:rPr lang="en-US" sz="1200" dirty="0"/>
+              <a:t>Implementation</a:t>
+            </a:r>
+          </a:p>
+        </p:txBody>
+      </p:sp>
+      <p:sp>
+        <p:nvSpPr>
+          <p:cNvPr id="12" name="Rectangle: Rounded Corners 11"/>
+          <p:cNvSpPr/>
+          <p:nvPr/>
+        </p:nvSpPr>
+        <p:spPr>
+          <a:xfrm>
+            <a:off x="970094" y="2305355"/>
+            <a:ext cx="1466643" cy="352840"/>
+          </a:xfrm>
+          <a:prstGeom prst="roundRect">
+            <a:avLst/>
+          </a:prstGeom>
+          <a:ln>
+            <a:solidFill>
+              <a:schemeClr val="accent1">
+                <a:lumMod val="75000"/>
+              </a:schemeClr>
+            </a:solidFill>
+          </a:ln>
+        </p:spPr>
+        <p:style>
+          <a:lnRef idx="2">
+            <a:schemeClr val="accent6"/>
+          </a:lnRef>
+          <a:fillRef idx="1">
+            <a:schemeClr val="lt1"/>
+          </a:fillRef>
+          <a:effectRef idx="0">
+            <a:schemeClr val="accent6"/>
+          </a:effectRef>
+          <a:fontRef idx="minor">
+            <a:schemeClr val="dk1"/>
+          </a:fontRef>
+        </p:style>
+        <p:txBody>
+          <a:bodyPr rtlCol="0" anchor="ctr"/>
+          <a:lstStyle/>
+          <a:p>
+            <a:pPr algn="ctr"/>
+            <a:r>
+              <a:rPr lang="en-US" sz="1200" dirty="0"/>
+              <a:t>Specification</a:t>
+            </a:r>
+          </a:p>
+        </p:txBody>
+      </p:sp>
+      <p:sp>
+        <p:nvSpPr>
+          <p:cNvPr id="13" name="Rectangle: Rounded Corners 12"/>
+          <p:cNvSpPr/>
+          <p:nvPr/>
+        </p:nvSpPr>
+        <p:spPr>
+          <a:xfrm>
+            <a:off x="977889" y="2727689"/>
+            <a:ext cx="1466643" cy="354851"/>
+          </a:xfrm>
+          <a:prstGeom prst="roundRect">
+            <a:avLst/>
+          </a:prstGeom>
+          <a:ln>
+            <a:solidFill>
+              <a:schemeClr val="accent1">
+                <a:lumMod val="75000"/>
+              </a:schemeClr>
+            </a:solidFill>
+          </a:ln>
+        </p:spPr>
+        <p:style>
+          <a:lnRef idx="2">
+            <a:schemeClr val="accent6"/>
+          </a:lnRef>
+          <a:fillRef idx="1">
+            <a:schemeClr val="lt1"/>
+          </a:fillRef>
+          <a:effectRef idx="0">
+            <a:schemeClr val="accent6"/>
+          </a:effectRef>
+          <a:fontRef idx="minor">
+            <a:schemeClr val="dk1"/>
+          </a:fontRef>
+        </p:style>
+        <p:txBody>
+          <a:bodyPr rtlCol="0" anchor="ctr"/>
+          <a:lstStyle/>
+          <a:p>
+            <a:pPr algn="ctr"/>
+            <a:r>
+              <a:rPr lang="en-US" sz="1200" dirty="0"/>
+              <a:t>Abstractions</a:t>
+            </a:r>
+          </a:p>
+        </p:txBody>
+      </p:sp>
+      <p:sp>
+        <p:nvSpPr>
+          <p:cNvPr id="14" name="Rectangle: Rounded Corners 13"/>
+          <p:cNvSpPr/>
+          <p:nvPr/>
+        </p:nvSpPr>
+        <p:spPr>
+          <a:xfrm>
+            <a:off x="986503" y="3148428"/>
+            <a:ext cx="1466643" cy="320445"/>
+          </a:xfrm>
+          <a:prstGeom prst="roundRect">
+            <a:avLst/>
+          </a:prstGeom>
+          <a:ln>
+            <a:solidFill>
+              <a:schemeClr val="accent1">
+                <a:lumMod val="75000"/>
+              </a:schemeClr>
+            </a:solidFill>
+          </a:ln>
+        </p:spPr>
+        <p:style>
+          <a:lnRef idx="2">
+            <a:schemeClr val="accent6"/>
+          </a:lnRef>
+          <a:fillRef idx="1">
+            <a:schemeClr val="lt1"/>
+          </a:fillRef>
+          <a:effectRef idx="0">
+            <a:schemeClr val="accent6"/>
+          </a:effectRef>
+          <a:fontRef idx="minor">
+            <a:schemeClr val="dk1"/>
+          </a:fontRef>
+        </p:style>
+        <p:txBody>
+          <a:bodyPr rtlCol="0" anchor="ctr"/>
+          <a:lstStyle/>
+          <a:p>
+            <a:pPr algn="ctr"/>
+            <a:r>
+              <a:rPr lang="en-US" sz="1100" dirty="0"/>
+              <a:t>Test</a:t>
+            </a:r>
+          </a:p>
+        </p:txBody>
+      </p:sp>
+      <p:sp>
+        <p:nvSpPr>
+          <p:cNvPr id="15" name="Oval 14"/>
+          <p:cNvSpPr/>
+          <p:nvPr/>
+        </p:nvSpPr>
+        <p:spPr>
+          <a:xfrm>
+            <a:off x="3141950" y="2294904"/>
+            <a:ext cx="874999" cy="838968"/>
+          </a:xfrm>
+          <a:prstGeom prst="ellipse">
+            <a:avLst/>
+          </a:prstGeom>
+          <a:ln/>
+        </p:spPr>
+        <p:style>
+          <a:lnRef idx="0">
+            <a:schemeClr val="accent6"/>
+          </a:lnRef>
+          <a:fillRef idx="3">
+            <a:schemeClr val="accent6"/>
+          </a:fillRef>
+          <a:effectRef idx="3">
+            <a:schemeClr val="accent6"/>
+          </a:effectRef>
+          <a:fontRef idx="minor">
+            <a:schemeClr val="lt1"/>
+          </a:fontRef>
+        </p:style>
+        <p:txBody>
+          <a:bodyPr rtlCol="0" anchor="ctr"/>
+          <a:lstStyle/>
+          <a:p>
+            <a:pPr algn="ctr"/>
+            <a:endParaRPr lang="en-US" sz="1000" dirty="0">
+              <a:solidFill>
+                <a:schemeClr val="tx1"/>
+              </a:solidFill>
+            </a:endParaRPr>
+          </a:p>
+        </p:txBody>
+      </p:sp>
+      <p:sp>
+        <p:nvSpPr>
+          <p:cNvPr id="16" name="Oval 15"/>
+          <p:cNvSpPr/>
+          <p:nvPr/>
+        </p:nvSpPr>
+        <p:spPr>
+          <a:xfrm>
+            <a:off x="4839915" y="1246249"/>
+            <a:ext cx="874999" cy="838968"/>
+          </a:xfrm>
+          <a:prstGeom prst="ellipse">
+            <a:avLst/>
+          </a:prstGeom>
+          <a:ln/>
+        </p:spPr>
+        <p:style>
+          <a:lnRef idx="1">
+            <a:schemeClr val="accent5"/>
+          </a:lnRef>
+          <a:fillRef idx="2">
+            <a:schemeClr val="accent5"/>
+          </a:fillRef>
+          <a:effectRef idx="1">
+            <a:schemeClr val="accent5"/>
+          </a:effectRef>
+          <a:fontRef idx="minor">
+            <a:schemeClr val="dk1"/>
+          </a:fontRef>
+        </p:style>
+        <p:txBody>
+          <a:bodyPr rtlCol="0" anchor="ctr"/>
+          <a:lstStyle/>
+          <a:p>
+            <a:pPr algn="ctr"/>
+            <a:endParaRPr lang="en-US" sz="1000" dirty="0">
+              <a:solidFill>
+                <a:schemeClr val="tx1"/>
+              </a:solidFill>
+            </a:endParaRPr>
+          </a:p>
+        </p:txBody>
+      </p:sp>
+      <p:sp>
+        <p:nvSpPr>
+          <p:cNvPr id="17" name="Oval 16"/>
+          <p:cNvSpPr/>
+          <p:nvPr/>
+        </p:nvSpPr>
+        <p:spPr>
+          <a:xfrm>
+            <a:off x="5028647" y="2969552"/>
+            <a:ext cx="902529" cy="940011"/>
+          </a:xfrm>
+          <a:prstGeom prst="ellipse">
+            <a:avLst/>
+          </a:prstGeom>
+          <a:ln/>
+        </p:spPr>
+        <p:style>
+          <a:lnRef idx="1">
+            <a:schemeClr val="accent6"/>
+          </a:lnRef>
+          <a:fillRef idx="1003">
+            <a:schemeClr val="lt1"/>
+          </a:fillRef>
+          <a:effectRef idx="2">
+            <a:schemeClr val="accent6"/>
+          </a:effectRef>
+          <a:fontRef idx="minor">
+            <a:schemeClr val="lt1"/>
+          </a:fontRef>
+        </p:style>
+        <p:txBody>
+          <a:bodyPr rtlCol="0" anchor="ctr"/>
+          <a:lstStyle/>
+          <a:p>
+            <a:pPr algn="ctr"/>
+            <a:endParaRPr lang="en-US" sz="1000" dirty="0">
+              <a:solidFill>
+                <a:srgbClr val="FF0000"/>
+              </a:solidFill>
+            </a:endParaRPr>
+          </a:p>
+        </p:txBody>
+      </p:sp>
+      <p:sp>
+        <p:nvSpPr>
+          <p:cNvPr id="18" name="TextBox 17"/>
+          <p:cNvSpPr txBox="1"/>
+          <p:nvPr/>
+        </p:nvSpPr>
+        <p:spPr>
+          <a:xfrm>
+            <a:off x="3183742" y="2472091"/>
+            <a:ext cx="833946" cy="461665"/>
+          </a:xfrm>
+          <a:prstGeom prst="rect">
+            <a:avLst/>
+          </a:prstGeom>
+          <a:noFill/>
+        </p:spPr>
+        <p:txBody>
+          <a:bodyPr wrap="none" rtlCol="0">
+            <a:spAutoFit/>
+          </a:bodyPr>
+          <a:lstStyle/>
+          <a:p>
+            <a:r>
+              <a:rPr lang="en-US" sz="1200" dirty="0"/>
+              <a:t>Compiler</a:t>
+            </a:r>
+          </a:p>
+          <a:p>
+            <a:r>
+              <a:rPr lang="en-US" sz="1200" dirty="0"/>
+              <a:t>Toolchain</a:t>
+            </a:r>
+          </a:p>
+        </p:txBody>
+      </p:sp>
+      <p:sp>
+        <p:nvSpPr>
+          <p:cNvPr id="19" name="TextBox 18"/>
+          <p:cNvSpPr txBox="1"/>
+          <p:nvPr/>
+        </p:nvSpPr>
+        <p:spPr>
+          <a:xfrm>
+            <a:off x="5014881" y="3150074"/>
+            <a:ext cx="930063" cy="646331"/>
+          </a:xfrm>
+          <a:prstGeom prst="rect">
+            <a:avLst/>
+          </a:prstGeom>
+          <a:noFill/>
+        </p:spPr>
+        <p:txBody>
+          <a:bodyPr wrap="none" rtlCol="0">
+            <a:spAutoFit/>
+          </a:bodyPr>
+          <a:lstStyle/>
+          <a:p>
+            <a:pPr algn="ctr"/>
+            <a:r>
+              <a:rPr lang="en-US" sz="1200" dirty="0" smtClean="0"/>
+              <a:t>Systematic</a:t>
+            </a:r>
+          </a:p>
+          <a:p>
+            <a:pPr algn="ctr"/>
+            <a:r>
+              <a:rPr lang="en-US" sz="1200" dirty="0" smtClean="0"/>
+              <a:t>Testing</a:t>
+            </a:r>
+          </a:p>
+          <a:p>
+            <a:pPr algn="ctr"/>
+            <a:r>
+              <a:rPr lang="en-US" sz="1200" dirty="0" smtClean="0"/>
+              <a:t>Tool</a:t>
+            </a:r>
+            <a:endParaRPr lang="en-US" sz="1200" dirty="0"/>
+          </a:p>
+        </p:txBody>
+      </p:sp>
+      <p:sp>
+        <p:nvSpPr>
+          <p:cNvPr id="20" name="Rectangle: Rounded Corners 20"/>
+          <p:cNvSpPr/>
+          <p:nvPr/>
+        </p:nvSpPr>
+        <p:spPr>
+          <a:xfrm>
+            <a:off x="6506144" y="1464080"/>
+            <a:ext cx="1829984" cy="1407904"/>
+          </a:xfrm>
+          <a:prstGeom prst="roundRect">
+            <a:avLst/>
+          </a:prstGeom>
+          <a:ln w="19050">
+            <a:solidFill>
+              <a:schemeClr val="tx1"/>
+            </a:solidFill>
+            <a:prstDash val="lgDash"/>
+          </a:ln>
+        </p:spPr>
+        <p:style>
+          <a:lnRef idx="1">
+            <a:schemeClr val="accent5"/>
+          </a:lnRef>
+          <a:fillRef idx="2">
+            <a:schemeClr val="accent5"/>
+          </a:fillRef>
+          <a:effectRef idx="1">
+            <a:schemeClr val="accent5"/>
+          </a:effectRef>
+          <a:fontRef idx="minor">
+            <a:schemeClr val="dk1"/>
+          </a:fontRef>
+        </p:style>
+        <p:txBody>
+          <a:bodyPr rtlCol="0" anchor="ctr"/>
+          <a:lstStyle/>
+          <a:p>
+            <a:pPr algn="ctr"/>
+            <a:endParaRPr lang="en-US" dirty="0"/>
+          </a:p>
+        </p:txBody>
+      </p:sp>
+      <p:sp>
+        <p:nvSpPr>
+          <p:cNvPr id="21" name="Rectangle: Rounded Corners 21"/>
+          <p:cNvSpPr/>
+          <p:nvPr/>
+        </p:nvSpPr>
+        <p:spPr>
+          <a:xfrm>
+            <a:off x="6572147" y="1573527"/>
+            <a:ext cx="853191" cy="480377"/>
+          </a:xfrm>
+          <a:prstGeom prst="roundRect">
+            <a:avLst/>
+          </a:prstGeom>
+          <a:ln>
+            <a:solidFill>
+              <a:schemeClr val="accent1">
+                <a:lumMod val="75000"/>
+              </a:schemeClr>
+            </a:solidFill>
+          </a:ln>
+        </p:spPr>
+        <p:style>
+          <a:lnRef idx="2">
+            <a:schemeClr val="accent6"/>
+          </a:lnRef>
+          <a:fillRef idx="1">
+            <a:schemeClr val="lt1"/>
+          </a:fillRef>
+          <a:effectRef idx="0">
+            <a:schemeClr val="accent6"/>
+          </a:effectRef>
+          <a:fontRef idx="minor">
+            <a:schemeClr val="dk1"/>
+          </a:fontRef>
+        </p:style>
+        <p:txBody>
+          <a:bodyPr rtlCol="0" anchor="ctr"/>
+          <a:lstStyle/>
+          <a:p>
+            <a:pPr algn="ctr"/>
+            <a:r>
+              <a:rPr lang="en-US" sz="1200" dirty="0" err="1"/>
+              <a:t>Autogen</a:t>
+            </a:r>
+            <a:r>
+              <a:rPr lang="en-US" sz="1200" dirty="0"/>
+              <a:t> </a:t>
+            </a:r>
+            <a:r>
+              <a:rPr lang="en-US" sz="1200" dirty="0" err="1"/>
+              <a:t>Impl</a:t>
+            </a:r>
+            <a:r>
+              <a:rPr lang="en-US" sz="1200" dirty="0"/>
+              <a:t>.</a:t>
+            </a:r>
+          </a:p>
+        </p:txBody>
+      </p:sp>
+      <p:sp>
+        <p:nvSpPr>
+          <p:cNvPr id="22" name="Rectangle: Rounded Corners 22"/>
+          <p:cNvSpPr/>
+          <p:nvPr/>
+        </p:nvSpPr>
+        <p:spPr>
+          <a:xfrm>
+            <a:off x="6568535" y="2053905"/>
+            <a:ext cx="853193" cy="336564"/>
+          </a:xfrm>
+          <a:prstGeom prst="roundRect">
+            <a:avLst/>
+          </a:prstGeom>
+          <a:ln>
+            <a:solidFill>
+              <a:schemeClr val="accent1">
+                <a:lumMod val="75000"/>
+              </a:schemeClr>
+            </a:solidFill>
+          </a:ln>
+        </p:spPr>
+        <p:style>
+          <a:lnRef idx="2">
+            <a:schemeClr val="accent6"/>
+          </a:lnRef>
+          <a:fillRef idx="1">
+            <a:schemeClr val="lt1"/>
+          </a:fillRef>
+          <a:effectRef idx="0">
+            <a:schemeClr val="accent6"/>
+          </a:effectRef>
+          <a:fontRef idx="minor">
+            <a:schemeClr val="dk1"/>
+          </a:fontRef>
+        </p:style>
+        <p:txBody>
+          <a:bodyPr rtlCol="0" anchor="ctr"/>
+          <a:lstStyle/>
+          <a:p>
+            <a:pPr algn="ctr"/>
+            <a:r>
+              <a:rPr lang="en-US" sz="1200" dirty="0"/>
+              <a:t>Wrappers</a:t>
+            </a:r>
+            <a:endParaRPr lang="en-US" sz="1050" dirty="0"/>
+          </a:p>
+        </p:txBody>
+      </p:sp>
+      <p:sp>
+        <p:nvSpPr>
+          <p:cNvPr id="23" name="Rectangle: Rounded Corners 23"/>
+          <p:cNvSpPr/>
+          <p:nvPr/>
+        </p:nvSpPr>
+        <p:spPr>
+          <a:xfrm>
+            <a:off x="7428950" y="1573527"/>
+            <a:ext cx="836498" cy="816942"/>
+          </a:xfrm>
+          <a:prstGeom prst="roundRect">
+            <a:avLst/>
+          </a:prstGeom>
+          <a:solidFill>
+            <a:schemeClr val="bg1"/>
+          </a:solidFill>
+          <a:ln>
+            <a:solidFill>
+              <a:schemeClr val="accent1">
+                <a:lumMod val="75000"/>
+              </a:schemeClr>
+            </a:solidFill>
+          </a:ln>
+        </p:spPr>
+        <p:style>
+          <a:lnRef idx="2">
+            <a:schemeClr val="accent6"/>
+          </a:lnRef>
+          <a:fillRef idx="1">
+            <a:schemeClr val="lt1"/>
+          </a:fillRef>
+          <a:effectRef idx="0">
+            <a:schemeClr val="accent6"/>
+          </a:effectRef>
+          <a:fontRef idx="minor">
+            <a:schemeClr val="dk1"/>
+          </a:fontRef>
+        </p:style>
+        <p:txBody>
+          <a:bodyPr rtlCol="0" anchor="ctr"/>
+          <a:lstStyle/>
+          <a:p>
+            <a:pPr algn="ctr"/>
+            <a:r>
+              <a:rPr lang="en-US" sz="1200" dirty="0" smtClean="0">
+                <a:solidFill>
+                  <a:srgbClr val="FF0000"/>
+                </a:solidFill>
+              </a:rPr>
+              <a:t>P</a:t>
+            </a:r>
+            <a:endParaRPr lang="en-US" sz="1200" dirty="0">
+              <a:solidFill>
+                <a:srgbClr val="FF0000"/>
+              </a:solidFill>
+            </a:endParaRPr>
+          </a:p>
+          <a:p>
+            <a:pPr algn="ctr"/>
+            <a:r>
+              <a:rPr lang="en-US" sz="1200" dirty="0"/>
+              <a:t>Runtime</a:t>
+            </a:r>
+          </a:p>
+        </p:txBody>
+      </p:sp>
+      <p:sp>
+        <p:nvSpPr>
+          <p:cNvPr id="24" name="Rectangle: Rounded Corners 24"/>
+          <p:cNvSpPr/>
+          <p:nvPr/>
+        </p:nvSpPr>
+        <p:spPr>
+          <a:xfrm>
+            <a:off x="6568535" y="2410318"/>
+            <a:ext cx="1696913" cy="312183"/>
+          </a:xfrm>
+          <a:prstGeom prst="roundRect">
+            <a:avLst/>
+          </a:prstGeom>
+          <a:ln>
+            <a:solidFill>
+              <a:schemeClr val="accent1">
+                <a:lumMod val="75000"/>
+              </a:schemeClr>
+            </a:solidFill>
+          </a:ln>
+        </p:spPr>
+        <p:style>
+          <a:lnRef idx="2">
+            <a:schemeClr val="accent6"/>
+          </a:lnRef>
+          <a:fillRef idx="1">
+            <a:schemeClr val="lt1"/>
+          </a:fillRef>
+          <a:effectRef idx="0">
+            <a:schemeClr val="accent6"/>
+          </a:effectRef>
+          <a:fontRef idx="minor">
+            <a:schemeClr val="dk1"/>
+          </a:fontRef>
+        </p:style>
+        <p:txBody>
+          <a:bodyPr rtlCol="0" anchor="ctr"/>
+          <a:lstStyle/>
+          <a:p>
+            <a:pPr algn="ctr"/>
+            <a:r>
+              <a:rPr lang="en-US" sz="1200" dirty="0"/>
+              <a:t>OS, Libs</a:t>
+            </a:r>
+          </a:p>
+        </p:txBody>
+      </p:sp>
+      <p:sp>
+        <p:nvSpPr>
+          <p:cNvPr id="25" name="Rectangle: Rounded Corners 25"/>
+          <p:cNvSpPr/>
+          <p:nvPr/>
+        </p:nvSpPr>
+        <p:spPr>
+          <a:xfrm>
+            <a:off x="2927817" y="3257222"/>
+            <a:ext cx="1302441" cy="433032"/>
+          </a:xfrm>
+          <a:prstGeom prst="roundRect">
+            <a:avLst/>
+          </a:prstGeom>
+          <a:ln/>
+        </p:spPr>
+        <p:style>
+          <a:lnRef idx="1">
+            <a:schemeClr val="accent6"/>
+          </a:lnRef>
+          <a:fillRef idx="1003">
+            <a:schemeClr val="lt1"/>
+          </a:fillRef>
+          <a:effectRef idx="2">
+            <a:schemeClr val="accent6"/>
+          </a:effectRef>
+          <a:fontRef idx="minor">
+            <a:schemeClr val="lt1"/>
+          </a:fontRef>
+        </p:style>
+        <p:txBody>
+          <a:bodyPr rtlCol="0" anchor="ctr"/>
+          <a:lstStyle/>
+          <a:p>
+            <a:pPr algn="ctr"/>
+            <a:r>
+              <a:rPr lang="en-US" sz="1400" dirty="0" smtClean="0">
+                <a:solidFill>
+                  <a:schemeClr val="tx1"/>
+                </a:solidFill>
+              </a:rPr>
+              <a:t>Intermediate </a:t>
+            </a:r>
+            <a:r>
+              <a:rPr lang="en-US" sz="1400" dirty="0">
+                <a:solidFill>
+                  <a:schemeClr val="tx1"/>
+                </a:solidFill>
+              </a:rPr>
+              <a:t>Code</a:t>
+            </a:r>
+          </a:p>
+        </p:txBody>
+      </p:sp>
+      <p:cxnSp>
+        <p:nvCxnSpPr>
+          <p:cNvPr id="26" name="Connector: Elbow 27"/>
+          <p:cNvCxnSpPr/>
+          <p:nvPr/>
+        </p:nvCxnSpPr>
+        <p:spPr>
+          <a:xfrm flipV="1">
+            <a:off x="4196126" y="3399822"/>
+            <a:ext cx="880001" cy="92831"/>
+          </a:xfrm>
+          <a:prstGeom prst="bentConnector3">
+            <a:avLst/>
+          </a:prstGeom>
+          <a:ln w="28575">
+            <a:solidFill>
+              <a:schemeClr val="bg2">
+                <a:lumMod val="50000"/>
+              </a:schemeClr>
+            </a:solidFill>
+            <a:tailEnd type="triangle"/>
+          </a:ln>
+        </p:spPr>
+        <p:style>
+          <a:lnRef idx="1">
+            <a:schemeClr val="accent1"/>
+          </a:lnRef>
+          <a:fillRef idx="0">
+            <a:schemeClr val="accent1"/>
+          </a:fillRef>
+          <a:effectRef idx="0">
+            <a:schemeClr val="accent1"/>
+          </a:effectRef>
+          <a:fontRef idx="minor">
+            <a:schemeClr val="tx1"/>
+          </a:fontRef>
+        </p:style>
+      </p:cxnSp>
+      <p:cxnSp>
+        <p:nvCxnSpPr>
+          <p:cNvPr id="27" name="Connector: Elbow 29"/>
+          <p:cNvCxnSpPr>
+            <a:stCxn id="15" idx="4"/>
+            <a:endCxn id="25" idx="0"/>
+          </p:cNvCxnSpPr>
+          <p:nvPr/>
+        </p:nvCxnSpPr>
+        <p:spPr>
+          <a:xfrm rot="5400000">
+            <a:off x="3517569" y="3195341"/>
+            <a:ext cx="123350" cy="412"/>
+          </a:xfrm>
+          <a:prstGeom prst="bentConnector3">
+            <a:avLst/>
+          </a:prstGeom>
+          <a:ln w="19050">
+            <a:solidFill>
+              <a:schemeClr val="bg2">
+                <a:lumMod val="50000"/>
+              </a:schemeClr>
+            </a:solidFill>
+            <a:tailEnd type="triangle"/>
+          </a:ln>
+        </p:spPr>
+        <p:style>
+          <a:lnRef idx="1">
+            <a:schemeClr val="accent1"/>
+          </a:lnRef>
+          <a:fillRef idx="0">
+            <a:schemeClr val="accent1"/>
+          </a:fillRef>
+          <a:effectRef idx="0">
+            <a:schemeClr val="accent1"/>
+          </a:effectRef>
+          <a:fontRef idx="minor">
+            <a:schemeClr val="tx1"/>
+          </a:fontRef>
+        </p:style>
+      </p:cxnSp>
+      <p:cxnSp>
+        <p:nvCxnSpPr>
+          <p:cNvPr id="28" name="Connector: Elbow 33"/>
+          <p:cNvCxnSpPr>
+            <a:stCxn id="9" idx="3"/>
+            <a:endCxn id="15" idx="2"/>
+          </p:cNvCxnSpPr>
+          <p:nvPr/>
+        </p:nvCxnSpPr>
+        <p:spPr>
+          <a:xfrm flipV="1">
+            <a:off x="2583872" y="2714388"/>
+            <a:ext cx="558078" cy="2675"/>
+          </a:xfrm>
+          <a:prstGeom prst="bentConnector3">
+            <a:avLst/>
+          </a:prstGeom>
+          <a:ln w="28575">
+            <a:solidFill>
+              <a:schemeClr val="bg2">
+                <a:lumMod val="50000"/>
+              </a:schemeClr>
+            </a:solidFill>
+            <a:tailEnd type="triangle"/>
+          </a:ln>
+        </p:spPr>
+        <p:style>
+          <a:lnRef idx="1">
+            <a:schemeClr val="accent1"/>
+          </a:lnRef>
+          <a:fillRef idx="0">
+            <a:schemeClr val="accent1"/>
+          </a:fillRef>
+          <a:effectRef idx="0">
+            <a:schemeClr val="accent1"/>
+          </a:effectRef>
+          <a:fontRef idx="minor">
+            <a:schemeClr val="tx1"/>
+          </a:fontRef>
+        </p:style>
+      </p:cxnSp>
+      <p:cxnSp>
+        <p:nvCxnSpPr>
+          <p:cNvPr id="29" name="Connector: Elbow 37"/>
+          <p:cNvCxnSpPr>
+            <a:stCxn id="17" idx="4"/>
+            <a:endCxn id="9" idx="2"/>
+          </p:cNvCxnSpPr>
+          <p:nvPr/>
+        </p:nvCxnSpPr>
+        <p:spPr>
+          <a:xfrm rot="5400000" flipH="1">
+            <a:off x="3482435" y="1912087"/>
+            <a:ext cx="218457" cy="3776496"/>
+          </a:xfrm>
+          <a:prstGeom prst="bentConnector3">
+            <a:avLst>
+              <a:gd name="adj1" fmla="val -104643"/>
+            </a:avLst>
+          </a:prstGeom>
+          <a:ln w="28575">
+            <a:solidFill>
+              <a:schemeClr val="bg2">
+                <a:lumMod val="50000"/>
+              </a:schemeClr>
+            </a:solidFill>
+            <a:tailEnd type="triangle"/>
+          </a:ln>
+        </p:spPr>
+        <p:style>
+          <a:lnRef idx="1">
+            <a:schemeClr val="accent1"/>
+          </a:lnRef>
+          <a:fillRef idx="0">
+            <a:schemeClr val="accent1"/>
+          </a:fillRef>
+          <a:effectRef idx="0">
+            <a:schemeClr val="accent1"/>
+          </a:effectRef>
+          <a:fontRef idx="minor">
+            <a:schemeClr val="tx1"/>
+          </a:fontRef>
+        </p:style>
+      </p:cxnSp>
+      <p:sp>
+        <p:nvSpPr>
+          <p:cNvPr id="30" name="TextBox 29"/>
+          <p:cNvSpPr txBox="1"/>
+          <p:nvPr/>
+        </p:nvSpPr>
+        <p:spPr>
+          <a:xfrm>
+            <a:off x="2569293" y="4008724"/>
+            <a:ext cx="1999009" cy="276999"/>
+          </a:xfrm>
+          <a:prstGeom prst="rect">
+            <a:avLst/>
+          </a:prstGeom>
+          <a:solidFill>
+            <a:schemeClr val="bg1"/>
+          </a:solidFill>
+        </p:spPr>
+        <p:txBody>
+          <a:bodyPr wrap="none" rtlCol="0">
+            <a:spAutoFit/>
+          </a:bodyPr>
+          <a:lstStyle/>
+          <a:p>
+            <a:r>
+              <a:rPr lang="en-US" sz="1200" dirty="0"/>
+              <a:t>(Reproducible) Error Trace</a:t>
+            </a:r>
+          </a:p>
+        </p:txBody>
+      </p:sp>
+      <p:sp>
+        <p:nvSpPr>
+          <p:cNvPr id="31" name="TextBox 30"/>
+          <p:cNvSpPr txBox="1"/>
+          <p:nvPr/>
+        </p:nvSpPr>
+        <p:spPr>
+          <a:xfrm>
+            <a:off x="6733160" y="2933612"/>
+            <a:ext cx="1443087" cy="307777"/>
+          </a:xfrm>
+          <a:prstGeom prst="rect">
+            <a:avLst/>
+          </a:prstGeom>
+          <a:noFill/>
+        </p:spPr>
+        <p:txBody>
+          <a:bodyPr wrap="none" rtlCol="0">
+            <a:spAutoFit/>
+          </a:bodyPr>
+          <a:lstStyle/>
+          <a:p>
+            <a:r>
+              <a:rPr lang="en-US" sz="1400" dirty="0"/>
+              <a:t>Target Platform</a:t>
+            </a:r>
+          </a:p>
+        </p:txBody>
+      </p:sp>
+      <p:sp>
+        <p:nvSpPr>
+          <p:cNvPr id="32" name="Rectangle: Rounded Corners 40"/>
+          <p:cNvSpPr/>
+          <p:nvPr/>
+        </p:nvSpPr>
+        <p:spPr>
+          <a:xfrm>
+            <a:off x="3077589" y="1259076"/>
+            <a:ext cx="1003723" cy="814105"/>
+          </a:xfrm>
+          <a:prstGeom prst="roundRect">
+            <a:avLst/>
+          </a:prstGeom>
+          <a:ln>
+            <a:solidFill>
+              <a:schemeClr val="tx1"/>
+            </a:solidFill>
+            <a:prstDash val="lgDash"/>
+          </a:ln>
+        </p:spPr>
+        <p:style>
+          <a:lnRef idx="1">
+            <a:schemeClr val="accent5"/>
+          </a:lnRef>
+          <a:fillRef idx="2">
+            <a:schemeClr val="accent5"/>
+          </a:fillRef>
+          <a:effectRef idx="1">
+            <a:schemeClr val="accent5"/>
+          </a:effectRef>
+          <a:fontRef idx="minor">
+            <a:schemeClr val="dk1"/>
+          </a:fontRef>
+        </p:style>
+        <p:txBody>
+          <a:bodyPr rtlCol="0" anchor="ctr"/>
+          <a:lstStyle/>
+          <a:p>
+            <a:pPr algn="ctr"/>
+            <a:endParaRPr lang="en-US" dirty="0"/>
+          </a:p>
+        </p:txBody>
+      </p:sp>
+      <p:sp>
+        <p:nvSpPr>
+          <p:cNvPr id="33" name="Rectangle: Rounded Corners 42"/>
+          <p:cNvSpPr/>
+          <p:nvPr/>
+        </p:nvSpPr>
+        <p:spPr>
+          <a:xfrm>
+            <a:off x="3158455" y="1336900"/>
+            <a:ext cx="844793" cy="379254"/>
+          </a:xfrm>
+          <a:prstGeom prst="roundRect">
+            <a:avLst/>
+          </a:prstGeom>
+          <a:ln>
+            <a:solidFill>
+              <a:schemeClr val="accent1">
+                <a:lumMod val="75000"/>
+              </a:schemeClr>
+            </a:solidFill>
+          </a:ln>
+        </p:spPr>
+        <p:style>
+          <a:lnRef idx="2">
+            <a:schemeClr val="accent6"/>
+          </a:lnRef>
+          <a:fillRef idx="1">
+            <a:schemeClr val="lt1"/>
+          </a:fillRef>
+          <a:effectRef idx="0">
+            <a:schemeClr val="accent6"/>
+          </a:effectRef>
+          <a:fontRef idx="minor">
+            <a:schemeClr val="dk1"/>
+          </a:fontRef>
+        </p:style>
+        <p:txBody>
+          <a:bodyPr rtlCol="0" anchor="ctr"/>
+          <a:lstStyle/>
+          <a:p>
+            <a:pPr algn="ctr"/>
+            <a:r>
+              <a:rPr lang="en-US" sz="1200" dirty="0" err="1"/>
+              <a:t>Autogen</a:t>
+            </a:r>
+            <a:r>
+              <a:rPr lang="en-US" sz="1200" dirty="0"/>
+              <a:t>  C </a:t>
+            </a:r>
+            <a:r>
+              <a:rPr lang="en-US" sz="1200" dirty="0" err="1"/>
+              <a:t>Impl</a:t>
+            </a:r>
+            <a:r>
+              <a:rPr lang="en-US" sz="1200" dirty="0"/>
+              <a:t>.</a:t>
+            </a:r>
+          </a:p>
+        </p:txBody>
+      </p:sp>
+      <p:sp>
+        <p:nvSpPr>
+          <p:cNvPr id="34" name="Rectangle: Rounded Corners 43"/>
+          <p:cNvSpPr/>
+          <p:nvPr/>
+        </p:nvSpPr>
+        <p:spPr>
+          <a:xfrm>
+            <a:off x="3167615" y="1739376"/>
+            <a:ext cx="844795" cy="265715"/>
+          </a:xfrm>
+          <a:prstGeom prst="roundRect">
+            <a:avLst/>
+          </a:prstGeom>
+          <a:ln>
+            <a:solidFill>
+              <a:schemeClr val="accent1">
+                <a:lumMod val="75000"/>
+              </a:schemeClr>
+            </a:solidFill>
+          </a:ln>
+        </p:spPr>
+        <p:style>
+          <a:lnRef idx="2">
+            <a:schemeClr val="accent6"/>
+          </a:lnRef>
+          <a:fillRef idx="1">
+            <a:schemeClr val="lt1"/>
+          </a:fillRef>
+          <a:effectRef idx="0">
+            <a:schemeClr val="accent6"/>
+          </a:effectRef>
+          <a:fontRef idx="minor">
+            <a:schemeClr val="dk1"/>
+          </a:fontRef>
+        </p:style>
+        <p:txBody>
+          <a:bodyPr rtlCol="0" anchor="ctr"/>
+          <a:lstStyle/>
+          <a:p>
+            <a:pPr algn="ctr"/>
+            <a:r>
+              <a:rPr lang="en-US" sz="1200" dirty="0"/>
+              <a:t>Wrappers</a:t>
+            </a:r>
+            <a:endParaRPr lang="en-US" sz="1050" dirty="0"/>
+          </a:p>
+        </p:txBody>
+      </p:sp>
+      <p:cxnSp>
+        <p:nvCxnSpPr>
+          <p:cNvPr id="35" name="Connector: Elbow 48"/>
+          <p:cNvCxnSpPr>
+            <a:stCxn id="32" idx="3"/>
+            <a:endCxn id="16" idx="2"/>
+          </p:cNvCxnSpPr>
+          <p:nvPr/>
+        </p:nvCxnSpPr>
+        <p:spPr>
+          <a:xfrm flipV="1">
+            <a:off x="4081312" y="1665733"/>
+            <a:ext cx="758603" cy="396"/>
+          </a:xfrm>
+          <a:prstGeom prst="bentConnector3">
+            <a:avLst/>
+          </a:prstGeom>
+          <a:ln w="28575">
+            <a:solidFill>
+              <a:schemeClr val="bg2">
+                <a:lumMod val="50000"/>
+              </a:schemeClr>
+            </a:solidFill>
+            <a:tailEnd type="triangle"/>
+          </a:ln>
+        </p:spPr>
+        <p:style>
+          <a:lnRef idx="1">
+            <a:schemeClr val="accent1"/>
+          </a:lnRef>
+          <a:fillRef idx="0">
+            <a:schemeClr val="accent1"/>
+          </a:fillRef>
+          <a:effectRef idx="0">
+            <a:schemeClr val="accent1"/>
+          </a:effectRef>
+          <a:fontRef idx="minor">
+            <a:schemeClr val="tx1"/>
+          </a:fontRef>
+        </p:style>
+      </p:cxnSp>
+      <p:cxnSp>
+        <p:nvCxnSpPr>
+          <p:cNvPr id="36" name="Connector: Elbow 53"/>
+          <p:cNvCxnSpPr>
+            <a:stCxn id="16" idx="6"/>
+            <a:endCxn id="20" idx="1"/>
+          </p:cNvCxnSpPr>
+          <p:nvPr/>
+        </p:nvCxnSpPr>
+        <p:spPr>
+          <a:xfrm>
+            <a:off x="5714914" y="1665733"/>
+            <a:ext cx="791230" cy="502299"/>
+          </a:xfrm>
+          <a:prstGeom prst="bentConnector3">
+            <a:avLst/>
+          </a:prstGeom>
+          <a:ln w="28575">
+            <a:solidFill>
+              <a:schemeClr val="bg2">
+                <a:lumMod val="50000"/>
+              </a:schemeClr>
+            </a:solidFill>
+            <a:tailEnd type="triangle"/>
+          </a:ln>
+        </p:spPr>
+        <p:style>
+          <a:lnRef idx="1">
+            <a:schemeClr val="accent1"/>
+          </a:lnRef>
+          <a:fillRef idx="0">
+            <a:schemeClr val="accent1"/>
+          </a:fillRef>
+          <a:effectRef idx="0">
+            <a:schemeClr val="accent1"/>
+          </a:effectRef>
+          <a:fontRef idx="minor">
+            <a:schemeClr val="tx1"/>
+          </a:fontRef>
+        </p:style>
+      </p:cxnSp>
+      <p:sp>
+        <p:nvSpPr>
+          <p:cNvPr id="37" name="TextBox 36"/>
+          <p:cNvSpPr txBox="1"/>
+          <p:nvPr/>
+        </p:nvSpPr>
+        <p:spPr>
+          <a:xfrm>
+            <a:off x="4770414" y="1469572"/>
+            <a:ext cx="1028417" cy="461665"/>
+          </a:xfrm>
+          <a:prstGeom prst="rect">
+            <a:avLst/>
+          </a:prstGeom>
+          <a:noFill/>
+        </p:spPr>
+        <p:txBody>
+          <a:bodyPr wrap="square" rtlCol="0">
+            <a:spAutoFit/>
+          </a:bodyPr>
+          <a:lstStyle/>
+          <a:p>
+            <a:pPr algn="ctr"/>
+            <a:r>
+              <a:rPr lang="en-US" sz="1200" dirty="0"/>
+              <a:t>Deployment</a:t>
+            </a:r>
+          </a:p>
+          <a:p>
+            <a:pPr algn="ctr"/>
+            <a:r>
+              <a:rPr lang="en-US" sz="1200" dirty="0"/>
+              <a:t>tool</a:t>
+            </a:r>
+          </a:p>
+        </p:txBody>
+      </p:sp>
+      <p:cxnSp>
+        <p:nvCxnSpPr>
+          <p:cNvPr id="38" name="Connector: Elbow 59"/>
+          <p:cNvCxnSpPr>
+            <a:stCxn id="15" idx="0"/>
+            <a:endCxn id="32" idx="2"/>
+          </p:cNvCxnSpPr>
+          <p:nvPr/>
+        </p:nvCxnSpPr>
+        <p:spPr>
+          <a:xfrm rot="5400000" flipH="1" flipV="1">
+            <a:off x="3468589" y="2184043"/>
+            <a:ext cx="221723" cy="1"/>
+          </a:xfrm>
+          <a:prstGeom prst="bentConnector3">
+            <a:avLst/>
+          </a:prstGeom>
+          <a:ln w="28575">
+            <a:solidFill>
+              <a:schemeClr val="bg2">
+                <a:lumMod val="50000"/>
+              </a:schemeClr>
+            </a:solidFill>
+            <a:tailEnd type="triangle"/>
+          </a:ln>
+        </p:spPr>
+        <p:style>
+          <a:lnRef idx="1">
+            <a:schemeClr val="accent1"/>
+          </a:lnRef>
+          <a:fillRef idx="0">
+            <a:schemeClr val="accent1"/>
+          </a:fillRef>
+          <a:effectRef idx="0">
+            <a:schemeClr val="accent1"/>
+          </a:effectRef>
+          <a:fontRef idx="minor">
+            <a:schemeClr val="tx1"/>
+          </a:fontRef>
+        </p:style>
+      </p:cxnSp>
+      <p:sp>
+        <p:nvSpPr>
+          <p:cNvPr id="39" name="TextBox 38"/>
+          <p:cNvSpPr txBox="1"/>
+          <p:nvPr/>
+        </p:nvSpPr>
+        <p:spPr>
+          <a:xfrm>
+            <a:off x="842926" y="4707346"/>
+            <a:ext cx="7586403" cy="1200329"/>
+          </a:xfrm>
+          <a:prstGeom prst="rect">
+            <a:avLst/>
+          </a:prstGeom>
+          <a:noFill/>
+          <a:ln>
+            <a:noFill/>
+          </a:ln>
+          <a:effectLst>
+            <a:glow rad="63500">
+              <a:schemeClr val="accent6">
+                <a:satMod val="175000"/>
+                <a:alpha val="40000"/>
+              </a:schemeClr>
+            </a:glow>
+          </a:effectLst>
+          <a:scene3d>
+            <a:camera prst="orthographicFront">
+              <a:rot lat="0" lon="0" rev="0"/>
+            </a:camera>
+            <a:lightRig rig="chilly" dir="t">
+              <a:rot lat="0" lon="0" rev="18480000"/>
+            </a:lightRig>
+          </a:scene3d>
+          <a:sp3d prstMaterial="clear">
+            <a:bevelT h="63500"/>
+          </a:sp3d>
+        </p:spPr>
+        <p:txBody>
+          <a:bodyPr wrap="square" rtlCol="0">
+            <a:spAutoFit/>
+          </a:bodyPr>
+          <a:lstStyle/>
+          <a:p>
+            <a:r>
+              <a:rPr lang="en-US" dirty="0"/>
+              <a:t>Build Safe Real-World Systems:</a:t>
+            </a:r>
+          </a:p>
+          <a:p>
+            <a:pPr marL="285750" indent="-285750">
+              <a:buFont typeface="Arial" panose="020B0604020202020204" pitchFamily="34" charset="0"/>
+              <a:buChar char="•"/>
+            </a:pPr>
+            <a:r>
+              <a:rPr lang="en-US" dirty="0"/>
+              <a:t>Windows Device Drivers (USB 3.0) </a:t>
+            </a:r>
+            <a:r>
+              <a:rPr lang="en-US" dirty="0">
+                <a:solidFill>
+                  <a:srgbClr val="00B050"/>
+                </a:solidFill>
+              </a:rPr>
+              <a:t>[PLDI </a:t>
+            </a:r>
+            <a:r>
+              <a:rPr lang="en-US" dirty="0" smtClean="0">
+                <a:solidFill>
+                  <a:srgbClr val="00B050"/>
+                </a:solidFill>
+              </a:rPr>
+              <a:t>2013, OOPSLA 2014]</a:t>
+            </a:r>
+            <a:endParaRPr lang="en-US" dirty="0">
+              <a:solidFill>
+                <a:srgbClr val="00B050"/>
+              </a:solidFill>
+            </a:endParaRPr>
+          </a:p>
+          <a:p>
+            <a:pPr marL="285750" indent="-285750">
+              <a:buFont typeface="Arial" panose="020B0604020202020204" pitchFamily="34" charset="0"/>
+              <a:buChar char="•"/>
+            </a:pPr>
+            <a:r>
+              <a:rPr lang="en-US" dirty="0"/>
+              <a:t>Fault Tolerant Distributed Systems </a:t>
+            </a:r>
+            <a:r>
+              <a:rPr lang="en-US" dirty="0">
+                <a:solidFill>
+                  <a:srgbClr val="00B050"/>
+                </a:solidFill>
+              </a:rPr>
+              <a:t>[Microsoft Azure, OOPSLA 2018]</a:t>
+            </a:r>
+            <a:r>
+              <a:rPr lang="en-US" dirty="0"/>
+              <a:t>.</a:t>
+            </a:r>
+          </a:p>
+          <a:p>
+            <a:pPr marL="285750" indent="-285750">
+              <a:buFont typeface="Arial" panose="020B0604020202020204" pitchFamily="34" charset="0"/>
+              <a:buChar char="•"/>
+            </a:pPr>
+            <a:r>
+              <a:rPr lang="en-US" dirty="0"/>
+              <a:t>Safe Robotic Systems </a:t>
+            </a:r>
+            <a:r>
+              <a:rPr lang="en-US" dirty="0">
+                <a:solidFill>
+                  <a:srgbClr val="00B050"/>
+                </a:solidFill>
+              </a:rPr>
+              <a:t>[ICCPS 2017</a:t>
+            </a:r>
+            <a:r>
+              <a:rPr lang="en-US" dirty="0" smtClean="0">
+                <a:solidFill>
+                  <a:srgbClr val="00B050"/>
+                </a:solidFill>
+              </a:rPr>
+              <a:t>, RV 2017, </a:t>
+            </a:r>
+            <a:r>
+              <a:rPr lang="en-US" dirty="0" err="1" smtClean="0">
+                <a:solidFill>
+                  <a:srgbClr val="00B050"/>
+                </a:solidFill>
+              </a:rPr>
+              <a:t>ISoLA</a:t>
+            </a:r>
+            <a:r>
+              <a:rPr lang="en-US" dirty="0" smtClean="0">
+                <a:solidFill>
+                  <a:srgbClr val="00B050"/>
+                </a:solidFill>
+              </a:rPr>
+              <a:t> 2018]</a:t>
+            </a:r>
+            <a:endParaRPr lang="en-US" dirty="0">
+              <a:solidFill>
+                <a:srgbClr val="00B050"/>
+              </a:solidFill>
+            </a:endParaRPr>
+          </a:p>
+        </p:txBody>
+      </p:sp>
+    </p:spTree>
+    <p:extLst>
+      <p:ext uri="{BB962C8B-B14F-4D97-AF65-F5344CB8AC3E}">
+        <p14:creationId xmlns:p14="http://schemas.microsoft.com/office/powerpoint/2010/main" val="782893780"/>
       </p:ext>
     </p:extLst>
   </p:cSld>

--- a/Presentations/1 - Introduction.pptx
+++ b/Presentations/1 - Introduction.pptx
@@ -228,7 +228,7 @@
           <a:p>
             <a:fld id="{FC61A6FD-3ACD-4666-B601-2198EA538879}" type="datetimeFigureOut">
               <a:rPr lang="en-US" smtClean="0"/>
-              <a:t>6/17/2019</a:t>
+              <a:t>6/18/2019</a:t>
             </a:fld>
             <a:endParaRPr lang="en-US"/>
           </a:p>
@@ -406,7 +406,7 @@
           <a:p>
             <a:fld id="{37DF9D4D-9EA6-4037-AB5B-4AEE090FBDF0}" type="datetimeFigureOut">
               <a:rPr lang="en-US" smtClean="0"/>
-              <a:t>6/17/2019</a:t>
+              <a:t>6/18/2019</a:t>
             </a:fld>
             <a:endParaRPr lang="en-US"/>
           </a:p>
@@ -3865,6 +3865,13 @@
   <p:clrMapOvr>
     <a:masterClrMapping/>
   </p:clrMapOvr>
+  <p:timing>
+    <p:tnLst>
+      <p:par>
+        <p:cTn id="1" dur="indefinite" restart="never" nodeType="tmRoot"/>
+      </p:par>
+    </p:tnLst>
+  </p:timing>
 </p:sld>
 </file>
 
@@ -4007,6 +4014,13 @@
   <p:clrMapOvr>
     <a:masterClrMapping/>
   </p:clrMapOvr>
+  <p:timing>
+    <p:tnLst>
+      <p:par>
+        <p:cTn id="1" dur="indefinite" restart="never" nodeType="tmRoot"/>
+      </p:par>
+    </p:tnLst>
+  </p:timing>
 </p:sld>
 </file>
 
@@ -4149,6 +4163,13 @@
   <p:clrMapOvr>
     <a:masterClrMapping/>
   </p:clrMapOvr>
+  <p:timing>
+    <p:tnLst>
+      <p:par>
+        <p:cTn id="1" dur="indefinite" restart="never" nodeType="tmRoot"/>
+      </p:par>
+    </p:tnLst>
+  </p:timing>
 </p:sld>
 </file>
 
@@ -4181,14 +4202,20 @@
         </p:nvSpPr>
         <p:spPr/>
         <p:txBody>
-          <a:bodyPr/>
-          <a:lstStyle/>
-          <a:p>
-            <a:r>
-              <a:rPr lang="en-US" dirty="0" smtClean="0"/>
-              <a:t>Learnings from P to P#</a:t>
-            </a:r>
-            <a:endParaRPr lang="en-US" dirty="0"/>
+          <a:bodyPr>
+            <a:noAutofit/>
+          </a:bodyPr>
+          <a:lstStyle/>
+          <a:p>
+            <a:r>
+              <a:rPr lang="en-US" sz="3600" dirty="0" smtClean="0"/>
+              <a:t>Journey and Learnings </a:t>
+            </a:r>
+            <a:r>
+              <a:rPr lang="en-US" sz="3600" dirty="0" smtClean="0"/>
+              <a:t>from P to P#</a:t>
+            </a:r>
+            <a:endParaRPr lang="en-US" sz="3600" dirty="0"/>
           </a:p>
         </p:txBody>
       </p:sp>
@@ -4291,6 +4318,13 @@
   <p:clrMapOvr>
     <a:masterClrMapping/>
   </p:clrMapOvr>
+  <p:timing>
+    <p:tnLst>
+      <p:par>
+        <p:cTn id="1" dur="indefinite" restart="never" nodeType="tmRoot"/>
+      </p:par>
+    </p:tnLst>
+  </p:timing>
 </p:sld>
 </file>
 
@@ -4439,6 +4473,13 @@
   <p:clrMapOvr>
     <a:masterClrMapping/>
   </p:clrMapOvr>
+  <p:timing>
+    <p:tnLst>
+      <p:par>
+        <p:cTn id="1" dur="indefinite" restart="never" nodeType="tmRoot"/>
+      </p:par>
+    </p:tnLst>
+  </p:timing>
 </p:sld>
 </file>
 
@@ -4494,10 +4535,75 @@
         </p:nvSpPr>
         <p:spPr/>
         <p:txBody>
-          <a:bodyPr/>
-          <a:lstStyle/>
-          <a:p>
-            <a:endParaRPr lang="en-US"/>
+          <a:bodyPr>
+            <a:normAutofit/>
+          </a:bodyPr>
+          <a:lstStyle/>
+          <a:p>
+            <a:pPr marL="342900" indent="-342900">
+              <a:buFont typeface="Arial" panose="020B0604020202020204" pitchFamily="34" charset="0"/>
+              <a:buChar char="•"/>
+            </a:pPr>
+            <a:r>
+              <a:rPr lang="en-US" sz="2400" dirty="0"/>
+              <a:t>Pantazis </a:t>
+            </a:r>
+            <a:r>
+              <a:rPr lang="en-US" sz="2400" dirty="0" smtClean="0"/>
+              <a:t>Deligiannis, Microsoft Research, Redmond.</a:t>
+            </a:r>
+          </a:p>
+          <a:p>
+            <a:pPr marL="342900" indent="-342900">
+              <a:buFont typeface="Arial" panose="020B0604020202020204" pitchFamily="34" charset="0"/>
+              <a:buChar char="•"/>
+            </a:pPr>
+            <a:endParaRPr lang="en-US" sz="2400" dirty="0"/>
+          </a:p>
+          <a:p>
+            <a:pPr marL="342900" indent="-342900">
+              <a:buFont typeface="Arial" panose="020B0604020202020204" pitchFamily="34" charset="0"/>
+              <a:buChar char="•"/>
+            </a:pPr>
+            <a:r>
+              <a:rPr lang="en-US" sz="2400" dirty="0" smtClean="0"/>
+              <a:t>Ankush Desai, University of California, Berkeley.</a:t>
+            </a:r>
+          </a:p>
+          <a:p>
+            <a:pPr marL="342900" indent="-342900">
+              <a:buFont typeface="Arial" panose="020B0604020202020204" pitchFamily="34" charset="0"/>
+              <a:buChar char="•"/>
+            </a:pPr>
+            <a:endParaRPr lang="en-US" sz="2400" dirty="0"/>
+          </a:p>
+          <a:p>
+            <a:pPr marL="342900" indent="-342900">
+              <a:buFont typeface="Arial" panose="020B0604020202020204" pitchFamily="34" charset="0"/>
+              <a:buChar char="•"/>
+            </a:pPr>
+            <a:r>
+              <a:rPr lang="en-US" sz="2400" dirty="0" smtClean="0"/>
+              <a:t>Akash Lal, Microsoft Research, Bangalore</a:t>
+            </a:r>
+          </a:p>
+          <a:p>
+            <a:pPr marL="342900" indent="-342900">
+              <a:buFont typeface="Arial" panose="020B0604020202020204" pitchFamily="34" charset="0"/>
+              <a:buChar char="•"/>
+            </a:pPr>
+            <a:endParaRPr lang="en-US" sz="2400" dirty="0"/>
+          </a:p>
+          <a:p>
+            <a:pPr marL="342900" indent="-342900">
+              <a:buFont typeface="Arial" panose="020B0604020202020204" pitchFamily="34" charset="0"/>
+              <a:buChar char="•"/>
+            </a:pPr>
+            <a:r>
+              <a:rPr lang="en-US" sz="2400" dirty="0" smtClean="0"/>
+              <a:t>Shaz Qadeer, Facebook, Menlo Park.</a:t>
+            </a:r>
+            <a:endParaRPr lang="en-US" sz="2400" dirty="0"/>
           </a:p>
         </p:txBody>
       </p:sp>
@@ -4636,10 +4742,130 @@
         </p:nvSpPr>
         <p:spPr/>
         <p:txBody>
-          <a:bodyPr/>
-          <a:lstStyle/>
-          <a:p>
-            <a:endParaRPr lang="en-US"/>
+          <a:bodyPr>
+            <a:normAutofit lnSpcReduction="10000"/>
+          </a:bodyPr>
+          <a:lstStyle/>
+          <a:p>
+            <a:pPr marL="342900" indent="-342900">
+              <a:buFont typeface="Arial" panose="020B0604020202020204" pitchFamily="34" charset="0"/>
+              <a:buChar char="•"/>
+            </a:pPr>
+            <a:r>
+              <a:rPr lang="en-US" b="1" dirty="0" smtClean="0"/>
+              <a:t>Part 1 (09:00 </a:t>
+            </a:r>
+            <a:r>
+              <a:rPr lang="en-US" b="1" dirty="0"/>
+              <a:t>- </a:t>
+            </a:r>
+            <a:r>
+              <a:rPr lang="en-US" b="1" dirty="0" smtClean="0"/>
+              <a:t>10:00) : Introduction to the P language.</a:t>
+            </a:r>
+          </a:p>
+          <a:p>
+            <a:pPr marL="829818" lvl="1" indent="-342900"/>
+            <a:r>
+              <a:rPr lang="en-US" b="1" dirty="0" smtClean="0"/>
+              <a:t>Introduction, evolution of P, and an overview of the P language</a:t>
+            </a:r>
+            <a:endParaRPr lang="en-US" b="1" dirty="0"/>
+          </a:p>
+          <a:p>
+            <a:pPr marL="342900" indent="-342900">
+              <a:buFont typeface="Arial" panose="020B0604020202020204" pitchFamily="34" charset="0"/>
+              <a:buChar char="•"/>
+            </a:pPr>
+            <a:r>
+              <a:rPr lang="en-US" b="1" dirty="0" smtClean="0"/>
+              <a:t>Part 2 (10:00 – 11:00):  P# Runtime.</a:t>
+            </a:r>
+          </a:p>
+          <a:p>
+            <a:pPr marL="829818" lvl="1" indent="-342900"/>
+            <a:r>
+              <a:rPr lang="en-US" b="1" dirty="0" smtClean="0"/>
+              <a:t>Introduction and a tutorial on the P# programming framework, a C# runtime for P.  </a:t>
+            </a:r>
+            <a:endParaRPr lang="en-US" b="1" dirty="0"/>
+          </a:p>
+          <a:p>
+            <a:pPr marL="342900" indent="-342900">
+              <a:buFont typeface="Arial" panose="020B0604020202020204" pitchFamily="34" charset="0"/>
+              <a:buChar char="•"/>
+            </a:pPr>
+            <a:r>
+              <a:rPr lang="en-US" b="1" dirty="0" smtClean="0"/>
+              <a:t>Part 3 (11:20 – 12:30): Building Distributed Services using P# </a:t>
+            </a:r>
+            <a:endParaRPr lang="en-US" dirty="0"/>
+          </a:p>
+          <a:p>
+            <a:pPr marL="829818" lvl="1" indent="-342900"/>
+            <a:r>
+              <a:rPr lang="en-US" b="1" dirty="0" smtClean="0"/>
+              <a:t>Building reliable distributed services using P# and the Reliable State Machines (RSM) framework </a:t>
+            </a:r>
+            <a:r>
+              <a:rPr lang="en-US" b="1" dirty="0"/>
+              <a:t>(at Microsoft Azure) </a:t>
+            </a:r>
+            <a:r>
+              <a:rPr lang="en-US" b="1" dirty="0" smtClean="0"/>
+              <a:t>.</a:t>
+            </a:r>
+          </a:p>
+          <a:p>
+            <a:pPr marL="342900" indent="-342900">
+              <a:buFont typeface="Arial" panose="020B0604020202020204" pitchFamily="34" charset="0"/>
+              <a:buChar char="•"/>
+            </a:pPr>
+            <a:r>
+              <a:rPr lang="en-US" b="1" dirty="0" smtClean="0"/>
+              <a:t>Part 4 (14:00 – 15: 30): Safety Testing of </a:t>
+            </a:r>
+            <a:r>
+              <a:rPr lang="en-US" b="1" dirty="0" err="1" smtClean="0"/>
+              <a:t>Async</a:t>
+            </a:r>
+            <a:r>
+              <a:rPr lang="en-US" b="1" dirty="0" smtClean="0"/>
+              <a:t>. Systems.</a:t>
+            </a:r>
+          </a:p>
+          <a:p>
+            <a:pPr marL="829818" lvl="1" indent="-342900"/>
+            <a:r>
+              <a:rPr lang="en-US" b="1" dirty="0" smtClean="0"/>
+              <a:t>From scalable monolithic to compositional testing of asynchronous systems.</a:t>
+            </a:r>
+          </a:p>
+          <a:p>
+            <a:pPr marL="342900" indent="-342900">
+              <a:buFont typeface="Arial" panose="020B0604020202020204" pitchFamily="34" charset="0"/>
+              <a:buChar char="•"/>
+            </a:pPr>
+            <a:r>
+              <a:rPr lang="en-US" b="1" dirty="0" smtClean="0"/>
+              <a:t>Part 5 (16:00 – 17:00): Liveness Testing of </a:t>
+            </a:r>
+            <a:r>
+              <a:rPr lang="en-US" b="1" dirty="0" err="1" smtClean="0"/>
+              <a:t>Async</a:t>
+            </a:r>
+            <a:r>
+              <a:rPr lang="en-US" b="1" dirty="0" smtClean="0"/>
+              <a:t>. Systems.</a:t>
+            </a:r>
+          </a:p>
+          <a:p>
+            <a:pPr marL="829818" lvl="1" indent="-342900"/>
+            <a:r>
+              <a:rPr lang="en-US" b="1" dirty="0" smtClean="0"/>
+              <a:t>Specifying and Finding liveness violations in real-world distributed systems.</a:t>
+            </a:r>
+            <a:endParaRPr lang="en-US" b="1" dirty="0"/>
           </a:p>
         </p:txBody>
       </p:sp>
@@ -5434,8 +5660,13 @@
             <a:pPr marL="829818" lvl="1" indent="-342900"/>
             <a:r>
               <a:rPr lang="en-US" sz="2000" dirty="0"/>
-              <a:t>Processes communicate by asynchronously sending messages or events to each other.</a:t>
-            </a:r>
+              <a:t>Processes communicate by asynchronously sending messages or events to each </a:t>
+            </a:r>
+            <a:r>
+              <a:rPr lang="en-US" sz="2000" dirty="0" smtClean="0"/>
+              <a:t>other (no shared memory).</a:t>
+            </a:r>
+            <a:endParaRPr lang="en-US" sz="2000" dirty="0"/>
           </a:p>
           <a:p>
             <a:pPr marL="829818" lvl="1" indent="-342900"/>
@@ -5549,6 +5780,13 @@
   <p:clrMapOvr>
     <a:masterClrMapping/>
   </p:clrMapOvr>
+  <p:timing>
+    <p:tnLst>
+      <p:par>
+        <p:cTn id="1" dur="indefinite" restart="never" nodeType="tmRoot"/>
+      </p:par>
+    </p:tnLst>
+  </p:timing>
 </p:sld>
 </file>
 
@@ -6807,237 +7045,7 @@
   <p:timing>
     <p:tnLst>
       <p:par>
-        <p:cTn id="1" dur="indefinite" restart="never" nodeType="tmRoot">
-          <p:childTnLst>
-            <p:seq concurrent="1" nextAc="seek">
-              <p:cTn id="2" dur="indefinite" nodeType="mainSeq">
-                <p:childTnLst>
-                  <p:par>
-                    <p:cTn id="3" fill="hold">
-                      <p:stCondLst>
-                        <p:cond delay="indefinite"/>
-                      </p:stCondLst>
-                      <p:childTnLst>
-                        <p:par>
-                          <p:cTn id="4" fill="hold">
-                            <p:stCondLst>
-                              <p:cond delay="0"/>
-                            </p:stCondLst>
-                            <p:childTnLst>
-                              <p:par>
-                                <p:cTn id="5" presetID="1" presetClass="entr" presetSubtype="0" fill="hold" nodeType="clickEffect">
-                                  <p:stCondLst>
-                                    <p:cond delay="0"/>
-                                  </p:stCondLst>
-                                  <p:childTnLst>
-                                    <p:set>
-                                      <p:cBhvr>
-                                        <p:cTn id="6" dur="1" fill="hold">
-                                          <p:stCondLst>
-                                            <p:cond delay="0"/>
-                                          </p:stCondLst>
-                                        </p:cTn>
-                                        <p:tgtEl>
-                                          <p:spTgt spid="27"/>
-                                        </p:tgtEl>
-                                        <p:attrNameLst>
-                                          <p:attrName>style.visibility</p:attrName>
-                                        </p:attrNameLst>
-                                      </p:cBhvr>
-                                      <p:to>
-                                        <p:strVal val="visible"/>
-                                      </p:to>
-                                    </p:set>
-                                  </p:childTnLst>
-                                </p:cTn>
-                              </p:par>
-                              <p:par>
-                                <p:cTn id="7" presetID="1" presetClass="entr" presetSubtype="0" fill="hold" nodeType="withEffect">
-                                  <p:stCondLst>
-                                    <p:cond delay="0"/>
-                                  </p:stCondLst>
-                                  <p:childTnLst>
-                                    <p:set>
-                                      <p:cBhvr>
-                                        <p:cTn id="8" dur="1" fill="hold">
-                                          <p:stCondLst>
-                                            <p:cond delay="0"/>
-                                          </p:stCondLst>
-                                        </p:cTn>
-                                        <p:tgtEl>
-                                          <p:spTgt spid="19"/>
-                                        </p:tgtEl>
-                                        <p:attrNameLst>
-                                          <p:attrName>style.visibility</p:attrName>
-                                        </p:attrNameLst>
-                                      </p:cBhvr>
-                                      <p:to>
-                                        <p:strVal val="visible"/>
-                                      </p:to>
-                                    </p:set>
-                                  </p:childTnLst>
-                                </p:cTn>
-                              </p:par>
-                            </p:childTnLst>
-                          </p:cTn>
-                        </p:par>
-                      </p:childTnLst>
-                    </p:cTn>
-                  </p:par>
-                  <p:par>
-                    <p:cTn id="9" fill="hold">
-                      <p:stCondLst>
-                        <p:cond delay="indefinite"/>
-                      </p:stCondLst>
-                      <p:childTnLst>
-                        <p:par>
-                          <p:cTn id="10" fill="hold">
-                            <p:stCondLst>
-                              <p:cond delay="0"/>
-                            </p:stCondLst>
-                            <p:childTnLst>
-                              <p:par>
-                                <p:cTn id="11" presetID="1" presetClass="entr" presetSubtype="0" fill="hold" nodeType="clickEffect">
-                                  <p:stCondLst>
-                                    <p:cond delay="0"/>
-                                  </p:stCondLst>
-                                  <p:childTnLst>
-                                    <p:set>
-                                      <p:cBhvr>
-                                        <p:cTn id="12" dur="1" fill="hold">
-                                          <p:stCondLst>
-                                            <p:cond delay="0"/>
-                                          </p:stCondLst>
-                                        </p:cTn>
-                                        <p:tgtEl>
-                                          <p:spTgt spid="35"/>
-                                        </p:tgtEl>
-                                        <p:attrNameLst>
-                                          <p:attrName>style.visibility</p:attrName>
-                                        </p:attrNameLst>
-                                      </p:cBhvr>
-                                      <p:to>
-                                        <p:strVal val="visible"/>
-                                      </p:to>
-                                    </p:set>
-                                  </p:childTnLst>
-                                </p:cTn>
-                              </p:par>
-                            </p:childTnLst>
-                          </p:cTn>
-                        </p:par>
-                      </p:childTnLst>
-                    </p:cTn>
-                  </p:par>
-                  <p:par>
-                    <p:cTn id="13" fill="hold">
-                      <p:stCondLst>
-                        <p:cond delay="indefinite"/>
-                      </p:stCondLst>
-                      <p:childTnLst>
-                        <p:par>
-                          <p:cTn id="14" fill="hold">
-                            <p:stCondLst>
-                              <p:cond delay="0"/>
-                            </p:stCondLst>
-                            <p:childTnLst>
-                              <p:par>
-                                <p:cTn id="15" presetID="1" presetClass="entr" presetSubtype="0" fill="hold" nodeType="clickEffect">
-                                  <p:stCondLst>
-                                    <p:cond delay="0"/>
-                                  </p:stCondLst>
-                                  <p:childTnLst>
-                                    <p:set>
-                                      <p:cBhvr>
-                                        <p:cTn id="16" dur="1" fill="hold">
-                                          <p:stCondLst>
-                                            <p:cond delay="0"/>
-                                          </p:stCondLst>
-                                        </p:cTn>
-                                        <p:tgtEl>
-                                          <p:spTgt spid="15"/>
-                                        </p:tgtEl>
-                                        <p:attrNameLst>
-                                          <p:attrName>style.visibility</p:attrName>
-                                        </p:attrNameLst>
-                                      </p:cBhvr>
-                                      <p:to>
-                                        <p:strVal val="visible"/>
-                                      </p:to>
-                                    </p:set>
-                                  </p:childTnLst>
-                                </p:cTn>
-                              </p:par>
-                            </p:childTnLst>
-                          </p:cTn>
-                        </p:par>
-                      </p:childTnLst>
-                    </p:cTn>
-                  </p:par>
-                  <p:par>
-                    <p:cTn id="17" fill="hold">
-                      <p:stCondLst>
-                        <p:cond delay="indefinite"/>
-                      </p:stCondLst>
-                      <p:childTnLst>
-                        <p:par>
-                          <p:cTn id="18" fill="hold">
-                            <p:stCondLst>
-                              <p:cond delay="0"/>
-                            </p:stCondLst>
-                            <p:childTnLst>
-                              <p:par>
-                                <p:cTn id="19" presetID="1" presetClass="entr" presetSubtype="0" fill="hold" nodeType="clickEffect">
-                                  <p:stCondLst>
-                                    <p:cond delay="0"/>
-                                  </p:stCondLst>
-                                  <p:childTnLst>
-                                    <p:set>
-                                      <p:cBhvr>
-                                        <p:cTn id="20" dur="1" fill="hold">
-                                          <p:stCondLst>
-                                            <p:cond delay="0"/>
-                                          </p:stCondLst>
-                                        </p:cTn>
-                                        <p:tgtEl>
-                                          <p:spTgt spid="11"/>
-                                        </p:tgtEl>
-                                        <p:attrNameLst>
-                                          <p:attrName>style.visibility</p:attrName>
-                                        </p:attrNameLst>
-                                      </p:cBhvr>
-                                      <p:to>
-                                        <p:strVal val="visible"/>
-                                      </p:to>
-                                    </p:set>
-                                  </p:childTnLst>
-                                </p:cTn>
-                              </p:par>
-                            </p:childTnLst>
-                          </p:cTn>
-                        </p:par>
-                      </p:childTnLst>
-                    </p:cTn>
-                  </p:par>
-                </p:childTnLst>
-              </p:cTn>
-              <p:prevCondLst>
-                <p:cond evt="onPrev" delay="0">
-                  <p:tgtEl>
-                    <p:sldTgt/>
-                  </p:tgtEl>
-                </p:cond>
-              </p:prevCondLst>
-              <p:nextCondLst>
-                <p:cond evt="onNext" delay="0">
-                  <p:tgtEl>
-                    <p:sldTgt/>
-                  </p:tgtEl>
-                </p:cond>
-              </p:nextCondLst>
-            </p:seq>
-          </p:childTnLst>
-        </p:cTn>
+        <p:cTn id="1" dur="indefinite" restart="never" nodeType="tmRoot"/>
       </p:par>
     </p:tnLst>
   </p:timing>
@@ -7169,7 +7177,7 @@
         </p:nvSpPr>
         <p:spPr>
           <a:xfrm>
-            <a:off x="3715096" y="4258822"/>
+            <a:off x="3708470" y="4041801"/>
             <a:ext cx="1531830" cy="369332"/>
           </a:xfrm>
           <a:prstGeom prst="rect">
@@ -7484,8 +7492,8 @@
         </p:nvSpPr>
         <p:spPr>
           <a:xfrm>
-            <a:off x="822960" y="4909351"/>
-            <a:ext cx="7586403" cy="923330"/>
+            <a:off x="681183" y="4487948"/>
+            <a:ext cx="7586403" cy="1754326"/>
           </a:xfrm>
           <a:prstGeom prst="rect">
             <a:avLst/>
@@ -7519,7 +7527,19 @@
             </a:pPr>
             <a:r>
               <a:rPr lang="en-US" dirty="0"/>
-              <a:t>P: State machine based programming language </a:t>
+              <a:t>P: State machine based </a:t>
+            </a:r>
+            <a:r>
+              <a:rPr lang="en-US" dirty="0" smtClean="0"/>
+              <a:t>language for safe event-driven programming </a:t>
+            </a:r>
+            <a:r>
+              <a:rPr lang="en-US" dirty="0" smtClean="0">
+                <a:solidFill>
+                  <a:srgbClr val="00B050"/>
+                </a:solidFill>
+              </a:rPr>
+              <a:t>[PLDI </a:t>
             </a:r>
             <a:r>
               <a:rPr lang="en-US" dirty="0">
@@ -7527,9 +7547,16 @@
                   <a:srgbClr val="00B050"/>
                 </a:solidFill>
               </a:rPr>
-              <a:t>[PLDI 2013].</a:t>
-            </a:r>
-            <a:endParaRPr lang="en-US" dirty="0"/>
+              <a:t>2013</a:t>
+            </a:r>
+            <a:r>
+              <a:rPr lang="en-US" dirty="0" smtClean="0">
+                <a:solidFill>
+                  <a:srgbClr val="00B050"/>
+                </a:solidFill>
+              </a:rPr>
+              <a:t>].</a:t>
+            </a:r>
           </a:p>
           <a:p>
             <a:pPr marL="285750" indent="-285750">
@@ -7538,7 +7565,78 @@
             </a:pPr>
             <a:r>
               <a:rPr lang="en-US" dirty="0" smtClean="0"/>
-              <a:t>Modular P</a:t>
+              <a:t>P#:</a:t>
+            </a:r>
+            <a:r>
+              <a:rPr lang="en-US" dirty="0">
+                <a:solidFill>
+                  <a:srgbClr val="00B050"/>
+                </a:solidFill>
+              </a:rPr>
+              <a:t> </a:t>
+            </a:r>
+            <a:r>
+              <a:rPr lang="en-US" dirty="0"/>
+              <a:t>Asynchronous </a:t>
+            </a:r>
+            <a:r>
+              <a:rPr lang="en-US" dirty="0" smtClean="0"/>
+              <a:t>programming</a:t>
+            </a:r>
+            <a:r>
+              <a:rPr lang="en-US" dirty="0"/>
+              <a:t>, </a:t>
+            </a:r>
+            <a:r>
+              <a:rPr lang="en-US" dirty="0" smtClean="0"/>
+              <a:t>analysis </a:t>
+            </a:r>
+            <a:r>
+              <a:rPr lang="en-US" dirty="0"/>
+              <a:t>and </a:t>
+            </a:r>
+            <a:r>
+              <a:rPr lang="en-US" dirty="0" smtClean="0"/>
+              <a:t>testing </a:t>
+            </a:r>
+            <a:r>
+              <a:rPr lang="en-US" dirty="0"/>
+              <a:t>with State </a:t>
+            </a:r>
+            <a:r>
+              <a:rPr lang="en-US" dirty="0" smtClean="0"/>
+              <a:t>machines in C# </a:t>
+            </a:r>
+            <a:r>
+              <a:rPr lang="en-US" dirty="0" smtClean="0">
+                <a:solidFill>
+                  <a:srgbClr val="00B050"/>
+                </a:solidFill>
+              </a:rPr>
+              <a:t>[PLDI 2015].</a:t>
+            </a:r>
+            <a:endParaRPr lang="en-US" dirty="0">
+              <a:solidFill>
+                <a:srgbClr val="00B050"/>
+              </a:solidFill>
+            </a:endParaRPr>
+          </a:p>
+          <a:p>
+            <a:pPr marL="285750" indent="-285750">
+              <a:buFont typeface="Arial" panose="020B0604020202020204" pitchFamily="34" charset="0"/>
+              <a:buChar char="•"/>
+            </a:pPr>
+            <a:r>
+              <a:rPr lang="en-US" dirty="0" smtClean="0"/>
+              <a:t>Modular</a:t>
+            </a:r>
+            <a:r>
+              <a:rPr lang="en-US" dirty="0" smtClean="0"/>
+              <a:t> </a:t>
+            </a:r>
+            <a:r>
+              <a:rPr lang="en-US" dirty="0" smtClean="0"/>
+              <a:t>P</a:t>
             </a:r>
             <a:r>
               <a:rPr lang="en-US" dirty="0"/>
@@ -7581,6 +7679,13 @@
   <p:clrMapOvr>
     <a:masterClrMapping/>
   </p:clrMapOvr>
+  <p:timing>
+    <p:tnLst>
+      <p:par>
+        <p:cTn id="1" dur="indefinite" restart="never" nodeType="tmRoot"/>
+      </p:par>
+    </p:tnLst>
+  </p:timing>
 </p:sld>
 </file>
 
@@ -8478,8 +8583,13 @@
           <a:p>
             <a:r>
               <a:rPr lang="en-US" sz="1600" dirty="0"/>
-              <a:t>Scalable Analysis of Event-Driven Programs:</a:t>
-            </a:r>
+              <a:t>Scalable Analysis of Event-Driven Programs</a:t>
+            </a:r>
+            <a:r>
+              <a:rPr lang="en-US" sz="1600" dirty="0" smtClean="0"/>
+              <a:t>:</a:t>
+            </a:r>
+            <a:endParaRPr lang="en-US" sz="1600" dirty="0"/>
           </a:p>
           <a:p>
             <a:pPr marL="285750" indent="-285750">
@@ -8488,7 +8598,23 @@
             </a:pPr>
             <a:r>
               <a:rPr lang="en-US" sz="1600" dirty="0" smtClean="0"/>
-              <a:t>Reduction</a:t>
+              <a:t>Search </a:t>
+            </a:r>
+            <a:r>
+              <a:rPr lang="en-US" sz="1600" dirty="0"/>
+              <a:t>Prioritization </a:t>
+            </a:r>
+            <a:r>
+              <a:rPr lang="en-US" sz="1600" dirty="0" smtClean="0"/>
+              <a:t>and Random Testing </a:t>
+            </a:r>
+            <a:r>
+              <a:rPr lang="en-US" sz="1600" dirty="0" smtClean="0">
+                <a:solidFill>
+                  <a:srgbClr val="00B050"/>
+                </a:solidFill>
+              </a:rPr>
+              <a:t>[FSE </a:t>
             </a:r>
             <a:r>
               <a:rPr lang="en-US" sz="1600" dirty="0">
@@ -8496,31 +8622,7 @@
                   <a:srgbClr val="00B050"/>
                 </a:solidFill>
               </a:rPr>
-              <a:t> [OOPSLA 2014] [CAV 2015]</a:t>
-            </a:r>
-            <a:r>
-              <a:rPr lang="en-US" sz="1600" dirty="0" smtClean="0"/>
-              <a:t>, Search </a:t>
-            </a:r>
-            <a:r>
-              <a:rPr lang="en-US" sz="1600" dirty="0"/>
-              <a:t>Prioritization </a:t>
-            </a:r>
-            <a:r>
-              <a:rPr lang="en-US" sz="1600" dirty="0" smtClean="0">
-                <a:solidFill>
-                  <a:srgbClr val="00B050"/>
-                </a:solidFill>
-              </a:rPr>
-              <a:t>[</a:t>
-            </a:r>
-            <a:r>
-              <a:rPr lang="en-US" sz="1600" dirty="0">
-                <a:solidFill>
-                  <a:srgbClr val="00B050"/>
-                </a:solidFill>
-              </a:rPr>
-              <a:t>FSE 2015</a:t>
+              <a:t>2015</a:t>
             </a:r>
             <a:r>
               <a:rPr lang="en-US" sz="1600" dirty="0" smtClean="0">
@@ -8531,12 +8633,8 @@
               <a:t>]</a:t>
             </a:r>
             <a:r>
-              <a:rPr lang="en-US" sz="1600" dirty="0"/>
-              <a:t>, Symbolic </a:t>
-            </a:r>
-            <a:r>
               <a:rPr lang="en-US" sz="1600" dirty="0" smtClean="0"/>
-              <a:t>Execution </a:t>
+              <a:t>, </a:t>
             </a:r>
             <a:r>
               <a:rPr lang="en-US" sz="1600" dirty="0" smtClean="0">
@@ -8544,16 +8642,31 @@
                   <a:srgbClr val="00B050"/>
                 </a:solidFill>
               </a:rPr>
-              <a:t>[</a:t>
-            </a:r>
-            <a:r>
-              <a:rPr lang="en-US" sz="1600" dirty="0">
+              <a:t>[PLDI 2015].</a:t>
+            </a:r>
+          </a:p>
+          <a:p>
+            <a:pPr marL="285750" indent="-285750">
+              <a:buFont typeface="Arial" panose="020B0604020202020204" pitchFamily="34" charset="0"/>
+              <a:buChar char="•"/>
+            </a:pPr>
+            <a:r>
+              <a:rPr lang="en-US" sz="1600" dirty="0" smtClean="0"/>
+              <a:t>Lasso Detection for Liveness Testing </a:t>
+            </a:r>
+            <a:r>
+              <a:rPr lang="en-US" sz="1600" dirty="0" smtClean="0">
                 <a:solidFill>
                   <a:srgbClr val="00B050"/>
                 </a:solidFill>
               </a:rPr>
-              <a:t>in submission].</a:t>
-            </a:r>
+              <a:t>[FMCAD 2017]</a:t>
+            </a:r>
+            <a:endParaRPr lang="en-US" sz="1600" dirty="0">
+              <a:solidFill>
+                <a:srgbClr val="00B050"/>
+              </a:solidFill>
+            </a:endParaRPr>
           </a:p>
         </p:txBody>
       </p:sp>
@@ -8567,6 +8680,13 @@
   <p:clrMapOvr>
     <a:masterClrMapping/>
   </p:clrMapOvr>
+  <p:timing>
+    <p:tnLst>
+      <p:par>
+        <p:cTn id="1" dur="indefinite" restart="never" nodeType="tmRoot"/>
+      </p:par>
+    </p:tnLst>
+  </p:timing>
 </p:sld>
 </file>
 
@@ -10077,8 +10197,8 @@
         </p:nvSpPr>
         <p:spPr>
           <a:xfrm>
-            <a:off x="842926" y="4707346"/>
-            <a:ext cx="7586403" cy="1200329"/>
+            <a:off x="819148" y="4992728"/>
+            <a:ext cx="8002900" cy="1200329"/>
           </a:xfrm>
           <a:prstGeom prst="rect">
             <a:avLst/>
@@ -10159,17 +10279,34 @@
               <a:t>Fault Tolerant Distributed Systems </a:t>
             </a:r>
             <a:r>
+              <a:rPr lang="en-US" dirty="0" smtClean="0">
+                <a:solidFill>
+                  <a:srgbClr val="00B050"/>
+                </a:solidFill>
+              </a:rPr>
+              <a:t>[FAST 2016, </a:t>
+            </a:r>
+            <a:r>
               <a:rPr lang="en-US" dirty="0">
                 <a:solidFill>
                   <a:srgbClr val="00B050"/>
                 </a:solidFill>
               </a:rPr>
-              <a:t>[Microsoft Azure, OOPSLA 2018]</a:t>
-            </a:r>
-            <a:r>
-              <a:rPr lang="en-US" dirty="0"/>
+              <a:t>OOPSLA </a:t>
+            </a:r>
+            <a:r>
+              <a:rPr lang="en-US" dirty="0" smtClean="0">
+                <a:solidFill>
+                  <a:srgbClr val="00B050"/>
+                </a:solidFill>
+              </a:rPr>
+              <a:t>2018, ECOOP2019]</a:t>
+            </a:r>
+            <a:r>
+              <a:rPr lang="en-US" dirty="0" smtClean="0"/>
               <a:t>.</a:t>
             </a:r>
+            <a:endParaRPr lang="en-US" dirty="0"/>
           </a:p>
           <a:p>
             <a:pPr marL="285750" indent="-285750">
@@ -10194,15 +10331,7 @@
                   <a:srgbClr val="00B050"/>
                 </a:solidFill>
               </a:rPr>
-              <a:t>, RV 2017, </a:t>
-            </a:r>
-            <a:r>
-              <a:rPr lang="en-US" dirty="0" err="1" smtClean="0">
-                <a:solidFill>
-                  <a:srgbClr val="00B050"/>
-                </a:solidFill>
-              </a:rPr>
-              <a:t>ISoLA</a:t>
+              <a:t>, </a:t>
             </a:r>
             <a:r>
               <a:rPr lang="en-US" dirty="0" smtClean="0">
@@ -10210,7 +10339,7 @@
                   <a:srgbClr val="00B050"/>
                 </a:solidFill>
               </a:rPr>
-              <a:t> 2018]</a:t>
+              <a:t>DSN 2019]</a:t>
             </a:r>
             <a:endParaRPr lang="en-US" dirty="0">
               <a:solidFill>
@@ -10230,6 +10359,13 @@
   <p:clrMapOvr>
     <a:masterClrMapping/>
   </p:clrMapOvr>
+  <p:timing>
+    <p:tnLst>
+      <p:par>
+        <p:cTn id="1" dur="indefinite" restart="never" nodeType="tmRoot"/>
+      </p:par>
+    </p:tnLst>
+  </p:timing>
 </p:sld>
 </file>
 

--- a/Presentations/1 - Introduction.pptx
+++ b/Presentations/1 - Introduction.pptx
@@ -228,7 +228,7 @@
           <a:p>
             <a:fld id="{FC61A6FD-3ACD-4666-B601-2198EA538879}" type="datetimeFigureOut">
               <a:rPr lang="en-US" smtClean="0"/>
-              <a:t>6/18/2019</a:t>
+              <a:t>6/21/2019</a:t>
             </a:fld>
             <a:endParaRPr lang="en-US"/>
           </a:p>
@@ -406,7 +406,7 @@
           <a:p>
             <a:fld id="{37DF9D4D-9EA6-4037-AB5B-4AEE090FBDF0}" type="datetimeFigureOut">
               <a:rPr lang="en-US" smtClean="0"/>
-              <a:t>6/18/2019</a:t>
+              <a:t>6/21/2019</a:t>
             </a:fld>
             <a:endParaRPr lang="en-US"/>
           </a:p>
@@ -4209,11 +4209,7 @@
           <a:p>
             <a:r>
               <a:rPr lang="en-US" sz="3600" dirty="0" smtClean="0"/>
-              <a:t>Journey and Learnings </a:t>
-            </a:r>
-            <a:r>
-              <a:rPr lang="en-US" sz="3600" dirty="0" smtClean="0"/>
-              <a:t>from P to P#</a:t>
+              <a:t>Journey and Learnings from P to P#</a:t>
             </a:r>
             <a:endParaRPr lang="en-US" sz="3600" dirty="0"/>
           </a:p>
@@ -7628,15 +7624,7 @@
             </a:pPr>
             <a:r>
               <a:rPr lang="en-US" dirty="0" smtClean="0"/>
-              <a:t>Modular</a:t>
-            </a:r>
-            <a:r>
-              <a:rPr lang="en-US" dirty="0" smtClean="0"/>
-              <a:t> </a:t>
-            </a:r>
-            <a:r>
-              <a:rPr lang="en-US" dirty="0" smtClean="0"/>
-              <a:t>P</a:t>
+              <a:t>Modular P</a:t>
             </a:r>
             <a:r>
               <a:rPr lang="en-US" dirty="0"/>
@@ -10331,15 +10319,7 @@
                   <a:srgbClr val="00B050"/>
                 </a:solidFill>
               </a:rPr>
-              <a:t>, </a:t>
-            </a:r>
-            <a:r>
-              <a:rPr lang="en-US" dirty="0" smtClean="0">
-                <a:solidFill>
-                  <a:srgbClr val="00B050"/>
-                </a:solidFill>
-              </a:rPr>
-              <a:t>DSN 2019]</a:t>
+              <a:t>, DSN 2019]</a:t>
             </a:r>
             <a:endParaRPr lang="en-US" dirty="0">
               <a:solidFill>

--- a/Presentations/1 - Introduction.pptx
+++ b/Presentations/1 - Introduction.pptx
@@ -5,10 +5,10 @@
     <p:sldMasterId id="2147483672" r:id="rId1"/>
   </p:sldMasterIdLst>
   <p:notesMasterIdLst>
-    <p:notesMasterId r:id="rId16"/>
+    <p:notesMasterId r:id="rId15"/>
   </p:notesMasterIdLst>
   <p:handoutMasterIdLst>
-    <p:handoutMasterId r:id="rId17"/>
+    <p:handoutMasterId r:id="rId16"/>
   </p:handoutMasterIdLst>
   <p:sldIdLst>
     <p:sldId id="256" r:id="rId2"/>
@@ -22,9 +22,8 @@
     <p:sldId id="264" r:id="rId10"/>
     <p:sldId id="265" r:id="rId11"/>
     <p:sldId id="266" r:id="rId12"/>
-    <p:sldId id="267" r:id="rId13"/>
-    <p:sldId id="268" r:id="rId14"/>
-    <p:sldId id="269" r:id="rId15"/>
+    <p:sldId id="268" r:id="rId13"/>
+    <p:sldId id="269" r:id="rId14"/>
   </p:sldIdLst>
   <p:sldSz cx="9144000" cy="6858000" type="screen4x3"/>
   <p:notesSz cx="6858000" cy="9144000"/>
@@ -228,7 +227,7 @@
           <a:p>
             <a:fld id="{FC61A6FD-3ACD-4666-B601-2198EA538879}" type="datetimeFigureOut">
               <a:rPr lang="en-US" smtClean="0"/>
-              <a:t>6/21/2019</a:t>
+              <a:t>6/22/2019</a:t>
             </a:fld>
             <a:endParaRPr lang="en-US"/>
           </a:p>
@@ -406,7 +405,7 @@
           <a:p>
             <a:fld id="{37DF9D4D-9EA6-4037-AB5B-4AEE090FBDF0}" type="datetimeFigureOut">
               <a:rPr lang="en-US" smtClean="0"/>
-              <a:t>6/21/2019</a:t>
+              <a:t>6/22/2019</a:t>
             </a:fld>
             <a:endParaRPr lang="en-US"/>
           </a:p>
@@ -719,57 +718,57 @@
           <a:lstStyle/>
           <a:p>
             <a:r>
-              <a:rPr lang="en-US" dirty="0" smtClean="0"/>
+              <a:rPr lang="en-US" dirty="0"/>
               <a:t>Most of the applications</a:t>
             </a:r>
             <a:r>
-              <a:rPr lang="en-US" baseline="0" dirty="0" smtClean="0"/>
+              <a:rPr lang="en-US" baseline="0" dirty="0"/>
               <a:t> across domains are event-driven in nature consisting of processing communicating with each other by sending messages.</a:t>
             </a:r>
           </a:p>
           <a:p>
-            <a:endParaRPr lang="en-US" baseline="0" dirty="0" smtClean="0"/>
-          </a:p>
-          <a:p>
-            <a:r>
-              <a:rPr lang="en-US" baseline="0" dirty="0" smtClean="0"/>
+            <a:endParaRPr lang="en-US" baseline="0" dirty="0"/>
+          </a:p>
+          <a:p>
+            <a:r>
+              <a:rPr lang="en-US" baseline="0" dirty="0"/>
               <a:t>Device drivers in OS, web-app are event-driven. </a:t>
             </a:r>
           </a:p>
           <a:p>
             <a:r>
-              <a:rPr lang="en-US" baseline="0" dirty="0" smtClean="0"/>
+              <a:rPr lang="en-US" baseline="0" dirty="0"/>
               <a:t>Distributed systems by </a:t>
             </a:r>
             <a:r>
-              <a:rPr lang="en-US" baseline="0" dirty="0" err="1" smtClean="0"/>
+              <a:rPr lang="en-US" baseline="0" dirty="0" err="1"/>
               <a:t>contruction</a:t>
             </a:r>
             <a:r>
-              <a:rPr lang="en-US" baseline="0" dirty="0" smtClean="0"/>
+              <a:rPr lang="en-US" baseline="0" dirty="0"/>
               <a:t> are event-driven in nature as nodes communicate by sending messaging.</a:t>
             </a:r>
           </a:p>
           <a:p>
             <a:r>
-              <a:rPr lang="en-US" baseline="0" dirty="0" smtClean="0"/>
+              <a:rPr lang="en-US" baseline="0" dirty="0"/>
               <a:t>More recently, robotic applications are becoming more and more complex and are implemented as </a:t>
             </a:r>
             <a:r>
-              <a:rPr lang="en-US" baseline="0" dirty="0" err="1" smtClean="0"/>
+              <a:rPr lang="en-US" baseline="0" dirty="0" err="1"/>
               <a:t>concurren</a:t>
             </a:r>
             <a:r>
-              <a:rPr lang="en-US" baseline="0" dirty="0" smtClean="0"/>
+              <a:rPr lang="en-US" baseline="0" dirty="0"/>
               <a:t> event-driven systems.</a:t>
             </a:r>
           </a:p>
           <a:p>
-            <a:endParaRPr lang="en-US" baseline="0" dirty="0" smtClean="0"/>
-          </a:p>
-          <a:p>
-            <a:r>
-              <a:rPr lang="en-US" baseline="0" dirty="0" smtClean="0"/>
+            <a:endParaRPr lang="en-US" baseline="0" dirty="0"/>
+          </a:p>
+          <a:p>
+            <a:r>
+              <a:rPr lang="en-US" baseline="0" dirty="0"/>
               <a:t>To summarize, the paradigm of event-driven programming is becoming popular across domains as the applications are becoming more and more parallel and distributed in nature.</a:t>
             </a:r>
           </a:p>
@@ -1041,7 +1040,7 @@
           </a:lstStyle>
           <a:p>
             <a:r>
-              <a:rPr lang="en-US" smtClean="0">
+              <a:rPr lang="en-US">
                 <a:solidFill>
                   <a:schemeClr val="tx1"/>
                 </a:solidFill>
@@ -1076,14 +1075,13 @@
           </a:lstStyle>
           <a:p>
             <a:r>
-              <a:rPr lang="en-US" dirty="0" err="1" smtClean="0"/>
+              <a:rPr lang="en-US" dirty="0" err="1"/>
               <a:t>SafeAsync</a:t>
             </a:r>
             <a:r>
-              <a:rPr lang="en-US" dirty="0" smtClean="0"/>
+              <a:rPr lang="en-US" dirty="0"/>
               <a:t>: Introduction</a:t>
             </a:r>
-            <a:endParaRPr lang="en-US" dirty="0"/>
           </a:p>
         </p:txBody>
       </p:sp>
@@ -1366,7 +1364,7 @@
           </a:lstStyle>
           <a:p>
             <a:r>
-              <a:rPr lang="en-US" smtClean="0"/>
+              <a:rPr lang="en-US"/>
               <a:t>PLDI 2019</a:t>
             </a:r>
             <a:endParaRPr lang="en-US" dirty="0"/>
@@ -1397,14 +1395,13 @@
           </a:lstStyle>
           <a:p>
             <a:r>
-              <a:rPr lang="en-US" dirty="0" err="1" smtClean="0"/>
+              <a:rPr lang="en-US" dirty="0" err="1"/>
               <a:t>SafeAsync</a:t>
             </a:r>
             <a:r>
-              <a:rPr lang="en-US" dirty="0" smtClean="0"/>
+              <a:rPr lang="en-US" dirty="0"/>
               <a:t>: Introduction</a:t>
             </a:r>
-            <a:endParaRPr lang="en-US" dirty="0"/>
           </a:p>
         </p:txBody>
       </p:sp>
@@ -1455,13 +1452,6 @@
   <p:clrMapOvr>
     <a:masterClrMapping/>
   </p:clrMapOvr>
-  <p:timing>
-    <p:tnLst>
-      <p:par>
-        <p:cTn id="1" dur="indefinite" restart="never" nodeType="tmRoot"/>
-      </p:par>
-    </p:tnLst>
-  </p:timing>
 </p:sldLayout>
 </file>
 
@@ -1653,7 +1643,7 @@
           <a:lstStyle/>
           <a:p>
             <a:r>
-              <a:rPr lang="en-US" smtClean="0"/>
+              <a:rPr lang="en-US"/>
               <a:t>PLDI 2019</a:t>
             </a:r>
             <a:endParaRPr lang="en-US" dirty="0"/>
@@ -1676,14 +1666,13 @@
           <a:lstStyle/>
           <a:p>
             <a:r>
-              <a:rPr lang="en-US" dirty="0" err="1" smtClean="0"/>
+              <a:rPr lang="en-US" dirty="0" err="1"/>
               <a:t>SafeAsync</a:t>
             </a:r>
             <a:r>
-              <a:rPr lang="en-US" dirty="0" smtClean="0"/>
+              <a:rPr lang="en-US" dirty="0"/>
               <a:t>: Introduction</a:t>
             </a:r>
-            <a:endParaRPr lang="en-US" dirty="0"/>
           </a:p>
         </p:txBody>
       </p:sp>
@@ -2007,10 +1996,9 @@
           </a:lstStyle>
           <a:p>
             <a:r>
-              <a:rPr lang="en-US" smtClean="0"/>
+              <a:rPr lang="en-US"/>
               <a:t>PLDI 2019</a:t>
             </a:r>
-            <a:endParaRPr lang="en-US"/>
           </a:p>
         </p:txBody>
       </p:sp>
@@ -2043,10 +2031,9 @@
           </a:lstStyle>
           <a:p>
             <a:r>
-              <a:rPr lang="en-US" smtClean="0"/>
+              <a:rPr lang="en-US"/>
               <a:t>SafeAsync: Introduction</a:t>
             </a:r>
-            <a:endParaRPr lang="en-US"/>
           </a:p>
         </p:txBody>
       </p:sp>
@@ -2393,10 +2380,9 @@
           <a:lstStyle/>
           <a:p>
             <a:r>
-              <a:rPr lang="en-US" smtClean="0"/>
+              <a:rPr lang="en-US"/>
               <a:t>PLDI 2019</a:t>
             </a:r>
-            <a:endParaRPr lang="en-US"/>
           </a:p>
         </p:txBody>
       </p:sp>
@@ -2416,10 +2402,9 @@
           <a:lstStyle/>
           <a:p>
             <a:r>
-              <a:rPr lang="en-US" smtClean="0"/>
+              <a:rPr lang="en-US"/>
               <a:t>SafeAsync: Introduction</a:t>
             </a:r>
-            <a:endParaRPr lang="en-US"/>
           </a:p>
         </p:txBody>
       </p:sp>
@@ -2567,10 +2552,9 @@
           <a:lstStyle/>
           <a:p>
             <a:r>
-              <a:rPr lang="en-US" smtClean="0"/>
+              <a:rPr lang="en-US"/>
               <a:t>PLDI 2019</a:t>
             </a:r>
-            <a:endParaRPr lang="en-US"/>
           </a:p>
         </p:txBody>
       </p:sp>
@@ -2590,14 +2574,13 @@
           <a:lstStyle/>
           <a:p>
             <a:r>
-              <a:rPr lang="en-US" dirty="0" err="1" smtClean="0"/>
+              <a:rPr lang="en-US" dirty="0" err="1"/>
               <a:t>SafeAsync</a:t>
             </a:r>
             <a:r>
-              <a:rPr lang="en-US" dirty="0" smtClean="0"/>
+              <a:rPr lang="en-US" dirty="0"/>
               <a:t>: Introduction</a:t>
             </a:r>
-            <a:endParaRPr lang="en-US" dirty="0"/>
           </a:p>
         </p:txBody>
       </p:sp>
@@ -2831,10 +2814,9 @@
           <a:lstStyle/>
           <a:p>
             <a:r>
-              <a:rPr lang="en-US" smtClean="0"/>
+              <a:rPr lang="en-US"/>
               <a:t>PLDI 2019</a:t>
             </a:r>
-            <a:endParaRPr lang="en-US"/>
           </a:p>
         </p:txBody>
       </p:sp>
@@ -2854,10 +2836,9 @@
           <a:lstStyle/>
           <a:p>
             <a:r>
-              <a:rPr lang="en-US" smtClean="0"/>
+              <a:rPr lang="en-US"/>
               <a:t>SafeAsync: Introduction</a:t>
             </a:r>
-            <a:endParaRPr lang="en-US"/>
           </a:p>
         </p:txBody>
       </p:sp>
@@ -3109,7 +3090,7 @@
           </a:lstStyle>
           <a:p>
             <a:r>
-              <a:rPr lang="en-US" smtClean="0"/>
+              <a:rPr lang="en-US"/>
               <a:t>PLDI 2019</a:t>
             </a:r>
             <a:endParaRPr lang="en-US" dirty="0"/>
@@ -3150,14 +3131,13 @@
           </a:lstStyle>
           <a:p>
             <a:r>
-              <a:rPr lang="en-US" dirty="0" err="1" smtClean="0"/>
+              <a:rPr lang="en-US" dirty="0" err="1"/>
               <a:t>SafeAsync</a:t>
             </a:r>
             <a:r>
-              <a:rPr lang="en-US" dirty="0" smtClean="0"/>
+              <a:rPr lang="en-US" dirty="0"/>
               <a:t>: Introduction</a:t>
             </a:r>
-            <a:endParaRPr lang="en-US" dirty="0"/>
           </a:p>
         </p:txBody>
       </p:sp>
@@ -3248,13 +3228,6 @@
     <p:sldLayoutId id="2147483682" r:id="rId6"/>
     <p:sldLayoutId id="2147483683" r:id="rId7"/>
   </p:sldLayoutIdLst>
-  <p:timing>
-    <p:tnLst>
-      <p:par>
-        <p:cTn id="1" dur="indefinite" restart="never" nodeType="tmRoot"/>
-      </p:par>
-    </p:tnLst>
-  </p:timing>
   <p:hf hdr="0"/>
   <p:txStyles>
     <p:titleStyle>
@@ -3657,11 +3630,7 @@
             <a:pPr algn="ctr"/>
             <a:r>
               <a:rPr lang="en-US" sz="3200" b="1" dirty="0"/>
-              <a:t>Safe Asynchronous Programming: Methodology, Language, and </a:t>
-            </a:r>
-            <a:r>
-              <a:rPr lang="en-US" sz="3200" b="1" dirty="0" smtClean="0"/>
-              <a:t>Tools</a:t>
+              <a:t>Safe Asynchronous Programming: Methodology, Language, and Tools</a:t>
             </a:r>
             <a:endParaRPr lang="en-US" sz="3200" dirty="0"/>
           </a:p>
@@ -3683,10 +3652,9 @@
           <a:lstStyle/>
           <a:p>
             <a:r>
-              <a:rPr lang="en-US" dirty="0" smtClean="0"/>
+              <a:rPr lang="en-US" dirty="0"/>
               <a:t>Introduction</a:t>
             </a:r>
-            <a:endParaRPr lang="en-US" dirty="0"/>
           </a:p>
         </p:txBody>
       </p:sp>
@@ -3706,10 +3674,9 @@
           <a:lstStyle/>
           <a:p>
             <a:r>
-              <a:rPr lang="en-US" dirty="0" smtClean="0"/>
+              <a:rPr lang="en-US" dirty="0"/>
               <a:t>PLDI 2019 Tutorials</a:t>
             </a:r>
-            <a:endParaRPr lang="en-US" dirty="0"/>
           </a:p>
         </p:txBody>
       </p:sp>
@@ -3759,8 +3726,30 @@
           <a:lstStyle/>
           <a:p>
             <a:r>
-              <a:rPr lang="en-US" dirty="0" smtClean="0"/>
-              <a:t>Origin P (USB 3.0)</a:t>
+              <a:rPr lang="en-US" dirty="0"/>
+              <a:t>Origin of P (USB 3.0)</a:t>
+            </a:r>
+          </a:p>
+        </p:txBody>
+      </p:sp>
+      <p:sp>
+        <p:nvSpPr>
+          <p:cNvPr id="4" name="Date Placeholder 3"/>
+          <p:cNvSpPr>
+            <a:spLocks noGrp="1"/>
+          </p:cNvSpPr>
+          <p:nvPr>
+            <p:ph type="dt" sz="half" idx="10"/>
+          </p:nvPr>
+        </p:nvSpPr>
+        <p:spPr/>
+        <p:txBody>
+          <a:bodyPr/>
+          <a:lstStyle/>
+          <a:p>
+            <a:r>
+              <a:rPr lang="en-US"/>
+              <a:t>PLDI 2019</a:t>
             </a:r>
             <a:endParaRPr lang="en-US" dirty="0"/>
           </a:p>
@@ -3768,12 +3757,12 @@
       </p:sp>
       <p:sp>
         <p:nvSpPr>
-          <p:cNvPr id="3" name="Content Placeholder 2"/>
+          <p:cNvPr id="5" name="Footer Placeholder 4"/>
           <p:cNvSpPr>
             <a:spLocks noGrp="1"/>
           </p:cNvSpPr>
           <p:nvPr>
-            <p:ph idx="1"/>
+            <p:ph type="ftr" sz="quarter" idx="11"/>
           </p:nvPr>
         </p:nvSpPr>
         <p:spPr/>
@@ -3781,50 +3770,8 @@
           <a:bodyPr/>
           <a:lstStyle/>
           <a:p>
-            <a:endParaRPr lang="en-US"/>
-          </a:p>
-        </p:txBody>
-      </p:sp>
-      <p:sp>
-        <p:nvSpPr>
-          <p:cNvPr id="4" name="Date Placeholder 3"/>
-          <p:cNvSpPr>
-            <a:spLocks noGrp="1"/>
-          </p:cNvSpPr>
-          <p:nvPr>
-            <p:ph type="dt" sz="half" idx="10"/>
-          </p:nvPr>
-        </p:nvSpPr>
-        <p:spPr/>
-        <p:txBody>
-          <a:bodyPr/>
-          <a:lstStyle/>
-          <a:p>
-            <a:r>
-              <a:rPr lang="en-US" smtClean="0"/>
-              <a:t>PLDI 2019</a:t>
-            </a:r>
-            <a:endParaRPr lang="en-US" dirty="0"/>
-          </a:p>
-        </p:txBody>
-      </p:sp>
-      <p:sp>
-        <p:nvSpPr>
-          <p:cNvPr id="5" name="Footer Placeholder 4"/>
-          <p:cNvSpPr>
-            <a:spLocks noGrp="1"/>
-          </p:cNvSpPr>
-          <p:nvPr>
-            <p:ph type="ftr" sz="quarter" idx="11"/>
-          </p:nvPr>
-        </p:nvSpPr>
-        <p:spPr/>
-        <p:txBody>
-          <a:bodyPr/>
-          <a:lstStyle/>
-          <a:p>
-            <a:r>
-              <a:rPr lang="en-US" smtClean="0"/>
+            <a:r>
+              <a:rPr lang="en-US"/>
               <a:t>SafeAsync: Introduction</a:t>
             </a:r>
             <a:endParaRPr lang="en-US" dirty="0"/>
@@ -3855,6 +3802,141 @@
           </a:p>
         </p:txBody>
       </p:sp>
+      <p:pic>
+        <p:nvPicPr>
+          <p:cNvPr id="7" name="Picture 2">
+            <a:extLst>
+              <a:ext uri="{FF2B5EF4-FFF2-40B4-BE49-F238E27FC236}">
+                <a16:creationId xmlns:a16="http://schemas.microsoft.com/office/drawing/2014/main" id="{611074DB-ECD2-4FB0-9A67-D1DDCD9A6A5E}"/>
+              </a:ext>
+            </a:extLst>
+          </p:cNvPr>
+          <p:cNvPicPr>
+            <a:picLocks noChangeAspect="1" noChangeArrowheads="1"/>
+          </p:cNvPicPr>
+          <p:nvPr/>
+        </p:nvPicPr>
+        <p:blipFill>
+          <a:blip r:embed="rId2">
+            <a:extLst>
+              <a:ext uri="{28A0092B-C50C-407E-A947-70E740481C1C}">
+                <a14:useLocalDpi xmlns:a14="http://schemas.microsoft.com/office/drawing/2010/main" val="0"/>
+              </a:ext>
+            </a:extLst>
+          </a:blip>
+          <a:srcRect/>
+          <a:stretch>
+            <a:fillRect/>
+          </a:stretch>
+        </p:blipFill>
+        <p:spPr bwMode="auto">
+          <a:xfrm>
+            <a:off x="1322071" y="2045970"/>
+            <a:ext cx="5493544" cy="3736181"/>
+          </a:xfrm>
+          <a:prstGeom prst="rect">
+            <a:avLst/>
+          </a:prstGeom>
+          <a:noFill/>
+          <a:ln>
+            <a:noFill/>
+          </a:ln>
+          <a:effectLst/>
+          <a:extLst>
+            <a:ext uri="{909E8E84-426E-40DD-AFC4-6F175D3DCCD1}">
+              <a14:hiddenFill xmlns:a14="http://schemas.microsoft.com/office/drawing/2010/main">
+                <a:solidFill>
+                  <a:schemeClr val="accent1"/>
+                </a:solidFill>
+              </a14:hiddenFill>
+            </a:ext>
+            <a:ext uri="{91240B29-F687-4F45-9708-019B960494DF}">
+              <a14:hiddenLine xmlns:a14="http://schemas.microsoft.com/office/drawing/2010/main" w="9525">
+                <a:solidFill>
+                  <a:schemeClr val="tx1"/>
+                </a:solidFill>
+                <a:miter lim="800000"/>
+                <a:headEnd/>
+                <a:tailEnd/>
+              </a14:hiddenLine>
+            </a:ext>
+            <a:ext uri="{AF507438-7753-43E0-B8FC-AC1667EBCBE1}">
+              <a14:hiddenEffects xmlns:a14="http://schemas.microsoft.com/office/drawing/2010/main">
+                <a:effectLst>
+                  <a:outerShdw dist="35921" dir="2700000" algn="ctr" rotWithShape="0">
+                    <a:schemeClr val="bg2"/>
+                  </a:outerShdw>
+                </a:effectLst>
+              </a14:hiddenEffects>
+            </a:ext>
+          </a:extLst>
+        </p:spPr>
+      </p:pic>
+      <p:pic>
+        <p:nvPicPr>
+          <p:cNvPr id="8" name="Picture 2">
+            <a:extLst>
+              <a:ext uri="{FF2B5EF4-FFF2-40B4-BE49-F238E27FC236}">
+                <a16:creationId xmlns:a16="http://schemas.microsoft.com/office/drawing/2014/main" id="{69C30AC9-F4A9-4AFC-A3E2-A7E5E8BAEA90}"/>
+              </a:ext>
+            </a:extLst>
+          </p:cNvPr>
+          <p:cNvPicPr>
+            <a:picLocks noChangeAspect="1" noChangeArrowheads="1"/>
+          </p:cNvPicPr>
+          <p:nvPr/>
+        </p:nvPicPr>
+        <p:blipFill>
+          <a:blip r:embed="rId3">
+            <a:extLst>
+              <a:ext uri="{28A0092B-C50C-407E-A947-70E740481C1C}">
+                <a14:useLocalDpi xmlns:a14="http://schemas.microsoft.com/office/drawing/2010/main" val="0"/>
+              </a:ext>
+            </a:extLst>
+          </a:blip>
+          <a:srcRect/>
+          <a:stretch>
+            <a:fillRect/>
+          </a:stretch>
+        </p:blipFill>
+        <p:spPr bwMode="auto">
+          <a:xfrm>
+            <a:off x="3133049" y="2045970"/>
+            <a:ext cx="5287052" cy="3486150"/>
+          </a:xfrm>
+          <a:prstGeom prst="rect">
+            <a:avLst/>
+          </a:prstGeom>
+          <a:noFill/>
+          <a:ln w="9525">
+            <a:solidFill>
+              <a:schemeClr val="tx1"/>
+            </a:solidFill>
+            <a:miter lim="800000"/>
+            <a:headEnd/>
+            <a:tailEnd/>
+          </a:ln>
+          <a:effectLst/>
+          <a:extLst>
+            <a:ext uri="{909E8E84-426E-40DD-AFC4-6F175D3DCCD1}">
+              <a14:hiddenFill xmlns:a14="http://schemas.microsoft.com/office/drawing/2010/main">
+                <a:solidFill>
+                  <a:schemeClr val="accent1"/>
+                </a:solidFill>
+              </a14:hiddenFill>
+            </a:ext>
+            <a:ext uri="{AF507438-7753-43E0-B8FC-AC1667EBCBE1}">
+              <a14:hiddenEffects xmlns:a14="http://schemas.microsoft.com/office/drawing/2010/main">
+                <a:effectLst>
+                  <a:outerShdw dist="35921" dir="2700000" algn="ctr" rotWithShape="0">
+                    <a:schemeClr val="bg2"/>
+                  </a:outerShdw>
+                </a:effectLst>
+              </a14:hiddenEffects>
+            </a:ext>
+          </a:extLst>
+        </p:spPr>
+      </p:pic>
     </p:spTree>
     <p:extLst>
       <p:ext uri="{BB962C8B-B14F-4D97-AF65-F5344CB8AC3E}">
@@ -3865,13 +3947,6 @@
   <p:clrMapOvr>
     <a:masterClrMapping/>
   </p:clrMapOvr>
-  <p:timing>
-    <p:tnLst>
-      <p:par>
-        <p:cTn id="1" dur="indefinite" restart="never" nodeType="tmRoot"/>
-      </p:par>
-    </p:tnLst>
-  </p:timing>
 </p:sld>
 </file>
 
@@ -3908,21 +3983,43 @@
           <a:lstStyle/>
           <a:p>
             <a:r>
-              <a:rPr lang="en-US" dirty="0" smtClean="0"/>
+              <a:rPr lang="en-US" dirty="0"/>
               <a:t>Teams that Used/Adapted P</a:t>
             </a:r>
+          </a:p>
+        </p:txBody>
+      </p:sp>
+      <p:sp>
+        <p:nvSpPr>
+          <p:cNvPr id="4" name="Date Placeholder 3"/>
+          <p:cNvSpPr>
+            <a:spLocks noGrp="1"/>
+          </p:cNvSpPr>
+          <p:nvPr>
+            <p:ph type="dt" sz="half" idx="10"/>
+          </p:nvPr>
+        </p:nvSpPr>
+        <p:spPr/>
+        <p:txBody>
+          <a:bodyPr/>
+          <a:lstStyle/>
+          <a:p>
+            <a:r>
+              <a:rPr lang="en-US"/>
+              <a:t>PLDI 2019</a:t>
+            </a:r>
             <a:endParaRPr lang="en-US" dirty="0"/>
           </a:p>
         </p:txBody>
       </p:sp>
       <p:sp>
         <p:nvSpPr>
-          <p:cNvPr id="3" name="Content Placeholder 2"/>
+          <p:cNvPr id="5" name="Footer Placeholder 4"/>
           <p:cNvSpPr>
             <a:spLocks noGrp="1"/>
           </p:cNvSpPr>
           <p:nvPr>
-            <p:ph idx="1"/>
+            <p:ph type="ftr" sz="quarter" idx="11"/>
           </p:nvPr>
         </p:nvSpPr>
         <p:spPr/>
@@ -3930,50 +4027,8 @@
           <a:bodyPr/>
           <a:lstStyle/>
           <a:p>
-            <a:endParaRPr lang="en-US"/>
-          </a:p>
-        </p:txBody>
-      </p:sp>
-      <p:sp>
-        <p:nvSpPr>
-          <p:cNvPr id="4" name="Date Placeholder 3"/>
-          <p:cNvSpPr>
-            <a:spLocks noGrp="1"/>
-          </p:cNvSpPr>
-          <p:nvPr>
-            <p:ph type="dt" sz="half" idx="10"/>
-          </p:nvPr>
-        </p:nvSpPr>
-        <p:spPr/>
-        <p:txBody>
-          <a:bodyPr/>
-          <a:lstStyle/>
-          <a:p>
-            <a:r>
-              <a:rPr lang="en-US" smtClean="0"/>
-              <a:t>PLDI 2019</a:t>
-            </a:r>
-            <a:endParaRPr lang="en-US" dirty="0"/>
-          </a:p>
-        </p:txBody>
-      </p:sp>
-      <p:sp>
-        <p:nvSpPr>
-          <p:cNvPr id="5" name="Footer Placeholder 4"/>
-          <p:cNvSpPr>
-            <a:spLocks noGrp="1"/>
-          </p:cNvSpPr>
-          <p:nvPr>
-            <p:ph type="ftr" sz="quarter" idx="11"/>
-          </p:nvPr>
-        </p:nvSpPr>
-        <p:spPr/>
-        <p:txBody>
-          <a:bodyPr/>
-          <a:lstStyle/>
-          <a:p>
-            <a:r>
-              <a:rPr lang="en-US" smtClean="0"/>
+            <a:r>
+              <a:rPr lang="en-US"/>
               <a:t>SafeAsync: Introduction</a:t>
             </a:r>
             <a:endParaRPr lang="en-US" dirty="0"/>
@@ -4001,6 +4056,171 @@
               <a:t>11</a:t>
             </a:fld>
             <a:endParaRPr lang="en-US" dirty="0"/>
+          </a:p>
+        </p:txBody>
+      </p:sp>
+      <p:sp>
+        <p:nvSpPr>
+          <p:cNvPr id="7" name="TextBox 6">
+            <a:extLst>
+              <a:ext uri="{FF2B5EF4-FFF2-40B4-BE49-F238E27FC236}">
+                <a16:creationId xmlns:a16="http://schemas.microsoft.com/office/drawing/2014/main" id="{F08F6105-3280-4FB7-82BC-D9E799566739}"/>
+              </a:ext>
+            </a:extLst>
+          </p:cNvPr>
+          <p:cNvSpPr txBox="1"/>
+          <p:nvPr/>
+        </p:nvSpPr>
+        <p:spPr>
+          <a:xfrm>
+            <a:off x="527664" y="1727363"/>
+            <a:ext cx="3430555" cy="4524315"/>
+          </a:xfrm>
+          <a:prstGeom prst="rect">
+            <a:avLst/>
+          </a:prstGeom>
+          <a:noFill/>
+        </p:spPr>
+        <p:txBody>
+          <a:bodyPr wrap="none" rtlCol="0">
+            <a:spAutoFit/>
+          </a:bodyPr>
+          <a:lstStyle/>
+          <a:p>
+            <a:r>
+              <a:rPr lang="en-US" sz="3600" dirty="0">
+                <a:solidFill>
+                  <a:srgbClr val="FF0000"/>
+                </a:solidFill>
+              </a:rPr>
+              <a:t>Drivers</a:t>
+            </a:r>
+          </a:p>
+          <a:p>
+            <a:pPr lvl="0"/>
+            <a:endParaRPr lang="en-US" sz="2800" dirty="0"/>
+          </a:p>
+          <a:p>
+            <a:pPr lvl="0"/>
+            <a:r>
+              <a:rPr lang="en-US" sz="2800" dirty="0"/>
+              <a:t>USB host</a:t>
+            </a:r>
+          </a:p>
+          <a:p>
+            <a:pPr lvl="0"/>
+            <a:r>
+              <a:rPr lang="en-US" sz="2800" dirty="0"/>
+              <a:t>USB function </a:t>
+            </a:r>
+          </a:p>
+          <a:p>
+            <a:pPr lvl="0"/>
+            <a:r>
+              <a:rPr lang="en-US" sz="2800" dirty="0"/>
+              <a:t>UART class extension</a:t>
+            </a:r>
+          </a:p>
+          <a:p>
+            <a:pPr lvl="0"/>
+            <a:r>
+              <a:rPr lang="en-US" sz="2800" dirty="0"/>
+              <a:t>Hid class</a:t>
+            </a:r>
+          </a:p>
+          <a:p>
+            <a:pPr lvl="0"/>
+            <a:r>
+              <a:rPr lang="en-US" sz="2800" dirty="0"/>
+              <a:t>USB Type C stack </a:t>
+            </a:r>
+          </a:p>
+          <a:p>
+            <a:pPr lvl="0"/>
+            <a:r>
+              <a:rPr lang="en-US" sz="2800" dirty="0"/>
+              <a:t>Media Agnostic USB </a:t>
+            </a:r>
+          </a:p>
+          <a:p>
+            <a:pPr lvl="0"/>
+            <a:r>
+              <a:rPr lang="en-US" sz="2800" dirty="0"/>
+              <a:t>Bluetooth</a:t>
+            </a:r>
+          </a:p>
+          <a:p>
+            <a:pPr lvl="0"/>
+            <a:r>
+              <a:rPr lang="en-US" sz="2800" dirty="0"/>
+              <a:t>…</a:t>
+            </a:r>
+          </a:p>
+        </p:txBody>
+      </p:sp>
+      <p:sp>
+        <p:nvSpPr>
+          <p:cNvPr id="8" name="TextBox 7">
+            <a:extLst>
+              <a:ext uri="{FF2B5EF4-FFF2-40B4-BE49-F238E27FC236}">
+                <a16:creationId xmlns:a16="http://schemas.microsoft.com/office/drawing/2014/main" id="{B1A8D5B1-5D04-49E8-9B54-211B7E08D6F3}"/>
+              </a:ext>
+            </a:extLst>
+          </p:cNvPr>
+          <p:cNvSpPr txBox="1"/>
+          <p:nvPr/>
+        </p:nvSpPr>
+        <p:spPr>
+          <a:xfrm>
+            <a:off x="4620341" y="1727363"/>
+            <a:ext cx="2747868" cy="2800767"/>
+          </a:xfrm>
+          <a:prstGeom prst="rect">
+            <a:avLst/>
+          </a:prstGeom>
+          <a:noFill/>
+        </p:spPr>
+        <p:txBody>
+          <a:bodyPr wrap="none" rtlCol="0">
+            <a:spAutoFit/>
+          </a:bodyPr>
+          <a:lstStyle/>
+          <a:p>
+            <a:r>
+              <a:rPr lang="en-US" sz="3600" dirty="0">
+                <a:solidFill>
+                  <a:srgbClr val="FF0000"/>
+                </a:solidFill>
+              </a:rPr>
+              <a:t>Services</a:t>
+            </a:r>
+          </a:p>
+          <a:p>
+            <a:endParaRPr lang="en-US" sz="2800" dirty="0"/>
+          </a:p>
+          <a:p>
+            <a:r>
+              <a:rPr lang="en-US" sz="2800" dirty="0"/>
+              <a:t>Batch Service</a:t>
+            </a:r>
+          </a:p>
+          <a:p>
+            <a:r>
+              <a:rPr lang="en-US" sz="2800" dirty="0"/>
+              <a:t>Node Service</a:t>
+            </a:r>
+          </a:p>
+          <a:p>
+            <a:r>
+              <a:rPr lang="en-US" sz="2800" dirty="0"/>
+              <a:t>Learning Service</a:t>
+            </a:r>
+          </a:p>
+          <a:p>
+            <a:r>
+              <a:rPr lang="en-US" sz="2800" dirty="0"/>
+              <a:t>…</a:t>
+            </a:r>
           </a:p>
         </p:txBody>
       </p:sp>
@@ -4014,13 +4234,6 @@
   <p:clrMapOvr>
     <a:masterClrMapping/>
   </p:clrMapOvr>
-  <p:timing>
-    <p:tnLst>
-      <p:par>
-        <p:cTn id="1" dur="indefinite" restart="never" nodeType="tmRoot"/>
-      </p:par>
-    </p:tnLst>
-  </p:timing>
 </p:sld>
 </file>
 
@@ -4053,12 +4266,125 @@
         </p:nvSpPr>
         <p:spPr/>
         <p:txBody>
+          <a:bodyPr>
+            <a:noAutofit/>
+          </a:bodyPr>
+          <a:lstStyle/>
+          <a:p>
+            <a:r>
+              <a:rPr lang="en-US" sz="3600" dirty="0"/>
+              <a:t>Journey and Lessons</a:t>
+            </a:r>
+          </a:p>
+        </p:txBody>
+      </p:sp>
+      <p:sp>
+        <p:nvSpPr>
+          <p:cNvPr id="3" name="Content Placeholder 2"/>
+          <p:cNvSpPr>
+            <a:spLocks noGrp="1"/>
+          </p:cNvSpPr>
+          <p:nvPr>
+            <p:ph idx="1"/>
+          </p:nvPr>
+        </p:nvSpPr>
+        <p:spPr/>
+        <p:txBody>
+          <a:bodyPr>
+            <a:normAutofit fontScale="92500" lnSpcReduction="20000"/>
+          </a:bodyPr>
+          <a:lstStyle/>
+          <a:p>
+            <a:r>
+              <a:rPr lang="en-US" dirty="0"/>
+              <a:t>Connecting specifications to executable code is difficult</a:t>
+            </a:r>
+          </a:p>
+          <a:p>
+            <a:r>
+              <a:rPr lang="en-US" dirty="0"/>
+              <a:t>	even if the goal is less ambitious that full proof</a:t>
+            </a:r>
+          </a:p>
+          <a:p>
+            <a:endParaRPr lang="en-US" dirty="0"/>
+          </a:p>
+          <a:p>
+            <a:r>
+              <a:rPr lang="en-US" dirty="0"/>
+              <a:t>Nondeterminism is pervasive in concurrent and distributed systems</a:t>
+            </a:r>
+          </a:p>
+          <a:p>
+            <a:r>
+              <a:rPr lang="en-US" dirty="0"/>
+              <a:t>	runtimes must be designed with control in mind; too difficult to add it after the fact</a:t>
+            </a:r>
+          </a:p>
+          <a:p>
+            <a:endParaRPr lang="en-US" dirty="0"/>
+          </a:p>
+          <a:p>
+            <a:r>
+              <a:rPr lang="en-US" dirty="0"/>
+              <a:t>Getting a new language adopted is difficult</a:t>
+            </a:r>
+          </a:p>
+          <a:p>
+            <a:r>
+              <a:rPr lang="en-US" dirty="0"/>
+              <a:t>	even if you have the most amazing feature X because practically Y1, …, </a:t>
+            </a:r>
+            <a:r>
+              <a:rPr lang="en-US" dirty="0" err="1"/>
+              <a:t>Yn</a:t>
+            </a:r>
+            <a:r>
+              <a:rPr lang="en-US" dirty="0"/>
+              <a:t> are also needed</a:t>
+            </a:r>
+          </a:p>
+          <a:p>
+            <a:endParaRPr lang="en-US" dirty="0"/>
+          </a:p>
+          <a:p>
+            <a:r>
+              <a:rPr lang="en-US" dirty="0"/>
+              <a:t>Compiler and runtime are two different things</a:t>
+            </a:r>
+          </a:p>
+          <a:p>
+            <a:r>
+              <a:rPr lang="en-US" dirty="0"/>
+              <a:t>	usable runtime is prerequisite for a usable compiler</a:t>
+            </a:r>
+          </a:p>
+          <a:p>
+            <a:endParaRPr lang="en-US" dirty="0"/>
+          </a:p>
+          <a:p>
+            <a:endParaRPr lang="en-US" dirty="0"/>
+          </a:p>
+        </p:txBody>
+      </p:sp>
+      <p:sp>
+        <p:nvSpPr>
+          <p:cNvPr id="4" name="Date Placeholder 3"/>
+          <p:cNvSpPr>
+            <a:spLocks noGrp="1"/>
+          </p:cNvSpPr>
+          <p:nvPr>
+            <p:ph type="dt" sz="half" idx="10"/>
+          </p:nvPr>
+        </p:nvSpPr>
+        <p:spPr/>
+        <p:txBody>
           <a:bodyPr/>
           <a:lstStyle/>
           <a:p>
             <a:r>
-              <a:rPr lang="en-US" dirty="0" smtClean="0"/>
-              <a:t>Impact of P#</a:t>
+              <a:rPr lang="en-US"/>
+              <a:t>PLDI 2019</a:t>
             </a:r>
             <a:endParaRPr lang="en-US" dirty="0"/>
           </a:p>
@@ -4066,12 +4392,12 @@
       </p:sp>
       <p:sp>
         <p:nvSpPr>
-          <p:cNvPr id="3" name="Content Placeholder 2"/>
+          <p:cNvPr id="5" name="Footer Placeholder 4"/>
           <p:cNvSpPr>
             <a:spLocks noGrp="1"/>
           </p:cNvSpPr>
           <p:nvPr>
-            <p:ph idx="1"/>
+            <p:ph type="ftr" sz="quarter" idx="11"/>
           </p:nvPr>
         </p:nvSpPr>
         <p:spPr/>
@@ -4079,50 +4405,8 @@
           <a:bodyPr/>
           <a:lstStyle/>
           <a:p>
-            <a:endParaRPr lang="en-US"/>
-          </a:p>
-        </p:txBody>
-      </p:sp>
-      <p:sp>
-        <p:nvSpPr>
-          <p:cNvPr id="4" name="Date Placeholder 3"/>
-          <p:cNvSpPr>
-            <a:spLocks noGrp="1"/>
-          </p:cNvSpPr>
-          <p:nvPr>
-            <p:ph type="dt" sz="half" idx="10"/>
-          </p:nvPr>
-        </p:nvSpPr>
-        <p:spPr/>
-        <p:txBody>
-          <a:bodyPr/>
-          <a:lstStyle/>
-          <a:p>
-            <a:r>
-              <a:rPr lang="en-US" smtClean="0"/>
-              <a:t>PLDI 2019</a:t>
-            </a:r>
-            <a:endParaRPr lang="en-US" dirty="0"/>
-          </a:p>
-        </p:txBody>
-      </p:sp>
-      <p:sp>
-        <p:nvSpPr>
-          <p:cNvPr id="5" name="Footer Placeholder 4"/>
-          <p:cNvSpPr>
-            <a:spLocks noGrp="1"/>
-          </p:cNvSpPr>
-          <p:nvPr>
-            <p:ph type="ftr" sz="quarter" idx="11"/>
-          </p:nvPr>
-        </p:nvSpPr>
-        <p:spPr/>
-        <p:txBody>
-          <a:bodyPr/>
-          <a:lstStyle/>
-          <a:p>
-            <a:r>
-              <a:rPr lang="en-US" smtClean="0"/>
+            <a:r>
+              <a:rPr lang="en-US"/>
               <a:t>SafeAsync: Introduction</a:t>
             </a:r>
             <a:endParaRPr lang="en-US" dirty="0"/>
@@ -4156,20 +4440,13 @@
     </p:spTree>
     <p:extLst>
       <p:ext uri="{BB962C8B-B14F-4D97-AF65-F5344CB8AC3E}">
-        <p14:creationId xmlns:p14="http://schemas.microsoft.com/office/powerpoint/2010/main" val="1023344973"/>
+        <p14:creationId xmlns:p14="http://schemas.microsoft.com/office/powerpoint/2010/main" val="2967098540"/>
       </p:ext>
     </p:extLst>
   </p:cSld>
   <p:clrMapOvr>
     <a:masterClrMapping/>
   </p:clrMapOvr>
-  <p:timing>
-    <p:tnLst>
-      <p:par>
-        <p:cTn id="1" dur="indefinite" restart="never" nodeType="tmRoot"/>
-      </p:par>
-    </p:tnLst>
-  </p:timing>
 </p:sld>
 </file>
 
@@ -4202,16 +4479,13 @@
         </p:nvSpPr>
         <p:spPr/>
         <p:txBody>
-          <a:bodyPr>
-            <a:noAutofit/>
-          </a:bodyPr>
-          <a:lstStyle/>
-          <a:p>
-            <a:r>
-              <a:rPr lang="en-US" sz="3600" dirty="0" smtClean="0"/>
-              <a:t>Journey and Learnings from P to P#</a:t>
-            </a:r>
-            <a:endParaRPr lang="en-US" sz="3600" dirty="0"/>
+          <a:bodyPr/>
+          <a:lstStyle/>
+          <a:p>
+            <a:r>
+              <a:rPr lang="en-US" dirty="0"/>
+              <a:t>Positioning P and P#</a:t>
+            </a:r>
           </a:p>
         </p:txBody>
       </p:sp>
@@ -4230,7 +4504,97 @@
           <a:bodyPr/>
           <a:lstStyle/>
           <a:p>
-            <a:endParaRPr lang="en-US"/>
+            <a:r>
+              <a:rPr lang="en-US" dirty="0"/>
+              <a:t>Three key capabilities not found together in any other system</a:t>
+            </a:r>
+          </a:p>
+          <a:p>
+            <a:r>
+              <a:rPr lang="en-US" dirty="0"/>
+              <a:t>	programming model and implementation based on asynchronous communicating state machines</a:t>
+            </a:r>
+          </a:p>
+          <a:p>
+            <a:r>
+              <a:rPr lang="en-US" dirty="0"/>
+              <a:t>	safety and liveness specifications</a:t>
+            </a:r>
+          </a:p>
+          <a:p>
+            <a:r>
+              <a:rPr lang="en-US" dirty="0"/>
+              <a:t>	controlled concurrency testing and reproducible error traces</a:t>
+            </a:r>
+          </a:p>
+          <a:p>
+            <a:r>
+              <a:rPr lang="en-US" dirty="0"/>
+              <a:t>What about model checkers?</a:t>
+            </a:r>
+          </a:p>
+          <a:p>
+            <a:pPr lvl="1"/>
+            <a:r>
+              <a:rPr lang="en-US" dirty="0"/>
+              <a:t>No methodology for connecting specifications to executable code</a:t>
+            </a:r>
+          </a:p>
+          <a:p>
+            <a:pPr lvl="1"/>
+            <a:endParaRPr lang="en-US" dirty="0"/>
+          </a:p>
+          <a:p>
+            <a:pPr marL="201168" lvl="1" indent="0">
+              <a:buNone/>
+            </a:pPr>
+            <a:r>
+              <a:rPr lang="en-US" dirty="0"/>
+              <a:t>What about </a:t>
+            </a:r>
+            <a:r>
+              <a:rPr lang="en-US" dirty="0" err="1"/>
+              <a:t>fuzzers</a:t>
+            </a:r>
+            <a:r>
+              <a:rPr lang="en-US" dirty="0"/>
+              <a:t>?</a:t>
+            </a:r>
+          </a:p>
+          <a:p>
+            <a:pPr lvl="1">
+              <a:buFontTx/>
+              <a:buChar char="-"/>
+            </a:pPr>
+            <a:r>
+              <a:rPr lang="en-US" dirty="0"/>
+              <a:t>No specifications, not reproducible error traces</a:t>
+            </a:r>
+          </a:p>
+          <a:p>
+            <a:pPr lvl="1">
+              <a:buFontTx/>
+              <a:buChar char="-"/>
+            </a:pPr>
+            <a:endParaRPr lang="en-US" dirty="0"/>
+          </a:p>
+          <a:p>
+            <a:pPr lvl="1">
+              <a:buFontTx/>
+              <a:buChar char="-"/>
+            </a:pPr>
+            <a:r>
+              <a:rPr lang="en-US" dirty="0"/>
+              <a:t>Is any </a:t>
+            </a:r>
+            <a:r>
+              <a:rPr lang="en-US"/>
+              <a:t>other comparison needed?</a:t>
+            </a:r>
+            <a:endParaRPr lang="en-US" dirty="0"/>
+          </a:p>
+          <a:p>
+            <a:endParaRPr lang="en-US" dirty="0"/>
           </a:p>
         </p:txBody>
       </p:sp>
@@ -4250,7 +4614,7 @@
           <a:lstStyle/>
           <a:p>
             <a:r>
-              <a:rPr lang="en-US" smtClean="0"/>
+              <a:rPr lang="en-US"/>
               <a:t>PLDI 2019</a:t>
             </a:r>
             <a:endParaRPr lang="en-US" dirty="0"/>
@@ -4273,7 +4637,7 @@
           <a:lstStyle/>
           <a:p>
             <a:r>
-              <a:rPr lang="en-US" smtClean="0"/>
+              <a:rPr lang="en-US"/>
               <a:t>SafeAsync: Introduction</a:t>
             </a:r>
             <a:endParaRPr lang="en-US" dirty="0"/>
@@ -4299,161 +4663,6 @@
               <a:rPr lang="en-US" smtClean="0"/>
               <a:pPr/>
               <a:t>13</a:t>
-            </a:fld>
-            <a:endParaRPr lang="en-US" dirty="0"/>
-          </a:p>
-        </p:txBody>
-      </p:sp>
-    </p:spTree>
-    <p:extLst>
-      <p:ext uri="{BB962C8B-B14F-4D97-AF65-F5344CB8AC3E}">
-        <p14:creationId xmlns:p14="http://schemas.microsoft.com/office/powerpoint/2010/main" val="2967098540"/>
-      </p:ext>
-    </p:extLst>
-  </p:cSld>
-  <p:clrMapOvr>
-    <a:masterClrMapping/>
-  </p:clrMapOvr>
-  <p:timing>
-    <p:tnLst>
-      <p:par>
-        <p:cTn id="1" dur="indefinite" restart="never" nodeType="tmRoot"/>
-      </p:par>
-    </p:tnLst>
-  </p:timing>
-</p:sld>
-</file>
-
-<file path=ppt/slides/slide14.xml><?xml version="1.0" encoding="utf-8"?>
-<p:sld xmlns:a="http://schemas.openxmlformats.org/drawingml/2006/main" xmlns:r="http://schemas.openxmlformats.org/officeDocument/2006/relationships" xmlns:p="http://schemas.openxmlformats.org/presentationml/2006/main">
-  <p:cSld>
-    <p:spTree>
-      <p:nvGrpSpPr>
-        <p:cNvPr id="1" name=""/>
-        <p:cNvGrpSpPr/>
-        <p:nvPr/>
-      </p:nvGrpSpPr>
-      <p:grpSpPr>
-        <a:xfrm>
-          <a:off x="0" y="0"/>
-          <a:ext cx="0" cy="0"/>
-          <a:chOff x="0" y="0"/>
-          <a:chExt cx="0" cy="0"/>
-        </a:xfrm>
-      </p:grpSpPr>
-      <p:sp>
-        <p:nvSpPr>
-          <p:cNvPr id="2" name="Title 1"/>
-          <p:cNvSpPr>
-            <a:spLocks noGrp="1"/>
-          </p:cNvSpPr>
-          <p:nvPr>
-            <p:ph type="title"/>
-          </p:nvPr>
-        </p:nvSpPr>
-        <p:spPr/>
-        <p:txBody>
-          <a:bodyPr/>
-          <a:lstStyle/>
-          <a:p>
-            <a:r>
-              <a:rPr lang="en-US" dirty="0" smtClean="0"/>
-              <a:t>Positioning P and P#</a:t>
-            </a:r>
-            <a:endParaRPr lang="en-US" dirty="0"/>
-          </a:p>
-        </p:txBody>
-      </p:sp>
-      <p:sp>
-        <p:nvSpPr>
-          <p:cNvPr id="3" name="Content Placeholder 2"/>
-          <p:cNvSpPr>
-            <a:spLocks noGrp="1"/>
-          </p:cNvSpPr>
-          <p:nvPr>
-            <p:ph idx="1"/>
-          </p:nvPr>
-        </p:nvSpPr>
-        <p:spPr/>
-        <p:txBody>
-          <a:bodyPr/>
-          <a:lstStyle/>
-          <a:p>
-            <a:r>
-              <a:rPr lang="en-US" dirty="0" smtClean="0"/>
-              <a:t>Where does P position with respect to TLA and Mace.</a:t>
-            </a:r>
-          </a:p>
-          <a:p>
-            <a:endParaRPr lang="en-US" dirty="0"/>
-          </a:p>
-        </p:txBody>
-      </p:sp>
-      <p:sp>
-        <p:nvSpPr>
-          <p:cNvPr id="4" name="Date Placeholder 3"/>
-          <p:cNvSpPr>
-            <a:spLocks noGrp="1"/>
-          </p:cNvSpPr>
-          <p:nvPr>
-            <p:ph type="dt" sz="half" idx="10"/>
-          </p:nvPr>
-        </p:nvSpPr>
-        <p:spPr/>
-        <p:txBody>
-          <a:bodyPr/>
-          <a:lstStyle/>
-          <a:p>
-            <a:r>
-              <a:rPr lang="en-US" smtClean="0"/>
-              <a:t>PLDI 2019</a:t>
-            </a:r>
-            <a:endParaRPr lang="en-US" dirty="0"/>
-          </a:p>
-        </p:txBody>
-      </p:sp>
-      <p:sp>
-        <p:nvSpPr>
-          <p:cNvPr id="5" name="Footer Placeholder 4"/>
-          <p:cNvSpPr>
-            <a:spLocks noGrp="1"/>
-          </p:cNvSpPr>
-          <p:nvPr>
-            <p:ph type="ftr" sz="quarter" idx="11"/>
-          </p:nvPr>
-        </p:nvSpPr>
-        <p:spPr/>
-        <p:txBody>
-          <a:bodyPr/>
-          <a:lstStyle/>
-          <a:p>
-            <a:r>
-              <a:rPr lang="en-US" smtClean="0"/>
-              <a:t>SafeAsync: Introduction</a:t>
-            </a:r>
-            <a:endParaRPr lang="en-US" dirty="0"/>
-          </a:p>
-        </p:txBody>
-      </p:sp>
-      <p:sp>
-        <p:nvSpPr>
-          <p:cNvPr id="6" name="Slide Number Placeholder 5"/>
-          <p:cNvSpPr>
-            <a:spLocks noGrp="1"/>
-          </p:cNvSpPr>
-          <p:nvPr>
-            <p:ph type="sldNum" sz="quarter" idx="12"/>
-          </p:nvPr>
-        </p:nvSpPr>
-        <p:spPr/>
-        <p:txBody>
-          <a:bodyPr/>
-          <a:lstStyle/>
-          <a:p>
-            <a:fld id="{77CC721F-1D71-470D-9ADD-E53F1C9EB23A}" type="slidenum">
-              <a:rPr lang="en-US" smtClean="0"/>
-              <a:pPr/>
-              <a:t>14</a:t>
             </a:fld>
             <a:endParaRPr lang="en-US" dirty="0"/>
           </a:p>
@@ -4469,13 +4678,6 @@
   <p:clrMapOvr>
     <a:masterClrMapping/>
   </p:clrMapOvr>
-  <p:timing>
-    <p:tnLst>
-      <p:par>
-        <p:cTn id="1" dur="indefinite" restart="never" nodeType="tmRoot"/>
-      </p:par>
-    </p:tnLst>
-  </p:timing>
 </p:sld>
 </file>
 
@@ -4512,10 +4714,9 @@
           <a:lstStyle/>
           <a:p>
             <a:r>
-              <a:rPr lang="en-US" dirty="0" smtClean="0"/>
+              <a:rPr lang="en-US" dirty="0"/>
               <a:t>Presenters</a:t>
             </a:r>
-            <a:endParaRPr lang="en-US" dirty="0"/>
           </a:p>
         </p:txBody>
       </p:sp>
@@ -4542,11 +4743,7 @@
             </a:pPr>
             <a:r>
               <a:rPr lang="en-US" sz="2400" dirty="0"/>
-              <a:t>Pantazis </a:t>
-            </a:r>
-            <a:r>
-              <a:rPr lang="en-US" sz="2400" dirty="0" smtClean="0"/>
-              <a:t>Deligiannis, Microsoft Research, Redmond.</a:t>
+              <a:t>Pantazis Deligiannis, Microsoft Research, Redmond</a:t>
             </a:r>
           </a:p>
           <a:p>
@@ -4562,8 +4759,8 @@
               <a:buChar char="•"/>
             </a:pPr>
             <a:r>
-              <a:rPr lang="en-US" sz="2400" dirty="0" smtClean="0"/>
-              <a:t>Ankush Desai, University of California, Berkeley.</a:t>
+              <a:rPr lang="en-US" sz="2400" dirty="0"/>
+              <a:t>Ankush Desai, University of California, Berkeley</a:t>
             </a:r>
           </a:p>
           <a:p>
@@ -4579,7 +4776,7 @@
               <a:buChar char="•"/>
             </a:pPr>
             <a:r>
-              <a:rPr lang="en-US" sz="2400" dirty="0" smtClean="0"/>
+              <a:rPr lang="en-US" sz="2400" dirty="0"/>
               <a:t>Akash Lal, Microsoft Research, Bangalore</a:t>
             </a:r>
           </a:p>
@@ -4596,10 +4793,9 @@
               <a:buChar char="•"/>
             </a:pPr>
             <a:r>
-              <a:rPr lang="en-US" sz="2400" dirty="0" smtClean="0"/>
-              <a:t>Shaz Qadeer, Facebook, Menlo Park.</a:t>
-            </a:r>
-            <a:endParaRPr lang="en-US" sz="2400" dirty="0"/>
+              <a:rPr lang="en-US" sz="2400" dirty="0"/>
+              <a:t>Shaz Qadeer, Facebook, Menlo Park</a:t>
+            </a:r>
           </a:p>
         </p:txBody>
       </p:sp>
@@ -4619,7 +4815,7 @@
           <a:lstStyle/>
           <a:p>
             <a:r>
-              <a:rPr lang="en-US" smtClean="0"/>
+              <a:rPr lang="en-US"/>
               <a:t>PLDI 2019</a:t>
             </a:r>
             <a:endParaRPr lang="en-US" dirty="0"/>
@@ -4642,7 +4838,7 @@
           <a:lstStyle/>
           <a:p>
             <a:r>
-              <a:rPr lang="en-US" smtClean="0"/>
+              <a:rPr lang="en-US"/>
               <a:t>SafeAsync: Introduction</a:t>
             </a:r>
             <a:endParaRPr lang="en-US" dirty="0"/>
@@ -4719,10 +4915,9 @@
           <a:lstStyle/>
           <a:p>
             <a:r>
-              <a:rPr lang="en-US" dirty="0" smtClean="0"/>
+              <a:rPr lang="en-US" dirty="0"/>
               <a:t>Tutorial Outline</a:t>
             </a:r>
-            <a:endParaRPr lang="en-US" dirty="0"/>
           </a:p>
         </p:txBody>
       </p:sp>
@@ -4748,25 +4943,16 @@
               <a:buChar char="•"/>
             </a:pPr>
             <a:r>
-              <a:rPr lang="en-US" b="1" dirty="0" smtClean="0"/>
-              <a:t>Part 1 (09:00 </a:t>
-            </a:r>
-            <a:r>
               <a:rPr lang="en-US" b="1" dirty="0"/>
-              <a:t>- </a:t>
-            </a:r>
-            <a:r>
-              <a:rPr lang="en-US" b="1" dirty="0" smtClean="0"/>
-              <a:t>10:00) : Introduction to the P language.</a:t>
+              <a:t>Part 1 (09:00 - 10:00) : Introduction to the P language.</a:t>
             </a:r>
           </a:p>
           <a:p>
             <a:pPr marL="829818" lvl="1" indent="-342900"/>
             <a:r>
-              <a:rPr lang="en-US" b="1" dirty="0" smtClean="0"/>
+              <a:rPr lang="en-US" b="1" dirty="0"/>
               <a:t>Introduction, evolution of P, and an overview of the P language</a:t>
             </a:r>
-            <a:endParaRPr lang="en-US" b="1" dirty="0"/>
           </a:p>
           <a:p>
             <a:pPr marL="342900" indent="-342900">
@@ -4774,17 +4960,16 @@
               <a:buChar char="•"/>
             </a:pPr>
             <a:r>
-              <a:rPr lang="en-US" b="1" dirty="0" smtClean="0"/>
+              <a:rPr lang="en-US" b="1" dirty="0"/>
               <a:t>Part 2 (10:00 – 11:00):  P# Runtime.</a:t>
             </a:r>
           </a:p>
           <a:p>
             <a:pPr marL="829818" lvl="1" indent="-342900"/>
             <a:r>
-              <a:rPr lang="en-US" b="1" dirty="0" smtClean="0"/>
+              <a:rPr lang="en-US" b="1" dirty="0"/>
               <a:t>Introduction and a tutorial on the P# programming framework, a C# runtime for P.  </a:t>
             </a:r>
-            <a:endParaRPr lang="en-US" b="1" dirty="0"/>
           </a:p>
           <a:p>
             <a:pPr marL="342900" indent="-342900">
@@ -4792,7 +4977,7 @@
               <a:buChar char="•"/>
             </a:pPr>
             <a:r>
-              <a:rPr lang="en-US" b="1" dirty="0" smtClean="0"/>
+              <a:rPr lang="en-US" b="1" dirty="0"/>
               <a:t>Part 3 (11:20 – 12:30): Building Distributed Services using P# </a:t>
             </a:r>
             <a:endParaRPr lang="en-US" dirty="0"/>
@@ -4800,16 +4985,8 @@
           <a:p>
             <a:pPr marL="829818" lvl="1" indent="-342900"/>
             <a:r>
-              <a:rPr lang="en-US" b="1" dirty="0" smtClean="0"/>
-              <a:t>Building reliable distributed services using P# and the Reliable State Machines (RSM) framework </a:t>
-            </a:r>
-            <a:r>
               <a:rPr lang="en-US" b="1" dirty="0"/>
-              <a:t>(at Microsoft Azure) </a:t>
-            </a:r>
-            <a:r>
-              <a:rPr lang="en-US" b="1" dirty="0" smtClean="0"/>
-              <a:t>.</a:t>
+              <a:t>Building reliable distributed services using P# and the Reliable State Machines (RSM) framework (at Microsoft Azure) .</a:t>
             </a:r>
           </a:p>
           <a:p>
@@ -4818,22 +4995,22 @@
               <a:buChar char="•"/>
             </a:pPr>
             <a:r>
-              <a:rPr lang="en-US" b="1" dirty="0" smtClean="0"/>
+              <a:rPr lang="en-US" b="1" dirty="0"/>
               <a:t>Part 4 (14:00 – 15: 30): Safety Testing of </a:t>
             </a:r>
             <a:r>
-              <a:rPr lang="en-US" b="1" dirty="0" err="1" smtClean="0"/>
+              <a:rPr lang="en-US" b="1" dirty="0" err="1"/>
               <a:t>Async</a:t>
             </a:r>
             <a:r>
-              <a:rPr lang="en-US" b="1" dirty="0" smtClean="0"/>
+              <a:rPr lang="en-US" b="1" dirty="0"/>
               <a:t>. Systems.</a:t>
             </a:r>
           </a:p>
           <a:p>
             <a:pPr marL="829818" lvl="1" indent="-342900"/>
             <a:r>
-              <a:rPr lang="en-US" b="1" dirty="0" smtClean="0"/>
+              <a:rPr lang="en-US" b="1" dirty="0"/>
               <a:t>From scalable monolithic to compositional testing of asynchronous systems.</a:t>
             </a:r>
           </a:p>
@@ -4843,25 +5020,24 @@
               <a:buChar char="•"/>
             </a:pPr>
             <a:r>
-              <a:rPr lang="en-US" b="1" dirty="0" smtClean="0"/>
+              <a:rPr lang="en-US" b="1" dirty="0"/>
               <a:t>Part 5 (16:00 – 17:00): Liveness Testing of </a:t>
             </a:r>
             <a:r>
-              <a:rPr lang="en-US" b="1" dirty="0" err="1" smtClean="0"/>
+              <a:rPr lang="en-US" b="1" dirty="0" err="1"/>
               <a:t>Async</a:t>
             </a:r>
             <a:r>
-              <a:rPr lang="en-US" b="1" dirty="0" smtClean="0"/>
+              <a:rPr lang="en-US" b="1" dirty="0"/>
               <a:t>. Systems.</a:t>
             </a:r>
           </a:p>
           <a:p>
             <a:pPr marL="829818" lvl="1" indent="-342900"/>
             <a:r>
-              <a:rPr lang="en-US" b="1" dirty="0" smtClean="0"/>
+              <a:rPr lang="en-US" b="1" dirty="0"/>
               <a:t>Specifying and Finding liveness violations in real-world distributed systems.</a:t>
             </a:r>
-            <a:endParaRPr lang="en-US" b="1" dirty="0"/>
           </a:p>
         </p:txBody>
       </p:sp>
@@ -4881,7 +5057,7 @@
           <a:lstStyle/>
           <a:p>
             <a:r>
-              <a:rPr lang="en-US" smtClean="0"/>
+              <a:rPr lang="en-US"/>
               <a:t>PLDI 2019</a:t>
             </a:r>
             <a:endParaRPr lang="en-US" dirty="0"/>
@@ -4904,7 +5080,7 @@
           <a:lstStyle/>
           <a:p>
             <a:r>
-              <a:rPr lang="en-US" smtClean="0"/>
+              <a:rPr lang="en-US"/>
               <a:t>SafeAsync: Introduction</a:t>
             </a:r>
             <a:endParaRPr lang="en-US" dirty="0"/>
@@ -4983,10 +5159,9 @@
           <a:lstStyle/>
           <a:p>
             <a:r>
-              <a:rPr lang="en-US" sz="3600" dirty="0" smtClean="0"/>
+              <a:rPr lang="en-US" sz="3600" dirty="0"/>
               <a:t>Event Driven Asynchronous Systems</a:t>
             </a:r>
-            <a:endParaRPr lang="en-US" sz="3600" dirty="0"/>
           </a:p>
         </p:txBody>
       </p:sp>
@@ -5006,7 +5181,7 @@
           <a:lstStyle/>
           <a:p>
             <a:r>
-              <a:rPr lang="en-US" smtClean="0"/>
+              <a:rPr lang="en-US"/>
               <a:t>PLDI 2019</a:t>
             </a:r>
             <a:endParaRPr lang="en-US" dirty="0"/>
@@ -5029,7 +5204,7 @@
           <a:lstStyle/>
           <a:p>
             <a:r>
-              <a:rPr lang="en-US" smtClean="0"/>
+              <a:rPr lang="en-US"/>
               <a:t>SafeAsync: Introduction</a:t>
             </a:r>
             <a:endParaRPr lang="en-US" dirty="0"/>
@@ -5656,13 +5831,8 @@
             <a:pPr marL="829818" lvl="1" indent="-342900"/>
             <a:r>
               <a:rPr lang="en-US" sz="2000" dirty="0"/>
-              <a:t>Processes communicate by asynchronously sending messages or events to each </a:t>
-            </a:r>
-            <a:r>
-              <a:rPr lang="en-US" sz="2000" dirty="0" smtClean="0"/>
-              <a:t>other (no shared memory).</a:t>
-            </a:r>
-            <a:endParaRPr lang="en-US" sz="2000" dirty="0"/>
+              <a:t>Processes communicate by asynchronously sending messages or events to each other (no shared memory).</a:t>
+            </a:r>
           </a:p>
           <a:p>
             <a:pPr marL="829818" lvl="1" indent="-342900"/>
@@ -5686,13 +5856,8 @@
             <a:pPr marL="829818" lvl="1" indent="-342900"/>
             <a:r>
               <a:rPr lang="en-US" sz="2000" dirty="0"/>
-              <a:t>Processes in the system interact continuously with the environment</a:t>
-            </a:r>
-            <a:r>
-              <a:rPr lang="en-US" sz="2000" dirty="0" smtClean="0"/>
-              <a:t>.</a:t>
-            </a:r>
-            <a:endParaRPr lang="en-US" sz="2000" dirty="0"/>
+              <a:t>Processes in the system interact continuously with the environment.</a:t>
+            </a:r>
           </a:p>
         </p:txBody>
       </p:sp>
@@ -5712,7 +5877,7 @@
           <a:lstStyle/>
           <a:p>
             <a:r>
-              <a:rPr lang="en-US" smtClean="0"/>
+              <a:rPr lang="en-US"/>
               <a:t>PLDI 2019</a:t>
             </a:r>
             <a:endParaRPr lang="en-US" dirty="0"/>
@@ -5735,7 +5900,7 @@
           <a:lstStyle/>
           <a:p>
             <a:r>
-              <a:rPr lang="en-US" smtClean="0"/>
+              <a:rPr lang="en-US"/>
               <a:t>SafeAsync: Introduction</a:t>
             </a:r>
             <a:endParaRPr lang="en-US" dirty="0"/>
@@ -5776,13 +5941,6 @@
   <p:clrMapOvr>
     <a:masterClrMapping/>
   </p:clrMapOvr>
-  <p:timing>
-    <p:tnLst>
-      <p:par>
-        <p:cTn id="1" dur="indefinite" restart="never" nodeType="tmRoot"/>
-      </p:par>
-    </p:tnLst>
-  </p:timing>
 </p:sld>
 </file>
 
@@ -5819,7 +5977,7 @@
           <a:lstStyle/>
           <a:p>
             <a:r>
-              <a:rPr lang="en-US" smtClean="0"/>
+              <a:rPr lang="en-US"/>
               <a:t>PLDI 2019</a:t>
             </a:r>
             <a:endParaRPr lang="en-US" dirty="0"/>
@@ -5842,7 +6000,7 @@
           <a:lstStyle/>
           <a:p>
             <a:r>
-              <a:rPr lang="en-US" smtClean="0"/>
+              <a:rPr lang="en-US"/>
               <a:t>SafeAsync: Introduction</a:t>
             </a:r>
             <a:endParaRPr lang="en-US" dirty="0"/>
@@ -5928,13 +6086,8 @@
             <a:pPr algn="ctr"/>
             <a:r>
               <a:rPr lang="en-US" sz="3200" dirty="0"/>
-              <a:t>Programming Event Driven </a:t>
-            </a:r>
-            <a:r>
-              <a:rPr lang="en-US" sz="3200" dirty="0" smtClean="0"/>
-              <a:t>Systems is Challenging</a:t>
-            </a:r>
-            <a:endParaRPr lang="en-US" sz="3200" dirty="0"/>
+              <a:t>Programming Event Driven Systems is Challenging</a:t>
+            </a:r>
           </a:p>
         </p:txBody>
       </p:sp>
@@ -6013,14 +6166,11 @@
             <a:lstStyle/>
             <a:p>
               <a:r>
-                <a:rPr lang="en-US" sz="2100" dirty="0" smtClean="0">
+                <a:rPr lang="en-US" sz="2100" dirty="0">
                   <a:latin typeface="Segoe WP SemiLight" pitchFamily="34" charset="0"/>
                 </a:rPr>
                 <a:t>Safety</a:t>
               </a:r>
-              <a:endParaRPr lang="en-US" sz="2100" dirty="0">
-                <a:latin typeface="Segoe WP SemiLight" pitchFamily="34" charset="0"/>
-              </a:endParaRPr>
             </a:p>
           </p:txBody>
         </p:sp>
@@ -6055,7 +6205,7 @@
             <a:lstStyle/>
             <a:p>
               <a:r>
-                <a:rPr lang="en-US" sz="3000" dirty="0" smtClean="0">
+                <a:rPr lang="en-US" sz="3000" dirty="0">
                   <a:solidFill>
                     <a:srgbClr val="00B0F0"/>
                   </a:solidFill>
@@ -6063,12 +6213,6 @@
                 </a:rPr>
                 <a:t>Specifications</a:t>
               </a:r>
-              <a:endParaRPr lang="en-US" sz="3000" dirty="0">
-                <a:solidFill>
-                  <a:srgbClr val="00B0F0"/>
-                </a:solidFill>
-                <a:latin typeface="Segoe WP SemiLight" pitchFamily="34" charset="0"/>
-              </a:endParaRPr>
             </a:p>
           </p:txBody>
         </p:sp>
@@ -6103,14 +6247,11 @@
             <a:lstStyle/>
             <a:p>
               <a:r>
-                <a:rPr lang="en-US" sz="2100" dirty="0" smtClean="0">
+                <a:rPr lang="en-US" sz="2100" dirty="0">
                   <a:latin typeface="Segoe WP SemiLight" pitchFamily="34" charset="0"/>
                 </a:rPr>
                 <a:t>Liveness!</a:t>
               </a:r>
-              <a:endParaRPr lang="en-US" sz="2100" dirty="0">
-                <a:latin typeface="Segoe WP SemiLight" pitchFamily="34" charset="0"/>
-              </a:endParaRPr>
             </a:p>
           </p:txBody>
         </p:sp>
@@ -6223,14 +6364,11 @@
             <a:lstStyle/>
             <a:p>
               <a:r>
-                <a:rPr lang="en-US" sz="2100" dirty="0" smtClean="0">
+                <a:rPr lang="en-US" sz="2100" dirty="0">
                   <a:latin typeface="Segoe WP SemiLight" pitchFamily="34" charset="0"/>
                 </a:rPr>
                 <a:t>Complex Interaction</a:t>
               </a:r>
-              <a:endParaRPr lang="en-US" sz="2100" dirty="0">
-                <a:latin typeface="Segoe WP SemiLight" pitchFamily="34" charset="0"/>
-              </a:endParaRPr>
             </a:p>
           </p:txBody>
         </p:sp>
@@ -7038,13 +7176,6 @@
   <p:clrMapOvr>
     <a:masterClrMapping/>
   </p:clrMapOvr>
-  <p:timing>
-    <p:tnLst>
-      <p:par>
-        <p:cTn id="1" dur="indefinite" restart="never" nodeType="tmRoot"/>
-      </p:par>
-    </p:tnLst>
-  </p:timing>
 </p:sld>
 </file>
 
@@ -7081,7 +7212,7 @@
           <a:lstStyle/>
           <a:p>
             <a:r>
-              <a:rPr lang="en-US" smtClean="0"/>
+              <a:rPr lang="en-US"/>
               <a:t>PLDI 2019</a:t>
             </a:r>
             <a:endParaRPr lang="en-US" dirty="0"/>
@@ -7104,7 +7235,7 @@
           <a:lstStyle/>
           <a:p>
             <a:r>
-              <a:rPr lang="en-US" smtClean="0"/>
+              <a:rPr lang="en-US"/>
               <a:t>SafeAsync: Introduction</a:t>
             </a:r>
             <a:endParaRPr lang="en-US" dirty="0"/>
@@ -7158,10 +7289,9 @@
           <a:lstStyle/>
           <a:p>
             <a:r>
-              <a:rPr lang="en-US" dirty="0" smtClean="0"/>
+              <a:rPr lang="en-US" dirty="0"/>
               <a:t>Overview: P Framework</a:t>
             </a:r>
-            <a:endParaRPr lang="en-US" dirty="0"/>
           </a:p>
         </p:txBody>
       </p:sp>
@@ -7523,19 +7653,7 @@
             </a:pPr>
             <a:r>
               <a:rPr lang="en-US" dirty="0"/>
-              <a:t>P: State machine based </a:t>
-            </a:r>
-            <a:r>
-              <a:rPr lang="en-US" dirty="0" smtClean="0"/>
-              <a:t>language for safe event-driven programming </a:t>
-            </a:r>
-            <a:r>
-              <a:rPr lang="en-US" dirty="0" smtClean="0">
-                <a:solidFill>
-                  <a:srgbClr val="00B050"/>
-                </a:solidFill>
-              </a:rPr>
-              <a:t>[PLDI </a:t>
+              <a:t>P: State machine based language for safe event-driven programming </a:t>
             </a:r>
             <a:r>
               <a:rPr lang="en-US" dirty="0">
@@ -7543,15 +7661,7 @@
                   <a:srgbClr val="00B050"/>
                 </a:solidFill>
               </a:rPr>
-              <a:t>2013</a:t>
-            </a:r>
-            <a:r>
-              <a:rPr lang="en-US" dirty="0" smtClean="0">
-                <a:solidFill>
-                  <a:srgbClr val="00B050"/>
-                </a:solidFill>
-              </a:rPr>
-              <a:t>].</a:t>
+              <a:t>[PLDI 2013].</a:t>
             </a:r>
           </a:p>
           <a:p>
@@ -7560,7 +7670,7 @@
               <a:buChar char="•"/>
             </a:pPr>
             <a:r>
-              <a:rPr lang="en-US" dirty="0" smtClean="0"/>
+              <a:rPr lang="en-US" dirty="0"/>
               <a:t>P#:</a:t>
             </a:r>
             <a:r>
@@ -7573,49 +7683,16 @@
             </a:r>
             <a:r>
               <a:rPr lang="en-US" dirty="0"/>
-              <a:t>Asynchronous </a:t>
-            </a:r>
-            <a:r>
-              <a:rPr lang="en-US" dirty="0" smtClean="0"/>
-              <a:t>programming</a:t>
-            </a:r>
-            <a:r>
-              <a:rPr lang="en-US" dirty="0"/>
-              <a:t>, </a:t>
-            </a:r>
-            <a:r>
-              <a:rPr lang="en-US" dirty="0" smtClean="0"/>
-              <a:t>analysis </a:t>
-            </a:r>
-            <a:r>
-              <a:rPr lang="en-US" dirty="0"/>
-              <a:t>and </a:t>
-            </a:r>
-            <a:r>
-              <a:rPr lang="en-US" dirty="0" smtClean="0"/>
-              <a:t>testing </a:t>
-            </a:r>
-            <a:r>
-              <a:rPr lang="en-US" dirty="0"/>
-              <a:t>with State </a:t>
-            </a:r>
-            <a:r>
-              <a:rPr lang="en-US" dirty="0" smtClean="0"/>
-              <a:t>machines in C# </a:t>
-            </a:r>
-            <a:r>
-              <a:rPr lang="en-US" dirty="0" smtClean="0">
+              <a:t>Asynchronous programming, analysis and testing with State machines in C# </a:t>
+            </a:r>
+            <a:r>
+              <a:rPr lang="en-US" dirty="0">
                 <a:solidFill>
                   <a:srgbClr val="00B050"/>
                 </a:solidFill>
               </a:rPr>
               <a:t>[PLDI 2015].</a:t>
             </a:r>
-            <a:endParaRPr lang="en-US" dirty="0">
-              <a:solidFill>
-                <a:srgbClr val="00B050"/>
-              </a:solidFill>
-            </a:endParaRPr>
           </a:p>
           <a:p>
             <a:pPr marL="285750" indent="-285750">
@@ -7623,24 +7700,8 @@
               <a:buChar char="•"/>
             </a:pPr>
             <a:r>
-              <a:rPr lang="en-US" dirty="0" smtClean="0"/>
-              <a:t>Modular P</a:t>
-            </a:r>
-            <a:r>
               <a:rPr lang="en-US" dirty="0"/>
-              <a:t>: Implements a module system for hierarchical </a:t>
-            </a:r>
-            <a:r>
-              <a:rPr lang="en-US" dirty="0" smtClean="0"/>
-              <a:t>and </a:t>
-            </a:r>
-            <a:r>
-              <a:rPr lang="en-US" dirty="0"/>
-              <a:t>compositional </a:t>
-            </a:r>
-            <a:r>
-              <a:rPr lang="en-US" dirty="0" smtClean="0"/>
-              <a:t>reasoning </a:t>
+              <a:t>Modular P: Implements a module system for hierarchical and compositional reasoning </a:t>
             </a:r>
             <a:r>
               <a:rPr lang="en-US" dirty="0">
@@ -7667,13 +7728,6 @@
   <p:clrMapOvr>
     <a:masterClrMapping/>
   </p:clrMapOvr>
-  <p:timing>
-    <p:tnLst>
-      <p:par>
-        <p:cTn id="1" dur="indefinite" restart="never" nodeType="tmRoot"/>
-      </p:par>
-    </p:tnLst>
-  </p:timing>
 </p:sld>
 </file>
 
@@ -7710,7 +7764,7 @@
           <a:lstStyle/>
           <a:p>
             <a:r>
-              <a:rPr lang="en-US" smtClean="0"/>
+              <a:rPr lang="en-US"/>
               <a:t>PLDI 2019</a:t>
             </a:r>
             <a:endParaRPr lang="en-US" dirty="0"/>
@@ -7733,7 +7787,7 @@
           <a:lstStyle/>
           <a:p>
             <a:r>
-              <a:rPr lang="en-US" smtClean="0"/>
+              <a:rPr lang="en-US"/>
               <a:t>SafeAsync: Introduction</a:t>
             </a:r>
             <a:endParaRPr lang="en-US" dirty="0"/>
@@ -7787,10 +7841,9 @@
           <a:lstStyle/>
           <a:p>
             <a:r>
-              <a:rPr lang="en-US" dirty="0" smtClean="0"/>
+              <a:rPr lang="en-US" dirty="0"/>
               <a:t>Overview: P Framework</a:t>
             </a:r>
-            <a:endParaRPr lang="en-US" dirty="0"/>
           </a:p>
         </p:txBody>
       </p:sp>
@@ -8313,18 +8366,13 @@
           <a:p>
             <a:pPr algn="ctr"/>
             <a:r>
-              <a:rPr lang="en-US" sz="1400" dirty="0" smtClean="0">
+              <a:rPr lang="en-US" sz="1400" dirty="0">
                 <a:solidFill>
                   <a:schemeClr val="tx1"/>
                 </a:solidFill>
               </a:rPr>
               <a:t>Intermediate Code</a:t>
             </a:r>
-            <a:endParaRPr lang="en-US" sz="1400" dirty="0">
-              <a:solidFill>
-                <a:schemeClr val="tx1"/>
-              </a:solidFill>
-            </a:endParaRPr>
           </a:p>
         </p:txBody>
       </p:sp>
@@ -8571,13 +8619,8 @@
           <a:p>
             <a:r>
               <a:rPr lang="en-US" sz="1600" dirty="0"/>
-              <a:t>Scalable Analysis of Event-Driven Programs</a:t>
-            </a:r>
-            <a:r>
-              <a:rPr lang="en-US" sz="1600" dirty="0" smtClean="0"/>
-              <a:t>:</a:t>
-            </a:r>
-            <a:endParaRPr lang="en-US" sz="1600" dirty="0"/>
+              <a:t>Scalable Analysis of Event-Driven Programs:</a:t>
+            </a:r>
           </a:p>
           <a:p>
             <a:pPr marL="285750" indent="-285750">
@@ -8585,24 +8628,8 @@
               <a:buChar char="•"/>
             </a:pPr>
             <a:r>
-              <a:rPr lang="en-US" sz="1600" dirty="0" smtClean="0"/>
-              <a:t>Search </a:t>
-            </a:r>
-            <a:r>
               <a:rPr lang="en-US" sz="1600" dirty="0"/>
-              <a:t>Prioritization </a:t>
-            </a:r>
-            <a:r>
-              <a:rPr lang="en-US" sz="1600" dirty="0" smtClean="0"/>
-              <a:t>and Random Testing </a:t>
-            </a:r>
-            <a:r>
-              <a:rPr lang="en-US" sz="1600" dirty="0" smtClean="0">
-                <a:solidFill>
-                  <a:srgbClr val="00B050"/>
-                </a:solidFill>
-              </a:rPr>
-              <a:t>[FSE </a:t>
+              <a:t>Search Prioritization and Random Testing </a:t>
             </a:r>
             <a:r>
               <a:rPr lang="en-US" sz="1600" dirty="0">
@@ -8610,22 +8637,14 @@
                   <a:srgbClr val="00B050"/>
                 </a:solidFill>
               </a:rPr>
-              <a:t>2015</a:t>
-            </a:r>
-            <a:r>
-              <a:rPr lang="en-US" sz="1600" dirty="0" smtClean="0">
-                <a:solidFill>
-                  <a:srgbClr val="00B050"/>
-                </a:solidFill>
-              </a:rPr>
-              <a:t>]</a:t>
-            </a:r>
-            <a:r>
-              <a:rPr lang="en-US" sz="1600" dirty="0" smtClean="0"/>
+              <a:t>[FSE 2015]</a:t>
+            </a:r>
+            <a:r>
+              <a:rPr lang="en-US" sz="1600" dirty="0"/>
               <a:t>, </a:t>
             </a:r>
             <a:r>
-              <a:rPr lang="en-US" sz="1600" dirty="0" smtClean="0">
+              <a:rPr lang="en-US" sz="1600" dirty="0">
                 <a:solidFill>
                   <a:srgbClr val="00B050"/>
                 </a:solidFill>
@@ -8639,22 +8658,17 @@
               <a:buChar char="•"/>
             </a:pPr>
             <a:r>
-              <a:rPr lang="en-US" sz="1600" dirty="0" smtClean="0"/>
+              <a:rPr lang="en-US" sz="1600" dirty="0"/>
               <a:t>Lasso Detection for Liveness Testing </a:t>
             </a:r>
             <a:r>
-              <a:rPr lang="en-US" sz="1600" dirty="0" smtClean="0">
+              <a:rPr lang="en-US" sz="1600" dirty="0">
                 <a:solidFill>
                   <a:srgbClr val="00B050"/>
                 </a:solidFill>
               </a:rPr>
               <a:t>[FMCAD 2017]</a:t>
             </a:r>
-            <a:endParaRPr lang="en-US" sz="1600" dirty="0">
-              <a:solidFill>
-                <a:srgbClr val="00B050"/>
-              </a:solidFill>
-            </a:endParaRPr>
           </a:p>
         </p:txBody>
       </p:sp>
@@ -8668,13 +8682,6 @@
   <p:clrMapOvr>
     <a:masterClrMapping/>
   </p:clrMapOvr>
-  <p:timing>
-    <p:tnLst>
-      <p:par>
-        <p:cTn id="1" dur="indefinite" restart="never" nodeType="tmRoot"/>
-      </p:par>
-    </p:tnLst>
-  </p:timing>
 </p:sld>
 </file>
 
@@ -8711,7 +8718,7 @@
           <a:lstStyle/>
           <a:p>
             <a:r>
-              <a:rPr lang="en-US" smtClean="0"/>
+              <a:rPr lang="en-US"/>
               <a:t>PLDI 2019</a:t>
             </a:r>
             <a:endParaRPr lang="en-US" dirty="0"/>
@@ -8734,7 +8741,7 @@
           <a:lstStyle/>
           <a:p>
             <a:r>
-              <a:rPr lang="en-US" smtClean="0"/>
+              <a:rPr lang="en-US"/>
               <a:t>SafeAsync: Introduction</a:t>
             </a:r>
             <a:endParaRPr lang="en-US" dirty="0"/>
@@ -8788,10 +8795,9 @@
           <a:lstStyle/>
           <a:p>
             <a:r>
-              <a:rPr lang="en-US" dirty="0" smtClean="0"/>
+              <a:rPr lang="en-US" dirty="0"/>
               <a:t>Overview: P Framework</a:t>
             </a:r>
-            <a:endParaRPr lang="en-US" dirty="0"/>
           </a:p>
         </p:txBody>
       </p:sp>
@@ -9298,24 +9304,23 @@
           <a:p>
             <a:pPr algn="ctr"/>
             <a:r>
-              <a:rPr lang="en-US" sz="1200" dirty="0" smtClean="0"/>
+              <a:rPr lang="en-US" sz="1200" dirty="0"/>
               <a:t>Systematic</a:t>
             </a:r>
           </a:p>
           <a:p>
             <a:pPr algn="ctr"/>
             <a:r>
-              <a:rPr lang="en-US" sz="1200" dirty="0" smtClean="0"/>
+              <a:rPr lang="en-US" sz="1200" dirty="0"/>
               <a:t>Testing</a:t>
             </a:r>
           </a:p>
           <a:p>
             <a:pPr algn="ctr"/>
             <a:r>
-              <a:rPr lang="en-US" sz="1200" dirty="0" smtClean="0"/>
+              <a:rPr lang="en-US" sz="1200" dirty="0"/>
               <a:t>Tool</a:t>
             </a:r>
-            <a:endParaRPr lang="en-US" sz="1200" dirty="0"/>
           </a:p>
         </p:txBody>
       </p:sp>
@@ -9517,18 +9522,13 @@
           <a:p>
             <a:pPr algn="ctr"/>
             <a:r>
-              <a:rPr lang="en-US" sz="1200" dirty="0" smtClean="0">
+              <a:rPr lang="en-US" sz="1200" dirty="0">
                 <a:solidFill>
                   <a:srgbClr val="FF0000"/>
                 </a:solidFill>
               </a:rPr>
               <a:t>P</a:t>
             </a:r>
-            <a:endParaRPr lang="en-US" sz="1200" dirty="0">
-              <a:solidFill>
-                <a:srgbClr val="FF0000"/>
-              </a:solidFill>
-            </a:endParaRPr>
           </a:p>
           <a:p>
             <a:pPr algn="ctr"/>
@@ -9623,20 +9623,12 @@
           <a:p>
             <a:pPr algn="ctr"/>
             <a:r>
-              <a:rPr lang="en-US" sz="1400" dirty="0" smtClean="0">
-                <a:solidFill>
-                  <a:schemeClr val="tx1"/>
-                </a:solidFill>
-              </a:rPr>
-              <a:t>Intermediate </a:t>
-            </a:r>
-            <a:r>
               <a:rPr lang="en-US" sz="1400" dirty="0">
                 <a:solidFill>
                   <a:schemeClr val="tx1"/>
                 </a:solidFill>
               </a:rPr>
-              <a:t>Code</a:t>
+              <a:t>Intermediate Code</a:t>
             </a:r>
           </a:p>
         </p:txBody>
@@ -10241,21 +10233,8 @@
                   <a:srgbClr val="00B050"/>
                 </a:solidFill>
               </a:rPr>
-              <a:t>[PLDI </a:t>
-            </a:r>
-            <a:r>
-              <a:rPr lang="en-US" dirty="0" smtClean="0">
-                <a:solidFill>
-                  <a:srgbClr val="00B050"/>
-                </a:solidFill>
-              </a:rPr>
-              <a:t>2013, OOPSLA 2014]</a:t>
-            </a:r>
-            <a:endParaRPr lang="en-US" dirty="0">
-              <a:solidFill>
-                <a:srgbClr val="00B050"/>
-              </a:solidFill>
-            </a:endParaRPr>
+              <a:t>[PLDI 2013, OOPSLA 2014]</a:t>
+            </a:r>
           </a:p>
           <a:p>
             <a:pPr marL="285750" indent="-285750">
@@ -10265,14 +10244,6 @@
             <a:r>
               <a:rPr lang="en-US" dirty="0"/>
               <a:t>Fault Tolerant Distributed Systems </a:t>
-            </a:r>
-            <a:r>
-              <a:rPr lang="en-US" dirty="0" smtClean="0">
-                <a:solidFill>
-                  <a:srgbClr val="00B050"/>
-                </a:solidFill>
-              </a:rPr>
-              <a:t>[FAST 2016, </a:t>
             </a:r>
             <a:r>
               <a:rPr lang="en-US" dirty="0">
@@ -10280,21 +10251,12 @@
                   <a:srgbClr val="00B050"/>
                 </a:solidFill>
               </a:rPr>
-              <a:t>OOPSLA </a:t>
-            </a:r>
-            <a:r>
-              <a:rPr lang="en-US" dirty="0" smtClean="0">
-                <a:solidFill>
-                  <a:srgbClr val="00B050"/>
-                </a:solidFill>
-              </a:rPr>
-              <a:t>2018, ECOOP2019]</a:t>
-            </a:r>
-            <a:r>
-              <a:rPr lang="en-US" dirty="0" smtClean="0"/>
+              <a:t>[FAST 2016, OOPSLA 2018, ECOOP2019]</a:t>
+            </a:r>
+            <a:r>
+              <a:rPr lang="en-US" dirty="0"/>
               <a:t>.</a:t>
             </a:r>
-            <a:endParaRPr lang="en-US" dirty="0"/>
           </a:p>
           <a:p>
             <a:pPr marL="285750" indent="-285750">
@@ -10311,21 +10273,8 @@
                   <a:srgbClr val="00B050"/>
                 </a:solidFill>
               </a:rPr>
-              <a:t>[ICCPS 2017</a:t>
-            </a:r>
-            <a:r>
-              <a:rPr lang="en-US" dirty="0" smtClean="0">
-                <a:solidFill>
-                  <a:srgbClr val="00B050"/>
-                </a:solidFill>
-              </a:rPr>
-              <a:t>, DSN 2019]</a:t>
-            </a:r>
-            <a:endParaRPr lang="en-US" dirty="0">
-              <a:solidFill>
-                <a:srgbClr val="00B050"/>
-              </a:solidFill>
-            </a:endParaRPr>
+              <a:t>[ICCPS 2017, DSN 2019]</a:t>
+            </a:r>
           </a:p>
         </p:txBody>
       </p:sp>
@@ -10339,13 +10288,6 @@
   <p:clrMapOvr>
     <a:masterClrMapping/>
   </p:clrMapOvr>
-  <p:timing>
-    <p:tnLst>
-      <p:par>
-        <p:cTn id="1" dur="indefinite" restart="never" nodeType="tmRoot"/>
-      </p:par>
-    </p:tnLst>
-  </p:timing>
 </p:sld>
 </file>
 

--- a/Presentations/1 - Introduction.pptx
+++ b/Presentations/1 - Introduction.pptx
@@ -4291,49 +4291,109 @@
         <p:spPr/>
         <p:txBody>
           <a:bodyPr>
-            <a:normAutofit fontScale="92500" lnSpcReduction="20000"/>
+            <a:normAutofit fontScale="92500" lnSpcReduction="10000"/>
           </a:bodyPr>
           <a:lstStyle/>
           <a:p>
+            <a:pPr marL="342900" indent="-342900">
+              <a:buFont typeface="Arial" panose="020B0604020202020204" pitchFamily="34" charset="0"/>
+              <a:buChar char="•"/>
+            </a:pPr>
+            <a:r>
+              <a:rPr lang="en-US" i="1" dirty="0" smtClean="0"/>
+              <a:t>“Connecting </a:t>
+            </a:r>
+            <a:r>
+              <a:rPr lang="en-US" i="1" dirty="0"/>
+              <a:t>specifications to executable code is </a:t>
+            </a:r>
+            <a:r>
+              <a:rPr lang="en-US" i="1" dirty="0" smtClean="0"/>
+              <a:t>difficult”</a:t>
+            </a:r>
+          </a:p>
+          <a:p>
+            <a:pPr marL="829818" lvl="1" indent="-342900"/>
+            <a:r>
+              <a:rPr lang="en-US" dirty="0" smtClean="0"/>
+              <a:t>even </a:t>
+            </a:r>
             <a:r>
               <a:rPr lang="en-US" dirty="0"/>
-              <a:t>Connecting specifications to executable code is difficult</a:t>
-            </a:r>
-          </a:p>
-          <a:p>
+              <a:t>if the goal is less ambitious </a:t>
+            </a:r>
+            <a:r>
+              <a:rPr lang="en-US" dirty="0" smtClean="0"/>
+              <a:t>than </a:t>
+            </a:r>
             <a:r>
               <a:rPr lang="en-US" dirty="0"/>
-              <a:t>	even if the goal is less ambitious that full proof</a:t>
+              <a:t>full proof</a:t>
             </a:r>
           </a:p>
           <a:p>
             <a:endParaRPr lang="en-US" dirty="0"/>
           </a:p>
           <a:p>
+            <a:pPr marL="342900" indent="-342900">
+              <a:buFont typeface="Arial" panose="020B0604020202020204" pitchFamily="34" charset="0"/>
+              <a:buChar char="•"/>
+            </a:pPr>
+            <a:r>
+              <a:rPr lang="en-US" i="1" dirty="0" smtClean="0"/>
+              <a:t>“Nondeterminism </a:t>
+            </a:r>
+            <a:r>
+              <a:rPr lang="en-US" i="1" dirty="0"/>
+              <a:t>is pervasive in concurrent and distributed </a:t>
+            </a:r>
+            <a:r>
+              <a:rPr lang="en-US" i="1" dirty="0" smtClean="0"/>
+              <a:t>systems”</a:t>
+            </a:r>
+            <a:endParaRPr lang="en-US" i="1" dirty="0"/>
+          </a:p>
+          <a:p>
+            <a:pPr marL="829818" lvl="1" indent="-342900"/>
+            <a:r>
+              <a:rPr lang="en-US" dirty="0" smtClean="0"/>
+              <a:t>runtimes </a:t>
+            </a:r>
             <a:r>
               <a:rPr lang="en-US" dirty="0"/>
-              <a:t>Nondeterminism is pervasive in concurrent and distributed systems</a:t>
-            </a:r>
-          </a:p>
-          <a:p>
+              <a:t>must be designed with control in mind; too difficult to add it after the fact</a:t>
+            </a:r>
+          </a:p>
+          <a:p>
+            <a:endParaRPr lang="en-US" dirty="0"/>
+          </a:p>
+          <a:p>
+            <a:pPr marL="342900" indent="-342900">
+              <a:buFont typeface="Arial" panose="020B0604020202020204" pitchFamily="34" charset="0"/>
+              <a:buChar char="•"/>
+            </a:pPr>
+            <a:r>
+              <a:rPr lang="en-US" dirty="0" smtClean="0"/>
+              <a:t>“</a:t>
+            </a:r>
+            <a:r>
+              <a:rPr lang="en-US" i="1" dirty="0" smtClean="0"/>
+              <a:t>Getting a new language adopted is difficult</a:t>
+            </a:r>
+            <a:r>
+              <a:rPr lang="en-US" dirty="0" smtClean="0"/>
+              <a:t>”</a:t>
+            </a:r>
+          </a:p>
+          <a:p>
+            <a:pPr marL="829818" lvl="1" indent="-342900"/>
+            <a:r>
+              <a:rPr lang="en-US" dirty="0" smtClean="0"/>
+              <a:t>even </a:t>
+            </a:r>
             <a:r>
               <a:rPr lang="en-US" dirty="0"/>
-              <a:t>	runtimes must be designed with control in mind; too difficult to add it after the fact</a:t>
-            </a:r>
-          </a:p>
-          <a:p>
-            <a:endParaRPr lang="en-US" dirty="0"/>
-          </a:p>
-          <a:p>
-            <a:r>
-              <a:rPr lang="en-US" dirty="0"/>
-              <a:t>Getting a new language adopted is difficult</a:t>
-            </a:r>
-          </a:p>
-          <a:p>
-            <a:r>
-              <a:rPr lang="en-US" dirty="0"/>
-              <a:t>	even if you have the most amazing feature X because practically Y1, …, </a:t>
+              <a:t>if you have the most amazing feature X because practically Y1, …, </a:t>
             </a:r>
             <a:r>
               <a:rPr lang="en-US" dirty="0" err="1"/>
@@ -4348,15 +4408,41 @@
             <a:endParaRPr lang="en-US" dirty="0"/>
           </a:p>
           <a:p>
+            <a:pPr marL="342900" indent="-342900">
+              <a:buFont typeface="Arial" panose="020B0604020202020204" pitchFamily="34" charset="0"/>
+              <a:buChar char="•"/>
+            </a:pPr>
+            <a:r>
+              <a:rPr lang="en-US" dirty="0" smtClean="0"/>
+              <a:t>“</a:t>
+            </a:r>
+            <a:r>
+              <a:rPr lang="en-US" i="1" dirty="0" smtClean="0"/>
+              <a:t>Compiler </a:t>
+            </a:r>
+            <a:r>
+              <a:rPr lang="en-US" i="1" dirty="0"/>
+              <a:t>and runtime are two different </a:t>
+            </a:r>
+            <a:r>
+              <a:rPr lang="en-US" i="1" dirty="0" smtClean="0"/>
+              <a:t>things</a:t>
+            </a:r>
+            <a:r>
+              <a:rPr lang="en-US" dirty="0" smtClean="0"/>
+              <a:t>”</a:t>
+            </a:r>
+            <a:endParaRPr lang="en-US" dirty="0"/>
+          </a:p>
+          <a:p>
+            <a:pPr marL="829818" lvl="1" indent="-342900"/>
+            <a:r>
+              <a:rPr lang="en-US" dirty="0" smtClean="0"/>
+              <a:t>usable </a:t>
+            </a:r>
             <a:r>
               <a:rPr lang="en-US" dirty="0"/>
-              <a:t>Compiler and runtime are two different things</a:t>
-            </a:r>
-          </a:p>
-          <a:p>
-            <a:r>
-              <a:rPr lang="en-US" dirty="0"/>
-              <a:t>	usable runtime is prerequisite for a usable compiler</a:t>
+              <a:t>runtime is prerequisite for a usable compiler</a:t>
             </a:r>
           </a:p>
           <a:p>
@@ -4501,97 +4587,170 @@
         </p:nvSpPr>
         <p:spPr/>
         <p:txBody>
-          <a:bodyPr/>
+          <a:bodyPr>
+            <a:normAutofit/>
+          </a:bodyPr>
           <a:lstStyle/>
           <a:p>
             <a:r>
               <a:rPr lang="en-US" dirty="0"/>
-              <a:t>Three key capabilities not found together in any other system</a:t>
-            </a:r>
-          </a:p>
-          <a:p>
+              <a:t>Three </a:t>
+            </a:r>
+            <a:r>
+              <a:rPr lang="en-US" dirty="0" smtClean="0"/>
+              <a:t>are key </a:t>
+            </a:r>
             <a:r>
               <a:rPr lang="en-US" dirty="0"/>
-              <a:t>	programming model and implementation based on asynchronous communicating state machines</a:t>
-            </a:r>
-          </a:p>
-          <a:p>
+              <a:t>capabilities not found together in any other </a:t>
+            </a:r>
+            <a:r>
+              <a:rPr lang="en-US" dirty="0" smtClean="0"/>
+              <a:t>system:</a:t>
+            </a:r>
+            <a:endParaRPr lang="en-US" dirty="0"/>
+          </a:p>
+          <a:p>
+            <a:pPr marL="457200" indent="-457200">
+              <a:buFont typeface="+mj-lt"/>
+              <a:buAutoNum type="arabicPeriod"/>
+            </a:pPr>
             <a:r>
               <a:rPr lang="en-US" dirty="0"/>
-              <a:t>	safety and liveness specifications</a:t>
-            </a:r>
-          </a:p>
-          <a:p>
+              <a:t>P</a:t>
+            </a:r>
+            <a:r>
+              <a:rPr lang="en-US" dirty="0" smtClean="0"/>
+              <a:t>rogramming </a:t>
+            </a:r>
             <a:r>
               <a:rPr lang="en-US" dirty="0"/>
-              <a:t>	controlled concurrency testing and reproducible error traces</a:t>
-            </a:r>
-          </a:p>
-          <a:p>
+              <a:t>model and implementation based on asynchronous communicating state </a:t>
+            </a:r>
+            <a:r>
+              <a:rPr lang="en-US" dirty="0" smtClean="0"/>
+              <a:t>machines.</a:t>
+            </a:r>
+          </a:p>
+          <a:p>
+            <a:pPr marL="457200" indent="-457200">
+              <a:buFont typeface="+mj-lt"/>
+              <a:buAutoNum type="arabicPeriod"/>
+            </a:pPr>
             <a:r>
               <a:rPr lang="en-US" dirty="0"/>
-              <a:t>What about model checkers?</a:t>
-            </a:r>
-          </a:p>
-          <a:p>
-            <a:pPr lvl="1"/>
+              <a:t>S</a:t>
+            </a:r>
+            <a:r>
+              <a:rPr lang="en-US" dirty="0" smtClean="0"/>
+              <a:t>afety </a:t>
+            </a:r>
             <a:r>
               <a:rPr lang="en-US" dirty="0"/>
-              <a:t>No methodology for connecting specifications to executable code</a:t>
-            </a:r>
-          </a:p>
-          <a:p>
-            <a:pPr lvl="1"/>
-            <a:endParaRPr lang="en-US" dirty="0"/>
-          </a:p>
-          <a:p>
-            <a:pPr marL="201168" lvl="1" indent="0">
-              <a:buNone/>
+              <a:t>and liveness </a:t>
+            </a:r>
+            <a:r>
+              <a:rPr lang="en-US" dirty="0" smtClean="0"/>
+              <a:t>specifications.</a:t>
+            </a:r>
+          </a:p>
+          <a:p>
+            <a:pPr marL="457200" indent="-457200">
+              <a:buFont typeface="+mj-lt"/>
+              <a:buAutoNum type="arabicPeriod"/>
             </a:pPr>
             <a:r>
               <a:rPr lang="en-US" dirty="0"/>
-              <a:t>What about </a:t>
-            </a:r>
-            <a:r>
-              <a:rPr lang="en-US" dirty="0" err="1"/>
-              <a:t>fuzzers</a:t>
+              <a:t>C</a:t>
+            </a:r>
+            <a:r>
+              <a:rPr lang="en-US" dirty="0" smtClean="0"/>
+              <a:t>ontrolled </a:t>
             </a:r>
             <a:r>
               <a:rPr lang="en-US" dirty="0"/>
-              <a:t>?</a:t>
-            </a:r>
-          </a:p>
-          <a:p>
-            <a:pPr lvl="1">
-              <a:buFontTx/>
-              <a:buChar char="-"/>
+              <a:t>concurrency testing and reproducible error </a:t>
+            </a:r>
+            <a:r>
+              <a:rPr lang="en-US" dirty="0" smtClean="0"/>
+              <a:t>traces.</a:t>
+            </a:r>
+          </a:p>
+          <a:p>
+            <a:pPr marL="457200" indent="-457200">
+              <a:buFont typeface="+mj-lt"/>
+              <a:buAutoNum type="arabicPeriod"/>
             </a:pPr>
             <a:r>
-              <a:rPr lang="en-US" dirty="0"/>
-              <a:t>No specifications, not reproducible error traces</a:t>
-            </a:r>
-          </a:p>
-          <a:p>
-            <a:pPr lvl="1">
-              <a:buFontTx/>
-              <a:buChar char="-"/>
+              <a:rPr lang="en-US" dirty="0" smtClean="0"/>
+              <a:t>Module System for Compositional Reasoning</a:t>
+            </a:r>
+          </a:p>
+          <a:p>
+            <a:pPr marL="457200" indent="-457200">
+              <a:buFont typeface="+mj-lt"/>
+              <a:buAutoNum type="arabicPeriod"/>
             </a:pPr>
             <a:endParaRPr lang="en-US" dirty="0"/>
           </a:p>
           <a:p>
-            <a:pPr lvl="1">
-              <a:buFontTx/>
-              <a:buChar char="-"/>
-            </a:pPr>
             <a:r>
               <a:rPr lang="en-US" dirty="0"/>
-              <a:t>Is any </a:t>
-            </a:r>
-            <a:r>
-              <a:rPr lang="en-US"/>
-              <a:t>other comparison needed?</a:t>
+              <a:t>What about model </a:t>
+            </a:r>
+            <a:r>
+              <a:rPr lang="en-US" dirty="0" smtClean="0"/>
+              <a:t>checkers (SPIN, TLA, ..)?</a:t>
             </a:r>
             <a:endParaRPr lang="en-US" dirty="0"/>
+          </a:p>
+          <a:p>
+            <a:pPr marL="829818" lvl="1" indent="-342900"/>
+            <a:r>
+              <a:rPr lang="en-US" dirty="0" smtClean="0"/>
+              <a:t>No </a:t>
+            </a:r>
+            <a:r>
+              <a:rPr lang="en-US" dirty="0"/>
+              <a:t>methodology for connecting specifications to executable </a:t>
+            </a:r>
+            <a:r>
+              <a:rPr lang="en-US" dirty="0" smtClean="0"/>
+              <a:t>code</a:t>
+            </a:r>
+          </a:p>
+          <a:p>
+            <a:r>
+              <a:rPr lang="en-US" dirty="0" smtClean="0"/>
+              <a:t>What </a:t>
+            </a:r>
+            <a:r>
+              <a:rPr lang="en-US" dirty="0"/>
+              <a:t>about </a:t>
+            </a:r>
+            <a:r>
+              <a:rPr lang="en-US" dirty="0" err="1" smtClean="0"/>
+              <a:t>fuzzers</a:t>
+            </a:r>
+            <a:r>
+              <a:rPr lang="en-US" dirty="0" smtClean="0"/>
+              <a:t>?</a:t>
+            </a:r>
+          </a:p>
+          <a:p>
+            <a:pPr marL="829818" lvl="1" indent="-342900"/>
+            <a:r>
+              <a:rPr lang="en-US" dirty="0" smtClean="0"/>
+              <a:t>No </a:t>
+            </a:r>
+            <a:r>
+              <a:rPr lang="en-US" dirty="0"/>
+              <a:t>specifications, not reproducible error </a:t>
+            </a:r>
+            <a:r>
+              <a:rPr lang="en-US" dirty="0" smtClean="0"/>
+              <a:t>traces</a:t>
+            </a:r>
           </a:p>
           <a:p>
             <a:endParaRPr lang="en-US" dirty="0"/>

--- a/Presentations/1 - Introduction.pptx
+++ b/Presentations/1 - Introduction.pptx
@@ -5,10 +5,10 @@
     <p:sldMasterId id="2147483672" r:id="rId1"/>
   </p:sldMasterIdLst>
   <p:notesMasterIdLst>
-    <p:notesMasterId r:id="rId15"/>
+    <p:notesMasterId r:id="rId16"/>
   </p:notesMasterIdLst>
   <p:handoutMasterIdLst>
-    <p:handoutMasterId r:id="rId16"/>
+    <p:handoutMasterId r:id="rId17"/>
   </p:handoutMasterIdLst>
   <p:sldIdLst>
     <p:sldId id="256" r:id="rId2"/>
@@ -21,9 +21,10 @@
     <p:sldId id="263" r:id="rId9"/>
     <p:sldId id="264" r:id="rId10"/>
     <p:sldId id="265" r:id="rId11"/>
-    <p:sldId id="266" r:id="rId12"/>
-    <p:sldId id="268" r:id="rId13"/>
-    <p:sldId id="269" r:id="rId14"/>
+    <p:sldId id="270" r:id="rId12"/>
+    <p:sldId id="266" r:id="rId13"/>
+    <p:sldId id="268" r:id="rId14"/>
+    <p:sldId id="269" r:id="rId15"/>
   </p:sldIdLst>
   <p:sldSz cx="9144000" cy="6858000" type="screen4x3"/>
   <p:notesSz cx="6858000" cy="9144000"/>
@@ -227,7 +228,7 @@
           <a:p>
             <a:fld id="{FC61A6FD-3ACD-4666-B601-2198EA538879}" type="datetimeFigureOut">
               <a:rPr lang="en-US" smtClean="0"/>
-              <a:t>6/22/2019</a:t>
+              <a:t>6/22/19</a:t>
             </a:fld>
             <a:endParaRPr lang="en-US"/>
           </a:p>
@@ -405,7 +406,7 @@
           <a:p>
             <a:fld id="{37DF9D4D-9EA6-4037-AB5B-4AEE090FBDF0}" type="datetimeFigureOut">
               <a:rPr lang="en-US" smtClean="0"/>
-              <a:t>6/22/2019</a:t>
+              <a:t>6/22/19</a:t>
             </a:fld>
             <a:endParaRPr lang="en-US"/>
           </a:p>
@@ -3969,7 +3970,13 @@
       </p:grpSpPr>
       <p:sp>
         <p:nvSpPr>
-          <p:cNvPr id="2" name="Title 1"/>
+          <p:cNvPr id="2" name="Title 1">
+            <a:extLst>
+              <a:ext uri="{FF2B5EF4-FFF2-40B4-BE49-F238E27FC236}">
+                <a16:creationId xmlns:a16="http://schemas.microsoft.com/office/drawing/2014/main" id="{5B04AB32-C99F-3141-A45B-C14C2C45B586}"/>
+              </a:ext>
+            </a:extLst>
+          </p:cNvPr>
           <p:cNvSpPr>
             <a:spLocks noGrp="1"/>
           </p:cNvSpPr>
@@ -3984,14 +3991,72 @@
           <a:p>
             <a:r>
               <a:rPr lang="en-US" dirty="0"/>
-              <a:t>Teams that Used/Adapted P</a:t>
-            </a:r>
-          </a:p>
-        </p:txBody>
-      </p:sp>
-      <p:sp>
-        <p:nvSpPr>
-          <p:cNvPr id="4" name="Date Placeholder 3"/>
+              <a:t>Evolution</a:t>
+            </a:r>
+          </a:p>
+        </p:txBody>
+      </p:sp>
+      <p:sp>
+        <p:nvSpPr>
+          <p:cNvPr id="3" name="Content Placeholder 2">
+            <a:extLst>
+              <a:ext uri="{FF2B5EF4-FFF2-40B4-BE49-F238E27FC236}">
+                <a16:creationId xmlns:a16="http://schemas.microsoft.com/office/drawing/2014/main" id="{EEE6A9BC-5563-1B41-9FE0-AFE5C030FB7C}"/>
+              </a:ext>
+            </a:extLst>
+          </p:cNvPr>
+          <p:cNvSpPr>
+            <a:spLocks noGrp="1"/>
+          </p:cNvSpPr>
+          <p:nvPr>
+            <p:ph idx="1"/>
+          </p:nvPr>
+        </p:nvSpPr>
+        <p:spPr/>
+        <p:txBody>
+          <a:bodyPr/>
+          <a:lstStyle/>
+          <a:p>
+            <a:r>
+              <a:rPr lang="en-US" dirty="0"/>
+              <a:t>2013: Methodology and programming model developed</a:t>
+            </a:r>
+          </a:p>
+          <a:p>
+            <a:r>
+              <a:rPr lang="en-US" dirty="0"/>
+              <a:t>2014: First compiler with C and Zing backend</a:t>
+            </a:r>
+          </a:p>
+          <a:p>
+            <a:r>
+              <a:rPr lang="en-US" dirty="0"/>
+              <a:t>2015: P# provides methodology in C# on .NET</a:t>
+            </a:r>
+          </a:p>
+          <a:p>
+            <a:r>
+              <a:rPr lang="en-US" dirty="0"/>
+              <a:t>2016-2018: Gradual adoption of P# in Azure services</a:t>
+            </a:r>
+          </a:p>
+          <a:p>
+            <a:r>
+              <a:rPr lang="en-US" dirty="0"/>
+              <a:t>2018: P modules designed and new compiler targeting C and P#</a:t>
+            </a:r>
+          </a:p>
+        </p:txBody>
+      </p:sp>
+      <p:sp>
+        <p:nvSpPr>
+          <p:cNvPr id="4" name="Date Placeholder 3">
+            <a:extLst>
+              <a:ext uri="{FF2B5EF4-FFF2-40B4-BE49-F238E27FC236}">
+                <a16:creationId xmlns:a16="http://schemas.microsoft.com/office/drawing/2014/main" id="{AA59199A-96CB-6646-A842-25C2F27DFFC2}"/>
+              </a:ext>
+            </a:extLst>
+          </p:cNvPr>
           <p:cNvSpPr>
             <a:spLocks noGrp="1"/>
           </p:cNvSpPr>
@@ -4014,7 +4079,13 @@
       </p:sp>
       <p:sp>
         <p:nvSpPr>
-          <p:cNvPr id="5" name="Footer Placeholder 4"/>
+          <p:cNvPr id="5" name="Footer Placeholder 4">
+            <a:extLst>
+              <a:ext uri="{FF2B5EF4-FFF2-40B4-BE49-F238E27FC236}">
+                <a16:creationId xmlns:a16="http://schemas.microsoft.com/office/drawing/2014/main" id="{55E82F66-6B0F-5045-887D-E2FB407C4A4F}"/>
+              </a:ext>
+            </a:extLst>
+          </p:cNvPr>
           <p:cNvSpPr>
             <a:spLocks noGrp="1"/>
           </p:cNvSpPr>
@@ -4037,7 +4108,13 @@
       </p:sp>
       <p:sp>
         <p:nvSpPr>
-          <p:cNvPr id="6" name="Slide Number Placeholder 5"/>
+          <p:cNvPr id="6" name="Slide Number Placeholder 5">
+            <a:extLst>
+              <a:ext uri="{FF2B5EF4-FFF2-40B4-BE49-F238E27FC236}">
+                <a16:creationId xmlns:a16="http://schemas.microsoft.com/office/drawing/2014/main" id="{ED944039-2772-5346-A725-EF9F2643D9EB}"/>
+              </a:ext>
+            </a:extLst>
+          </p:cNvPr>
           <p:cNvSpPr>
             <a:spLocks noGrp="1"/>
           </p:cNvSpPr>
@@ -4059,175 +4136,10 @@
           </a:p>
         </p:txBody>
       </p:sp>
-      <p:sp>
-        <p:nvSpPr>
-          <p:cNvPr id="7" name="TextBox 6">
-            <a:extLst>
-              <a:ext uri="{FF2B5EF4-FFF2-40B4-BE49-F238E27FC236}">
-                <a16:creationId xmlns:a16="http://schemas.microsoft.com/office/drawing/2014/main" id="{F08F6105-3280-4FB7-82BC-D9E799566739}"/>
-              </a:ext>
-            </a:extLst>
-          </p:cNvPr>
-          <p:cNvSpPr txBox="1"/>
-          <p:nvPr/>
-        </p:nvSpPr>
-        <p:spPr>
-          <a:xfrm>
-            <a:off x="527664" y="1727363"/>
-            <a:ext cx="3430555" cy="4524315"/>
-          </a:xfrm>
-          <a:prstGeom prst="rect">
-            <a:avLst/>
-          </a:prstGeom>
-          <a:noFill/>
-        </p:spPr>
-        <p:txBody>
-          <a:bodyPr wrap="none" rtlCol="0">
-            <a:spAutoFit/>
-          </a:bodyPr>
-          <a:lstStyle/>
-          <a:p>
-            <a:r>
-              <a:rPr lang="en-US" sz="3600" dirty="0">
-                <a:solidFill>
-                  <a:srgbClr val="FF0000"/>
-                </a:solidFill>
-              </a:rPr>
-              <a:t>Drivers</a:t>
-            </a:r>
-          </a:p>
-          <a:p>
-            <a:pPr lvl="0"/>
-            <a:endParaRPr lang="en-US" sz="2800" dirty="0"/>
-          </a:p>
-          <a:p>
-            <a:pPr lvl="0"/>
-            <a:r>
-              <a:rPr lang="en-US" sz="2800" dirty="0"/>
-              <a:t>USB host</a:t>
-            </a:r>
-          </a:p>
-          <a:p>
-            <a:pPr lvl="0"/>
-            <a:r>
-              <a:rPr lang="en-US" sz="2800" dirty="0"/>
-              <a:t>USB function </a:t>
-            </a:r>
-          </a:p>
-          <a:p>
-            <a:pPr lvl="0"/>
-            <a:r>
-              <a:rPr lang="en-US" sz="2800" dirty="0"/>
-              <a:t>UART class extension</a:t>
-            </a:r>
-          </a:p>
-          <a:p>
-            <a:pPr lvl="0"/>
-            <a:r>
-              <a:rPr lang="en-US" sz="2800" dirty="0"/>
-              <a:t>Hid class</a:t>
-            </a:r>
-          </a:p>
-          <a:p>
-            <a:pPr lvl="0"/>
-            <a:r>
-              <a:rPr lang="en-US" sz="2800" dirty="0"/>
-              <a:t>USB Type C stack </a:t>
-            </a:r>
-          </a:p>
-          <a:p>
-            <a:pPr lvl="0"/>
-            <a:r>
-              <a:rPr lang="en-US" sz="2800" dirty="0"/>
-              <a:t>Media Agnostic USB </a:t>
-            </a:r>
-          </a:p>
-          <a:p>
-            <a:pPr lvl="0"/>
-            <a:r>
-              <a:rPr lang="en-US" sz="2800" dirty="0"/>
-              <a:t>Bluetooth</a:t>
-            </a:r>
-          </a:p>
-          <a:p>
-            <a:pPr lvl="0"/>
-            <a:r>
-              <a:rPr lang="en-US" sz="2800" dirty="0"/>
-              <a:t>…</a:t>
-            </a:r>
-          </a:p>
-        </p:txBody>
-      </p:sp>
-      <p:sp>
-        <p:nvSpPr>
-          <p:cNvPr id="8" name="TextBox 7">
-            <a:extLst>
-              <a:ext uri="{FF2B5EF4-FFF2-40B4-BE49-F238E27FC236}">
-                <a16:creationId xmlns:a16="http://schemas.microsoft.com/office/drawing/2014/main" id="{B1A8D5B1-5D04-49E8-9B54-211B7E08D6F3}"/>
-              </a:ext>
-            </a:extLst>
-          </p:cNvPr>
-          <p:cNvSpPr txBox="1"/>
-          <p:nvPr/>
-        </p:nvSpPr>
-        <p:spPr>
-          <a:xfrm>
-            <a:off x="4620341" y="1727363"/>
-            <a:ext cx="2747868" cy="2800767"/>
-          </a:xfrm>
-          <a:prstGeom prst="rect">
-            <a:avLst/>
-          </a:prstGeom>
-          <a:noFill/>
-        </p:spPr>
-        <p:txBody>
-          <a:bodyPr wrap="none" rtlCol="0">
-            <a:spAutoFit/>
-          </a:bodyPr>
-          <a:lstStyle/>
-          <a:p>
-            <a:r>
-              <a:rPr lang="en-US" sz="3600" dirty="0">
-                <a:solidFill>
-                  <a:srgbClr val="FF0000"/>
-                </a:solidFill>
-              </a:rPr>
-              <a:t>Services</a:t>
-            </a:r>
-          </a:p>
-          <a:p>
-            <a:endParaRPr lang="en-US" sz="2800" dirty="0"/>
-          </a:p>
-          <a:p>
-            <a:r>
-              <a:rPr lang="en-US" sz="2800" dirty="0"/>
-              <a:t>Batch Service</a:t>
-            </a:r>
-          </a:p>
-          <a:p>
-            <a:r>
-              <a:rPr lang="en-US" sz="2800" dirty="0"/>
-              <a:t>Node Service</a:t>
-            </a:r>
-          </a:p>
-          <a:p>
-            <a:r>
-              <a:rPr lang="en-US" sz="2800" dirty="0"/>
-              <a:t>Learning Service</a:t>
-            </a:r>
-          </a:p>
-          <a:p>
-            <a:r>
-              <a:rPr lang="en-US" sz="2800" dirty="0"/>
-              <a:t>…</a:t>
-            </a:r>
-          </a:p>
-        </p:txBody>
-      </p:sp>
     </p:spTree>
     <p:extLst>
       <p:ext uri="{BB962C8B-B14F-4D97-AF65-F5344CB8AC3E}">
-        <p14:creationId xmlns:p14="http://schemas.microsoft.com/office/powerpoint/2010/main" val="3539792612"/>
+        <p14:creationId xmlns:p14="http://schemas.microsoft.com/office/powerpoint/2010/main" val="2004207819"/>
       </p:ext>
     </p:extLst>
   </p:cSld>
@@ -4266,190 +4178,13 @@
         </p:nvSpPr>
         <p:spPr/>
         <p:txBody>
-          <a:bodyPr>
-            <a:noAutofit/>
-          </a:bodyPr>
-          <a:lstStyle/>
-          <a:p>
-            <a:r>
-              <a:rPr lang="en-US" sz="3600" dirty="0"/>
-              <a:t>Journey and Lessons</a:t>
-            </a:r>
-          </a:p>
-        </p:txBody>
-      </p:sp>
-      <p:sp>
-        <p:nvSpPr>
-          <p:cNvPr id="3" name="Content Placeholder 2"/>
-          <p:cNvSpPr>
-            <a:spLocks noGrp="1"/>
-          </p:cNvSpPr>
-          <p:nvPr>
-            <p:ph idx="1"/>
-          </p:nvPr>
-        </p:nvSpPr>
-        <p:spPr/>
-        <p:txBody>
-          <a:bodyPr>
-            <a:normAutofit fontScale="92500" lnSpcReduction="10000"/>
-          </a:bodyPr>
-          <a:lstStyle/>
-          <a:p>
-            <a:pPr marL="342900" indent="-342900">
-              <a:buFont typeface="Arial" panose="020B0604020202020204" pitchFamily="34" charset="0"/>
-              <a:buChar char="•"/>
-            </a:pPr>
-            <a:r>
-              <a:rPr lang="en-US" i="1" dirty="0" smtClean="0"/>
-              <a:t>“Connecting </a:t>
-            </a:r>
-            <a:r>
-              <a:rPr lang="en-US" i="1" dirty="0"/>
-              <a:t>specifications to executable code is </a:t>
-            </a:r>
-            <a:r>
-              <a:rPr lang="en-US" i="1" dirty="0" smtClean="0"/>
-              <a:t>difficult”</a:t>
-            </a:r>
-          </a:p>
-          <a:p>
-            <a:pPr marL="829818" lvl="1" indent="-342900"/>
-            <a:r>
-              <a:rPr lang="en-US" dirty="0" smtClean="0"/>
-              <a:t>even </a:t>
-            </a:r>
+          <a:bodyPr/>
+          <a:lstStyle/>
+          <a:p>
             <a:r>
               <a:rPr lang="en-US" dirty="0"/>
-              <a:t>if the goal is less ambitious </a:t>
-            </a:r>
-            <a:r>
-              <a:rPr lang="en-US" dirty="0" smtClean="0"/>
-              <a:t>than </a:t>
-            </a:r>
-            <a:r>
-              <a:rPr lang="en-US" dirty="0"/>
-              <a:t>full proof</a:t>
-            </a:r>
-          </a:p>
-          <a:p>
-            <a:endParaRPr lang="en-US" dirty="0"/>
-          </a:p>
-          <a:p>
-            <a:pPr marL="342900" indent="-342900">
-              <a:buFont typeface="Arial" panose="020B0604020202020204" pitchFamily="34" charset="0"/>
-              <a:buChar char="•"/>
-            </a:pPr>
-            <a:r>
-              <a:rPr lang="en-US" i="1" dirty="0" smtClean="0"/>
-              <a:t>“Nondeterminism </a:t>
-            </a:r>
-            <a:r>
-              <a:rPr lang="en-US" i="1" dirty="0"/>
-              <a:t>is pervasive in concurrent and distributed </a:t>
-            </a:r>
-            <a:r>
-              <a:rPr lang="en-US" i="1" dirty="0" smtClean="0"/>
-              <a:t>systems”</a:t>
-            </a:r>
-            <a:endParaRPr lang="en-US" i="1" dirty="0"/>
-          </a:p>
-          <a:p>
-            <a:pPr marL="829818" lvl="1" indent="-342900"/>
-            <a:r>
-              <a:rPr lang="en-US" dirty="0" smtClean="0"/>
-              <a:t>runtimes </a:t>
-            </a:r>
-            <a:r>
-              <a:rPr lang="en-US" dirty="0"/>
-              <a:t>must be designed with control in mind; too difficult to add it after the fact</a:t>
-            </a:r>
-          </a:p>
-          <a:p>
-            <a:endParaRPr lang="en-US" dirty="0"/>
-          </a:p>
-          <a:p>
-            <a:pPr marL="342900" indent="-342900">
-              <a:buFont typeface="Arial" panose="020B0604020202020204" pitchFamily="34" charset="0"/>
-              <a:buChar char="•"/>
-            </a:pPr>
-            <a:r>
-              <a:rPr lang="en-US" dirty="0" smtClean="0"/>
-              <a:t>“</a:t>
-            </a:r>
-            <a:r>
-              <a:rPr lang="en-US" i="1" dirty="0" smtClean="0"/>
-              <a:t>Getting a new language adopted is difficult</a:t>
-            </a:r>
-            <a:r>
-              <a:rPr lang="en-US" dirty="0" smtClean="0"/>
-              <a:t>”</a:t>
-            </a:r>
-          </a:p>
-          <a:p>
-            <a:pPr marL="829818" lvl="1" indent="-342900"/>
-            <a:r>
-              <a:rPr lang="en-US" dirty="0" smtClean="0"/>
-              <a:t>even </a:t>
-            </a:r>
-            <a:r>
-              <a:rPr lang="en-US" dirty="0"/>
-              <a:t>if you have the most amazing feature X because practically Y1, …, </a:t>
-            </a:r>
-            <a:r>
-              <a:rPr lang="en-US" dirty="0" err="1"/>
-              <a:t>Yn</a:t>
-            </a:r>
-            <a:r>
-              <a:rPr lang="en-US" dirty="0"/>
-              <a:t> are also needed</a:t>
-            </a:r>
-          </a:p>
-          <a:p>
-            <a:endParaRPr lang="en-US" dirty="0"/>
-          </a:p>
-          <a:p>
-            <a:pPr marL="342900" indent="-342900">
-              <a:buFont typeface="Arial" panose="020B0604020202020204" pitchFamily="34" charset="0"/>
-              <a:buChar char="•"/>
-            </a:pPr>
-            <a:r>
-              <a:rPr lang="en-US" dirty="0" smtClean="0"/>
-              <a:t>“</a:t>
-            </a:r>
-            <a:r>
-              <a:rPr lang="en-US" i="1" dirty="0" smtClean="0"/>
-              <a:t>Compiler </a:t>
-            </a:r>
-            <a:r>
-              <a:rPr lang="en-US" i="1" dirty="0"/>
-              <a:t>and runtime are two different </a:t>
-            </a:r>
-            <a:r>
-              <a:rPr lang="en-US" i="1" dirty="0" smtClean="0"/>
-              <a:t>things</a:t>
-            </a:r>
-            <a:r>
-              <a:rPr lang="en-US" dirty="0" smtClean="0"/>
-              <a:t>”</a:t>
-            </a:r>
-            <a:endParaRPr lang="en-US" dirty="0"/>
-          </a:p>
-          <a:p>
-            <a:pPr marL="829818" lvl="1" indent="-342900"/>
-            <a:r>
-              <a:rPr lang="en-US" dirty="0" smtClean="0"/>
-              <a:t>usable </a:t>
-            </a:r>
-            <a:r>
-              <a:rPr lang="en-US" dirty="0"/>
-              <a:t>runtime is prerequisite for a usable compiler</a:t>
-            </a:r>
-          </a:p>
-          <a:p>
-            <a:endParaRPr lang="en-US" dirty="0"/>
-          </a:p>
-          <a:p>
-            <a:endParaRPr lang="en-US" dirty="0"/>
+              <a:t>Teams that Used/Adapted P</a:t>
+            </a:r>
           </a:p>
         </p:txBody>
       </p:sp>
@@ -4523,16 +4258,303 @@
           </a:p>
         </p:txBody>
       </p:sp>
+      <p:sp>
+        <p:nvSpPr>
+          <p:cNvPr id="7" name="TextBox 6">
+            <a:extLst>
+              <a:ext uri="{FF2B5EF4-FFF2-40B4-BE49-F238E27FC236}">
+                <a16:creationId xmlns:a16="http://schemas.microsoft.com/office/drawing/2014/main" id="{F08F6105-3280-4FB7-82BC-D9E799566739}"/>
+              </a:ext>
+            </a:extLst>
+          </p:cNvPr>
+          <p:cNvSpPr txBox="1"/>
+          <p:nvPr/>
+        </p:nvSpPr>
+        <p:spPr>
+          <a:xfrm>
+            <a:off x="527664" y="1727363"/>
+            <a:ext cx="3430555" cy="4524315"/>
+          </a:xfrm>
+          <a:prstGeom prst="rect">
+            <a:avLst/>
+          </a:prstGeom>
+          <a:noFill/>
+        </p:spPr>
+        <p:txBody>
+          <a:bodyPr wrap="none" rtlCol="0">
+            <a:spAutoFit/>
+          </a:bodyPr>
+          <a:lstStyle/>
+          <a:p>
+            <a:r>
+              <a:rPr lang="en-US" sz="3600" dirty="0">
+                <a:solidFill>
+                  <a:srgbClr val="FF0000"/>
+                </a:solidFill>
+              </a:rPr>
+              <a:t>P Drivers</a:t>
+            </a:r>
+          </a:p>
+          <a:p>
+            <a:pPr lvl="0"/>
+            <a:endParaRPr lang="en-US" sz="2800" dirty="0"/>
+          </a:p>
+          <a:p>
+            <a:pPr lvl="0"/>
+            <a:r>
+              <a:rPr lang="en-US" sz="2800" dirty="0"/>
+              <a:t>USB host</a:t>
+            </a:r>
+          </a:p>
+          <a:p>
+            <a:pPr lvl="0"/>
+            <a:r>
+              <a:rPr lang="en-US" sz="2800" dirty="0"/>
+              <a:t>USB function </a:t>
+            </a:r>
+          </a:p>
+          <a:p>
+            <a:pPr lvl="0"/>
+            <a:r>
+              <a:rPr lang="en-US" sz="2800" dirty="0"/>
+              <a:t>UART class extension</a:t>
+            </a:r>
+          </a:p>
+          <a:p>
+            <a:pPr lvl="0"/>
+            <a:r>
+              <a:rPr lang="en-US" sz="2800" dirty="0"/>
+              <a:t>Hid class</a:t>
+            </a:r>
+          </a:p>
+          <a:p>
+            <a:pPr lvl="0"/>
+            <a:r>
+              <a:rPr lang="en-US" sz="2800" dirty="0"/>
+              <a:t>USB Type C stack </a:t>
+            </a:r>
+          </a:p>
+          <a:p>
+            <a:pPr lvl="0"/>
+            <a:r>
+              <a:rPr lang="en-US" sz="2800" dirty="0"/>
+              <a:t>Media Agnostic USB </a:t>
+            </a:r>
+          </a:p>
+          <a:p>
+            <a:pPr lvl="0"/>
+            <a:r>
+              <a:rPr lang="en-US" sz="2800" dirty="0"/>
+              <a:t>Bluetooth</a:t>
+            </a:r>
+          </a:p>
+          <a:p>
+            <a:pPr lvl="0"/>
+            <a:r>
+              <a:rPr lang="en-US" sz="2800" dirty="0"/>
+              <a:t>…</a:t>
+            </a:r>
+          </a:p>
+        </p:txBody>
+      </p:sp>
+      <p:sp>
+        <p:nvSpPr>
+          <p:cNvPr id="8" name="TextBox 7">
+            <a:extLst>
+              <a:ext uri="{FF2B5EF4-FFF2-40B4-BE49-F238E27FC236}">
+                <a16:creationId xmlns:a16="http://schemas.microsoft.com/office/drawing/2014/main" id="{B1A8D5B1-5D04-49E8-9B54-211B7E08D6F3}"/>
+              </a:ext>
+            </a:extLst>
+          </p:cNvPr>
+          <p:cNvSpPr txBox="1"/>
+          <p:nvPr/>
+        </p:nvSpPr>
+        <p:spPr>
+          <a:xfrm>
+            <a:off x="4620341" y="1727363"/>
+            <a:ext cx="2725361" cy="2800767"/>
+          </a:xfrm>
+          <a:prstGeom prst="rect">
+            <a:avLst/>
+          </a:prstGeom>
+          <a:noFill/>
+        </p:spPr>
+        <p:txBody>
+          <a:bodyPr wrap="none" rtlCol="0">
+            <a:spAutoFit/>
+          </a:bodyPr>
+          <a:lstStyle/>
+          <a:p>
+            <a:r>
+              <a:rPr lang="en-US" sz="3600" dirty="0">
+                <a:solidFill>
+                  <a:srgbClr val="FF0000"/>
+                </a:solidFill>
+              </a:rPr>
+              <a:t>P# Services</a:t>
+            </a:r>
+          </a:p>
+          <a:p>
+            <a:endParaRPr lang="en-US" sz="2800" dirty="0"/>
+          </a:p>
+          <a:p>
+            <a:r>
+              <a:rPr lang="en-US" sz="2800" dirty="0"/>
+              <a:t>Batch (&gt;1)</a:t>
+            </a:r>
+          </a:p>
+          <a:p>
+            <a:r>
+              <a:rPr lang="en-US" sz="2800" dirty="0"/>
+              <a:t>Blockchain (&gt;1)</a:t>
+            </a:r>
+          </a:p>
+          <a:p>
+            <a:r>
+              <a:rPr lang="en-US" sz="2800" dirty="0" err="1"/>
+              <a:t>PreProvisioning</a:t>
+            </a:r>
+            <a:endParaRPr lang="en-US" sz="2800" dirty="0"/>
+          </a:p>
+          <a:p>
+            <a:r>
+              <a:rPr lang="en-US" sz="2800" dirty="0" err="1"/>
+              <a:t>AzMove</a:t>
+            </a:r>
+            <a:endParaRPr lang="en-US" sz="2800" dirty="0"/>
+          </a:p>
+        </p:txBody>
+      </p:sp>
+      <p:sp>
+        <p:nvSpPr>
+          <p:cNvPr id="3" name="TextBox 2">
+            <a:extLst>
+              <a:ext uri="{FF2B5EF4-FFF2-40B4-BE49-F238E27FC236}">
+                <a16:creationId xmlns:a16="http://schemas.microsoft.com/office/drawing/2014/main" id="{010F33DB-31CF-414B-A831-97B30B385241}"/>
+              </a:ext>
+            </a:extLst>
+          </p:cNvPr>
+          <p:cNvSpPr txBox="1"/>
+          <p:nvPr/>
+        </p:nvSpPr>
+        <p:spPr>
+          <a:xfrm>
+            <a:off x="4572000" y="5244120"/>
+            <a:ext cx="4141583" cy="707886"/>
+          </a:xfrm>
+          <a:prstGeom prst="rect">
+            <a:avLst/>
+          </a:prstGeom>
+          <a:noFill/>
+        </p:spPr>
+        <p:txBody>
+          <a:bodyPr wrap="none" rtlCol="0">
+            <a:spAutoFit/>
+          </a:bodyPr>
+          <a:lstStyle/>
+          <a:p>
+            <a:r>
+              <a:rPr lang="en-US" sz="2000" dirty="0"/>
+              <a:t>Custom implementations of P model</a:t>
+            </a:r>
+          </a:p>
+          <a:p>
+            <a:r>
+              <a:rPr lang="en-US" sz="2000" dirty="0"/>
+              <a:t>in two services in Office and Azure</a:t>
+            </a:r>
+            <a:endParaRPr lang="en-US" sz="2800" dirty="0"/>
+          </a:p>
+        </p:txBody>
+      </p:sp>
     </p:spTree>
     <p:extLst>
       <p:ext uri="{BB962C8B-B14F-4D97-AF65-F5344CB8AC3E}">
-        <p14:creationId xmlns:p14="http://schemas.microsoft.com/office/powerpoint/2010/main" val="2967098540"/>
+        <p14:creationId xmlns:p14="http://schemas.microsoft.com/office/powerpoint/2010/main" val="3539792612"/>
       </p:ext>
     </p:extLst>
   </p:cSld>
   <p:clrMapOvr>
     <a:masterClrMapping/>
   </p:clrMapOvr>
+  <p:timing>
+    <p:tnLst>
+      <p:par>
+        <p:cTn id="1" dur="indefinite" restart="never" nodeType="tmRoot">
+          <p:childTnLst>
+            <p:seq concurrent="1" nextAc="seek">
+              <p:cTn id="2" dur="indefinite" nodeType="mainSeq">
+                <p:childTnLst>
+                  <p:par>
+                    <p:cTn id="3" fill="hold">
+                      <p:stCondLst>
+                        <p:cond delay="indefinite"/>
+                      </p:stCondLst>
+                      <p:childTnLst>
+                        <p:par>
+                          <p:cTn id="4" fill="hold">
+                            <p:stCondLst>
+                              <p:cond delay="0"/>
+                            </p:stCondLst>
+                            <p:childTnLst>
+                              <p:par>
+                                <p:cTn id="5" presetID="1" presetClass="entr" presetSubtype="0" fill="hold" grpId="0" nodeType="clickEffect">
+                                  <p:stCondLst>
+                                    <p:cond delay="0"/>
+                                  </p:stCondLst>
+                                  <p:childTnLst>
+                                    <p:set>
+                                      <p:cBhvr>
+                                        <p:cTn id="6" dur="1" fill="hold">
+                                          <p:stCondLst>
+                                            <p:cond delay="0"/>
+                                          </p:stCondLst>
+                                        </p:cTn>
+                                        <p:tgtEl>
+                                          <p:spTgt spid="3"/>
+                                        </p:tgtEl>
+                                        <p:attrNameLst>
+                                          <p:attrName>style.visibility</p:attrName>
+                                        </p:attrNameLst>
+                                      </p:cBhvr>
+                                      <p:to>
+                                        <p:strVal val="visible"/>
+                                      </p:to>
+                                    </p:set>
+                                  </p:childTnLst>
+                                </p:cTn>
+                              </p:par>
+                            </p:childTnLst>
+                          </p:cTn>
+                        </p:par>
+                      </p:childTnLst>
+                    </p:cTn>
+                  </p:par>
+                </p:childTnLst>
+              </p:cTn>
+              <p:prevCondLst>
+                <p:cond evt="onPrev" delay="0">
+                  <p:tgtEl>
+                    <p:sldTgt/>
+                  </p:tgtEl>
+                </p:cond>
+              </p:prevCondLst>
+              <p:nextCondLst>
+                <p:cond evt="onNext" delay="0">
+                  <p:tgtEl>
+                    <p:sldTgt/>
+                  </p:tgtEl>
+                </p:cond>
+              </p:nextCondLst>
+            </p:seq>
+          </p:childTnLst>
+        </p:cTn>
+      </p:par>
+    </p:tnLst>
+    <p:bldLst>
+      <p:bldP spid="3" grpId="0"/>
+    </p:bldLst>
+  </p:timing>
 </p:sld>
 </file>
 
@@ -4565,12 +4587,273 @@
         </p:nvSpPr>
         <p:spPr/>
         <p:txBody>
+          <a:bodyPr>
+            <a:noAutofit/>
+          </a:bodyPr>
+          <a:lstStyle/>
+          <a:p>
+            <a:r>
+              <a:rPr lang="en-US" sz="3600" dirty="0"/>
+              <a:t>Lessons</a:t>
+            </a:r>
+          </a:p>
+        </p:txBody>
+      </p:sp>
+      <p:sp>
+        <p:nvSpPr>
+          <p:cNvPr id="3" name="Content Placeholder 2"/>
+          <p:cNvSpPr>
+            <a:spLocks noGrp="1"/>
+          </p:cNvSpPr>
+          <p:nvPr>
+            <p:ph idx="1"/>
+          </p:nvPr>
+        </p:nvSpPr>
+        <p:spPr/>
+        <p:txBody>
+          <a:bodyPr>
+            <a:normAutofit fontScale="92500"/>
+          </a:bodyPr>
+          <a:lstStyle/>
+          <a:p>
+            <a:pPr marL="342900" indent="-342900">
+              <a:buFont typeface="Arial" panose="020B0604020202020204" pitchFamily="34" charset="0"/>
+              <a:buChar char="•"/>
+            </a:pPr>
+            <a:r>
+              <a:rPr lang="en-US" i="1" dirty="0"/>
+              <a:t>“Connecting specifications to executable code is difficult”</a:t>
+            </a:r>
+          </a:p>
+          <a:p>
+            <a:pPr marL="829818" lvl="1" indent="-342900"/>
+            <a:r>
+              <a:rPr lang="en-US" dirty="0"/>
+              <a:t>even if the goal is less ambitious than full proof</a:t>
+            </a:r>
+          </a:p>
+          <a:p>
+            <a:endParaRPr lang="en-US" dirty="0"/>
+          </a:p>
+          <a:p>
+            <a:pPr marL="342900" indent="-342900">
+              <a:buFont typeface="Arial" panose="020B0604020202020204" pitchFamily="34" charset="0"/>
+              <a:buChar char="•"/>
+            </a:pPr>
+            <a:r>
+              <a:rPr lang="en-US" i="1" dirty="0"/>
+              <a:t>“Nondeterminism is pervasive in concurrent and distributed systems”</a:t>
+            </a:r>
+          </a:p>
+          <a:p>
+            <a:pPr marL="829818" lvl="1" indent="-342900"/>
+            <a:r>
+              <a:rPr lang="en-US" dirty="0"/>
+              <a:t>runtimes must be designed with control in mind; too difficult to add later</a:t>
+            </a:r>
+          </a:p>
+          <a:p>
+            <a:endParaRPr lang="en-US" dirty="0"/>
+          </a:p>
+          <a:p>
+            <a:pPr marL="342900" indent="-342900">
+              <a:buFont typeface="Arial" panose="020B0604020202020204" pitchFamily="34" charset="0"/>
+              <a:buChar char="•"/>
+            </a:pPr>
+            <a:r>
+              <a:rPr lang="en-US" dirty="0"/>
+              <a:t>“</a:t>
+            </a:r>
+            <a:r>
+              <a:rPr lang="en-US" i="1" dirty="0"/>
+              <a:t>Getting a new language adopted is difficult</a:t>
+            </a:r>
+            <a:r>
+              <a:rPr lang="en-US" dirty="0"/>
+              <a:t>”</a:t>
+            </a:r>
+          </a:p>
+          <a:p>
+            <a:pPr marL="829818" lvl="1" indent="-342900"/>
+            <a:r>
+              <a:rPr lang="en-US" dirty="0"/>
+              <a:t>even if you have the most amazing feature X; practically Y</a:t>
+            </a:r>
+            <a:r>
+              <a:rPr lang="en-US" baseline="-25000" dirty="0"/>
+              <a:t>1</a:t>
+            </a:r>
+            <a:r>
+              <a:rPr lang="en-US" dirty="0"/>
+              <a:t>, …, </a:t>
+            </a:r>
+            <a:r>
+              <a:rPr lang="en-US" dirty="0" err="1"/>
+              <a:t>Y</a:t>
+            </a:r>
+            <a:r>
+              <a:rPr lang="en-US" baseline="-25000" dirty="0" err="1"/>
+              <a:t>n</a:t>
+            </a:r>
+            <a:r>
+              <a:rPr lang="en-US" dirty="0"/>
+              <a:t> are also needed</a:t>
+            </a:r>
+          </a:p>
+          <a:p>
+            <a:endParaRPr lang="en-US" dirty="0"/>
+          </a:p>
+          <a:p>
+            <a:pPr marL="342900" indent="-342900">
+              <a:buFont typeface="Arial" panose="020B0604020202020204" pitchFamily="34" charset="0"/>
+              <a:buChar char="•"/>
+            </a:pPr>
+            <a:r>
+              <a:rPr lang="en-US" dirty="0"/>
+              <a:t>“</a:t>
+            </a:r>
+            <a:r>
+              <a:rPr lang="en-US" i="1" dirty="0"/>
+              <a:t>Compiler and runtime are two different things</a:t>
+            </a:r>
+            <a:r>
+              <a:rPr lang="en-US" dirty="0"/>
+              <a:t>”</a:t>
+            </a:r>
+          </a:p>
+          <a:p>
+            <a:pPr marL="829818" lvl="1" indent="-342900"/>
+            <a:r>
+              <a:rPr lang="en-US" dirty="0"/>
+              <a:t>usable runtime is prerequisite for a usable compiler</a:t>
+            </a:r>
+          </a:p>
+          <a:p>
+            <a:endParaRPr lang="en-US" dirty="0"/>
+          </a:p>
+          <a:p>
+            <a:endParaRPr lang="en-US" dirty="0"/>
+          </a:p>
+        </p:txBody>
+      </p:sp>
+      <p:sp>
+        <p:nvSpPr>
+          <p:cNvPr id="4" name="Date Placeholder 3"/>
+          <p:cNvSpPr>
+            <a:spLocks noGrp="1"/>
+          </p:cNvSpPr>
+          <p:nvPr>
+            <p:ph type="dt" sz="half" idx="10"/>
+          </p:nvPr>
+        </p:nvSpPr>
+        <p:spPr/>
+        <p:txBody>
           <a:bodyPr/>
           <a:lstStyle/>
           <a:p>
             <a:r>
+              <a:rPr lang="en-US"/>
+              <a:t>PLDI 2019</a:t>
+            </a:r>
+            <a:endParaRPr lang="en-US" dirty="0"/>
+          </a:p>
+        </p:txBody>
+      </p:sp>
+      <p:sp>
+        <p:nvSpPr>
+          <p:cNvPr id="5" name="Footer Placeholder 4"/>
+          <p:cNvSpPr>
+            <a:spLocks noGrp="1"/>
+          </p:cNvSpPr>
+          <p:nvPr>
+            <p:ph type="ftr" sz="quarter" idx="11"/>
+          </p:nvPr>
+        </p:nvSpPr>
+        <p:spPr/>
+        <p:txBody>
+          <a:bodyPr/>
+          <a:lstStyle/>
+          <a:p>
+            <a:r>
+              <a:rPr lang="en-US"/>
+              <a:t>SafeAsync: Introduction</a:t>
+            </a:r>
+            <a:endParaRPr lang="en-US" dirty="0"/>
+          </a:p>
+        </p:txBody>
+      </p:sp>
+      <p:sp>
+        <p:nvSpPr>
+          <p:cNvPr id="6" name="Slide Number Placeholder 5"/>
+          <p:cNvSpPr>
+            <a:spLocks noGrp="1"/>
+          </p:cNvSpPr>
+          <p:nvPr>
+            <p:ph type="sldNum" sz="quarter" idx="12"/>
+          </p:nvPr>
+        </p:nvSpPr>
+        <p:spPr/>
+        <p:txBody>
+          <a:bodyPr/>
+          <a:lstStyle/>
+          <a:p>
+            <a:fld id="{77CC721F-1D71-470D-9ADD-E53F1C9EB23A}" type="slidenum">
+              <a:rPr lang="en-US" smtClean="0"/>
+              <a:pPr/>
+              <a:t>13</a:t>
+            </a:fld>
+            <a:endParaRPr lang="en-US" dirty="0"/>
+          </a:p>
+        </p:txBody>
+      </p:sp>
+    </p:spTree>
+    <p:extLst>
+      <p:ext uri="{BB962C8B-B14F-4D97-AF65-F5344CB8AC3E}">
+        <p14:creationId xmlns:p14="http://schemas.microsoft.com/office/powerpoint/2010/main" val="2967098540"/>
+      </p:ext>
+    </p:extLst>
+  </p:cSld>
+  <p:clrMapOvr>
+    <a:masterClrMapping/>
+  </p:clrMapOvr>
+</p:sld>
+</file>
+
+<file path=ppt/slides/slide14.xml><?xml version="1.0" encoding="utf-8"?>
+<p:sld xmlns:a="http://schemas.openxmlformats.org/drawingml/2006/main" xmlns:r="http://schemas.openxmlformats.org/officeDocument/2006/relationships" xmlns:p="http://schemas.openxmlformats.org/presentationml/2006/main">
+  <p:cSld>
+    <p:spTree>
+      <p:nvGrpSpPr>
+        <p:cNvPr id="1" name=""/>
+        <p:cNvGrpSpPr/>
+        <p:nvPr/>
+      </p:nvGrpSpPr>
+      <p:grpSpPr>
+        <a:xfrm>
+          <a:off x="0" y="0"/>
+          <a:ext cx="0" cy="0"/>
+          <a:chOff x="0" y="0"/>
+          <a:chExt cx="0" cy="0"/>
+        </a:xfrm>
+      </p:grpSpPr>
+      <p:sp>
+        <p:nvSpPr>
+          <p:cNvPr id="2" name="Title 1"/>
+          <p:cNvSpPr>
+            <a:spLocks noGrp="1"/>
+          </p:cNvSpPr>
+          <p:nvPr>
+            <p:ph type="title"/>
+          </p:nvPr>
+        </p:nvSpPr>
+        <p:spPr/>
+        <p:txBody>
+          <a:bodyPr/>
+          <a:lstStyle/>
+          <a:p>
+            <a:r>
               <a:rPr lang="en-US" dirty="0"/>
-              <a:t>Positioning P and P#</a:t>
+              <a:t>P/P# in relation to …</a:t>
             </a:r>
           </a:p>
         </p:txBody>
@@ -4588,27 +4871,14 @@
         <p:spPr/>
         <p:txBody>
           <a:bodyPr>
-            <a:normAutofit/>
+            <a:normAutofit lnSpcReduction="10000"/>
           </a:bodyPr>
           <a:lstStyle/>
           <a:p>
             <a:r>
               <a:rPr lang="en-US" dirty="0"/>
-              <a:t>Three </a:t>
-            </a:r>
-            <a:r>
-              <a:rPr lang="en-US" dirty="0" smtClean="0"/>
-              <a:t>are key </a:t>
-            </a:r>
-            <a:r>
-              <a:rPr lang="en-US" dirty="0"/>
-              <a:t>capabilities not found together in any other </a:t>
-            </a:r>
-            <a:r>
-              <a:rPr lang="en-US" dirty="0" smtClean="0"/>
-              <a:t>system:</a:t>
-            </a:r>
-            <a:endParaRPr lang="en-US" dirty="0"/>
+              <a:t>Key capabilities not found together in any other system:</a:t>
+            </a:r>
           </a:p>
           <a:p>
             <a:pPr marL="457200" indent="-457200">
@@ -4617,19 +4887,7 @@
             </a:pPr>
             <a:r>
               <a:rPr lang="en-US" dirty="0"/>
-              <a:t>P</a:t>
-            </a:r>
-            <a:r>
-              <a:rPr lang="en-US" dirty="0" smtClean="0"/>
-              <a:t>rogramming </a:t>
-            </a:r>
-            <a:r>
-              <a:rPr lang="en-US" dirty="0"/>
-              <a:t>model and implementation based on asynchronous communicating state </a:t>
-            </a:r>
-            <a:r>
-              <a:rPr lang="en-US" dirty="0" smtClean="0"/>
-              <a:t>machines.</a:t>
+              <a:t>Programming model and implementation based on asynchronous communicating state machines.</a:t>
             </a:r>
           </a:p>
           <a:p>
@@ -4639,19 +4897,7 @@
             </a:pPr>
             <a:r>
               <a:rPr lang="en-US" dirty="0"/>
-              <a:t>S</a:t>
-            </a:r>
-            <a:r>
-              <a:rPr lang="en-US" dirty="0" smtClean="0"/>
-              <a:t>afety </a:t>
-            </a:r>
-            <a:r>
-              <a:rPr lang="en-US" dirty="0"/>
-              <a:t>and liveness </a:t>
-            </a:r>
-            <a:r>
-              <a:rPr lang="en-US" dirty="0" smtClean="0"/>
-              <a:t>specifications.</a:t>
+              <a:t>Controlled concurrency testing against safety and liveness properties and reproducible error traces.</a:t>
             </a:r>
           </a:p>
           <a:p>
@@ -4661,29 +4907,7 @@
             </a:pPr>
             <a:r>
               <a:rPr lang="en-US" dirty="0"/>
-              <a:t>C</a:t>
-            </a:r>
-            <a:r>
-              <a:rPr lang="en-US" dirty="0" smtClean="0"/>
-              <a:t>ontrolled </a:t>
-            </a:r>
-            <a:r>
-              <a:rPr lang="en-US" dirty="0"/>
-              <a:t>concurrency testing and reproducible error </a:t>
-            </a:r>
-            <a:r>
-              <a:rPr lang="en-US" dirty="0" smtClean="0"/>
-              <a:t>traces.</a:t>
-            </a:r>
-          </a:p>
-          <a:p>
-            <a:pPr marL="457200" indent="-457200">
-              <a:buFont typeface="+mj-lt"/>
-              <a:buAutoNum type="arabicPeriod"/>
-            </a:pPr>
-            <a:r>
-              <a:rPr lang="en-US" dirty="0" smtClean="0"/>
-              <a:t>Module System for Compositional Reasoning</a:t>
+              <a:t>Modules for compositional reasoning</a:t>
             </a:r>
           </a:p>
           <a:p>
@@ -4696,60 +4920,42 @@
           <a:p>
             <a:r>
               <a:rPr lang="en-US" dirty="0"/>
-              <a:t>What about model </a:t>
-            </a:r>
-            <a:r>
-              <a:rPr lang="en-US" dirty="0" smtClean="0"/>
-              <a:t>checkers (SPIN, TLA, ..)?</a:t>
-            </a:r>
-            <a:endParaRPr lang="en-US" dirty="0"/>
+              <a:t>What about model checkers (SPIN, TLA, ..)?</a:t>
+            </a:r>
           </a:p>
           <a:p>
             <a:pPr marL="829818" lvl="1" indent="-342900"/>
             <a:r>
-              <a:rPr lang="en-US" dirty="0" smtClean="0"/>
-              <a:t>No </a:t>
-            </a:r>
-            <a:r>
               <a:rPr lang="en-US" dirty="0"/>
-              <a:t>methodology for connecting specifications to executable </a:t>
-            </a:r>
-            <a:r>
-              <a:rPr lang="en-US" dirty="0" smtClean="0"/>
-              <a:t>code</a:t>
-            </a:r>
-          </a:p>
-          <a:p>
-            <a:r>
-              <a:rPr lang="en-US" dirty="0" smtClean="0"/>
-              <a:t>What </a:t>
-            </a:r>
+              <a:t>No methodology for connecting models and specifications to executable code</a:t>
+            </a:r>
+          </a:p>
+          <a:p>
             <a:r>
               <a:rPr lang="en-US" dirty="0"/>
-              <a:t>about </a:t>
-            </a:r>
-            <a:r>
-              <a:rPr lang="en-US" dirty="0" err="1" smtClean="0"/>
+              <a:t>What about </a:t>
+            </a:r>
+            <a:r>
+              <a:rPr lang="en-US" dirty="0" err="1"/>
               <a:t>fuzzers</a:t>
             </a:r>
             <a:r>
-              <a:rPr lang="en-US" dirty="0" smtClean="0"/>
-              <a:t>?</a:t>
+              <a:rPr lang="en-US" dirty="0"/>
+              <a:t> (Jepson, …)?</a:t>
             </a:r>
           </a:p>
           <a:p>
             <a:pPr marL="829818" lvl="1" indent="-342900"/>
             <a:r>
-              <a:rPr lang="en-US" dirty="0" smtClean="0"/>
-              <a:t>No </a:t>
-            </a:r>
-            <a:r>
               <a:rPr lang="en-US" dirty="0"/>
-              <a:t>specifications, not reproducible error </a:t>
-            </a:r>
-            <a:r>
-              <a:rPr lang="en-US" dirty="0" smtClean="0"/>
-              <a:t>traces</a:t>
+              <a:t>No modeling or specifications</a:t>
+            </a:r>
+          </a:p>
+          <a:p>
+            <a:pPr marL="829818" lvl="1" indent="-342900"/>
+            <a:r>
+              <a:rPr lang="en-US" dirty="0"/>
+              <a:t>Error traces are not reproducible</a:t>
             </a:r>
           </a:p>
           <a:p>
@@ -4821,7 +5027,7 @@
             <a:fld id="{77CC721F-1D71-470D-9ADD-E53F1C9EB23A}" type="slidenum">
               <a:rPr lang="en-US" smtClean="0"/>
               <a:pPr/>
-              <a:t>13</a:t>
+              <a:t>14</a:t>
             </a:fld>
             <a:endParaRPr lang="en-US" dirty="0"/>
           </a:p>

--- a/Presentations/1 - Introduction.pptx
+++ b/Presentations/1 - Introduction.pptx
@@ -228,7 +228,7 @@
           <a:p>
             <a:fld id="{FC61A6FD-3ACD-4666-B601-2198EA538879}" type="datetimeFigureOut">
               <a:rPr lang="en-US" smtClean="0"/>
-              <a:t>6/22/19</a:t>
+              <a:t>6/23/2019</a:t>
             </a:fld>
             <a:endParaRPr lang="en-US"/>
           </a:p>
@@ -406,7 +406,7 @@
           <a:p>
             <a:fld id="{37DF9D4D-9EA6-4037-AB5B-4AEE090FBDF0}" type="datetimeFigureOut">
               <a:rPr lang="en-US" smtClean="0"/>
-              <a:t>6/22/19</a:t>
+              <a:t>6/23/2019</a:t>
             </a:fld>
             <a:endParaRPr lang="en-US"/>
           </a:p>
@@ -3948,6 +3948,81 @@
   <p:clrMapOvr>
     <a:masterClrMapping/>
   </p:clrMapOvr>
+  <p:timing>
+    <p:tnLst>
+      <p:par>
+        <p:cTn id="1" dur="indefinite" restart="never" nodeType="tmRoot">
+          <p:childTnLst>
+            <p:seq concurrent="1" nextAc="seek">
+              <p:cTn id="2" dur="indefinite" nodeType="mainSeq">
+                <p:childTnLst>
+                  <p:par>
+                    <p:cTn id="3" fill="hold">
+                      <p:stCondLst>
+                        <p:cond delay="indefinite"/>
+                      </p:stCondLst>
+                      <p:childTnLst>
+                        <p:par>
+                          <p:cTn id="4" fill="hold">
+                            <p:stCondLst>
+                              <p:cond delay="0"/>
+                            </p:stCondLst>
+                            <p:childTnLst>
+                              <p:par>
+                                <p:cTn id="5" presetID="1" presetClass="entr" presetSubtype="0" fill="hold" nodeType="clickEffect">
+                                  <p:stCondLst>
+                                    <p:cond delay="0"/>
+                                  </p:stCondLst>
+                                  <p:childTnLst>
+                                    <p:set>
+                                      <p:cBhvr>
+                                        <p:cTn id="6" dur="1" fill="hold">
+                                          <p:stCondLst>
+                                            <p:cond delay="0"/>
+                                          </p:stCondLst>
+                                        </p:cTn>
+                                        <p:tgtEl>
+                                          <p:spTgt spid="8"/>
+                                        </p:tgtEl>
+                                        <p:attrNameLst>
+                                          <p:attrName>style.visibility</p:attrName>
+                                        </p:attrNameLst>
+                                      </p:cBhvr>
+                                      <p:to>
+                                        <p:strVal val="visible"/>
+                                      </p:to>
+                                    </p:set>
+                                  </p:childTnLst>
+                                </p:cTn>
+                              </p:par>
+                            </p:childTnLst>
+                          </p:cTn>
+                        </p:par>
+                      </p:childTnLst>
+                    </p:cTn>
+                  </p:par>
+                </p:childTnLst>
+              </p:cTn>
+              <p:prevCondLst>
+                <p:cond evt="onPrev" delay="0">
+                  <p:tgtEl>
+                    <p:sldTgt/>
+                  </p:tgtEl>
+                </p:cond>
+              </p:prevCondLst>
+              <p:nextCondLst>
+                <p:cond evt="onNext" delay="0">
+                  <p:tgtEl>
+                    <p:sldTgt/>
+                  </p:tgtEl>
+                </p:cond>
+              </p:nextCondLst>
+            </p:seq>
+          </p:childTnLst>
+        </p:cTn>
+      </p:par>
+    </p:tnLst>
+  </p:timing>
 </p:sld>
 </file>
 
@@ -4037,13 +4112,19 @@
           <a:p>
             <a:r>
               <a:rPr lang="en-US" dirty="0"/>
-              <a:t>2016-2018: Gradual adoption of P# in Azure services</a:t>
+              <a:t>2016-2018: Gradual adoption: Windows drivers and Azure services</a:t>
             </a:r>
           </a:p>
           <a:p>
             <a:r>
               <a:rPr lang="en-US" dirty="0"/>
               <a:t>2018: P modules designed and new compiler targeting C and P#</a:t>
+            </a:r>
+          </a:p>
+          <a:p>
+            <a:r>
+              <a:rPr lang="en-US" dirty="0"/>
+              <a:t>2019: Distributed runtime for P#</a:t>
             </a:r>
           </a:p>
         </p:txBody>
@@ -4612,7 +4693,7 @@
         <p:spPr/>
         <p:txBody>
           <a:bodyPr>
-            <a:normAutofit fontScale="92500"/>
+            <a:normAutofit fontScale="92500" lnSpcReduction="10000"/>
           </a:bodyPr>
           <a:lstStyle/>
           <a:p>
@@ -4633,6 +4714,7 @@
             </a:r>
           </a:p>
           <a:p>
+            <a:pPr marL="829818" lvl="1" indent="-342900"/>
             <a:endParaRPr lang="en-US" dirty="0"/>
           </a:p>
           <a:p>
@@ -4642,14 +4724,14 @@
             </a:pPr>
             <a:r>
               <a:rPr lang="en-US" i="1" dirty="0"/>
-              <a:t>“Nondeterminism is pervasive in concurrent and distributed systems”</a:t>
+              <a:t>“It is not just about finding bugs”</a:t>
             </a:r>
           </a:p>
           <a:p>
             <a:pPr marL="829818" lvl="1" indent="-342900"/>
             <a:r>
-              <a:rPr lang="en-US" dirty="0"/>
-              <a:t>runtimes must be designed with control in mind; too difficult to add later</a:t>
+              <a:rPr lang="en-US" i="1" dirty="0"/>
+              <a:t>modeling and coding proceed together and tools run every time code is checked in</a:t>
             </a:r>
           </a:p>
           <a:p>
@@ -4661,43 +4743,15 @@
               <a:buChar char="•"/>
             </a:pPr>
             <a:r>
+              <a:rPr lang="en-US" i="1" dirty="0"/>
+              <a:t>“Nondeterminism is pervasive in concurrent and distributed systems”</a:t>
+            </a:r>
+          </a:p>
+          <a:p>
+            <a:pPr marL="829818" lvl="1" indent="-342900"/>
+            <a:r>
               <a:rPr lang="en-US" dirty="0"/>
-              <a:t>“</a:t>
-            </a:r>
-            <a:r>
-              <a:rPr lang="en-US" i="1" dirty="0"/>
-              <a:t>Getting a new language adopted is difficult</a:t>
-            </a:r>
-            <a:r>
-              <a:rPr lang="en-US" dirty="0"/>
-              <a:t>”</a:t>
-            </a:r>
-          </a:p>
-          <a:p>
-            <a:pPr marL="829818" lvl="1" indent="-342900"/>
-            <a:r>
-              <a:rPr lang="en-US" dirty="0"/>
-              <a:t>even if you have the most amazing feature X; practically Y</a:t>
-            </a:r>
-            <a:r>
-              <a:rPr lang="en-US" baseline="-25000" dirty="0"/>
-              <a:t>1</a:t>
-            </a:r>
-            <a:r>
-              <a:rPr lang="en-US" dirty="0"/>
-              <a:t>, …, </a:t>
-            </a:r>
-            <a:r>
-              <a:rPr lang="en-US" dirty="0" err="1"/>
-              <a:t>Y</a:t>
-            </a:r>
-            <a:r>
-              <a:rPr lang="en-US" baseline="-25000" dirty="0" err="1"/>
-              <a:t>n</a:t>
-            </a:r>
-            <a:r>
-              <a:rPr lang="en-US" dirty="0"/>
-              <a:t> are also needed</a:t>
+              <a:t>runtimes must be designed with control in mind; too difficult to add later</a:t>
             </a:r>
           </a:p>
           <a:p>
@@ -4714,7 +4768,7 @@
             </a:r>
             <a:r>
               <a:rPr lang="en-US" i="1" dirty="0"/>
-              <a:t>Compiler and runtime are two different things</a:t>
+              <a:t>Getting a new language adopted is difficult</a:t>
             </a:r>
             <a:r>
               <a:rPr lang="en-US" dirty="0"/>
@@ -4725,11 +4779,28 @@
             <a:pPr marL="829818" lvl="1" indent="-342900"/>
             <a:r>
               <a:rPr lang="en-US" dirty="0"/>
-              <a:t>usable runtime is prerequisite for a usable compiler</a:t>
-            </a:r>
-          </a:p>
-          <a:p>
-            <a:endParaRPr lang="en-US" dirty="0"/>
+              <a:t>even if you have the most amazing feature X; practically Y</a:t>
+            </a:r>
+            <a:r>
+              <a:rPr lang="en-US" baseline="-25000" dirty="0"/>
+              <a:t>1</a:t>
+            </a:r>
+            <a:r>
+              <a:rPr lang="en-US" dirty="0"/>
+              <a:t>, …, </a:t>
+            </a:r>
+            <a:r>
+              <a:rPr lang="en-US" dirty="0" err="1"/>
+              <a:t>Y</a:t>
+            </a:r>
+            <a:r>
+              <a:rPr lang="en-US" baseline="-25000" dirty="0" err="1"/>
+              <a:t>n</a:t>
+            </a:r>
+            <a:r>
+              <a:rPr lang="en-US" dirty="0"/>
+              <a:t> are also needed</a:t>
+            </a:r>
           </a:p>
           <a:p>
             <a:endParaRPr lang="en-US" dirty="0"/>
@@ -4848,12 +4919,14 @@
         </p:nvSpPr>
         <p:spPr/>
         <p:txBody>
-          <a:bodyPr/>
+          <a:bodyPr>
+            <a:normAutofit/>
+          </a:bodyPr>
           <a:lstStyle/>
           <a:p>
             <a:r>
               <a:rPr lang="en-US" dirty="0"/>
-              <a:t>P/P# in relation to …</a:t>
+              <a:t>Putting P and P# in context</a:t>
             </a:r>
           </a:p>
         </p:txBody>
@@ -4907,7 +4980,7 @@
             </a:pPr>
             <a:r>
               <a:rPr lang="en-US" dirty="0"/>
-              <a:t>Modules for compositional reasoning</a:t>
+              <a:t>Modules for compositional reasoning about concurrency</a:t>
             </a:r>
           </a:p>
           <a:p>
@@ -5865,7 +5938,7 @@
                 </a:solidFill>
                 <a:latin typeface="Arial Rounded MT Bold" panose="020F0704030504030204" pitchFamily="34" charset="0"/>
               </a:rPr>
-              <a:t>Operating System, Device-Drivers, Web-Applications.</a:t>
+              <a:t>Operating System, Device-Drivers, Web-Applications</a:t>
             </a:r>
           </a:p>
         </p:txBody>
@@ -5900,7 +5973,7 @@
                 </a:solidFill>
                 <a:latin typeface="Arial Rounded MT Bold" panose="020F0704030504030204" pitchFamily="34" charset="0"/>
               </a:rPr>
-              <a:t>Industrial Automation, Robotic System, Cyber Physical Systems.</a:t>
+              <a:t>Industrial Automation, Robotic System, Cyber Physical Systems</a:t>
             </a:r>
           </a:p>
         </p:txBody>
@@ -5976,7 +6049,7 @@
                 </a:solidFill>
                 <a:latin typeface="Arial Rounded MT Bold" panose="020F0704030504030204" pitchFamily="34" charset="0"/>
               </a:rPr>
-              <a:t>Distributed Systems, Distributed Storage.</a:t>
+              <a:t>Distributed Systems, Distributed Storage</a:t>
             </a:r>
           </a:p>
         </p:txBody>
@@ -6093,7 +6166,7 @@
                 </a:solidFill>
                 <a:latin typeface="Arial Rounded MT Bold" panose="020F0704030504030204" pitchFamily="34" charset="0"/>
               </a:rPr>
-              <a:t>Internet of Things.</a:t>
+              <a:t>Internet of Things</a:t>
             </a:r>
           </a:p>
         </p:txBody>
@@ -6147,7 +6220,7 @@
           <a:p>
             <a:r>
               <a:rPr lang="en-US" sz="3200" dirty="0"/>
-              <a:t>Characteristics of Event Driven Systems</a:t>
+              <a:t>Characteristics</a:t>
             </a:r>
           </a:p>
         </p:txBody>
@@ -6175,37 +6248,30 @@
             </a:pPr>
             <a:r>
               <a:rPr lang="en-US" sz="2400" dirty="0"/>
-              <a:t>Event-Driven Asynchronous System (actor model):</a:t>
+              <a:t>Explicit, targeted, buffered communication:</a:t>
             </a:r>
           </a:p>
           <a:p>
             <a:pPr marL="829818" lvl="1" indent="-342900"/>
             <a:r>
               <a:rPr lang="en-US" sz="2000" dirty="0"/>
-              <a:t>Collection of concurrently executing processes.</a:t>
+              <a:t>Dynamically-created processes executing concurrently.</a:t>
             </a:r>
           </a:p>
           <a:p>
             <a:pPr marL="829818" lvl="1" indent="-342900"/>
             <a:r>
               <a:rPr lang="en-US" sz="2000" dirty="0"/>
-              <a:t>Processes can be created dynamically.</a:t>
+              <a:t>Processes communicate by asynchronously sending messages or events to each other.</a:t>
             </a:r>
           </a:p>
           <a:p>
             <a:pPr marL="829818" lvl="1" indent="-342900"/>
             <a:r>
               <a:rPr lang="en-US" sz="2000" dirty="0"/>
-              <a:t>Processes communicate by asynchronously sending messages or events to each other (no shared memory).</a:t>
-            </a:r>
-          </a:p>
-          <a:p>
-            <a:pPr marL="829818" lvl="1" indent="-342900"/>
-            <a:endParaRPr lang="en-US" sz="2000" dirty="0"/>
-          </a:p>
-          <a:p>
-            <a:pPr marL="829818" lvl="1" indent="-342900"/>
-            <a:endParaRPr lang="en-US" sz="2000" dirty="0"/>
+              <a:t>No shared memory.</a:t>
+            </a:r>
+            <a:endParaRPr lang="en-US" sz="2400" dirty="0"/>
           </a:p>
           <a:p>
             <a:pPr marL="342900" indent="-342900">
@@ -6213,8 +6279,22 @@
               <a:buChar char="•"/>
             </a:pPr>
             <a:r>
+              <a:rPr lang="en-US" sz="2200" dirty="0"/>
+              <a:t>Also known as: actors, communicating state machines</a:t>
+            </a:r>
+          </a:p>
+          <a:p>
+            <a:pPr marL="829818" lvl="1" indent="-342900"/>
+            <a:endParaRPr lang="en-US" sz="2000" dirty="0"/>
+          </a:p>
+          <a:p>
+            <a:pPr marL="342900" indent="-342900">
+              <a:buFont typeface="Arial" panose="020B0604020202020204" pitchFamily="34" charset="0"/>
+              <a:buChar char="•"/>
+            </a:pPr>
+            <a:r>
               <a:rPr lang="en-US" sz="2400" dirty="0"/>
-              <a:t>Reactive Systems:</a:t>
+              <a:t>Reactive:</a:t>
             </a:r>
           </a:p>
           <a:p>
@@ -6451,7 +6531,7 @@
             <a:pPr algn="ctr"/>
             <a:r>
               <a:rPr lang="en-US" sz="3200" dirty="0"/>
-              <a:t>Programming Event Driven Systems is Challenging</a:t>
+              <a:t>Programming is Difficult</a:t>
             </a:r>
           </a:p>
         </p:txBody>
@@ -8018,7 +8098,7 @@
             </a:pPr>
             <a:r>
               <a:rPr lang="en-US" dirty="0"/>
-              <a:t>P: State machine based language for safe event-driven programming </a:t>
+              <a:t>P: State-machine language for safe event-driven programming </a:t>
             </a:r>
             <a:r>
               <a:rPr lang="en-US" dirty="0">
@@ -8066,7 +8146,7 @@
             </a:pPr>
             <a:r>
               <a:rPr lang="en-US" dirty="0"/>
-              <a:t>Modular P: Implements a module system for hierarchical and compositional reasoning </a:t>
+              <a:t>Modular P: Module system for hierarchical and compositional reasoning </a:t>
             </a:r>
             <a:r>
               <a:rPr lang="en-US" dirty="0">
@@ -8736,7 +8816,7 @@
                   <a:schemeClr val="tx1"/>
                 </a:solidFill>
               </a:rPr>
-              <a:t>Intermediate Code</a:t>
+              <a:t>Code</a:t>
             </a:r>
           </a:p>
         </p:txBody>
@@ -9033,6 +9113,58 @@
                 </a:solidFill>
               </a:rPr>
               <a:t>[FMCAD 2017]</a:t>
+            </a:r>
+          </a:p>
+        </p:txBody>
+      </p:sp>
+      <p:sp>
+        <p:nvSpPr>
+          <p:cNvPr id="26" name="Rectangle: Rounded Corners 25">
+            <a:extLst>
+              <a:ext uri="{FF2B5EF4-FFF2-40B4-BE49-F238E27FC236}">
+                <a16:creationId xmlns:a16="http://schemas.microsoft.com/office/drawing/2014/main" id="{5A067595-8C0E-4790-A6CD-A54C0F2050D0}"/>
+              </a:ext>
+            </a:extLst>
+          </p:cNvPr>
+          <p:cNvSpPr/>
+          <p:nvPr/>
+        </p:nvSpPr>
+        <p:spPr>
+          <a:xfrm>
+            <a:off x="2929317" y="3718864"/>
+            <a:ext cx="1322335" cy="284672"/>
+          </a:xfrm>
+          <a:prstGeom prst="roundRect">
+            <a:avLst/>
+          </a:prstGeom>
+          <a:ln/>
+        </p:spPr>
+        <p:style>
+          <a:lnRef idx="1">
+            <a:schemeClr val="accent6"/>
+          </a:lnRef>
+          <a:fillRef idx="1003">
+            <a:schemeClr val="lt1"/>
+          </a:fillRef>
+          <a:effectRef idx="2">
+            <a:schemeClr val="accent6"/>
+          </a:effectRef>
+          <a:fontRef idx="minor">
+            <a:schemeClr val="lt1"/>
+          </a:fontRef>
+        </p:style>
+        <p:txBody>
+          <a:bodyPr rtlCol="0" anchor="ctr"/>
+          <a:lstStyle/>
+          <a:p>
+            <a:pPr algn="ctr"/>
+            <a:r>
+              <a:rPr lang="en-US" sz="1400" dirty="0">
+                <a:solidFill>
+                  <a:schemeClr val="tx1"/>
+                </a:solidFill>
+              </a:rPr>
+              <a:t>Runtime</a:t>
             </a:r>
           </a:p>
         </p:txBody>
@@ -9741,8 +9873,8 @@
         </p:nvSpPr>
         <p:spPr>
           <a:xfrm>
-            <a:off x="6572147" y="1573527"/>
-            <a:ext cx="853191" cy="480377"/>
+            <a:off x="6572147" y="1965958"/>
+            <a:ext cx="853191" cy="446936"/>
           </a:xfrm>
           <a:prstGeom prst="roundRect">
             <a:avLst/>
@@ -9775,38 +9907,29 @@
           <a:p>
             <a:pPr algn="ctr"/>
             <a:r>
-              <a:rPr lang="en-US" sz="1200" dirty="0" err="1"/>
-              <a:t>Autogen</a:t>
-            </a:r>
-            <a:r>
               <a:rPr lang="en-US" sz="1200" dirty="0"/>
-              <a:t> </a:t>
-            </a:r>
-            <a:r>
-              <a:rPr lang="en-US" sz="1200" dirty="0" err="1"/>
-              <a:t>Impl</a:t>
-            </a:r>
-            <a:r>
-              <a:rPr lang="en-US" sz="1200" dirty="0"/>
-              <a:t>.</a:t>
-            </a:r>
-          </a:p>
-        </p:txBody>
-      </p:sp>
-      <p:sp>
-        <p:nvSpPr>
-          <p:cNvPr id="22" name="Rectangle: Rounded Corners 22"/>
+              <a:t>Code</a:t>
+            </a:r>
+          </a:p>
+        </p:txBody>
+      </p:sp>
+      <p:sp>
+        <p:nvSpPr>
+          <p:cNvPr id="23" name="Rectangle: Rounded Corners 23"/>
           <p:cNvSpPr/>
           <p:nvPr/>
         </p:nvSpPr>
         <p:spPr>
           <a:xfrm>
-            <a:off x="6568535" y="2053905"/>
-            <a:ext cx="853193" cy="336564"/>
+            <a:off x="7428950" y="1959896"/>
+            <a:ext cx="836498" cy="452998"/>
           </a:xfrm>
           <a:prstGeom prst="roundRect">
             <a:avLst/>
           </a:prstGeom>
+          <a:solidFill>
+            <a:schemeClr val="bg1"/>
+          </a:solidFill>
           <a:ln>
             <a:solidFill>
               <a:schemeClr val="accent1">
@@ -9836,29 +9959,25 @@
             <a:pPr algn="ctr"/>
             <a:r>
               <a:rPr lang="en-US" sz="1200" dirty="0"/>
-              <a:t>Wrappers</a:t>
-            </a:r>
-            <a:endParaRPr lang="en-US" sz="1050" dirty="0"/>
-          </a:p>
-        </p:txBody>
-      </p:sp>
-      <p:sp>
-        <p:nvSpPr>
-          <p:cNvPr id="23" name="Rectangle: Rounded Corners 23"/>
+              <a:t>Runtime</a:t>
+            </a:r>
+          </a:p>
+        </p:txBody>
+      </p:sp>
+      <p:sp>
+        <p:nvSpPr>
+          <p:cNvPr id="24" name="Rectangle: Rounded Corners 24"/>
           <p:cNvSpPr/>
           <p:nvPr/>
         </p:nvSpPr>
         <p:spPr>
           <a:xfrm>
-            <a:off x="7428950" y="1573527"/>
-            <a:ext cx="836498" cy="816942"/>
+            <a:off x="6568535" y="2410318"/>
+            <a:ext cx="1696913" cy="312183"/>
           </a:xfrm>
           <a:prstGeom prst="roundRect">
             <a:avLst/>
           </a:prstGeom>
-          <a:solidFill>
-            <a:schemeClr val="bg1"/>
-          </a:solidFill>
           <a:ln>
             <a:solidFill>
               <a:schemeClr val="accent1">
@@ -9887,67 +10006,8 @@
           <a:p>
             <a:pPr algn="ctr"/>
             <a:r>
-              <a:rPr lang="en-US" sz="1200" dirty="0">
-                <a:solidFill>
-                  <a:srgbClr val="FF0000"/>
-                </a:solidFill>
-              </a:rPr>
-              <a:t>P</a:t>
-            </a:r>
-          </a:p>
-          <a:p>
-            <a:pPr algn="ctr"/>
-            <a:r>
               <a:rPr lang="en-US" sz="1200" dirty="0"/>
-              <a:t>Runtime</a:t>
-            </a:r>
-          </a:p>
-        </p:txBody>
-      </p:sp>
-      <p:sp>
-        <p:nvSpPr>
-          <p:cNvPr id="24" name="Rectangle: Rounded Corners 24"/>
-          <p:cNvSpPr/>
-          <p:nvPr/>
-        </p:nvSpPr>
-        <p:spPr>
-          <a:xfrm>
-            <a:off x="6568535" y="2410318"/>
-            <a:ext cx="1696913" cy="312183"/>
-          </a:xfrm>
-          <a:prstGeom prst="roundRect">
-            <a:avLst/>
-          </a:prstGeom>
-          <a:ln>
-            <a:solidFill>
-              <a:schemeClr val="accent1">
-                <a:lumMod val="75000"/>
-              </a:schemeClr>
-            </a:solidFill>
-          </a:ln>
-        </p:spPr>
-        <p:style>
-          <a:lnRef idx="2">
-            <a:schemeClr val="accent6"/>
-          </a:lnRef>
-          <a:fillRef idx="1">
-            <a:schemeClr val="lt1"/>
-          </a:fillRef>
-          <a:effectRef idx="0">
-            <a:schemeClr val="accent6"/>
-          </a:effectRef>
-          <a:fontRef idx="minor">
-            <a:schemeClr val="dk1"/>
-          </a:fontRef>
-        </p:style>
-        <p:txBody>
-          <a:bodyPr rtlCol="0" anchor="ctr"/>
-          <a:lstStyle/>
-          <a:p>
-            <a:pPr algn="ctr"/>
-            <a:r>
-              <a:rPr lang="en-US" sz="1200" dirty="0"/>
-              <a:t>OS, Libs</a:t>
+              <a:t>OS, Libs, Services</a:t>
             </a:r>
           </a:p>
         </p:txBody>
@@ -9993,7 +10053,7 @@
                   <a:schemeClr val="tx1"/>
                 </a:solidFill>
               </a:rPr>
-              <a:t>Intermediate Code</a:t>
+              <a:t>Code</a:t>
             </a:r>
           </a:p>
         </p:txBody>
@@ -10221,172 +10281,19 @@
           </a:p>
         </p:txBody>
       </p:sp>
-      <p:sp>
-        <p:nvSpPr>
-          <p:cNvPr id="32" name="Rectangle: Rounded Corners 40"/>
-          <p:cNvSpPr/>
-          <p:nvPr/>
-        </p:nvSpPr>
-        <p:spPr>
-          <a:xfrm>
-            <a:off x="3077589" y="1259076"/>
-            <a:ext cx="1003723" cy="814105"/>
-          </a:xfrm>
-          <a:prstGeom prst="roundRect">
-            <a:avLst/>
-          </a:prstGeom>
-          <a:ln>
-            <a:solidFill>
-              <a:schemeClr val="tx1"/>
-            </a:solidFill>
-            <a:prstDash val="lgDash"/>
-          </a:ln>
-        </p:spPr>
-        <p:style>
-          <a:lnRef idx="1">
-            <a:schemeClr val="accent5"/>
-          </a:lnRef>
-          <a:fillRef idx="2">
-            <a:schemeClr val="accent5"/>
-          </a:fillRef>
-          <a:effectRef idx="1">
-            <a:schemeClr val="accent5"/>
-          </a:effectRef>
-          <a:fontRef idx="minor">
-            <a:schemeClr val="dk1"/>
-          </a:fontRef>
-        </p:style>
-        <p:txBody>
-          <a:bodyPr rtlCol="0" anchor="ctr"/>
-          <a:lstStyle/>
-          <a:p>
-            <a:pPr algn="ctr"/>
-            <a:endParaRPr lang="en-US" dirty="0"/>
-          </a:p>
-        </p:txBody>
-      </p:sp>
-      <p:sp>
-        <p:nvSpPr>
-          <p:cNvPr id="33" name="Rectangle: Rounded Corners 42"/>
-          <p:cNvSpPr/>
-          <p:nvPr/>
-        </p:nvSpPr>
-        <p:spPr>
-          <a:xfrm>
-            <a:off x="3158455" y="1336900"/>
-            <a:ext cx="844793" cy="379254"/>
-          </a:xfrm>
-          <a:prstGeom prst="roundRect">
-            <a:avLst/>
-          </a:prstGeom>
-          <a:ln>
-            <a:solidFill>
-              <a:schemeClr val="accent1">
-                <a:lumMod val="75000"/>
-              </a:schemeClr>
-            </a:solidFill>
-          </a:ln>
-        </p:spPr>
-        <p:style>
-          <a:lnRef idx="2">
-            <a:schemeClr val="accent6"/>
-          </a:lnRef>
-          <a:fillRef idx="1">
-            <a:schemeClr val="lt1"/>
-          </a:fillRef>
-          <a:effectRef idx="0">
-            <a:schemeClr val="accent6"/>
-          </a:effectRef>
-          <a:fontRef idx="minor">
-            <a:schemeClr val="dk1"/>
-          </a:fontRef>
-        </p:style>
-        <p:txBody>
-          <a:bodyPr rtlCol="0" anchor="ctr"/>
-          <a:lstStyle/>
-          <a:p>
-            <a:pPr algn="ctr"/>
-            <a:r>
-              <a:rPr lang="en-US" sz="1200" dirty="0" err="1"/>
-              <a:t>Autogen</a:t>
-            </a:r>
-            <a:r>
-              <a:rPr lang="en-US" sz="1200" dirty="0"/>
-              <a:t>  C </a:t>
-            </a:r>
-            <a:r>
-              <a:rPr lang="en-US" sz="1200" dirty="0" err="1"/>
-              <a:t>Impl</a:t>
-            </a:r>
-            <a:r>
-              <a:rPr lang="en-US" sz="1200" dirty="0"/>
-              <a:t>.</a:t>
-            </a:r>
-          </a:p>
-        </p:txBody>
-      </p:sp>
-      <p:sp>
-        <p:nvSpPr>
-          <p:cNvPr id="34" name="Rectangle: Rounded Corners 43"/>
-          <p:cNvSpPr/>
-          <p:nvPr/>
-        </p:nvSpPr>
-        <p:spPr>
-          <a:xfrm>
-            <a:off x="3167615" y="1739376"/>
-            <a:ext cx="844795" cy="265715"/>
-          </a:xfrm>
-          <a:prstGeom prst="roundRect">
-            <a:avLst/>
-          </a:prstGeom>
-          <a:ln>
-            <a:solidFill>
-              <a:schemeClr val="accent1">
-                <a:lumMod val="75000"/>
-              </a:schemeClr>
-            </a:solidFill>
-          </a:ln>
-        </p:spPr>
-        <p:style>
-          <a:lnRef idx="2">
-            <a:schemeClr val="accent6"/>
-          </a:lnRef>
-          <a:fillRef idx="1">
-            <a:schemeClr val="lt1"/>
-          </a:fillRef>
-          <a:effectRef idx="0">
-            <a:schemeClr val="accent6"/>
-          </a:effectRef>
-          <a:fontRef idx="minor">
-            <a:schemeClr val="dk1"/>
-          </a:fontRef>
-        </p:style>
-        <p:txBody>
-          <a:bodyPr rtlCol="0" anchor="ctr"/>
-          <a:lstStyle/>
-          <a:p>
-            <a:pPr algn="ctr"/>
-            <a:r>
-              <a:rPr lang="en-US" sz="1200" dirty="0"/>
-              <a:t>Wrappers</a:t>
-            </a:r>
-            <a:endParaRPr lang="en-US" sz="1050" dirty="0"/>
-          </a:p>
-        </p:txBody>
-      </p:sp>
       <p:cxnSp>
         <p:nvCxnSpPr>
-          <p:cNvPr id="35" name="Connector: Elbow 48"/>
+          <p:cNvPr id="36" name="Connector: Elbow 53"/>
           <p:cNvCxnSpPr>
-            <a:stCxn id="32" idx="3"/>
-            <a:endCxn id="16" idx="2"/>
+            <a:stCxn id="16" idx="6"/>
+            <a:endCxn id="20" idx="1"/>
           </p:cNvCxnSpPr>
           <p:nvPr/>
         </p:nvCxnSpPr>
         <p:spPr>
-          <a:xfrm flipV="1">
-            <a:off x="4081312" y="1665733"/>
-            <a:ext cx="758603" cy="396"/>
+          <a:xfrm>
+            <a:off x="5714914" y="1665733"/>
+            <a:ext cx="791230" cy="502299"/>
           </a:xfrm>
           <a:prstGeom prst="bentConnector3">
             <a:avLst/>
@@ -10415,47 +10322,6 @@
           </a:fontRef>
         </p:style>
       </p:cxnSp>
-      <p:cxnSp>
-        <p:nvCxnSpPr>
-          <p:cNvPr id="36" name="Connector: Elbow 53"/>
-          <p:cNvCxnSpPr>
-            <a:stCxn id="16" idx="6"/>
-            <a:endCxn id="20" idx="1"/>
-          </p:cNvCxnSpPr>
-          <p:nvPr/>
-        </p:nvCxnSpPr>
-        <p:spPr>
-          <a:xfrm>
-            <a:off x="5714914" y="1665733"/>
-            <a:ext cx="791230" cy="502299"/>
-          </a:xfrm>
-          <a:prstGeom prst="bentConnector3">
-            <a:avLst/>
-          </a:prstGeom>
-          <a:ln w="28575">
-            <a:solidFill>
-              <a:schemeClr val="bg2">
-                <a:lumMod val="50000"/>
-              </a:schemeClr>
-            </a:solidFill>
-            <a:tailEnd type="triangle"/>
-          </a:ln>
-        </p:spPr>
-        <p:style>
-          <a:lnRef idx="1">
-            <a:schemeClr val="accent1"/>
-          </a:lnRef>
-          <a:fillRef idx="0">
-            <a:schemeClr val="accent1"/>
-          </a:fillRef>
-          <a:effectRef idx="0">
-            <a:schemeClr val="accent1"/>
-          </a:effectRef>
-          <a:fontRef idx="minor">
-            <a:schemeClr val="tx1"/>
-          </a:fontRef>
-        </p:style>
-      </p:cxnSp>
       <p:sp>
         <p:nvSpPr>
           <p:cNvPr id="37" name="TextBox 36"/>
@@ -10493,47 +10359,6 @@
           </a:p>
         </p:txBody>
       </p:sp>
-      <p:cxnSp>
-        <p:nvCxnSpPr>
-          <p:cNvPr id="38" name="Connector: Elbow 59"/>
-          <p:cNvCxnSpPr>
-            <a:stCxn id="15" idx="0"/>
-            <a:endCxn id="32" idx="2"/>
-          </p:cNvCxnSpPr>
-          <p:nvPr/>
-        </p:nvCxnSpPr>
-        <p:spPr>
-          <a:xfrm rot="5400000" flipH="1" flipV="1">
-            <a:off x="3468589" y="2184043"/>
-            <a:ext cx="221723" cy="1"/>
-          </a:xfrm>
-          <a:prstGeom prst="bentConnector3">
-            <a:avLst/>
-          </a:prstGeom>
-          <a:ln w="28575">
-            <a:solidFill>
-              <a:schemeClr val="bg2">
-                <a:lumMod val="50000"/>
-              </a:schemeClr>
-            </a:solidFill>
-            <a:tailEnd type="triangle"/>
-          </a:ln>
-        </p:spPr>
-        <p:style>
-          <a:lnRef idx="1">
-            <a:schemeClr val="accent1"/>
-          </a:lnRef>
-          <a:fillRef idx="0">
-            <a:schemeClr val="accent1"/>
-          </a:fillRef>
-          <a:effectRef idx="0">
-            <a:schemeClr val="accent1"/>
-          </a:effectRef>
-          <a:fontRef idx="minor">
-            <a:schemeClr val="tx1"/>
-          </a:fontRef>
-        </p:style>
-      </p:cxnSp>
       <p:sp>
         <p:nvSpPr>
           <p:cNvPr id="39" name="TextBox 38"/>
@@ -10643,6 +10468,103 @@
           </a:p>
         </p:txBody>
       </p:sp>
+      <p:sp>
+        <p:nvSpPr>
+          <p:cNvPr id="40" name="Rectangle: Rounded Corners 39">
+            <a:extLst>
+              <a:ext uri="{FF2B5EF4-FFF2-40B4-BE49-F238E27FC236}">
+                <a16:creationId xmlns:a16="http://schemas.microsoft.com/office/drawing/2014/main" id="{A86B83EA-3341-4FA0-A37B-6BF6B1482D5D}"/>
+              </a:ext>
+            </a:extLst>
+          </p:cNvPr>
+          <p:cNvSpPr/>
+          <p:nvPr/>
+        </p:nvSpPr>
+        <p:spPr>
+          <a:xfrm>
+            <a:off x="2929317" y="3718864"/>
+            <a:ext cx="1322335" cy="284672"/>
+          </a:xfrm>
+          <a:prstGeom prst="roundRect">
+            <a:avLst/>
+          </a:prstGeom>
+          <a:ln/>
+        </p:spPr>
+        <p:style>
+          <a:lnRef idx="1">
+            <a:schemeClr val="accent6"/>
+          </a:lnRef>
+          <a:fillRef idx="1003">
+            <a:schemeClr val="lt1"/>
+          </a:fillRef>
+          <a:effectRef idx="2">
+            <a:schemeClr val="accent6"/>
+          </a:effectRef>
+          <a:fontRef idx="minor">
+            <a:schemeClr val="lt1"/>
+          </a:fontRef>
+        </p:style>
+        <p:txBody>
+          <a:bodyPr rtlCol="0" anchor="ctr"/>
+          <a:lstStyle/>
+          <a:p>
+            <a:pPr algn="ctr"/>
+            <a:r>
+              <a:rPr lang="en-US" sz="1400" dirty="0">
+                <a:solidFill>
+                  <a:schemeClr val="tx1"/>
+                </a:solidFill>
+              </a:rPr>
+              <a:t>Runtime</a:t>
+            </a:r>
+          </a:p>
+        </p:txBody>
+      </p:sp>
+      <p:cxnSp>
+        <p:nvCxnSpPr>
+          <p:cNvPr id="42" name="Connector: Elbow 41">
+            <a:extLst>
+              <a:ext uri="{FF2B5EF4-FFF2-40B4-BE49-F238E27FC236}">
+                <a16:creationId xmlns:a16="http://schemas.microsoft.com/office/drawing/2014/main" id="{9A140ECA-0AB2-475E-8C0D-4FC898B2F3F9}"/>
+              </a:ext>
+            </a:extLst>
+          </p:cNvPr>
+          <p:cNvCxnSpPr>
+            <a:stCxn id="15" idx="0"/>
+            <a:endCxn id="37" idx="1"/>
+          </p:cNvCxnSpPr>
+          <p:nvPr/>
+        </p:nvCxnSpPr>
+        <p:spPr>
+          <a:xfrm rot="5400000" flipH="1" flipV="1">
+            <a:off x="3877683" y="1402173"/>
+            <a:ext cx="594499" cy="1190964"/>
+          </a:xfrm>
+          <a:prstGeom prst="bentConnector2">
+            <a:avLst/>
+          </a:prstGeom>
+          <a:ln w="28575">
+            <a:solidFill>
+              <a:schemeClr val="tx2"/>
+            </a:solidFill>
+            <a:tailEnd type="triangle"/>
+          </a:ln>
+        </p:spPr>
+        <p:style>
+          <a:lnRef idx="1">
+            <a:schemeClr val="accent1"/>
+          </a:lnRef>
+          <a:fillRef idx="0">
+            <a:schemeClr val="accent1"/>
+          </a:fillRef>
+          <a:effectRef idx="0">
+            <a:schemeClr val="accent1"/>
+          </a:effectRef>
+          <a:fontRef idx="minor">
+            <a:schemeClr val="tx1"/>
+          </a:fontRef>
+        </p:style>
+      </p:cxnSp>
     </p:spTree>
     <p:extLst>
       <p:ext uri="{BB962C8B-B14F-4D97-AF65-F5344CB8AC3E}">
